--- a/Presentation.pptx
+++ b/Presentation.pptx
@@ -7,6 +7,12 @@
   <p:sldIdLst>
     <p:sldId id="256" r:id="rId2"/>
     <p:sldId id="257" r:id="rId3"/>
+    <p:sldId id="258" r:id="rId4"/>
+    <p:sldId id="259" r:id="rId5"/>
+    <p:sldId id="260" r:id="rId6"/>
+    <p:sldId id="261" r:id="rId7"/>
+    <p:sldId id="262" r:id="rId8"/>
+    <p:sldId id="263" r:id="rId9"/>
   </p:sldIdLst>
   <p:sldSz cx="12192000" cy="6858000"/>
   <p:notesSz cx="6858000" cy="9144000"/>
@@ -106,6 +112,5258 @@
     </a:lvl9pPr>
   </p:defaultTextStyle>
 </p:presentation>
+</file>
+
+<file path=ppt/diagrams/colors1.xml><?xml version="1.0" encoding="utf-8"?>
+<dgm:colorsDef xmlns:dgm="http://schemas.openxmlformats.org/drawingml/2006/diagram" xmlns:a="http://schemas.openxmlformats.org/drawingml/2006/main" uniqueId="urn:microsoft.com/office/officeart/2005/8/colors/colorful5">
+  <dgm:title val=""/>
+  <dgm:desc val=""/>
+  <dgm:catLst>
+    <dgm:cat type="colorful" pri="10500"/>
+  </dgm:catLst>
+  <dgm:styleLbl name="node0">
+    <dgm:fillClrLst meth="repeat">
+      <a:schemeClr val="accent4"/>
+    </dgm:fillClrLst>
+    <dgm:linClrLst meth="repeat">
+      <a:schemeClr val="lt1"/>
+    </dgm:linClrLst>
+    <dgm:effectClrLst/>
+    <dgm:txLinClrLst/>
+    <dgm:txFillClrLst/>
+    <dgm:txEffectClrLst/>
+  </dgm:styleLbl>
+  <dgm:styleLbl name="node1">
+    <dgm:fillClrLst>
+      <a:schemeClr val="accent5"/>
+      <a:schemeClr val="accent6"/>
+    </dgm:fillClrLst>
+    <dgm:linClrLst meth="repeat">
+      <a:schemeClr val="lt1"/>
+    </dgm:linClrLst>
+    <dgm:effectClrLst/>
+    <dgm:txLinClrLst/>
+    <dgm:txFillClrLst/>
+    <dgm:txEffectClrLst/>
+  </dgm:styleLbl>
+  <dgm:styleLbl name="alignNode1">
+    <dgm:fillClrLst>
+      <a:schemeClr val="accent5"/>
+      <a:schemeClr val="accent6"/>
+    </dgm:fillClrLst>
+    <dgm:linClrLst>
+      <a:schemeClr val="accent5"/>
+      <a:schemeClr val="accent6"/>
+    </dgm:linClrLst>
+    <dgm:effectClrLst/>
+    <dgm:txLinClrLst/>
+    <dgm:txFillClrLst/>
+    <dgm:txEffectClrLst/>
+  </dgm:styleLbl>
+  <dgm:styleLbl name="lnNode1">
+    <dgm:fillClrLst>
+      <a:schemeClr val="accent5"/>
+      <a:schemeClr val="accent6"/>
+    </dgm:fillClrLst>
+    <dgm:linClrLst meth="repeat">
+      <a:schemeClr val="lt1"/>
+    </dgm:linClrLst>
+    <dgm:effectClrLst/>
+    <dgm:txLinClrLst/>
+    <dgm:txFillClrLst/>
+    <dgm:txEffectClrLst/>
+  </dgm:styleLbl>
+  <dgm:styleLbl name="vennNode1">
+    <dgm:fillClrLst>
+      <a:schemeClr val="accent5">
+        <a:alpha val="50000"/>
+      </a:schemeClr>
+      <a:schemeClr val="accent6">
+        <a:alpha val="50000"/>
+      </a:schemeClr>
+    </dgm:fillClrLst>
+    <dgm:linClrLst meth="repeat">
+      <a:schemeClr val="lt1"/>
+    </dgm:linClrLst>
+    <dgm:effectClrLst/>
+    <dgm:txLinClrLst/>
+    <dgm:txFillClrLst/>
+    <dgm:txEffectClrLst/>
+  </dgm:styleLbl>
+  <dgm:styleLbl name="node2">
+    <dgm:fillClrLst>
+      <a:schemeClr val="accent6"/>
+    </dgm:fillClrLst>
+    <dgm:linClrLst meth="repeat">
+      <a:schemeClr val="lt1"/>
+    </dgm:linClrLst>
+    <dgm:effectClrLst/>
+    <dgm:txLinClrLst/>
+    <dgm:txFillClrLst/>
+    <dgm:txEffectClrLst/>
+  </dgm:styleLbl>
+  <dgm:styleLbl name="node3">
+    <dgm:fillClrLst>
+      <a:schemeClr val="accent1"/>
+    </dgm:fillClrLst>
+    <dgm:linClrLst meth="repeat">
+      <a:schemeClr val="lt1"/>
+    </dgm:linClrLst>
+    <dgm:effectClrLst/>
+    <dgm:txLinClrLst/>
+    <dgm:txFillClrLst/>
+    <dgm:txEffectClrLst/>
+  </dgm:styleLbl>
+  <dgm:styleLbl name="node4">
+    <dgm:fillClrLst>
+      <a:schemeClr val="accent2"/>
+    </dgm:fillClrLst>
+    <dgm:linClrLst meth="repeat">
+      <a:schemeClr val="lt1"/>
+    </dgm:linClrLst>
+    <dgm:effectClrLst/>
+    <dgm:txLinClrLst/>
+    <dgm:txFillClrLst/>
+    <dgm:txEffectClrLst/>
+  </dgm:styleLbl>
+  <dgm:styleLbl name="fgImgPlace1">
+    <dgm:fillClrLst>
+      <a:schemeClr val="accent5">
+        <a:tint val="50000"/>
+      </a:schemeClr>
+      <a:schemeClr val="accent6">
+        <a:tint val="50000"/>
+      </a:schemeClr>
+    </dgm:fillClrLst>
+    <dgm:linClrLst meth="repeat">
+      <a:schemeClr val="lt1"/>
+    </dgm:linClrLst>
+    <dgm:effectClrLst/>
+    <dgm:txLinClrLst/>
+    <dgm:txFillClrLst meth="repeat">
+      <a:schemeClr val="lt1"/>
+    </dgm:txFillClrLst>
+    <dgm:txEffectClrLst/>
+  </dgm:styleLbl>
+  <dgm:styleLbl name="alignImgPlace1">
+    <dgm:fillClrLst>
+      <a:schemeClr val="accent5">
+        <a:tint val="50000"/>
+      </a:schemeClr>
+      <a:schemeClr val="accent6">
+        <a:tint val="20000"/>
+      </a:schemeClr>
+    </dgm:fillClrLst>
+    <dgm:linClrLst meth="repeat">
+      <a:schemeClr val="lt1"/>
+    </dgm:linClrLst>
+    <dgm:effectClrLst/>
+    <dgm:txLinClrLst/>
+    <dgm:txFillClrLst meth="repeat">
+      <a:schemeClr val="lt1"/>
+    </dgm:txFillClrLst>
+    <dgm:txEffectClrLst/>
+  </dgm:styleLbl>
+  <dgm:styleLbl name="bgImgPlace1">
+    <dgm:fillClrLst>
+      <a:schemeClr val="accent5">
+        <a:tint val="50000"/>
+      </a:schemeClr>
+      <a:schemeClr val="accent6">
+        <a:tint val="20000"/>
+      </a:schemeClr>
+    </dgm:fillClrLst>
+    <dgm:linClrLst meth="repeat">
+      <a:schemeClr val="lt1"/>
+    </dgm:linClrLst>
+    <dgm:effectClrLst/>
+    <dgm:txLinClrLst/>
+    <dgm:txFillClrLst meth="repeat">
+      <a:schemeClr val="lt1"/>
+    </dgm:txFillClrLst>
+    <dgm:txEffectClrLst/>
+  </dgm:styleLbl>
+  <dgm:styleLbl name="sibTrans2D1">
+    <dgm:fillClrLst>
+      <a:schemeClr val="accent5"/>
+      <a:schemeClr val="accent6"/>
+    </dgm:fillClrLst>
+    <dgm:linClrLst meth="repeat">
+      <a:schemeClr val="lt1"/>
+    </dgm:linClrLst>
+    <dgm:effectClrLst/>
+    <dgm:txLinClrLst/>
+    <dgm:txFillClrLst/>
+    <dgm:txEffectClrLst/>
+  </dgm:styleLbl>
+  <dgm:styleLbl name="fgSibTrans2D1">
+    <dgm:fillClrLst>
+      <a:schemeClr val="accent5"/>
+      <a:schemeClr val="accent6"/>
+    </dgm:fillClrLst>
+    <dgm:linClrLst meth="repeat">
+      <a:schemeClr val="lt1"/>
+    </dgm:linClrLst>
+    <dgm:effectClrLst/>
+    <dgm:txLinClrLst/>
+    <dgm:txFillClrLst meth="repeat">
+      <a:schemeClr val="lt1"/>
+    </dgm:txFillClrLst>
+    <dgm:txEffectClrLst/>
+  </dgm:styleLbl>
+  <dgm:styleLbl name="bgSibTrans2D1">
+    <dgm:fillClrLst>
+      <a:schemeClr val="accent5"/>
+      <a:schemeClr val="accent6"/>
+    </dgm:fillClrLst>
+    <dgm:linClrLst meth="repeat">
+      <a:schemeClr val="lt1"/>
+    </dgm:linClrLst>
+    <dgm:effectClrLst/>
+    <dgm:txLinClrLst/>
+    <dgm:txFillClrLst meth="repeat">
+      <a:schemeClr val="lt1"/>
+    </dgm:txFillClrLst>
+    <dgm:txEffectClrLst/>
+  </dgm:styleLbl>
+  <dgm:styleLbl name="sibTrans1D1">
+    <dgm:fillClrLst/>
+    <dgm:linClrLst>
+      <a:schemeClr val="accent5"/>
+      <a:schemeClr val="accent6"/>
+    </dgm:linClrLst>
+    <dgm:effectClrLst/>
+    <dgm:txLinClrLst/>
+    <dgm:txFillClrLst meth="repeat">
+      <a:schemeClr val="tx1"/>
+    </dgm:txFillClrLst>
+    <dgm:txEffectClrLst/>
+  </dgm:styleLbl>
+  <dgm:styleLbl name="callout">
+    <dgm:fillClrLst meth="repeat">
+      <a:schemeClr val="accent5"/>
+    </dgm:fillClrLst>
+    <dgm:linClrLst meth="repeat">
+      <a:schemeClr val="accent5">
+        <a:tint val="50000"/>
+      </a:schemeClr>
+    </dgm:linClrLst>
+    <dgm:effectClrLst/>
+    <dgm:txLinClrLst/>
+    <dgm:txFillClrLst meth="repeat">
+      <a:schemeClr val="tx1"/>
+    </dgm:txFillClrLst>
+    <dgm:txEffectClrLst/>
+  </dgm:styleLbl>
+  <dgm:styleLbl name="asst0">
+    <dgm:fillClrLst meth="repeat">
+      <a:schemeClr val="accent5"/>
+    </dgm:fillClrLst>
+    <dgm:linClrLst meth="repeat">
+      <a:schemeClr val="lt1">
+        <a:shade val="80000"/>
+      </a:schemeClr>
+    </dgm:linClrLst>
+    <dgm:effectClrLst/>
+    <dgm:txLinClrLst/>
+    <dgm:txFillClrLst/>
+    <dgm:txEffectClrLst/>
+  </dgm:styleLbl>
+  <dgm:styleLbl name="asst1">
+    <dgm:fillClrLst meth="repeat">
+      <a:schemeClr val="accent6"/>
+    </dgm:fillClrLst>
+    <dgm:linClrLst meth="repeat">
+      <a:schemeClr val="lt1">
+        <a:shade val="80000"/>
+      </a:schemeClr>
+    </dgm:linClrLst>
+    <dgm:effectClrLst/>
+    <dgm:txLinClrLst/>
+    <dgm:txFillClrLst/>
+    <dgm:txEffectClrLst/>
+  </dgm:styleLbl>
+  <dgm:styleLbl name="asst2">
+    <dgm:fillClrLst>
+      <a:schemeClr val="accent1"/>
+    </dgm:fillClrLst>
+    <dgm:linClrLst meth="repeat">
+      <a:schemeClr val="lt1"/>
+    </dgm:linClrLst>
+    <dgm:effectClrLst/>
+    <dgm:txLinClrLst/>
+    <dgm:txFillClrLst/>
+    <dgm:txEffectClrLst/>
+  </dgm:styleLbl>
+  <dgm:styleLbl name="asst3">
+    <dgm:fillClrLst>
+      <a:schemeClr val="accent2"/>
+    </dgm:fillClrLst>
+    <dgm:linClrLst meth="repeat">
+      <a:schemeClr val="lt1"/>
+    </dgm:linClrLst>
+    <dgm:effectClrLst/>
+    <dgm:txLinClrLst/>
+    <dgm:txFillClrLst/>
+    <dgm:txEffectClrLst/>
+  </dgm:styleLbl>
+  <dgm:styleLbl name="asst4">
+    <dgm:fillClrLst>
+      <a:schemeClr val="accent3"/>
+    </dgm:fillClrLst>
+    <dgm:linClrLst meth="repeat">
+      <a:schemeClr val="lt1"/>
+    </dgm:linClrLst>
+    <dgm:effectClrLst/>
+    <dgm:txLinClrLst/>
+    <dgm:txFillClrLst/>
+    <dgm:txEffectClrLst/>
+  </dgm:styleLbl>
+  <dgm:styleLbl name="parChTrans2D1">
+    <dgm:fillClrLst meth="repeat">
+      <a:schemeClr val="accent5"/>
+    </dgm:fillClrLst>
+    <dgm:linClrLst meth="repeat">
+      <a:schemeClr val="lt1"/>
+    </dgm:linClrLst>
+    <dgm:effectClrLst/>
+    <dgm:txLinClrLst/>
+    <dgm:txFillClrLst meth="repeat">
+      <a:schemeClr val="lt1"/>
+    </dgm:txFillClrLst>
+    <dgm:txEffectClrLst/>
+  </dgm:styleLbl>
+  <dgm:styleLbl name="parChTrans2D2">
+    <dgm:fillClrLst meth="repeat">
+      <a:schemeClr val="accent6"/>
+    </dgm:fillClrLst>
+    <dgm:linClrLst meth="repeat">
+      <a:schemeClr val="lt1"/>
+    </dgm:linClrLst>
+    <dgm:effectClrLst/>
+    <dgm:txLinClrLst/>
+    <dgm:txFillClrLst/>
+    <dgm:txEffectClrLst/>
+  </dgm:styleLbl>
+  <dgm:styleLbl name="parChTrans2D3">
+    <dgm:fillClrLst meth="repeat">
+      <a:schemeClr val="accent6"/>
+    </dgm:fillClrLst>
+    <dgm:linClrLst meth="repeat">
+      <a:schemeClr val="lt1"/>
+    </dgm:linClrLst>
+    <dgm:effectClrLst/>
+    <dgm:txLinClrLst/>
+    <dgm:txFillClrLst/>
+    <dgm:txEffectClrLst/>
+  </dgm:styleLbl>
+  <dgm:styleLbl name="parChTrans2D4">
+    <dgm:fillClrLst meth="repeat">
+      <a:schemeClr val="accent1"/>
+    </dgm:fillClrLst>
+    <dgm:linClrLst meth="repeat">
+      <a:schemeClr val="lt1"/>
+    </dgm:linClrLst>
+    <dgm:effectClrLst/>
+    <dgm:txLinClrLst/>
+    <dgm:txFillClrLst meth="repeat">
+      <a:schemeClr val="lt1"/>
+    </dgm:txFillClrLst>
+    <dgm:txEffectClrLst/>
+  </dgm:styleLbl>
+  <dgm:styleLbl name="parChTrans1D1">
+    <dgm:fillClrLst meth="repeat">
+      <a:schemeClr val="accent5"/>
+    </dgm:fillClrLst>
+    <dgm:linClrLst meth="repeat">
+      <a:schemeClr val="accent5"/>
+    </dgm:linClrLst>
+    <dgm:effectClrLst/>
+    <dgm:txLinClrLst/>
+    <dgm:txFillClrLst meth="repeat">
+      <a:schemeClr val="tx1"/>
+    </dgm:txFillClrLst>
+    <dgm:txEffectClrLst/>
+  </dgm:styleLbl>
+  <dgm:styleLbl name="parChTrans1D2">
+    <dgm:fillClrLst meth="repeat">
+      <a:schemeClr val="accent6">
+        <a:tint val="90000"/>
+      </a:schemeClr>
+    </dgm:fillClrLst>
+    <dgm:linClrLst meth="repeat">
+      <a:schemeClr val="accent6"/>
+    </dgm:linClrLst>
+    <dgm:effectClrLst/>
+    <dgm:txLinClrLst/>
+    <dgm:txFillClrLst meth="repeat">
+      <a:schemeClr val="tx1"/>
+    </dgm:txFillClrLst>
+    <dgm:txEffectClrLst/>
+  </dgm:styleLbl>
+  <dgm:styleLbl name="parChTrans1D3">
+    <dgm:fillClrLst meth="repeat">
+      <a:schemeClr val="accent6">
+        <a:tint val="70000"/>
+      </a:schemeClr>
+    </dgm:fillClrLst>
+    <dgm:linClrLst meth="repeat">
+      <a:schemeClr val="accent1"/>
+    </dgm:linClrLst>
+    <dgm:effectClrLst/>
+    <dgm:txLinClrLst/>
+    <dgm:txFillClrLst meth="repeat">
+      <a:schemeClr val="tx1"/>
+    </dgm:txFillClrLst>
+    <dgm:txEffectClrLst/>
+  </dgm:styleLbl>
+  <dgm:styleLbl name="parChTrans1D4">
+    <dgm:fillClrLst meth="repeat">
+      <a:schemeClr val="accent6">
+        <a:tint val="50000"/>
+      </a:schemeClr>
+    </dgm:fillClrLst>
+    <dgm:linClrLst meth="repeat">
+      <a:schemeClr val="accent2"/>
+    </dgm:linClrLst>
+    <dgm:effectClrLst/>
+    <dgm:txLinClrLst/>
+    <dgm:txFillClrLst meth="repeat">
+      <a:schemeClr val="tx1"/>
+    </dgm:txFillClrLst>
+    <dgm:txEffectClrLst/>
+  </dgm:styleLbl>
+  <dgm:styleLbl name="fgAcc1">
+    <dgm:fillClrLst meth="repeat">
+      <a:schemeClr val="lt1">
+        <a:alpha val="90000"/>
+      </a:schemeClr>
+    </dgm:fillClrLst>
+    <dgm:linClrLst>
+      <a:schemeClr val="accent5"/>
+      <a:schemeClr val="accent6"/>
+    </dgm:linClrLst>
+    <dgm:effectClrLst/>
+    <dgm:txLinClrLst/>
+    <dgm:txFillClrLst meth="repeat">
+      <a:schemeClr val="dk1"/>
+    </dgm:txFillClrLst>
+    <dgm:txEffectClrLst/>
+  </dgm:styleLbl>
+  <dgm:styleLbl name="conFgAcc1">
+    <dgm:fillClrLst meth="repeat">
+      <a:schemeClr val="lt1">
+        <a:alpha val="90000"/>
+      </a:schemeClr>
+    </dgm:fillClrLst>
+    <dgm:linClrLst>
+      <a:schemeClr val="accent5"/>
+      <a:schemeClr val="accent6"/>
+    </dgm:linClrLst>
+    <dgm:effectClrLst/>
+    <dgm:txLinClrLst/>
+    <dgm:txFillClrLst meth="repeat">
+      <a:schemeClr val="dk1"/>
+    </dgm:txFillClrLst>
+    <dgm:txEffectClrLst/>
+  </dgm:styleLbl>
+  <dgm:styleLbl name="alignAcc1">
+    <dgm:fillClrLst meth="repeat">
+      <a:schemeClr val="lt1">
+        <a:alpha val="90000"/>
+      </a:schemeClr>
+    </dgm:fillClrLst>
+    <dgm:linClrLst>
+      <a:schemeClr val="accent5"/>
+      <a:schemeClr val="accent6"/>
+    </dgm:linClrLst>
+    <dgm:effectClrLst/>
+    <dgm:txLinClrLst/>
+    <dgm:txFillClrLst meth="repeat">
+      <a:schemeClr val="dk1"/>
+    </dgm:txFillClrLst>
+    <dgm:txEffectClrLst/>
+  </dgm:styleLbl>
+  <dgm:styleLbl name="trAlignAcc1">
+    <dgm:fillClrLst meth="repeat">
+      <a:schemeClr val="lt1">
+        <a:alpha val="40000"/>
+      </a:schemeClr>
+    </dgm:fillClrLst>
+    <dgm:linClrLst meth="repeat">
+      <a:schemeClr val="accent5"/>
+    </dgm:linClrLst>
+    <dgm:effectClrLst/>
+    <dgm:txLinClrLst/>
+    <dgm:txFillClrLst meth="repeat">
+      <a:schemeClr val="dk1"/>
+    </dgm:txFillClrLst>
+    <dgm:txEffectClrLst/>
+  </dgm:styleLbl>
+  <dgm:styleLbl name="bgAcc1">
+    <dgm:fillClrLst meth="repeat">
+      <a:schemeClr val="lt1">
+        <a:alpha val="90000"/>
+      </a:schemeClr>
+    </dgm:fillClrLst>
+    <dgm:linClrLst>
+      <a:schemeClr val="accent5"/>
+      <a:schemeClr val="accent6"/>
+    </dgm:linClrLst>
+    <dgm:effectClrLst/>
+    <dgm:txLinClrLst/>
+    <dgm:txFillClrLst meth="repeat">
+      <a:schemeClr val="dk1"/>
+    </dgm:txFillClrLst>
+    <dgm:txEffectClrLst/>
+  </dgm:styleLbl>
+  <dgm:styleLbl name="solidFgAcc1">
+    <dgm:fillClrLst meth="repeat">
+      <a:schemeClr val="lt1"/>
+    </dgm:fillClrLst>
+    <dgm:linClrLst>
+      <a:schemeClr val="accent5"/>
+      <a:schemeClr val="accent6"/>
+    </dgm:linClrLst>
+    <dgm:effectClrLst/>
+    <dgm:txLinClrLst/>
+    <dgm:txFillClrLst meth="repeat">
+      <a:schemeClr val="dk1"/>
+    </dgm:txFillClrLst>
+    <dgm:txEffectClrLst/>
+  </dgm:styleLbl>
+  <dgm:styleLbl name="solidAlignAcc1">
+    <dgm:fillClrLst meth="repeat">
+      <a:schemeClr val="lt1"/>
+    </dgm:fillClrLst>
+    <dgm:linClrLst>
+      <a:schemeClr val="accent5"/>
+      <a:schemeClr val="accent6"/>
+    </dgm:linClrLst>
+    <dgm:effectClrLst/>
+    <dgm:txLinClrLst/>
+    <dgm:txFillClrLst meth="repeat">
+      <a:schemeClr val="dk1"/>
+    </dgm:txFillClrLst>
+    <dgm:txEffectClrLst/>
+  </dgm:styleLbl>
+  <dgm:styleLbl name="solidBgAcc1">
+    <dgm:fillClrLst meth="repeat">
+      <a:schemeClr val="lt1"/>
+    </dgm:fillClrLst>
+    <dgm:linClrLst>
+      <a:schemeClr val="accent5"/>
+      <a:schemeClr val="accent6"/>
+    </dgm:linClrLst>
+    <dgm:effectClrLst/>
+    <dgm:txLinClrLst/>
+    <dgm:txFillClrLst meth="repeat">
+      <a:schemeClr val="dk1"/>
+    </dgm:txFillClrLst>
+    <dgm:txEffectClrLst/>
+  </dgm:styleLbl>
+  <dgm:styleLbl name="fgAccFollowNode1">
+    <dgm:fillClrLst>
+      <a:schemeClr val="accent5">
+        <a:tint val="40000"/>
+        <a:alpha val="90000"/>
+      </a:schemeClr>
+      <a:schemeClr val="accent6">
+        <a:tint val="40000"/>
+        <a:alpha val="90000"/>
+      </a:schemeClr>
+    </dgm:fillClrLst>
+    <dgm:linClrLst>
+      <a:schemeClr val="accent5">
+        <a:tint val="40000"/>
+        <a:alpha val="90000"/>
+      </a:schemeClr>
+      <a:schemeClr val="accent5">
+        <a:tint val="40000"/>
+        <a:alpha val="90000"/>
+      </a:schemeClr>
+    </dgm:linClrLst>
+    <dgm:effectClrLst/>
+    <dgm:txLinClrLst/>
+    <dgm:txFillClrLst meth="repeat">
+      <a:schemeClr val="dk1"/>
+    </dgm:txFillClrLst>
+    <dgm:txEffectClrLst/>
+  </dgm:styleLbl>
+  <dgm:styleLbl name="alignAccFollowNode1">
+    <dgm:fillClrLst>
+      <a:schemeClr val="accent5">
+        <a:tint val="40000"/>
+        <a:alpha val="90000"/>
+      </a:schemeClr>
+      <a:schemeClr val="accent6">
+        <a:tint val="40000"/>
+        <a:alpha val="90000"/>
+      </a:schemeClr>
+    </dgm:fillClrLst>
+    <dgm:linClrLst>
+      <a:schemeClr val="accent5">
+        <a:tint val="40000"/>
+        <a:alpha val="90000"/>
+      </a:schemeClr>
+      <a:schemeClr val="accent6">
+        <a:tint val="40000"/>
+        <a:alpha val="90000"/>
+      </a:schemeClr>
+    </dgm:linClrLst>
+    <dgm:effectClrLst/>
+    <dgm:txLinClrLst/>
+    <dgm:txFillClrLst meth="repeat">
+      <a:schemeClr val="dk1"/>
+    </dgm:txFillClrLst>
+    <dgm:txEffectClrLst/>
+  </dgm:styleLbl>
+  <dgm:styleLbl name="bgAccFollowNode1">
+    <dgm:fillClrLst>
+      <a:schemeClr val="accent5">
+        <a:tint val="40000"/>
+        <a:alpha val="90000"/>
+      </a:schemeClr>
+      <a:schemeClr val="accent6">
+        <a:tint val="40000"/>
+        <a:alpha val="90000"/>
+      </a:schemeClr>
+    </dgm:fillClrLst>
+    <dgm:linClrLst>
+      <a:schemeClr val="accent5">
+        <a:tint val="40000"/>
+        <a:alpha val="90000"/>
+      </a:schemeClr>
+      <a:schemeClr val="accent6">
+        <a:tint val="40000"/>
+        <a:alpha val="90000"/>
+      </a:schemeClr>
+    </dgm:linClrLst>
+    <dgm:effectClrLst/>
+    <dgm:txLinClrLst/>
+    <dgm:txFillClrLst meth="repeat">
+      <a:schemeClr val="dk1"/>
+    </dgm:txFillClrLst>
+    <dgm:txEffectClrLst/>
+  </dgm:styleLbl>
+  <dgm:styleLbl name="fgAcc0">
+    <dgm:fillClrLst meth="repeat">
+      <a:schemeClr val="lt1">
+        <a:alpha val="90000"/>
+      </a:schemeClr>
+    </dgm:fillClrLst>
+    <dgm:linClrLst>
+      <a:schemeClr val="accent4"/>
+    </dgm:linClrLst>
+    <dgm:effectClrLst/>
+    <dgm:txLinClrLst/>
+    <dgm:txFillClrLst meth="repeat">
+      <a:schemeClr val="dk1"/>
+    </dgm:txFillClrLst>
+    <dgm:txEffectClrLst/>
+  </dgm:styleLbl>
+  <dgm:styleLbl name="fgAcc2">
+    <dgm:fillClrLst meth="repeat">
+      <a:schemeClr val="lt1">
+        <a:alpha val="90000"/>
+      </a:schemeClr>
+    </dgm:fillClrLst>
+    <dgm:linClrLst>
+      <a:schemeClr val="accent6"/>
+    </dgm:linClrLst>
+    <dgm:effectClrLst/>
+    <dgm:txLinClrLst/>
+    <dgm:txFillClrLst meth="repeat">
+      <a:schemeClr val="dk1"/>
+    </dgm:txFillClrLst>
+    <dgm:txEffectClrLst/>
+  </dgm:styleLbl>
+  <dgm:styleLbl name="fgAcc3">
+    <dgm:fillClrLst meth="repeat">
+      <a:schemeClr val="lt1">
+        <a:alpha val="90000"/>
+      </a:schemeClr>
+    </dgm:fillClrLst>
+    <dgm:linClrLst>
+      <a:schemeClr val="accent1"/>
+    </dgm:linClrLst>
+    <dgm:effectClrLst/>
+    <dgm:txLinClrLst/>
+    <dgm:txFillClrLst meth="repeat">
+      <a:schemeClr val="dk1"/>
+    </dgm:txFillClrLst>
+    <dgm:txEffectClrLst/>
+  </dgm:styleLbl>
+  <dgm:styleLbl name="fgAcc4">
+    <dgm:fillClrLst meth="repeat">
+      <a:schemeClr val="lt1">
+        <a:alpha val="90000"/>
+      </a:schemeClr>
+    </dgm:fillClrLst>
+    <dgm:linClrLst>
+      <a:schemeClr val="accent2"/>
+    </dgm:linClrLst>
+    <dgm:effectClrLst/>
+    <dgm:txLinClrLst/>
+    <dgm:txFillClrLst meth="repeat">
+      <a:schemeClr val="dk1"/>
+    </dgm:txFillClrLst>
+    <dgm:txEffectClrLst/>
+  </dgm:styleLbl>
+  <dgm:styleLbl name="bgShp">
+    <dgm:fillClrLst meth="repeat">
+      <a:schemeClr val="accent5">
+        <a:tint val="40000"/>
+      </a:schemeClr>
+    </dgm:fillClrLst>
+    <dgm:linClrLst meth="repeat">
+      <a:schemeClr val="dk1"/>
+    </dgm:linClrLst>
+    <dgm:effectClrLst/>
+    <dgm:txLinClrLst/>
+    <dgm:txFillClrLst meth="repeat">
+      <a:schemeClr val="dk1"/>
+    </dgm:txFillClrLst>
+    <dgm:txEffectClrLst/>
+  </dgm:styleLbl>
+  <dgm:styleLbl name="dkBgShp">
+    <dgm:fillClrLst meth="repeat">
+      <a:schemeClr val="accent5">
+        <a:shade val="90000"/>
+      </a:schemeClr>
+    </dgm:fillClrLst>
+    <dgm:linClrLst meth="repeat">
+      <a:schemeClr val="dk1"/>
+    </dgm:linClrLst>
+    <dgm:effectClrLst/>
+    <dgm:txLinClrLst/>
+    <dgm:txFillClrLst meth="repeat">
+      <a:schemeClr val="lt1"/>
+    </dgm:txFillClrLst>
+    <dgm:txEffectClrLst/>
+  </dgm:styleLbl>
+  <dgm:styleLbl name="trBgShp">
+    <dgm:fillClrLst meth="repeat">
+      <a:schemeClr val="accent5">
+        <a:tint val="50000"/>
+        <a:alpha val="40000"/>
+      </a:schemeClr>
+    </dgm:fillClrLst>
+    <dgm:linClrLst meth="repeat">
+      <a:schemeClr val="accent5"/>
+    </dgm:linClrLst>
+    <dgm:effectClrLst/>
+    <dgm:txLinClrLst/>
+    <dgm:txFillClrLst meth="repeat">
+      <a:schemeClr val="lt1"/>
+    </dgm:txFillClrLst>
+    <dgm:txEffectClrLst/>
+  </dgm:styleLbl>
+  <dgm:styleLbl name="fgShp">
+    <dgm:fillClrLst meth="repeat">
+      <a:schemeClr val="accent5">
+        <a:tint val="40000"/>
+      </a:schemeClr>
+    </dgm:fillClrLst>
+    <dgm:linClrLst meth="repeat">
+      <a:schemeClr val="lt1"/>
+    </dgm:linClrLst>
+    <dgm:effectClrLst/>
+    <dgm:txLinClrLst/>
+    <dgm:txFillClrLst meth="repeat">
+      <a:schemeClr val="dk1"/>
+    </dgm:txFillClrLst>
+    <dgm:txEffectClrLst/>
+  </dgm:styleLbl>
+  <dgm:styleLbl name="revTx">
+    <dgm:fillClrLst meth="repeat">
+      <a:schemeClr val="lt1">
+        <a:alpha val="0"/>
+      </a:schemeClr>
+    </dgm:fillClrLst>
+    <dgm:linClrLst meth="repeat">
+      <a:schemeClr val="dk1">
+        <a:alpha val="0"/>
+      </a:schemeClr>
+    </dgm:linClrLst>
+    <dgm:effectClrLst/>
+    <dgm:txLinClrLst/>
+    <dgm:txFillClrLst meth="repeat">
+      <a:schemeClr val="tx1"/>
+    </dgm:txFillClrLst>
+    <dgm:txEffectClrLst/>
+  </dgm:styleLbl>
+</dgm:colorsDef>
+</file>
+
+<file path=ppt/diagrams/colors2.xml><?xml version="1.0" encoding="utf-8"?>
+<dgm:colorsDef xmlns:dgm="http://schemas.openxmlformats.org/drawingml/2006/diagram" xmlns:a="http://schemas.openxmlformats.org/drawingml/2006/main" uniqueId="urn:microsoft.com/office/officeart/2005/8/colors/accent5_2">
+  <dgm:title val=""/>
+  <dgm:desc val=""/>
+  <dgm:catLst>
+    <dgm:cat type="accent5" pri="11200"/>
+  </dgm:catLst>
+  <dgm:styleLbl name="node0">
+    <dgm:fillClrLst meth="repeat">
+      <a:schemeClr val="accent5"/>
+    </dgm:fillClrLst>
+    <dgm:linClrLst meth="repeat">
+      <a:schemeClr val="lt1"/>
+    </dgm:linClrLst>
+    <dgm:effectClrLst/>
+    <dgm:txLinClrLst/>
+    <dgm:txFillClrLst/>
+    <dgm:txEffectClrLst/>
+  </dgm:styleLbl>
+  <dgm:styleLbl name="node1">
+    <dgm:fillClrLst meth="repeat">
+      <a:schemeClr val="accent5"/>
+    </dgm:fillClrLst>
+    <dgm:linClrLst meth="repeat">
+      <a:schemeClr val="lt1"/>
+    </dgm:linClrLst>
+    <dgm:effectClrLst/>
+    <dgm:txLinClrLst/>
+    <dgm:txFillClrLst/>
+    <dgm:txEffectClrLst/>
+  </dgm:styleLbl>
+  <dgm:styleLbl name="alignNode1">
+    <dgm:fillClrLst meth="repeat">
+      <a:schemeClr val="accent5"/>
+    </dgm:fillClrLst>
+    <dgm:linClrLst meth="repeat">
+      <a:schemeClr val="accent5"/>
+    </dgm:linClrLst>
+    <dgm:effectClrLst/>
+    <dgm:txLinClrLst/>
+    <dgm:txFillClrLst/>
+    <dgm:txEffectClrLst/>
+  </dgm:styleLbl>
+  <dgm:styleLbl name="lnNode1">
+    <dgm:fillClrLst meth="repeat">
+      <a:schemeClr val="accent5"/>
+    </dgm:fillClrLst>
+    <dgm:linClrLst meth="repeat">
+      <a:schemeClr val="lt1"/>
+    </dgm:linClrLst>
+    <dgm:effectClrLst/>
+    <dgm:txLinClrLst/>
+    <dgm:txFillClrLst/>
+    <dgm:txEffectClrLst/>
+  </dgm:styleLbl>
+  <dgm:styleLbl name="vennNode1">
+    <dgm:fillClrLst meth="repeat">
+      <a:schemeClr val="accent5">
+        <a:alpha val="50000"/>
+      </a:schemeClr>
+    </dgm:fillClrLst>
+    <dgm:linClrLst meth="repeat">
+      <a:schemeClr val="lt1"/>
+    </dgm:linClrLst>
+    <dgm:effectClrLst/>
+    <dgm:txLinClrLst/>
+    <dgm:txFillClrLst/>
+    <dgm:txEffectClrLst/>
+  </dgm:styleLbl>
+  <dgm:styleLbl name="node2">
+    <dgm:fillClrLst meth="repeat">
+      <a:schemeClr val="accent5"/>
+    </dgm:fillClrLst>
+    <dgm:linClrLst meth="repeat">
+      <a:schemeClr val="lt1"/>
+    </dgm:linClrLst>
+    <dgm:effectClrLst/>
+    <dgm:txLinClrLst/>
+    <dgm:txFillClrLst/>
+    <dgm:txEffectClrLst/>
+  </dgm:styleLbl>
+  <dgm:styleLbl name="node3">
+    <dgm:fillClrLst meth="repeat">
+      <a:schemeClr val="accent5"/>
+    </dgm:fillClrLst>
+    <dgm:linClrLst meth="repeat">
+      <a:schemeClr val="lt1"/>
+    </dgm:linClrLst>
+    <dgm:effectClrLst/>
+    <dgm:txLinClrLst/>
+    <dgm:txFillClrLst/>
+    <dgm:txEffectClrLst/>
+  </dgm:styleLbl>
+  <dgm:styleLbl name="node4">
+    <dgm:fillClrLst meth="repeat">
+      <a:schemeClr val="accent5"/>
+    </dgm:fillClrLst>
+    <dgm:linClrLst meth="repeat">
+      <a:schemeClr val="lt1"/>
+    </dgm:linClrLst>
+    <dgm:effectClrLst/>
+    <dgm:txLinClrLst/>
+    <dgm:txFillClrLst/>
+    <dgm:txEffectClrLst/>
+  </dgm:styleLbl>
+  <dgm:styleLbl name="fgImgPlace1">
+    <dgm:fillClrLst meth="repeat">
+      <a:schemeClr val="accent5">
+        <a:tint val="50000"/>
+      </a:schemeClr>
+    </dgm:fillClrLst>
+    <dgm:linClrLst meth="repeat">
+      <a:schemeClr val="lt1"/>
+    </dgm:linClrLst>
+    <dgm:effectClrLst/>
+    <dgm:txLinClrLst/>
+    <dgm:txFillClrLst meth="repeat">
+      <a:schemeClr val="lt1"/>
+    </dgm:txFillClrLst>
+    <dgm:txEffectClrLst/>
+  </dgm:styleLbl>
+  <dgm:styleLbl name="alignImgPlace1">
+    <dgm:fillClrLst meth="repeat">
+      <a:schemeClr val="accent5">
+        <a:tint val="50000"/>
+      </a:schemeClr>
+    </dgm:fillClrLst>
+    <dgm:linClrLst meth="repeat">
+      <a:schemeClr val="lt1"/>
+    </dgm:linClrLst>
+    <dgm:effectClrLst/>
+    <dgm:txLinClrLst/>
+    <dgm:txFillClrLst meth="repeat">
+      <a:schemeClr val="lt1"/>
+    </dgm:txFillClrLst>
+    <dgm:txEffectClrLst/>
+  </dgm:styleLbl>
+  <dgm:styleLbl name="bgImgPlace1">
+    <dgm:fillClrLst meth="repeat">
+      <a:schemeClr val="accent5">
+        <a:tint val="50000"/>
+      </a:schemeClr>
+    </dgm:fillClrLst>
+    <dgm:linClrLst meth="repeat">
+      <a:schemeClr val="lt1"/>
+    </dgm:linClrLst>
+    <dgm:effectClrLst/>
+    <dgm:txLinClrLst/>
+    <dgm:txFillClrLst meth="repeat">
+      <a:schemeClr val="lt1"/>
+    </dgm:txFillClrLst>
+    <dgm:txEffectClrLst/>
+  </dgm:styleLbl>
+  <dgm:styleLbl name="sibTrans2D1">
+    <dgm:fillClrLst meth="repeat">
+      <a:schemeClr val="accent5">
+        <a:tint val="60000"/>
+      </a:schemeClr>
+    </dgm:fillClrLst>
+    <dgm:linClrLst meth="repeat">
+      <a:schemeClr val="accent5">
+        <a:tint val="60000"/>
+      </a:schemeClr>
+    </dgm:linClrLst>
+    <dgm:effectClrLst/>
+    <dgm:txLinClrLst/>
+    <dgm:txFillClrLst/>
+    <dgm:txEffectClrLst/>
+  </dgm:styleLbl>
+  <dgm:styleLbl name="fgSibTrans2D1">
+    <dgm:fillClrLst meth="repeat">
+      <a:schemeClr val="accent5">
+        <a:tint val="60000"/>
+      </a:schemeClr>
+    </dgm:fillClrLst>
+    <dgm:linClrLst meth="repeat">
+      <a:schemeClr val="accent5">
+        <a:tint val="60000"/>
+      </a:schemeClr>
+    </dgm:linClrLst>
+    <dgm:effectClrLst/>
+    <dgm:txLinClrLst/>
+    <dgm:txFillClrLst/>
+    <dgm:txEffectClrLst/>
+  </dgm:styleLbl>
+  <dgm:styleLbl name="bgSibTrans2D1">
+    <dgm:fillClrLst meth="repeat">
+      <a:schemeClr val="accent5">
+        <a:tint val="60000"/>
+      </a:schemeClr>
+    </dgm:fillClrLst>
+    <dgm:linClrLst meth="repeat">
+      <a:schemeClr val="accent5">
+        <a:tint val="60000"/>
+      </a:schemeClr>
+    </dgm:linClrLst>
+    <dgm:effectClrLst/>
+    <dgm:txLinClrLst/>
+    <dgm:txFillClrLst/>
+    <dgm:txEffectClrLst/>
+  </dgm:styleLbl>
+  <dgm:styleLbl name="sibTrans1D1">
+    <dgm:fillClrLst meth="repeat">
+      <a:schemeClr val="accent5"/>
+    </dgm:fillClrLst>
+    <dgm:linClrLst meth="repeat">
+      <a:schemeClr val="accent5"/>
+    </dgm:linClrLst>
+    <dgm:effectClrLst/>
+    <dgm:txLinClrLst/>
+    <dgm:txFillClrLst meth="repeat">
+      <a:schemeClr val="tx1"/>
+    </dgm:txFillClrLst>
+    <dgm:txEffectClrLst/>
+  </dgm:styleLbl>
+  <dgm:styleLbl name="callout">
+    <dgm:fillClrLst meth="repeat">
+      <a:schemeClr val="accent5"/>
+    </dgm:fillClrLst>
+    <dgm:linClrLst meth="repeat">
+      <a:schemeClr val="accent5">
+        <a:tint val="50000"/>
+      </a:schemeClr>
+    </dgm:linClrLst>
+    <dgm:effectClrLst/>
+    <dgm:txLinClrLst/>
+    <dgm:txFillClrLst meth="repeat">
+      <a:schemeClr val="tx1"/>
+    </dgm:txFillClrLst>
+    <dgm:txEffectClrLst/>
+  </dgm:styleLbl>
+  <dgm:styleLbl name="asst0">
+    <dgm:fillClrLst meth="repeat">
+      <a:schemeClr val="accent5"/>
+    </dgm:fillClrLst>
+    <dgm:linClrLst meth="repeat">
+      <a:schemeClr val="lt1"/>
+    </dgm:linClrLst>
+    <dgm:effectClrLst/>
+    <dgm:txLinClrLst/>
+    <dgm:txFillClrLst/>
+    <dgm:txEffectClrLst/>
+  </dgm:styleLbl>
+  <dgm:styleLbl name="asst1">
+    <dgm:fillClrLst meth="repeat">
+      <a:schemeClr val="accent5"/>
+    </dgm:fillClrLst>
+    <dgm:linClrLst meth="repeat">
+      <a:schemeClr val="lt1"/>
+    </dgm:linClrLst>
+    <dgm:effectClrLst/>
+    <dgm:txLinClrLst/>
+    <dgm:txFillClrLst/>
+    <dgm:txEffectClrLst/>
+  </dgm:styleLbl>
+  <dgm:styleLbl name="asst2">
+    <dgm:fillClrLst meth="repeat">
+      <a:schemeClr val="accent5"/>
+    </dgm:fillClrLst>
+    <dgm:linClrLst meth="repeat">
+      <a:schemeClr val="lt1"/>
+    </dgm:linClrLst>
+    <dgm:effectClrLst/>
+    <dgm:txLinClrLst/>
+    <dgm:txFillClrLst/>
+    <dgm:txEffectClrLst/>
+  </dgm:styleLbl>
+  <dgm:styleLbl name="asst3">
+    <dgm:fillClrLst meth="repeat">
+      <a:schemeClr val="accent5"/>
+    </dgm:fillClrLst>
+    <dgm:linClrLst meth="repeat">
+      <a:schemeClr val="lt1"/>
+    </dgm:linClrLst>
+    <dgm:effectClrLst/>
+    <dgm:txLinClrLst/>
+    <dgm:txFillClrLst/>
+    <dgm:txEffectClrLst/>
+  </dgm:styleLbl>
+  <dgm:styleLbl name="asst4">
+    <dgm:fillClrLst meth="repeat">
+      <a:schemeClr val="accent5"/>
+    </dgm:fillClrLst>
+    <dgm:linClrLst meth="repeat">
+      <a:schemeClr val="lt1"/>
+    </dgm:linClrLst>
+    <dgm:effectClrLst/>
+    <dgm:txLinClrLst/>
+    <dgm:txFillClrLst/>
+    <dgm:txEffectClrLst/>
+  </dgm:styleLbl>
+  <dgm:styleLbl name="parChTrans2D1">
+    <dgm:fillClrLst meth="repeat">
+      <a:schemeClr val="accent5">
+        <a:tint val="60000"/>
+      </a:schemeClr>
+    </dgm:fillClrLst>
+    <dgm:linClrLst meth="repeat">
+      <a:schemeClr val="accent5">
+        <a:tint val="60000"/>
+      </a:schemeClr>
+    </dgm:linClrLst>
+    <dgm:effectClrLst/>
+    <dgm:txLinClrLst/>
+    <dgm:txFillClrLst meth="repeat">
+      <a:schemeClr val="lt1"/>
+    </dgm:txFillClrLst>
+    <dgm:txEffectClrLst/>
+  </dgm:styleLbl>
+  <dgm:styleLbl name="parChTrans2D2">
+    <dgm:fillClrLst meth="repeat">
+      <a:schemeClr val="accent5"/>
+    </dgm:fillClrLst>
+    <dgm:linClrLst meth="repeat">
+      <a:schemeClr val="accent5"/>
+    </dgm:linClrLst>
+    <dgm:effectClrLst/>
+    <dgm:txLinClrLst/>
+    <dgm:txFillClrLst meth="repeat">
+      <a:schemeClr val="lt1"/>
+    </dgm:txFillClrLst>
+    <dgm:txEffectClrLst/>
+  </dgm:styleLbl>
+  <dgm:styleLbl name="parChTrans2D3">
+    <dgm:fillClrLst meth="repeat">
+      <a:schemeClr val="accent5"/>
+    </dgm:fillClrLst>
+    <dgm:linClrLst meth="repeat">
+      <a:schemeClr val="accent5"/>
+    </dgm:linClrLst>
+    <dgm:effectClrLst/>
+    <dgm:txLinClrLst/>
+    <dgm:txFillClrLst meth="repeat">
+      <a:schemeClr val="lt1"/>
+    </dgm:txFillClrLst>
+    <dgm:txEffectClrLst/>
+  </dgm:styleLbl>
+  <dgm:styleLbl name="parChTrans2D4">
+    <dgm:fillClrLst meth="repeat">
+      <a:schemeClr val="accent5"/>
+    </dgm:fillClrLst>
+    <dgm:linClrLst meth="repeat">
+      <a:schemeClr val="accent5"/>
+    </dgm:linClrLst>
+    <dgm:effectClrLst/>
+    <dgm:txLinClrLst/>
+    <dgm:txFillClrLst meth="repeat">
+      <a:schemeClr val="lt1"/>
+    </dgm:txFillClrLst>
+    <dgm:txEffectClrLst/>
+  </dgm:styleLbl>
+  <dgm:styleLbl name="parChTrans1D1">
+    <dgm:fillClrLst meth="repeat">
+      <a:schemeClr val="accent5"/>
+    </dgm:fillClrLst>
+    <dgm:linClrLst meth="repeat">
+      <a:schemeClr val="accent5">
+        <a:shade val="60000"/>
+      </a:schemeClr>
+    </dgm:linClrLst>
+    <dgm:effectClrLst/>
+    <dgm:txLinClrLst/>
+    <dgm:txFillClrLst meth="repeat">
+      <a:schemeClr val="tx1"/>
+    </dgm:txFillClrLst>
+    <dgm:txEffectClrLst/>
+  </dgm:styleLbl>
+  <dgm:styleLbl name="parChTrans1D2">
+    <dgm:fillClrLst meth="repeat">
+      <a:schemeClr val="accent5"/>
+    </dgm:fillClrLst>
+    <dgm:linClrLst meth="repeat">
+      <a:schemeClr val="accent5">
+        <a:shade val="60000"/>
+      </a:schemeClr>
+    </dgm:linClrLst>
+    <dgm:effectClrLst/>
+    <dgm:txLinClrLst/>
+    <dgm:txFillClrLst meth="repeat">
+      <a:schemeClr val="tx1"/>
+    </dgm:txFillClrLst>
+    <dgm:txEffectClrLst/>
+  </dgm:styleLbl>
+  <dgm:styleLbl name="parChTrans1D3">
+    <dgm:fillClrLst meth="repeat">
+      <a:schemeClr val="accent5"/>
+    </dgm:fillClrLst>
+    <dgm:linClrLst meth="repeat">
+      <a:schemeClr val="accent5">
+        <a:shade val="80000"/>
+      </a:schemeClr>
+    </dgm:linClrLst>
+    <dgm:effectClrLst/>
+    <dgm:txLinClrLst/>
+    <dgm:txFillClrLst meth="repeat">
+      <a:schemeClr val="tx1"/>
+    </dgm:txFillClrLst>
+    <dgm:txEffectClrLst/>
+  </dgm:styleLbl>
+  <dgm:styleLbl name="parChTrans1D4">
+    <dgm:fillClrLst meth="repeat">
+      <a:schemeClr val="accent5"/>
+    </dgm:fillClrLst>
+    <dgm:linClrLst meth="repeat">
+      <a:schemeClr val="accent5">
+        <a:shade val="80000"/>
+      </a:schemeClr>
+    </dgm:linClrLst>
+    <dgm:effectClrLst/>
+    <dgm:txLinClrLst/>
+    <dgm:txFillClrLst meth="repeat">
+      <a:schemeClr val="tx1"/>
+    </dgm:txFillClrLst>
+    <dgm:txEffectClrLst/>
+  </dgm:styleLbl>
+  <dgm:styleLbl name="fgAcc1">
+    <dgm:fillClrLst meth="repeat">
+      <a:schemeClr val="lt1">
+        <a:alpha val="90000"/>
+      </a:schemeClr>
+    </dgm:fillClrLst>
+    <dgm:linClrLst meth="repeat">
+      <a:schemeClr val="accent5"/>
+    </dgm:linClrLst>
+    <dgm:effectClrLst/>
+    <dgm:txLinClrLst/>
+    <dgm:txFillClrLst meth="repeat">
+      <a:schemeClr val="dk1"/>
+    </dgm:txFillClrLst>
+    <dgm:txEffectClrLst/>
+  </dgm:styleLbl>
+  <dgm:styleLbl name="conFgAcc1">
+    <dgm:fillClrLst meth="repeat">
+      <a:schemeClr val="lt1">
+        <a:alpha val="90000"/>
+      </a:schemeClr>
+    </dgm:fillClrLst>
+    <dgm:linClrLst meth="repeat">
+      <a:schemeClr val="accent5"/>
+    </dgm:linClrLst>
+    <dgm:effectClrLst/>
+    <dgm:txLinClrLst/>
+    <dgm:txFillClrLst meth="repeat">
+      <a:schemeClr val="dk1"/>
+    </dgm:txFillClrLst>
+    <dgm:txEffectClrLst/>
+  </dgm:styleLbl>
+  <dgm:styleLbl name="alignAcc1">
+    <dgm:fillClrLst meth="repeat">
+      <a:schemeClr val="lt1">
+        <a:alpha val="90000"/>
+      </a:schemeClr>
+    </dgm:fillClrLst>
+    <dgm:linClrLst meth="repeat">
+      <a:schemeClr val="accent5"/>
+    </dgm:linClrLst>
+    <dgm:effectClrLst/>
+    <dgm:txLinClrLst/>
+    <dgm:txFillClrLst meth="repeat">
+      <a:schemeClr val="dk1"/>
+    </dgm:txFillClrLst>
+    <dgm:txEffectClrLst/>
+  </dgm:styleLbl>
+  <dgm:styleLbl name="trAlignAcc1">
+    <dgm:fillClrLst meth="repeat">
+      <a:schemeClr val="lt1">
+        <a:alpha val="40000"/>
+      </a:schemeClr>
+    </dgm:fillClrLst>
+    <dgm:linClrLst meth="repeat">
+      <a:schemeClr val="accent5"/>
+    </dgm:linClrLst>
+    <dgm:effectClrLst/>
+    <dgm:txLinClrLst/>
+    <dgm:txFillClrLst meth="repeat">
+      <a:schemeClr val="dk1"/>
+    </dgm:txFillClrLst>
+    <dgm:txEffectClrLst/>
+  </dgm:styleLbl>
+  <dgm:styleLbl name="bgAcc1">
+    <dgm:fillClrLst meth="repeat">
+      <a:schemeClr val="lt1">
+        <a:alpha val="90000"/>
+      </a:schemeClr>
+    </dgm:fillClrLst>
+    <dgm:linClrLst meth="repeat">
+      <a:schemeClr val="accent5"/>
+    </dgm:linClrLst>
+    <dgm:effectClrLst/>
+    <dgm:txLinClrLst/>
+    <dgm:txFillClrLst meth="repeat">
+      <a:schemeClr val="dk1"/>
+    </dgm:txFillClrLst>
+    <dgm:txEffectClrLst/>
+  </dgm:styleLbl>
+  <dgm:styleLbl name="solidFgAcc1">
+    <dgm:fillClrLst meth="repeat">
+      <a:schemeClr val="lt1"/>
+    </dgm:fillClrLst>
+    <dgm:linClrLst meth="repeat">
+      <a:schemeClr val="accent5"/>
+    </dgm:linClrLst>
+    <dgm:effectClrLst/>
+    <dgm:txLinClrLst/>
+    <dgm:txFillClrLst meth="repeat">
+      <a:schemeClr val="dk1"/>
+    </dgm:txFillClrLst>
+    <dgm:txEffectClrLst/>
+  </dgm:styleLbl>
+  <dgm:styleLbl name="solidAlignAcc1">
+    <dgm:fillClrLst meth="repeat">
+      <a:schemeClr val="lt1"/>
+    </dgm:fillClrLst>
+    <dgm:linClrLst meth="repeat">
+      <a:schemeClr val="accent5"/>
+    </dgm:linClrLst>
+    <dgm:effectClrLst/>
+    <dgm:txLinClrLst/>
+    <dgm:txFillClrLst meth="repeat">
+      <a:schemeClr val="dk1"/>
+    </dgm:txFillClrLst>
+    <dgm:txEffectClrLst/>
+  </dgm:styleLbl>
+  <dgm:styleLbl name="solidBgAcc1">
+    <dgm:fillClrLst meth="repeat">
+      <a:schemeClr val="lt1"/>
+    </dgm:fillClrLst>
+    <dgm:linClrLst meth="repeat">
+      <a:schemeClr val="accent5"/>
+    </dgm:linClrLst>
+    <dgm:effectClrLst/>
+    <dgm:txLinClrLst/>
+    <dgm:txFillClrLst meth="repeat">
+      <a:schemeClr val="dk1"/>
+    </dgm:txFillClrLst>
+    <dgm:txEffectClrLst/>
+  </dgm:styleLbl>
+  <dgm:styleLbl name="fgAccFollowNode1">
+    <dgm:fillClrLst meth="repeat">
+      <a:schemeClr val="accent5">
+        <a:alpha val="90000"/>
+        <a:tint val="40000"/>
+      </a:schemeClr>
+    </dgm:fillClrLst>
+    <dgm:linClrLst meth="repeat">
+      <a:schemeClr val="accent5">
+        <a:alpha val="90000"/>
+        <a:tint val="40000"/>
+      </a:schemeClr>
+    </dgm:linClrLst>
+    <dgm:effectClrLst/>
+    <dgm:txLinClrLst/>
+    <dgm:txFillClrLst meth="repeat">
+      <a:schemeClr val="dk1"/>
+    </dgm:txFillClrLst>
+    <dgm:txEffectClrLst/>
+  </dgm:styleLbl>
+  <dgm:styleLbl name="alignAccFollowNode1">
+    <dgm:fillClrLst meth="repeat">
+      <a:schemeClr val="accent5">
+        <a:alpha val="90000"/>
+        <a:tint val="40000"/>
+      </a:schemeClr>
+    </dgm:fillClrLst>
+    <dgm:linClrLst meth="repeat">
+      <a:schemeClr val="accent5">
+        <a:alpha val="90000"/>
+        <a:tint val="40000"/>
+      </a:schemeClr>
+    </dgm:linClrLst>
+    <dgm:effectClrLst/>
+    <dgm:txLinClrLst/>
+    <dgm:txFillClrLst meth="repeat">
+      <a:schemeClr val="dk1"/>
+    </dgm:txFillClrLst>
+    <dgm:txEffectClrLst/>
+  </dgm:styleLbl>
+  <dgm:styleLbl name="bgAccFollowNode1">
+    <dgm:fillClrLst meth="repeat">
+      <a:schemeClr val="accent5">
+        <a:alpha val="90000"/>
+        <a:tint val="40000"/>
+      </a:schemeClr>
+    </dgm:fillClrLst>
+    <dgm:linClrLst meth="repeat">
+      <a:schemeClr val="accent5">
+        <a:alpha val="90000"/>
+        <a:tint val="40000"/>
+      </a:schemeClr>
+    </dgm:linClrLst>
+    <dgm:effectClrLst/>
+    <dgm:txLinClrLst/>
+    <dgm:txFillClrLst meth="repeat">
+      <a:schemeClr val="dk1"/>
+    </dgm:txFillClrLst>
+    <dgm:txEffectClrLst/>
+  </dgm:styleLbl>
+  <dgm:styleLbl name="fgAcc0">
+    <dgm:fillClrLst meth="repeat">
+      <a:schemeClr val="lt1">
+        <a:alpha val="90000"/>
+      </a:schemeClr>
+    </dgm:fillClrLst>
+    <dgm:linClrLst meth="repeat">
+      <a:schemeClr val="accent5"/>
+    </dgm:linClrLst>
+    <dgm:effectClrLst/>
+    <dgm:txLinClrLst/>
+    <dgm:txFillClrLst meth="repeat">
+      <a:schemeClr val="dk1"/>
+    </dgm:txFillClrLst>
+    <dgm:txEffectClrLst/>
+  </dgm:styleLbl>
+  <dgm:styleLbl name="fgAcc2">
+    <dgm:fillClrLst meth="repeat">
+      <a:schemeClr val="lt1">
+        <a:alpha val="90000"/>
+      </a:schemeClr>
+    </dgm:fillClrLst>
+    <dgm:linClrLst meth="repeat">
+      <a:schemeClr val="accent5"/>
+    </dgm:linClrLst>
+    <dgm:effectClrLst/>
+    <dgm:txLinClrLst/>
+    <dgm:txFillClrLst meth="repeat">
+      <a:schemeClr val="dk1"/>
+    </dgm:txFillClrLst>
+    <dgm:txEffectClrLst/>
+  </dgm:styleLbl>
+  <dgm:styleLbl name="fgAcc3">
+    <dgm:fillClrLst meth="repeat">
+      <a:schemeClr val="lt1">
+        <a:alpha val="90000"/>
+      </a:schemeClr>
+    </dgm:fillClrLst>
+    <dgm:linClrLst meth="repeat">
+      <a:schemeClr val="accent5"/>
+    </dgm:linClrLst>
+    <dgm:effectClrLst/>
+    <dgm:txLinClrLst/>
+    <dgm:txFillClrLst meth="repeat">
+      <a:schemeClr val="dk1"/>
+    </dgm:txFillClrLst>
+    <dgm:txEffectClrLst/>
+  </dgm:styleLbl>
+  <dgm:styleLbl name="fgAcc4">
+    <dgm:fillClrLst meth="repeat">
+      <a:schemeClr val="lt1">
+        <a:alpha val="90000"/>
+      </a:schemeClr>
+    </dgm:fillClrLst>
+    <dgm:linClrLst meth="repeat">
+      <a:schemeClr val="accent5"/>
+    </dgm:linClrLst>
+    <dgm:effectClrLst/>
+    <dgm:txLinClrLst/>
+    <dgm:txFillClrLst meth="repeat">
+      <a:schemeClr val="dk1"/>
+    </dgm:txFillClrLst>
+    <dgm:txEffectClrLst/>
+  </dgm:styleLbl>
+  <dgm:styleLbl name="bgShp">
+    <dgm:fillClrLst meth="repeat">
+      <a:schemeClr val="accent5">
+        <a:tint val="40000"/>
+      </a:schemeClr>
+    </dgm:fillClrLst>
+    <dgm:linClrLst meth="repeat">
+      <a:schemeClr val="accent5"/>
+    </dgm:linClrLst>
+    <dgm:effectClrLst/>
+    <dgm:txLinClrLst/>
+    <dgm:txFillClrLst meth="repeat">
+      <a:schemeClr val="dk1"/>
+    </dgm:txFillClrLst>
+    <dgm:txEffectClrLst/>
+  </dgm:styleLbl>
+  <dgm:styleLbl name="dkBgShp">
+    <dgm:fillClrLst meth="repeat">
+      <a:schemeClr val="accent5">
+        <a:shade val="80000"/>
+      </a:schemeClr>
+    </dgm:fillClrLst>
+    <dgm:linClrLst meth="repeat">
+      <a:schemeClr val="accent5"/>
+    </dgm:linClrLst>
+    <dgm:effectClrLst/>
+    <dgm:txLinClrLst/>
+    <dgm:txFillClrLst meth="repeat">
+      <a:schemeClr val="lt1"/>
+    </dgm:txFillClrLst>
+    <dgm:txEffectClrLst/>
+  </dgm:styleLbl>
+  <dgm:styleLbl name="trBgShp">
+    <dgm:fillClrLst meth="repeat">
+      <a:schemeClr val="accent5">
+        <a:tint val="50000"/>
+        <a:alpha val="40000"/>
+      </a:schemeClr>
+    </dgm:fillClrLst>
+    <dgm:linClrLst meth="repeat">
+      <a:schemeClr val="accent5"/>
+    </dgm:linClrLst>
+    <dgm:effectClrLst/>
+    <dgm:txLinClrLst/>
+    <dgm:txFillClrLst meth="repeat">
+      <a:schemeClr val="lt1"/>
+    </dgm:txFillClrLst>
+    <dgm:txEffectClrLst/>
+  </dgm:styleLbl>
+  <dgm:styleLbl name="fgShp">
+    <dgm:fillClrLst meth="repeat">
+      <a:schemeClr val="accent5">
+        <a:tint val="60000"/>
+      </a:schemeClr>
+    </dgm:fillClrLst>
+    <dgm:linClrLst meth="repeat">
+      <a:schemeClr val="lt1"/>
+    </dgm:linClrLst>
+    <dgm:effectClrLst/>
+    <dgm:txLinClrLst/>
+    <dgm:txFillClrLst meth="repeat">
+      <a:schemeClr val="dk1"/>
+    </dgm:txFillClrLst>
+    <dgm:txEffectClrLst/>
+  </dgm:styleLbl>
+  <dgm:styleLbl name="revTx">
+    <dgm:fillClrLst meth="repeat">
+      <a:schemeClr val="lt1">
+        <a:alpha val="0"/>
+      </a:schemeClr>
+    </dgm:fillClrLst>
+    <dgm:linClrLst meth="repeat">
+      <a:schemeClr val="dk1">
+        <a:alpha val="0"/>
+      </a:schemeClr>
+    </dgm:linClrLst>
+    <dgm:effectClrLst/>
+    <dgm:txLinClrLst/>
+    <dgm:txFillClrLst meth="repeat">
+      <a:schemeClr val="tx1"/>
+    </dgm:txFillClrLst>
+    <dgm:txEffectClrLst/>
+  </dgm:styleLbl>
+</dgm:colorsDef>
+</file>
+
+<file path=ppt/diagrams/data1.xml><?xml version="1.0" encoding="utf-8"?>
+<dgm:dataModel xmlns:dgm="http://schemas.openxmlformats.org/drawingml/2006/diagram" xmlns:a="http://schemas.openxmlformats.org/drawingml/2006/main">
+  <dgm:ptLst>
+    <dgm:pt modelId="{8959045B-95EA-4CAB-B79C-9338A13688F1}" type="doc">
+      <dgm:prSet loTypeId="urn:microsoft.com/office/officeart/2005/8/layout/vList2" loCatId="list" qsTypeId="urn:microsoft.com/office/officeart/2005/8/quickstyle/simple1" qsCatId="simple" csTypeId="urn:microsoft.com/office/officeart/2005/8/colors/colorful5" csCatId="colorful"/>
+      <dgm:spPr/>
+      <dgm:t>
+        <a:bodyPr/>
+        <a:lstStyle/>
+        <a:p>
+          <a:endParaRPr lang="en-US"/>
+        </a:p>
+      </dgm:t>
+    </dgm:pt>
+    <dgm:pt modelId="{2D756C1F-56C9-45E9-950B-3678F051A95A}">
+      <dgm:prSet/>
+      <dgm:spPr/>
+      <dgm:t>
+        <a:bodyPr/>
+        <a:lstStyle/>
+        <a:p>
+          <a:r>
+            <a:rPr lang="en-US"/>
+            <a:t>Forward Model: Method of Fundamental Solutions (MFS)</a:t>
+          </a:r>
+        </a:p>
+      </dgm:t>
+    </dgm:pt>
+    <dgm:pt modelId="{CE8DD45C-6B6F-408D-801C-25F7D5D91D1F}" type="parTrans" cxnId="{A3FCFB8B-DD27-48DD-8DB0-48D598FEDA9E}">
+      <dgm:prSet/>
+      <dgm:spPr/>
+      <dgm:t>
+        <a:bodyPr/>
+        <a:lstStyle/>
+        <a:p>
+          <a:endParaRPr lang="en-US"/>
+        </a:p>
+      </dgm:t>
+    </dgm:pt>
+    <dgm:pt modelId="{F47CD1F1-9581-4956-A223-72DB9D6D7D8F}" type="sibTrans" cxnId="{A3FCFB8B-DD27-48DD-8DB0-48D598FEDA9E}">
+      <dgm:prSet/>
+      <dgm:spPr/>
+      <dgm:t>
+        <a:bodyPr/>
+        <a:lstStyle/>
+        <a:p>
+          <a:endParaRPr lang="en-US"/>
+        </a:p>
+      </dgm:t>
+    </dgm:pt>
+    <dgm:pt modelId="{483115C9-8C44-44A5-8795-7D11D766BF08}">
+      <dgm:prSet/>
+      <dgm:spPr/>
+      <dgm:t>
+        <a:bodyPr/>
+        <a:lstStyle/>
+        <a:p>
+          <a:r>
+            <a:rPr lang="en-US"/>
+            <a:t>Inverse Solution: Tikhonov Regularization</a:t>
+          </a:r>
+        </a:p>
+      </dgm:t>
+    </dgm:pt>
+    <dgm:pt modelId="{BC090C6C-3D2D-4C98-A19D-0C6138FAC1EF}" type="parTrans" cxnId="{5DCA91A0-0B57-4BBB-8B33-8B087D9D118B}">
+      <dgm:prSet/>
+      <dgm:spPr/>
+      <dgm:t>
+        <a:bodyPr/>
+        <a:lstStyle/>
+        <a:p>
+          <a:endParaRPr lang="en-US"/>
+        </a:p>
+      </dgm:t>
+    </dgm:pt>
+    <dgm:pt modelId="{7566132A-0F47-411E-A305-892A59AC9846}" type="sibTrans" cxnId="{5DCA91A0-0B57-4BBB-8B33-8B087D9D118B}">
+      <dgm:prSet/>
+      <dgm:spPr/>
+      <dgm:t>
+        <a:bodyPr/>
+        <a:lstStyle/>
+        <a:p>
+          <a:endParaRPr lang="en-US"/>
+        </a:p>
+      </dgm:t>
+    </dgm:pt>
+    <dgm:pt modelId="{57A82D28-7F11-4BD9-BCAD-8B93EFC460EE}" type="pres">
+      <dgm:prSet presAssocID="{8959045B-95EA-4CAB-B79C-9338A13688F1}" presName="linear" presStyleCnt="0">
+        <dgm:presLayoutVars>
+          <dgm:animLvl val="lvl"/>
+          <dgm:resizeHandles val="exact"/>
+        </dgm:presLayoutVars>
+      </dgm:prSet>
+      <dgm:spPr/>
+    </dgm:pt>
+    <dgm:pt modelId="{6E771070-155D-427B-A26A-5F1CB266F96B}" type="pres">
+      <dgm:prSet presAssocID="{2D756C1F-56C9-45E9-950B-3678F051A95A}" presName="parentText" presStyleLbl="node1" presStyleIdx="0" presStyleCnt="2">
+        <dgm:presLayoutVars>
+          <dgm:chMax val="0"/>
+          <dgm:bulletEnabled val="1"/>
+        </dgm:presLayoutVars>
+      </dgm:prSet>
+      <dgm:spPr/>
+    </dgm:pt>
+    <dgm:pt modelId="{A4F80109-A830-4BFF-BA68-46191E32354E}" type="pres">
+      <dgm:prSet presAssocID="{F47CD1F1-9581-4956-A223-72DB9D6D7D8F}" presName="spacer" presStyleCnt="0"/>
+      <dgm:spPr/>
+    </dgm:pt>
+    <dgm:pt modelId="{25087FD2-7CC9-411B-831B-65DB812E6F68}" type="pres">
+      <dgm:prSet presAssocID="{483115C9-8C44-44A5-8795-7D11D766BF08}" presName="parentText" presStyleLbl="node1" presStyleIdx="1" presStyleCnt="2">
+        <dgm:presLayoutVars>
+          <dgm:chMax val="0"/>
+          <dgm:bulletEnabled val="1"/>
+        </dgm:presLayoutVars>
+      </dgm:prSet>
+      <dgm:spPr/>
+    </dgm:pt>
+  </dgm:ptLst>
+  <dgm:cxnLst>
+    <dgm:cxn modelId="{CFF1466D-1567-49DB-B852-E19AE99F0BC1}" type="presOf" srcId="{8959045B-95EA-4CAB-B79C-9338A13688F1}" destId="{57A82D28-7F11-4BD9-BCAD-8B93EFC460EE}" srcOrd="0" destOrd="0" presId="urn:microsoft.com/office/officeart/2005/8/layout/vList2"/>
+    <dgm:cxn modelId="{A3FCFB8B-DD27-48DD-8DB0-48D598FEDA9E}" srcId="{8959045B-95EA-4CAB-B79C-9338A13688F1}" destId="{2D756C1F-56C9-45E9-950B-3678F051A95A}" srcOrd="0" destOrd="0" parTransId="{CE8DD45C-6B6F-408D-801C-25F7D5D91D1F}" sibTransId="{F47CD1F1-9581-4956-A223-72DB9D6D7D8F}"/>
+    <dgm:cxn modelId="{5DCA91A0-0B57-4BBB-8B33-8B087D9D118B}" srcId="{8959045B-95EA-4CAB-B79C-9338A13688F1}" destId="{483115C9-8C44-44A5-8795-7D11D766BF08}" srcOrd="1" destOrd="0" parTransId="{BC090C6C-3D2D-4C98-A19D-0C6138FAC1EF}" sibTransId="{7566132A-0F47-411E-A305-892A59AC9846}"/>
+    <dgm:cxn modelId="{83467AD5-8129-4A65-98F1-DA6F5BA84087}" type="presOf" srcId="{2D756C1F-56C9-45E9-950B-3678F051A95A}" destId="{6E771070-155D-427B-A26A-5F1CB266F96B}" srcOrd="0" destOrd="0" presId="urn:microsoft.com/office/officeart/2005/8/layout/vList2"/>
+    <dgm:cxn modelId="{6045EFD5-7983-4CF4-9699-FBC9BC860A3F}" type="presOf" srcId="{483115C9-8C44-44A5-8795-7D11D766BF08}" destId="{25087FD2-7CC9-411B-831B-65DB812E6F68}" srcOrd="0" destOrd="0" presId="urn:microsoft.com/office/officeart/2005/8/layout/vList2"/>
+    <dgm:cxn modelId="{4AF0D628-9795-4CA3-BD18-F8442E369459}" type="presParOf" srcId="{57A82D28-7F11-4BD9-BCAD-8B93EFC460EE}" destId="{6E771070-155D-427B-A26A-5F1CB266F96B}" srcOrd="0" destOrd="0" presId="urn:microsoft.com/office/officeart/2005/8/layout/vList2"/>
+    <dgm:cxn modelId="{B5AC1C6E-B714-4468-B79B-1BFB2B6B4089}" type="presParOf" srcId="{57A82D28-7F11-4BD9-BCAD-8B93EFC460EE}" destId="{A4F80109-A830-4BFF-BA68-46191E32354E}" srcOrd="1" destOrd="0" presId="urn:microsoft.com/office/officeart/2005/8/layout/vList2"/>
+    <dgm:cxn modelId="{56C91782-E5D6-4B30-A3A1-622B32675EA2}" type="presParOf" srcId="{57A82D28-7F11-4BD9-BCAD-8B93EFC460EE}" destId="{25087FD2-7CC9-411B-831B-65DB812E6F68}" srcOrd="2" destOrd="0" presId="urn:microsoft.com/office/officeart/2005/8/layout/vList2"/>
+  </dgm:cxnLst>
+  <dgm:bg/>
+  <dgm:whole/>
+  <dgm:extLst>
+    <a:ext uri="http://schemas.microsoft.com/office/drawing/2008/diagram">
+      <dsp:dataModelExt xmlns:dsp="http://schemas.microsoft.com/office/drawing/2008/diagram" relId="rId6" minVer="http://schemas.openxmlformats.org/drawingml/2006/diagram"/>
+    </a:ext>
+  </dgm:extLst>
+</dgm:dataModel>
+</file>
+
+<file path=ppt/diagrams/data2.xml><?xml version="1.0" encoding="utf-8"?>
+<dgm:dataModel xmlns:dgm="http://schemas.openxmlformats.org/drawingml/2006/diagram" xmlns:a="http://schemas.openxmlformats.org/drawingml/2006/main">
+  <dgm:ptLst>
+    <dgm:pt modelId="{8BBBD438-E606-4610-B579-D3458B6E88CB}" type="doc">
+      <dgm:prSet loTypeId="urn:microsoft.com/office/officeart/2008/layout/LinedList" loCatId="list" qsTypeId="urn:microsoft.com/office/officeart/2005/8/quickstyle/simple2" qsCatId="simple" csTypeId="urn:microsoft.com/office/officeart/2005/8/colors/accent5_2" csCatId="accent5" phldr="1"/>
+      <dgm:spPr/>
+      <dgm:t>
+        <a:bodyPr/>
+        <a:lstStyle/>
+        <a:p>
+          <a:endParaRPr lang="en-US"/>
+        </a:p>
+      </dgm:t>
+    </dgm:pt>
+    <dgm:pt modelId="{7F69464F-62BF-4193-B688-5C886B7AB688}">
+      <dgm:prSet/>
+      <dgm:spPr/>
+      <dgm:t>
+        <a:bodyPr/>
+        <a:lstStyle/>
+        <a:p>
+          <a:r>
+            <a:rPr lang="en-US" dirty="0"/>
+            <a:t>CRESO </a:t>
+          </a:r>
+        </a:p>
+      </dgm:t>
+    </dgm:pt>
+    <dgm:pt modelId="{ABFEB0E7-35DC-43D9-9B22-63ABC99D235A}" type="parTrans" cxnId="{55982802-FB24-49E7-BA6F-DB5673185DE8}">
+      <dgm:prSet/>
+      <dgm:spPr/>
+      <dgm:t>
+        <a:bodyPr/>
+        <a:lstStyle/>
+        <a:p>
+          <a:endParaRPr lang="en-US"/>
+        </a:p>
+      </dgm:t>
+    </dgm:pt>
+    <dgm:pt modelId="{97A440B9-0C9A-4DE8-8672-7096FAF8F406}" type="sibTrans" cxnId="{55982802-FB24-49E7-BA6F-DB5673185DE8}">
+      <dgm:prSet/>
+      <dgm:spPr/>
+      <dgm:t>
+        <a:bodyPr/>
+        <a:lstStyle/>
+        <a:p>
+          <a:endParaRPr lang="en-US"/>
+        </a:p>
+      </dgm:t>
+    </dgm:pt>
+    <dgm:pt modelId="{CFC5B6CB-F8A5-451E-9AA6-F6CF63A8B3AC}">
+      <dgm:prSet/>
+      <dgm:spPr/>
+      <dgm:t>
+        <a:bodyPr/>
+        <a:lstStyle/>
+        <a:p>
+          <a:r>
+            <a:rPr lang="en-US"/>
+            <a:t>L-Curve </a:t>
+          </a:r>
+        </a:p>
+      </dgm:t>
+    </dgm:pt>
+    <dgm:pt modelId="{551230D8-8865-4FF7-BE9A-23F9AAB7E54E}" type="parTrans" cxnId="{930B2753-8028-4BB2-BDE4-46D44175EDB5}">
+      <dgm:prSet/>
+      <dgm:spPr/>
+      <dgm:t>
+        <a:bodyPr/>
+        <a:lstStyle/>
+        <a:p>
+          <a:endParaRPr lang="en-US"/>
+        </a:p>
+      </dgm:t>
+    </dgm:pt>
+    <dgm:pt modelId="{E04AC985-C61B-46E8-AAC0-ED22D5DEAA10}" type="sibTrans" cxnId="{930B2753-8028-4BB2-BDE4-46D44175EDB5}">
+      <dgm:prSet/>
+      <dgm:spPr/>
+      <dgm:t>
+        <a:bodyPr/>
+        <a:lstStyle/>
+        <a:p>
+          <a:endParaRPr lang="en-US"/>
+        </a:p>
+      </dgm:t>
+    </dgm:pt>
+    <dgm:pt modelId="{88AF8152-914C-4FE5-A8AC-50DDBAB685D3}">
+      <dgm:prSet/>
+      <dgm:spPr/>
+      <dgm:t>
+        <a:bodyPr/>
+        <a:lstStyle/>
+        <a:p>
+          <a:r>
+            <a:rPr lang="en-US"/>
+            <a:t>U-Curve</a:t>
+          </a:r>
+        </a:p>
+      </dgm:t>
+    </dgm:pt>
+    <dgm:pt modelId="{F60915E8-BB27-4FF7-9947-D7226CB9474E}" type="parTrans" cxnId="{10898897-706F-4D5A-A980-336072770851}">
+      <dgm:prSet/>
+      <dgm:spPr/>
+      <dgm:t>
+        <a:bodyPr/>
+        <a:lstStyle/>
+        <a:p>
+          <a:endParaRPr lang="en-US"/>
+        </a:p>
+      </dgm:t>
+    </dgm:pt>
+    <dgm:pt modelId="{6AA6ECF6-3963-4089-BE63-5F588363D994}" type="sibTrans" cxnId="{10898897-706F-4D5A-A980-336072770851}">
+      <dgm:prSet/>
+      <dgm:spPr/>
+      <dgm:t>
+        <a:bodyPr/>
+        <a:lstStyle/>
+        <a:p>
+          <a:endParaRPr lang="en-US"/>
+        </a:p>
+      </dgm:t>
+    </dgm:pt>
+    <dgm:pt modelId="{D8ECFB31-5507-4627-9DA5-D756F332382D}">
+      <dgm:prSet/>
+      <dgm:spPr/>
+      <dgm:t>
+        <a:bodyPr/>
+        <a:lstStyle/>
+        <a:p>
+          <a:r>
+            <a:rPr lang="en-US" dirty="0"/>
+            <a:t>Automated Discrete Picard Condition **</a:t>
+          </a:r>
+        </a:p>
+      </dgm:t>
+    </dgm:pt>
+    <dgm:pt modelId="{1594DCB1-F9B8-42B5-BFB7-965E102B10F4}" type="parTrans" cxnId="{5A1A0B69-4010-47A2-BFF5-3110AAA8AB3A}">
+      <dgm:prSet/>
+      <dgm:spPr/>
+      <dgm:t>
+        <a:bodyPr/>
+        <a:lstStyle/>
+        <a:p>
+          <a:endParaRPr lang="en-US"/>
+        </a:p>
+      </dgm:t>
+    </dgm:pt>
+    <dgm:pt modelId="{DFCBC3F2-424B-4B7B-998F-BE61B65696AC}" type="sibTrans" cxnId="{5A1A0B69-4010-47A2-BFF5-3110AAA8AB3A}">
+      <dgm:prSet/>
+      <dgm:spPr/>
+      <dgm:t>
+        <a:bodyPr/>
+        <a:lstStyle/>
+        <a:p>
+          <a:endParaRPr lang="en-US"/>
+        </a:p>
+      </dgm:t>
+    </dgm:pt>
+    <dgm:pt modelId="{ABCF24FA-3C68-4526-843F-0D53B0091079}" type="pres">
+      <dgm:prSet presAssocID="{8BBBD438-E606-4610-B579-D3458B6E88CB}" presName="vert0" presStyleCnt="0">
+        <dgm:presLayoutVars>
+          <dgm:dir/>
+          <dgm:animOne val="branch"/>
+          <dgm:animLvl val="lvl"/>
+        </dgm:presLayoutVars>
+      </dgm:prSet>
+      <dgm:spPr/>
+    </dgm:pt>
+    <dgm:pt modelId="{D62E0915-47B4-4B02-ADA9-1848B65B823D}" type="pres">
+      <dgm:prSet presAssocID="{7F69464F-62BF-4193-B688-5C886B7AB688}" presName="thickLine" presStyleLbl="alignNode1" presStyleIdx="0" presStyleCnt="4"/>
+      <dgm:spPr/>
+    </dgm:pt>
+    <dgm:pt modelId="{9C37B08F-3254-41C8-9E29-E198BB423E7D}" type="pres">
+      <dgm:prSet presAssocID="{7F69464F-62BF-4193-B688-5C886B7AB688}" presName="horz1" presStyleCnt="0"/>
+      <dgm:spPr/>
+    </dgm:pt>
+    <dgm:pt modelId="{FEE688B9-73E1-4E13-9823-5B2B7723FAED}" type="pres">
+      <dgm:prSet presAssocID="{7F69464F-62BF-4193-B688-5C886B7AB688}" presName="tx1" presStyleLbl="revTx" presStyleIdx="0" presStyleCnt="4"/>
+      <dgm:spPr/>
+    </dgm:pt>
+    <dgm:pt modelId="{5C184818-FDA9-4F8B-B3FD-92C7244F48C2}" type="pres">
+      <dgm:prSet presAssocID="{7F69464F-62BF-4193-B688-5C886B7AB688}" presName="vert1" presStyleCnt="0"/>
+      <dgm:spPr/>
+    </dgm:pt>
+    <dgm:pt modelId="{4BF3A98E-8CFA-4E69-AB42-2F7D82672584}" type="pres">
+      <dgm:prSet presAssocID="{CFC5B6CB-F8A5-451E-9AA6-F6CF63A8B3AC}" presName="thickLine" presStyleLbl="alignNode1" presStyleIdx="1" presStyleCnt="4"/>
+      <dgm:spPr/>
+    </dgm:pt>
+    <dgm:pt modelId="{B0F32933-1CB7-4E3B-9811-ED98AE13F375}" type="pres">
+      <dgm:prSet presAssocID="{CFC5B6CB-F8A5-451E-9AA6-F6CF63A8B3AC}" presName="horz1" presStyleCnt="0"/>
+      <dgm:spPr/>
+    </dgm:pt>
+    <dgm:pt modelId="{EDB16FE7-A8BF-472A-AEAF-27C98B0EC855}" type="pres">
+      <dgm:prSet presAssocID="{CFC5B6CB-F8A5-451E-9AA6-F6CF63A8B3AC}" presName="tx1" presStyleLbl="revTx" presStyleIdx="1" presStyleCnt="4"/>
+      <dgm:spPr/>
+    </dgm:pt>
+    <dgm:pt modelId="{B9EDC633-24CF-4DE0-8B9F-B910AF72C495}" type="pres">
+      <dgm:prSet presAssocID="{CFC5B6CB-F8A5-451E-9AA6-F6CF63A8B3AC}" presName="vert1" presStyleCnt="0"/>
+      <dgm:spPr/>
+    </dgm:pt>
+    <dgm:pt modelId="{2E834CBC-CB36-48EB-9B00-E6C6617AD1F6}" type="pres">
+      <dgm:prSet presAssocID="{88AF8152-914C-4FE5-A8AC-50DDBAB685D3}" presName="thickLine" presStyleLbl="alignNode1" presStyleIdx="2" presStyleCnt="4"/>
+      <dgm:spPr/>
+    </dgm:pt>
+    <dgm:pt modelId="{ABB5BC03-E16D-41E4-BBC2-33E02ADBB81A}" type="pres">
+      <dgm:prSet presAssocID="{88AF8152-914C-4FE5-A8AC-50DDBAB685D3}" presName="horz1" presStyleCnt="0"/>
+      <dgm:spPr/>
+    </dgm:pt>
+    <dgm:pt modelId="{94509A89-4644-401A-AAA5-E40C55F0A9D0}" type="pres">
+      <dgm:prSet presAssocID="{88AF8152-914C-4FE5-A8AC-50DDBAB685D3}" presName="tx1" presStyleLbl="revTx" presStyleIdx="2" presStyleCnt="4"/>
+      <dgm:spPr/>
+    </dgm:pt>
+    <dgm:pt modelId="{A86DDF98-3860-4C0C-8EB0-A9F2613EE3B2}" type="pres">
+      <dgm:prSet presAssocID="{88AF8152-914C-4FE5-A8AC-50DDBAB685D3}" presName="vert1" presStyleCnt="0"/>
+      <dgm:spPr/>
+    </dgm:pt>
+    <dgm:pt modelId="{F90D2E60-A0AB-4387-A53F-D2B11D82A791}" type="pres">
+      <dgm:prSet presAssocID="{D8ECFB31-5507-4627-9DA5-D756F332382D}" presName="thickLine" presStyleLbl="alignNode1" presStyleIdx="3" presStyleCnt="4"/>
+      <dgm:spPr/>
+    </dgm:pt>
+    <dgm:pt modelId="{AD61E848-F3C5-4245-869F-8677C404D38F}" type="pres">
+      <dgm:prSet presAssocID="{D8ECFB31-5507-4627-9DA5-D756F332382D}" presName="horz1" presStyleCnt="0"/>
+      <dgm:spPr/>
+    </dgm:pt>
+    <dgm:pt modelId="{FD8C78AD-E8EA-4B63-96EF-132EA3FD5337}" type="pres">
+      <dgm:prSet presAssocID="{D8ECFB31-5507-4627-9DA5-D756F332382D}" presName="tx1" presStyleLbl="revTx" presStyleIdx="3" presStyleCnt="4"/>
+      <dgm:spPr/>
+    </dgm:pt>
+    <dgm:pt modelId="{F3C61371-BE6B-4867-A76C-9B0F5733D2AB}" type="pres">
+      <dgm:prSet presAssocID="{D8ECFB31-5507-4627-9DA5-D756F332382D}" presName="vert1" presStyleCnt="0"/>
+      <dgm:spPr/>
+    </dgm:pt>
+  </dgm:ptLst>
+  <dgm:cxnLst>
+    <dgm:cxn modelId="{55982802-FB24-49E7-BA6F-DB5673185DE8}" srcId="{8BBBD438-E606-4610-B579-D3458B6E88CB}" destId="{7F69464F-62BF-4193-B688-5C886B7AB688}" srcOrd="0" destOrd="0" parTransId="{ABFEB0E7-35DC-43D9-9B22-63ABC99D235A}" sibTransId="{97A440B9-0C9A-4DE8-8672-7096FAF8F406}"/>
+    <dgm:cxn modelId="{0C556407-F692-456C-9872-35A59A7C0FB1}" type="presOf" srcId="{CFC5B6CB-F8A5-451E-9AA6-F6CF63A8B3AC}" destId="{EDB16FE7-A8BF-472A-AEAF-27C98B0EC855}" srcOrd="0" destOrd="0" presId="urn:microsoft.com/office/officeart/2008/layout/LinedList"/>
+    <dgm:cxn modelId="{9C955709-A46F-422A-B9A9-1D7290D7C6FB}" type="presOf" srcId="{D8ECFB31-5507-4627-9DA5-D756F332382D}" destId="{FD8C78AD-E8EA-4B63-96EF-132EA3FD5337}" srcOrd="0" destOrd="0" presId="urn:microsoft.com/office/officeart/2008/layout/LinedList"/>
+    <dgm:cxn modelId="{5A1A0B69-4010-47A2-BFF5-3110AAA8AB3A}" srcId="{8BBBD438-E606-4610-B579-D3458B6E88CB}" destId="{D8ECFB31-5507-4627-9DA5-D756F332382D}" srcOrd="3" destOrd="0" parTransId="{1594DCB1-F9B8-42B5-BFB7-965E102B10F4}" sibTransId="{DFCBC3F2-424B-4B7B-998F-BE61B65696AC}"/>
+    <dgm:cxn modelId="{930B2753-8028-4BB2-BDE4-46D44175EDB5}" srcId="{8BBBD438-E606-4610-B579-D3458B6E88CB}" destId="{CFC5B6CB-F8A5-451E-9AA6-F6CF63A8B3AC}" srcOrd="1" destOrd="0" parTransId="{551230D8-8865-4FF7-BE9A-23F9AAB7E54E}" sibTransId="{E04AC985-C61B-46E8-AAC0-ED22D5DEAA10}"/>
+    <dgm:cxn modelId="{835A1E96-2F0B-4EC2-948B-2028207BC79A}" type="presOf" srcId="{8BBBD438-E606-4610-B579-D3458B6E88CB}" destId="{ABCF24FA-3C68-4526-843F-0D53B0091079}" srcOrd="0" destOrd="0" presId="urn:microsoft.com/office/officeart/2008/layout/LinedList"/>
+    <dgm:cxn modelId="{10898897-706F-4D5A-A980-336072770851}" srcId="{8BBBD438-E606-4610-B579-D3458B6E88CB}" destId="{88AF8152-914C-4FE5-A8AC-50DDBAB685D3}" srcOrd="2" destOrd="0" parTransId="{F60915E8-BB27-4FF7-9947-D7226CB9474E}" sibTransId="{6AA6ECF6-3963-4089-BE63-5F588363D994}"/>
+    <dgm:cxn modelId="{80681DCA-EBD4-4060-A855-5F078A5458B3}" type="presOf" srcId="{7F69464F-62BF-4193-B688-5C886B7AB688}" destId="{FEE688B9-73E1-4E13-9823-5B2B7723FAED}" srcOrd="0" destOrd="0" presId="urn:microsoft.com/office/officeart/2008/layout/LinedList"/>
+    <dgm:cxn modelId="{B05E96FB-9DB5-474B-AA9E-2F7BF43082E3}" type="presOf" srcId="{88AF8152-914C-4FE5-A8AC-50DDBAB685D3}" destId="{94509A89-4644-401A-AAA5-E40C55F0A9D0}" srcOrd="0" destOrd="0" presId="urn:microsoft.com/office/officeart/2008/layout/LinedList"/>
+    <dgm:cxn modelId="{BB069D1E-B84F-49EA-A034-C1EDF7D273A0}" type="presParOf" srcId="{ABCF24FA-3C68-4526-843F-0D53B0091079}" destId="{D62E0915-47B4-4B02-ADA9-1848B65B823D}" srcOrd="0" destOrd="0" presId="urn:microsoft.com/office/officeart/2008/layout/LinedList"/>
+    <dgm:cxn modelId="{71B323A6-2BF0-49F9-9197-841B78891B8B}" type="presParOf" srcId="{ABCF24FA-3C68-4526-843F-0D53B0091079}" destId="{9C37B08F-3254-41C8-9E29-E198BB423E7D}" srcOrd="1" destOrd="0" presId="urn:microsoft.com/office/officeart/2008/layout/LinedList"/>
+    <dgm:cxn modelId="{C388E131-02AB-4B0D-927E-DC8D12C485AC}" type="presParOf" srcId="{9C37B08F-3254-41C8-9E29-E198BB423E7D}" destId="{FEE688B9-73E1-4E13-9823-5B2B7723FAED}" srcOrd="0" destOrd="0" presId="urn:microsoft.com/office/officeart/2008/layout/LinedList"/>
+    <dgm:cxn modelId="{590E190B-8CCB-4B16-8542-85231000C84D}" type="presParOf" srcId="{9C37B08F-3254-41C8-9E29-E198BB423E7D}" destId="{5C184818-FDA9-4F8B-B3FD-92C7244F48C2}" srcOrd="1" destOrd="0" presId="urn:microsoft.com/office/officeart/2008/layout/LinedList"/>
+    <dgm:cxn modelId="{9FD83DBC-CDAA-4940-8ECD-CC268882AD08}" type="presParOf" srcId="{ABCF24FA-3C68-4526-843F-0D53B0091079}" destId="{4BF3A98E-8CFA-4E69-AB42-2F7D82672584}" srcOrd="2" destOrd="0" presId="urn:microsoft.com/office/officeart/2008/layout/LinedList"/>
+    <dgm:cxn modelId="{C64D7AA0-2BF9-41E3-AD26-97F1C82A57FA}" type="presParOf" srcId="{ABCF24FA-3C68-4526-843F-0D53B0091079}" destId="{B0F32933-1CB7-4E3B-9811-ED98AE13F375}" srcOrd="3" destOrd="0" presId="urn:microsoft.com/office/officeart/2008/layout/LinedList"/>
+    <dgm:cxn modelId="{3C7675C2-CABF-4E32-87B9-31C01BA1629A}" type="presParOf" srcId="{B0F32933-1CB7-4E3B-9811-ED98AE13F375}" destId="{EDB16FE7-A8BF-472A-AEAF-27C98B0EC855}" srcOrd="0" destOrd="0" presId="urn:microsoft.com/office/officeart/2008/layout/LinedList"/>
+    <dgm:cxn modelId="{8C3DCAA7-373B-464A-98F7-13557A8D4073}" type="presParOf" srcId="{B0F32933-1CB7-4E3B-9811-ED98AE13F375}" destId="{B9EDC633-24CF-4DE0-8B9F-B910AF72C495}" srcOrd="1" destOrd="0" presId="urn:microsoft.com/office/officeart/2008/layout/LinedList"/>
+    <dgm:cxn modelId="{779E6EFF-2A85-40C4-A8C1-299D46FF169B}" type="presParOf" srcId="{ABCF24FA-3C68-4526-843F-0D53B0091079}" destId="{2E834CBC-CB36-48EB-9B00-E6C6617AD1F6}" srcOrd="4" destOrd="0" presId="urn:microsoft.com/office/officeart/2008/layout/LinedList"/>
+    <dgm:cxn modelId="{36289599-C4BB-451A-8C52-4B38A3C87B99}" type="presParOf" srcId="{ABCF24FA-3C68-4526-843F-0D53B0091079}" destId="{ABB5BC03-E16D-41E4-BBC2-33E02ADBB81A}" srcOrd="5" destOrd="0" presId="urn:microsoft.com/office/officeart/2008/layout/LinedList"/>
+    <dgm:cxn modelId="{77A37085-9427-49AE-AD51-B4BBB6F35ECF}" type="presParOf" srcId="{ABB5BC03-E16D-41E4-BBC2-33E02ADBB81A}" destId="{94509A89-4644-401A-AAA5-E40C55F0A9D0}" srcOrd="0" destOrd="0" presId="urn:microsoft.com/office/officeart/2008/layout/LinedList"/>
+    <dgm:cxn modelId="{2571D97D-CEB8-4B79-962D-60546B52122B}" type="presParOf" srcId="{ABB5BC03-E16D-41E4-BBC2-33E02ADBB81A}" destId="{A86DDF98-3860-4C0C-8EB0-A9F2613EE3B2}" srcOrd="1" destOrd="0" presId="urn:microsoft.com/office/officeart/2008/layout/LinedList"/>
+    <dgm:cxn modelId="{26514E3A-51D9-4F8E-AD76-880F84519910}" type="presParOf" srcId="{ABCF24FA-3C68-4526-843F-0D53B0091079}" destId="{F90D2E60-A0AB-4387-A53F-D2B11D82A791}" srcOrd="6" destOrd="0" presId="urn:microsoft.com/office/officeart/2008/layout/LinedList"/>
+    <dgm:cxn modelId="{56DC98A7-DEE9-4CD7-A07E-67076643F664}" type="presParOf" srcId="{ABCF24FA-3C68-4526-843F-0D53B0091079}" destId="{AD61E848-F3C5-4245-869F-8677C404D38F}" srcOrd="7" destOrd="0" presId="urn:microsoft.com/office/officeart/2008/layout/LinedList"/>
+    <dgm:cxn modelId="{A5EB15EE-0D1C-4DC7-B034-0689947F78A4}" type="presParOf" srcId="{AD61E848-F3C5-4245-869F-8677C404D38F}" destId="{FD8C78AD-E8EA-4B63-96EF-132EA3FD5337}" srcOrd="0" destOrd="0" presId="urn:microsoft.com/office/officeart/2008/layout/LinedList"/>
+    <dgm:cxn modelId="{59B7326E-4BDC-48E0-B459-C7C8C6453228}" type="presParOf" srcId="{AD61E848-F3C5-4245-869F-8677C404D38F}" destId="{F3C61371-BE6B-4867-A76C-9B0F5733D2AB}" srcOrd="1" destOrd="0" presId="urn:microsoft.com/office/officeart/2008/layout/LinedList"/>
+  </dgm:cxnLst>
+  <dgm:bg/>
+  <dgm:whole/>
+  <dgm:extLst>
+    <a:ext uri="http://schemas.microsoft.com/office/drawing/2008/diagram">
+      <dsp:dataModelExt xmlns:dsp="http://schemas.microsoft.com/office/drawing/2008/diagram" relId="rId9" minVer="http://schemas.openxmlformats.org/drawingml/2006/diagram"/>
+    </a:ext>
+  </dgm:extLst>
+</dgm:dataModel>
+</file>
+
+<file path=ppt/diagrams/drawing1.xml><?xml version="1.0" encoding="utf-8"?>
+<dsp:drawing xmlns:dgm="http://schemas.openxmlformats.org/drawingml/2006/diagram" xmlns:dsp="http://schemas.microsoft.com/office/drawing/2008/diagram" xmlns:a="http://schemas.openxmlformats.org/drawingml/2006/main">
+  <dsp:spTree>
+    <dsp:nvGrpSpPr>
+      <dsp:cNvPr id="0" name=""/>
+      <dsp:cNvGrpSpPr/>
+    </dsp:nvGrpSpPr>
+    <dsp:grpSpPr/>
+    <dsp:sp modelId="{6E771070-155D-427B-A26A-5F1CB266F96B}">
+      <dsp:nvSpPr>
+        <dsp:cNvPr id="0" name=""/>
+        <dsp:cNvSpPr/>
+      </dsp:nvSpPr>
+      <dsp:spPr>
+        <a:xfrm>
+          <a:off x="0" y="38139"/>
+          <a:ext cx="10058399" cy="1790100"/>
+        </a:xfrm>
+        <a:prstGeom prst="roundRect">
+          <a:avLst/>
+        </a:prstGeom>
+        <a:solidFill>
+          <a:schemeClr val="accent5">
+            <a:hueOff val="0"/>
+            <a:satOff val="0"/>
+            <a:lumOff val="0"/>
+            <a:alphaOff val="0"/>
+          </a:schemeClr>
+        </a:solidFill>
+        <a:ln w="15875" cap="flat" cmpd="sng" algn="ctr">
+          <a:solidFill>
+            <a:schemeClr val="lt1">
+              <a:hueOff val="0"/>
+              <a:satOff val="0"/>
+              <a:lumOff val="0"/>
+              <a:alphaOff val="0"/>
+            </a:schemeClr>
+          </a:solidFill>
+          <a:prstDash val="solid"/>
+        </a:ln>
+        <a:effectLst/>
+      </dsp:spPr>
+      <dsp:style>
+        <a:lnRef idx="2">
+          <a:scrgbClr r="0" g="0" b="0"/>
+        </a:lnRef>
+        <a:fillRef idx="1">
+          <a:scrgbClr r="0" g="0" b="0"/>
+        </a:fillRef>
+        <a:effectRef idx="0">
+          <a:scrgbClr r="0" g="0" b="0"/>
+        </a:effectRef>
+        <a:fontRef idx="minor">
+          <a:schemeClr val="lt1"/>
+        </a:fontRef>
+      </dsp:style>
+      <dsp:txBody>
+        <a:bodyPr spcFirstLastPara="0" vert="horz" wrap="square" lIns="171450" tIns="171450" rIns="171450" bIns="171450" numCol="1" spcCol="1270" anchor="ctr" anchorCtr="0">
+          <a:noAutofit/>
+        </a:bodyPr>
+        <a:lstStyle/>
+        <a:p>
+          <a:pPr marL="0" lvl="0" indent="0" algn="l" defTabSz="2000250">
+            <a:lnSpc>
+              <a:spcPct val="90000"/>
+            </a:lnSpc>
+            <a:spcBef>
+              <a:spcPct val="0"/>
+            </a:spcBef>
+            <a:spcAft>
+              <a:spcPct val="35000"/>
+            </a:spcAft>
+            <a:buNone/>
+          </a:pPr>
+          <a:r>
+            <a:rPr lang="en-US" sz="4500" kern="1200"/>
+            <a:t>Forward Model: Method of Fundamental Solutions (MFS)</a:t>
+          </a:r>
+        </a:p>
+      </dsp:txBody>
+      <dsp:txXfrm>
+        <a:off x="87385" y="125524"/>
+        <a:ext cx="9883629" cy="1615330"/>
+      </dsp:txXfrm>
+    </dsp:sp>
+    <dsp:sp modelId="{25087FD2-7CC9-411B-831B-65DB812E6F68}">
+      <dsp:nvSpPr>
+        <dsp:cNvPr id="0" name=""/>
+        <dsp:cNvSpPr/>
+      </dsp:nvSpPr>
+      <dsp:spPr>
+        <a:xfrm>
+          <a:off x="0" y="1957840"/>
+          <a:ext cx="10058399" cy="1790100"/>
+        </a:xfrm>
+        <a:prstGeom prst="roundRect">
+          <a:avLst/>
+        </a:prstGeom>
+        <a:solidFill>
+          <a:schemeClr val="accent5">
+            <a:hueOff val="2127120"/>
+            <a:satOff val="-23891"/>
+            <a:lumOff val="-5098"/>
+            <a:alphaOff val="0"/>
+          </a:schemeClr>
+        </a:solidFill>
+        <a:ln w="15875" cap="flat" cmpd="sng" algn="ctr">
+          <a:solidFill>
+            <a:schemeClr val="lt1">
+              <a:hueOff val="0"/>
+              <a:satOff val="0"/>
+              <a:lumOff val="0"/>
+              <a:alphaOff val="0"/>
+            </a:schemeClr>
+          </a:solidFill>
+          <a:prstDash val="solid"/>
+        </a:ln>
+        <a:effectLst/>
+      </dsp:spPr>
+      <dsp:style>
+        <a:lnRef idx="2">
+          <a:scrgbClr r="0" g="0" b="0"/>
+        </a:lnRef>
+        <a:fillRef idx="1">
+          <a:scrgbClr r="0" g="0" b="0"/>
+        </a:fillRef>
+        <a:effectRef idx="0">
+          <a:scrgbClr r="0" g="0" b="0"/>
+        </a:effectRef>
+        <a:fontRef idx="minor">
+          <a:schemeClr val="lt1"/>
+        </a:fontRef>
+      </dsp:style>
+      <dsp:txBody>
+        <a:bodyPr spcFirstLastPara="0" vert="horz" wrap="square" lIns="171450" tIns="171450" rIns="171450" bIns="171450" numCol="1" spcCol="1270" anchor="ctr" anchorCtr="0">
+          <a:noAutofit/>
+        </a:bodyPr>
+        <a:lstStyle/>
+        <a:p>
+          <a:pPr marL="0" lvl="0" indent="0" algn="l" defTabSz="2000250">
+            <a:lnSpc>
+              <a:spcPct val="90000"/>
+            </a:lnSpc>
+            <a:spcBef>
+              <a:spcPct val="0"/>
+            </a:spcBef>
+            <a:spcAft>
+              <a:spcPct val="35000"/>
+            </a:spcAft>
+            <a:buNone/>
+          </a:pPr>
+          <a:r>
+            <a:rPr lang="en-US" sz="4500" kern="1200"/>
+            <a:t>Inverse Solution: Tikhonov Regularization</a:t>
+          </a:r>
+        </a:p>
+      </dsp:txBody>
+      <dsp:txXfrm>
+        <a:off x="87385" y="2045225"/>
+        <a:ext cx="9883629" cy="1615330"/>
+      </dsp:txXfrm>
+    </dsp:sp>
+  </dsp:spTree>
+</dsp:drawing>
+</file>
+
+<file path=ppt/diagrams/drawing2.xml><?xml version="1.0" encoding="utf-8"?>
+<dsp:drawing xmlns:dgm="http://schemas.openxmlformats.org/drawingml/2006/diagram" xmlns:dsp="http://schemas.microsoft.com/office/drawing/2008/diagram" xmlns:a="http://schemas.openxmlformats.org/drawingml/2006/main">
+  <dsp:spTree>
+    <dsp:nvGrpSpPr>
+      <dsp:cNvPr id="0" name=""/>
+      <dsp:cNvGrpSpPr/>
+    </dsp:nvGrpSpPr>
+    <dsp:grpSpPr/>
+    <dsp:sp modelId="{D62E0915-47B4-4B02-ADA9-1848B65B823D}">
+      <dsp:nvSpPr>
+        <dsp:cNvPr id="0" name=""/>
+        <dsp:cNvSpPr/>
+      </dsp:nvSpPr>
+      <dsp:spPr>
+        <a:xfrm>
+          <a:off x="0" y="0"/>
+          <a:ext cx="6847996" cy="0"/>
+        </a:xfrm>
+        <a:prstGeom prst="line">
+          <a:avLst/>
+        </a:prstGeom>
+        <a:solidFill>
+          <a:schemeClr val="accent5">
+            <a:hueOff val="0"/>
+            <a:satOff val="0"/>
+            <a:lumOff val="0"/>
+            <a:alphaOff val="0"/>
+          </a:schemeClr>
+        </a:solidFill>
+        <a:ln w="15875" cap="flat" cmpd="sng" algn="ctr">
+          <a:solidFill>
+            <a:schemeClr val="accent5">
+              <a:hueOff val="0"/>
+              <a:satOff val="0"/>
+              <a:lumOff val="0"/>
+              <a:alphaOff val="0"/>
+            </a:schemeClr>
+          </a:solidFill>
+          <a:prstDash val="solid"/>
+        </a:ln>
+        <a:effectLst/>
+      </dsp:spPr>
+      <dsp:style>
+        <a:lnRef idx="2">
+          <a:scrgbClr r="0" g="0" b="0"/>
+        </a:lnRef>
+        <a:fillRef idx="1">
+          <a:scrgbClr r="0" g="0" b="0"/>
+        </a:fillRef>
+        <a:effectRef idx="1">
+          <a:scrgbClr r="0" g="0" b="0"/>
+        </a:effectRef>
+        <a:fontRef idx="minor">
+          <a:schemeClr val="lt1"/>
+        </a:fontRef>
+      </dsp:style>
+    </dsp:sp>
+    <dsp:sp modelId="{FEE688B9-73E1-4E13-9823-5B2B7723FAED}">
+      <dsp:nvSpPr>
+        <dsp:cNvPr id="0" name=""/>
+        <dsp:cNvSpPr/>
+      </dsp:nvSpPr>
+      <dsp:spPr>
+        <a:xfrm>
+          <a:off x="0" y="0"/>
+          <a:ext cx="6847996" cy="917544"/>
+        </a:xfrm>
+        <a:prstGeom prst="rect">
+          <a:avLst/>
+        </a:prstGeom>
+        <a:noFill/>
+        <a:ln>
+          <a:noFill/>
+        </a:ln>
+        <a:effectLst/>
+      </dsp:spPr>
+      <dsp:style>
+        <a:lnRef idx="0">
+          <a:scrgbClr r="0" g="0" b="0"/>
+        </a:lnRef>
+        <a:fillRef idx="0">
+          <a:scrgbClr r="0" g="0" b="0"/>
+        </a:fillRef>
+        <a:effectRef idx="0">
+          <a:scrgbClr r="0" g="0" b="0"/>
+        </a:effectRef>
+        <a:fontRef idx="minor"/>
+      </dsp:style>
+      <dsp:txBody>
+        <a:bodyPr spcFirstLastPara="0" vert="horz" wrap="square" lIns="121920" tIns="121920" rIns="121920" bIns="121920" numCol="1" spcCol="1270" anchor="t" anchorCtr="0">
+          <a:noAutofit/>
+        </a:bodyPr>
+        <a:lstStyle/>
+        <a:p>
+          <a:pPr marL="0" lvl="0" indent="0" algn="l" defTabSz="1422400">
+            <a:lnSpc>
+              <a:spcPct val="90000"/>
+            </a:lnSpc>
+            <a:spcBef>
+              <a:spcPct val="0"/>
+            </a:spcBef>
+            <a:spcAft>
+              <a:spcPct val="35000"/>
+            </a:spcAft>
+            <a:buNone/>
+          </a:pPr>
+          <a:r>
+            <a:rPr lang="en-US" sz="3200" kern="1200" dirty="0"/>
+            <a:t>CRESO </a:t>
+          </a:r>
+        </a:p>
+      </dsp:txBody>
+      <dsp:txXfrm>
+        <a:off x="0" y="0"/>
+        <a:ext cx="6847996" cy="917544"/>
+      </dsp:txXfrm>
+    </dsp:sp>
+    <dsp:sp modelId="{4BF3A98E-8CFA-4E69-AB42-2F7D82672584}">
+      <dsp:nvSpPr>
+        <dsp:cNvPr id="0" name=""/>
+        <dsp:cNvSpPr/>
+      </dsp:nvSpPr>
+      <dsp:spPr>
+        <a:xfrm>
+          <a:off x="0" y="917545"/>
+          <a:ext cx="6847996" cy="0"/>
+        </a:xfrm>
+        <a:prstGeom prst="line">
+          <a:avLst/>
+        </a:prstGeom>
+        <a:solidFill>
+          <a:schemeClr val="accent5">
+            <a:hueOff val="0"/>
+            <a:satOff val="0"/>
+            <a:lumOff val="0"/>
+            <a:alphaOff val="0"/>
+          </a:schemeClr>
+        </a:solidFill>
+        <a:ln w="15875" cap="flat" cmpd="sng" algn="ctr">
+          <a:solidFill>
+            <a:schemeClr val="accent5">
+              <a:hueOff val="0"/>
+              <a:satOff val="0"/>
+              <a:lumOff val="0"/>
+              <a:alphaOff val="0"/>
+            </a:schemeClr>
+          </a:solidFill>
+          <a:prstDash val="solid"/>
+        </a:ln>
+        <a:effectLst/>
+      </dsp:spPr>
+      <dsp:style>
+        <a:lnRef idx="2">
+          <a:scrgbClr r="0" g="0" b="0"/>
+        </a:lnRef>
+        <a:fillRef idx="1">
+          <a:scrgbClr r="0" g="0" b="0"/>
+        </a:fillRef>
+        <a:effectRef idx="1">
+          <a:scrgbClr r="0" g="0" b="0"/>
+        </a:effectRef>
+        <a:fontRef idx="minor">
+          <a:schemeClr val="lt1"/>
+        </a:fontRef>
+      </dsp:style>
+    </dsp:sp>
+    <dsp:sp modelId="{EDB16FE7-A8BF-472A-AEAF-27C98B0EC855}">
+      <dsp:nvSpPr>
+        <dsp:cNvPr id="0" name=""/>
+        <dsp:cNvSpPr/>
+      </dsp:nvSpPr>
+      <dsp:spPr>
+        <a:xfrm>
+          <a:off x="0" y="917544"/>
+          <a:ext cx="6847996" cy="917544"/>
+        </a:xfrm>
+        <a:prstGeom prst="rect">
+          <a:avLst/>
+        </a:prstGeom>
+        <a:noFill/>
+        <a:ln>
+          <a:noFill/>
+        </a:ln>
+        <a:effectLst/>
+      </dsp:spPr>
+      <dsp:style>
+        <a:lnRef idx="0">
+          <a:scrgbClr r="0" g="0" b="0"/>
+        </a:lnRef>
+        <a:fillRef idx="0">
+          <a:scrgbClr r="0" g="0" b="0"/>
+        </a:fillRef>
+        <a:effectRef idx="0">
+          <a:scrgbClr r="0" g="0" b="0"/>
+        </a:effectRef>
+        <a:fontRef idx="minor"/>
+      </dsp:style>
+      <dsp:txBody>
+        <a:bodyPr spcFirstLastPara="0" vert="horz" wrap="square" lIns="121920" tIns="121920" rIns="121920" bIns="121920" numCol="1" spcCol="1270" anchor="t" anchorCtr="0">
+          <a:noAutofit/>
+        </a:bodyPr>
+        <a:lstStyle/>
+        <a:p>
+          <a:pPr marL="0" lvl="0" indent="0" algn="l" defTabSz="1422400">
+            <a:lnSpc>
+              <a:spcPct val="90000"/>
+            </a:lnSpc>
+            <a:spcBef>
+              <a:spcPct val="0"/>
+            </a:spcBef>
+            <a:spcAft>
+              <a:spcPct val="35000"/>
+            </a:spcAft>
+            <a:buNone/>
+          </a:pPr>
+          <a:r>
+            <a:rPr lang="en-US" sz="3200" kern="1200"/>
+            <a:t>L-Curve </a:t>
+          </a:r>
+        </a:p>
+      </dsp:txBody>
+      <dsp:txXfrm>
+        <a:off x="0" y="917544"/>
+        <a:ext cx="6847996" cy="917544"/>
+      </dsp:txXfrm>
+    </dsp:sp>
+    <dsp:sp modelId="{2E834CBC-CB36-48EB-9B00-E6C6617AD1F6}">
+      <dsp:nvSpPr>
+        <dsp:cNvPr id="0" name=""/>
+        <dsp:cNvSpPr/>
+      </dsp:nvSpPr>
+      <dsp:spPr>
+        <a:xfrm>
+          <a:off x="0" y="1835090"/>
+          <a:ext cx="6847996" cy="0"/>
+        </a:xfrm>
+        <a:prstGeom prst="line">
+          <a:avLst/>
+        </a:prstGeom>
+        <a:solidFill>
+          <a:schemeClr val="accent5">
+            <a:hueOff val="0"/>
+            <a:satOff val="0"/>
+            <a:lumOff val="0"/>
+            <a:alphaOff val="0"/>
+          </a:schemeClr>
+        </a:solidFill>
+        <a:ln w="15875" cap="flat" cmpd="sng" algn="ctr">
+          <a:solidFill>
+            <a:schemeClr val="accent5">
+              <a:hueOff val="0"/>
+              <a:satOff val="0"/>
+              <a:lumOff val="0"/>
+              <a:alphaOff val="0"/>
+            </a:schemeClr>
+          </a:solidFill>
+          <a:prstDash val="solid"/>
+        </a:ln>
+        <a:effectLst/>
+      </dsp:spPr>
+      <dsp:style>
+        <a:lnRef idx="2">
+          <a:scrgbClr r="0" g="0" b="0"/>
+        </a:lnRef>
+        <a:fillRef idx="1">
+          <a:scrgbClr r="0" g="0" b="0"/>
+        </a:fillRef>
+        <a:effectRef idx="1">
+          <a:scrgbClr r="0" g="0" b="0"/>
+        </a:effectRef>
+        <a:fontRef idx="minor">
+          <a:schemeClr val="lt1"/>
+        </a:fontRef>
+      </dsp:style>
+    </dsp:sp>
+    <dsp:sp modelId="{94509A89-4644-401A-AAA5-E40C55F0A9D0}">
+      <dsp:nvSpPr>
+        <dsp:cNvPr id="0" name=""/>
+        <dsp:cNvSpPr/>
+      </dsp:nvSpPr>
+      <dsp:spPr>
+        <a:xfrm>
+          <a:off x="0" y="1835089"/>
+          <a:ext cx="6847996" cy="917544"/>
+        </a:xfrm>
+        <a:prstGeom prst="rect">
+          <a:avLst/>
+        </a:prstGeom>
+        <a:noFill/>
+        <a:ln>
+          <a:noFill/>
+        </a:ln>
+        <a:effectLst/>
+      </dsp:spPr>
+      <dsp:style>
+        <a:lnRef idx="0">
+          <a:scrgbClr r="0" g="0" b="0"/>
+        </a:lnRef>
+        <a:fillRef idx="0">
+          <a:scrgbClr r="0" g="0" b="0"/>
+        </a:fillRef>
+        <a:effectRef idx="0">
+          <a:scrgbClr r="0" g="0" b="0"/>
+        </a:effectRef>
+        <a:fontRef idx="minor"/>
+      </dsp:style>
+      <dsp:txBody>
+        <a:bodyPr spcFirstLastPara="0" vert="horz" wrap="square" lIns="121920" tIns="121920" rIns="121920" bIns="121920" numCol="1" spcCol="1270" anchor="t" anchorCtr="0">
+          <a:noAutofit/>
+        </a:bodyPr>
+        <a:lstStyle/>
+        <a:p>
+          <a:pPr marL="0" lvl="0" indent="0" algn="l" defTabSz="1422400">
+            <a:lnSpc>
+              <a:spcPct val="90000"/>
+            </a:lnSpc>
+            <a:spcBef>
+              <a:spcPct val="0"/>
+            </a:spcBef>
+            <a:spcAft>
+              <a:spcPct val="35000"/>
+            </a:spcAft>
+            <a:buNone/>
+          </a:pPr>
+          <a:r>
+            <a:rPr lang="en-US" sz="3200" kern="1200"/>
+            <a:t>U-Curve</a:t>
+          </a:r>
+        </a:p>
+      </dsp:txBody>
+      <dsp:txXfrm>
+        <a:off x="0" y="1835089"/>
+        <a:ext cx="6847996" cy="917544"/>
+      </dsp:txXfrm>
+    </dsp:sp>
+    <dsp:sp modelId="{F90D2E60-A0AB-4387-A53F-D2B11D82A791}">
+      <dsp:nvSpPr>
+        <dsp:cNvPr id="0" name=""/>
+        <dsp:cNvSpPr/>
+      </dsp:nvSpPr>
+      <dsp:spPr>
+        <a:xfrm>
+          <a:off x="0" y="2752634"/>
+          <a:ext cx="6847996" cy="0"/>
+        </a:xfrm>
+        <a:prstGeom prst="line">
+          <a:avLst/>
+        </a:prstGeom>
+        <a:solidFill>
+          <a:schemeClr val="accent5">
+            <a:hueOff val="0"/>
+            <a:satOff val="0"/>
+            <a:lumOff val="0"/>
+            <a:alphaOff val="0"/>
+          </a:schemeClr>
+        </a:solidFill>
+        <a:ln w="15875" cap="flat" cmpd="sng" algn="ctr">
+          <a:solidFill>
+            <a:schemeClr val="accent5">
+              <a:hueOff val="0"/>
+              <a:satOff val="0"/>
+              <a:lumOff val="0"/>
+              <a:alphaOff val="0"/>
+            </a:schemeClr>
+          </a:solidFill>
+          <a:prstDash val="solid"/>
+        </a:ln>
+        <a:effectLst/>
+      </dsp:spPr>
+      <dsp:style>
+        <a:lnRef idx="2">
+          <a:scrgbClr r="0" g="0" b="0"/>
+        </a:lnRef>
+        <a:fillRef idx="1">
+          <a:scrgbClr r="0" g="0" b="0"/>
+        </a:fillRef>
+        <a:effectRef idx="1">
+          <a:scrgbClr r="0" g="0" b="0"/>
+        </a:effectRef>
+        <a:fontRef idx="minor">
+          <a:schemeClr val="lt1"/>
+        </a:fontRef>
+      </dsp:style>
+    </dsp:sp>
+    <dsp:sp modelId="{FD8C78AD-E8EA-4B63-96EF-132EA3FD5337}">
+      <dsp:nvSpPr>
+        <dsp:cNvPr id="0" name=""/>
+        <dsp:cNvSpPr/>
+      </dsp:nvSpPr>
+      <dsp:spPr>
+        <a:xfrm>
+          <a:off x="0" y="2752634"/>
+          <a:ext cx="6847996" cy="917544"/>
+        </a:xfrm>
+        <a:prstGeom prst="rect">
+          <a:avLst/>
+        </a:prstGeom>
+        <a:noFill/>
+        <a:ln>
+          <a:noFill/>
+        </a:ln>
+        <a:effectLst/>
+      </dsp:spPr>
+      <dsp:style>
+        <a:lnRef idx="0">
+          <a:scrgbClr r="0" g="0" b="0"/>
+        </a:lnRef>
+        <a:fillRef idx="0">
+          <a:scrgbClr r="0" g="0" b="0"/>
+        </a:fillRef>
+        <a:effectRef idx="0">
+          <a:scrgbClr r="0" g="0" b="0"/>
+        </a:effectRef>
+        <a:fontRef idx="minor"/>
+      </dsp:style>
+      <dsp:txBody>
+        <a:bodyPr spcFirstLastPara="0" vert="horz" wrap="square" lIns="121920" tIns="121920" rIns="121920" bIns="121920" numCol="1" spcCol="1270" anchor="t" anchorCtr="0">
+          <a:noAutofit/>
+        </a:bodyPr>
+        <a:lstStyle/>
+        <a:p>
+          <a:pPr marL="0" lvl="0" indent="0" algn="l" defTabSz="1422400">
+            <a:lnSpc>
+              <a:spcPct val="90000"/>
+            </a:lnSpc>
+            <a:spcBef>
+              <a:spcPct val="0"/>
+            </a:spcBef>
+            <a:spcAft>
+              <a:spcPct val="35000"/>
+            </a:spcAft>
+            <a:buNone/>
+          </a:pPr>
+          <a:r>
+            <a:rPr lang="en-US" sz="3200" kern="1200" dirty="0"/>
+            <a:t>Automated Discrete Picard Condition **</a:t>
+          </a:r>
+        </a:p>
+      </dsp:txBody>
+      <dsp:txXfrm>
+        <a:off x="0" y="2752634"/>
+        <a:ext cx="6847996" cy="917544"/>
+      </dsp:txXfrm>
+    </dsp:sp>
+  </dsp:spTree>
+</dsp:drawing>
+</file>
+
+<file path=ppt/diagrams/layout1.xml><?xml version="1.0" encoding="utf-8"?>
+<dgm:layoutDef xmlns:dgm="http://schemas.openxmlformats.org/drawingml/2006/diagram" xmlns:a="http://schemas.openxmlformats.org/drawingml/2006/main" uniqueId="urn:microsoft.com/office/officeart/2005/8/layout/vList2">
+  <dgm:title val=""/>
+  <dgm:desc val=""/>
+  <dgm:catLst>
+    <dgm:cat type="list" pri="3000"/>
+    <dgm:cat type="convert" pri="1000"/>
+  </dgm:catLst>
+  <dgm:sampData>
+    <dgm:dataModel>
+      <dgm:ptLst>
+        <dgm:pt modelId="0" type="doc"/>
+        <dgm:pt modelId="1">
+          <dgm:prSet phldr="1"/>
+        </dgm:pt>
+        <dgm:pt modelId="11">
+          <dgm:prSet phldr="1"/>
+        </dgm:pt>
+        <dgm:pt modelId="2">
+          <dgm:prSet phldr="1"/>
+        </dgm:pt>
+        <dgm:pt modelId="21">
+          <dgm:prSet phldr="1"/>
+        </dgm:pt>
+      </dgm:ptLst>
+      <dgm:cxnLst>
+        <dgm:cxn modelId="4" srcId="0" destId="1" srcOrd="0" destOrd="0"/>
+        <dgm:cxn modelId="5" srcId="0" destId="2" srcOrd="1" destOrd="0"/>
+        <dgm:cxn modelId="12" srcId="1" destId="11" srcOrd="0" destOrd="0"/>
+        <dgm:cxn modelId="23" srcId="2" destId="21" srcOrd="0" destOrd="0"/>
+      </dgm:cxnLst>
+      <dgm:bg/>
+      <dgm:whole/>
+    </dgm:dataModel>
+  </dgm:sampData>
+  <dgm:styleData>
+    <dgm:dataModel>
+      <dgm:ptLst>
+        <dgm:pt modelId="0" type="doc"/>
+        <dgm:pt modelId="1"/>
+        <dgm:pt modelId="2"/>
+      </dgm:ptLst>
+      <dgm:cxnLst>
+        <dgm:cxn modelId="3" srcId="0" destId="1" srcOrd="0" destOrd="0"/>
+        <dgm:cxn modelId="4" srcId="0" destId="2" srcOrd="1" destOrd="0"/>
+      </dgm:cxnLst>
+      <dgm:bg/>
+      <dgm:whole/>
+    </dgm:dataModel>
+  </dgm:styleData>
+  <dgm:clrData>
+    <dgm:dataModel>
+      <dgm:ptLst>
+        <dgm:pt modelId="0" type="doc"/>
+        <dgm:pt modelId="1"/>
+        <dgm:pt modelId="2"/>
+        <dgm:pt modelId="3"/>
+        <dgm:pt modelId="4"/>
+      </dgm:ptLst>
+      <dgm:cxnLst>
+        <dgm:cxn modelId="5" srcId="0" destId="1" srcOrd="0" destOrd="0"/>
+        <dgm:cxn modelId="6" srcId="0" destId="2" srcOrd="1" destOrd="0"/>
+        <dgm:cxn modelId="7" srcId="0" destId="3" srcOrd="2" destOrd="0"/>
+        <dgm:cxn modelId="8" srcId="0" destId="4" srcOrd="3" destOrd="0"/>
+      </dgm:cxnLst>
+      <dgm:bg/>
+      <dgm:whole/>
+    </dgm:dataModel>
+  </dgm:clrData>
+  <dgm:layoutNode name="linear">
+    <dgm:varLst>
+      <dgm:animLvl val="lvl"/>
+      <dgm:resizeHandles val="exact"/>
+    </dgm:varLst>
+    <dgm:alg type="lin">
+      <dgm:param type="linDir" val="fromT"/>
+      <dgm:param type="vertAlign" val="mid"/>
+    </dgm:alg>
+    <dgm:shape xmlns:r="http://schemas.openxmlformats.org/officeDocument/2006/relationships" r:blip="">
+      <dgm:adjLst/>
+    </dgm:shape>
+    <dgm:presOf/>
+    <dgm:constrLst>
+      <dgm:constr type="w" for="ch" forName="parentText" refType="w"/>
+      <dgm:constr type="h" for="ch" forName="parentText" refType="primFontSz" refFor="ch" refForName="parentText" fact="0.52"/>
+      <dgm:constr type="w" for="ch" forName="childText" refType="w"/>
+      <dgm:constr type="h" for="ch" forName="childText" refType="primFontSz" refFor="ch" refForName="parentText" fact="0.46"/>
+      <dgm:constr type="h" for="ch" forName="parentText" op="equ"/>
+      <dgm:constr type="primFontSz" for="ch" forName="parentText" op="equ" val="65"/>
+      <dgm:constr type="primFontSz" for="ch" forName="childText" refType="primFontSz" refFor="ch" refForName="parentText" op="equ"/>
+      <dgm:constr type="h" for="ch" forName="spacer" refType="primFontSz" refFor="ch" refForName="parentText" fact="0.08"/>
+    </dgm:constrLst>
+    <dgm:ruleLst>
+      <dgm:rule type="primFontSz" for="ch" forName="parentText" val="5" fact="NaN" max="NaN"/>
+    </dgm:ruleLst>
+    <dgm:forEach name="Name0" axis="ch" ptType="node">
+      <dgm:layoutNode name="parentText" styleLbl="node1">
+        <dgm:varLst>
+          <dgm:chMax val="0"/>
+          <dgm:bulletEnabled val="1"/>
+        </dgm:varLst>
+        <dgm:alg type="tx">
+          <dgm:param type="parTxLTRAlign" val="l"/>
+          <dgm:param type="parTxRTLAlign" val="r"/>
+        </dgm:alg>
+        <dgm:shape xmlns:r="http://schemas.openxmlformats.org/officeDocument/2006/relationships" type="roundRect" r:blip="">
+          <dgm:adjLst/>
+        </dgm:shape>
+        <dgm:presOf axis="self"/>
+        <dgm:constrLst>
+          <dgm:constr type="tMarg" refType="primFontSz" fact="0.3"/>
+          <dgm:constr type="bMarg" refType="primFontSz" fact="0.3"/>
+          <dgm:constr type="lMarg" refType="primFontSz" fact="0.3"/>
+          <dgm:constr type="rMarg" refType="primFontSz" fact="0.3"/>
+        </dgm:constrLst>
+        <dgm:ruleLst>
+          <dgm:rule type="h" val="INF" fact="NaN" max="NaN"/>
+        </dgm:ruleLst>
+      </dgm:layoutNode>
+      <dgm:choose name="Name1">
+        <dgm:if name="Name2" axis="ch" ptType="node" func="cnt" op="gte" val="1">
+          <dgm:layoutNode name="childText" styleLbl="revTx">
+            <dgm:varLst>
+              <dgm:bulletEnabled val="1"/>
+            </dgm:varLst>
+            <dgm:alg type="tx">
+              <dgm:param type="stBulletLvl" val="1"/>
+              <dgm:param type="lnSpAfChP" val="20"/>
+            </dgm:alg>
+            <dgm:shape xmlns:r="http://schemas.openxmlformats.org/officeDocument/2006/relationships" type="rect" r:blip="">
+              <dgm:adjLst/>
+            </dgm:shape>
+            <dgm:presOf axis="des" ptType="node"/>
+            <dgm:constrLst>
+              <dgm:constr type="tMarg" refType="primFontSz" fact="0.1"/>
+              <dgm:constr type="bMarg" refType="primFontSz" fact="0.1"/>
+              <dgm:constr type="lMarg" refType="w" fact="0.09"/>
+            </dgm:constrLst>
+            <dgm:ruleLst>
+              <dgm:rule type="h" val="INF" fact="NaN" max="NaN"/>
+            </dgm:ruleLst>
+          </dgm:layoutNode>
+        </dgm:if>
+        <dgm:else name="Name3">
+          <dgm:choose name="Name4">
+            <dgm:if name="Name5" axis="par ch" ptType="doc node" func="cnt" op="gte" val="2">
+              <dgm:forEach name="Name6" axis="followSib" ptType="sibTrans" cnt="1">
+                <dgm:layoutNode name="spacer">
+                  <dgm:alg type="sp"/>
+                  <dgm:shape xmlns:r="http://schemas.openxmlformats.org/officeDocument/2006/relationships" r:blip="">
+                    <dgm:adjLst/>
+                  </dgm:shape>
+                  <dgm:presOf/>
+                  <dgm:constrLst/>
+                  <dgm:ruleLst/>
+                </dgm:layoutNode>
+              </dgm:forEach>
+            </dgm:if>
+            <dgm:else name="Name7"/>
+          </dgm:choose>
+        </dgm:else>
+      </dgm:choose>
+    </dgm:forEach>
+  </dgm:layoutNode>
+</dgm:layoutDef>
+</file>
+
+<file path=ppt/diagrams/layout2.xml><?xml version="1.0" encoding="utf-8"?>
+<dgm:layoutDef xmlns:dgm="http://schemas.openxmlformats.org/drawingml/2006/diagram" xmlns:a="http://schemas.openxmlformats.org/drawingml/2006/main" uniqueId="urn:microsoft.com/office/officeart/2008/layout/LinedList">
+  <dgm:title val=""/>
+  <dgm:desc val=""/>
+  <dgm:catLst>
+    <dgm:cat type="hierarchy" pri="8000"/>
+    <dgm:cat type="list" pri="2500"/>
+  </dgm:catLst>
+  <dgm:sampData>
+    <dgm:dataModel>
+      <dgm:ptLst>
+        <dgm:pt modelId="0" type="doc"/>
+        <dgm:pt modelId="1">
+          <dgm:prSet phldr="1"/>
+        </dgm:pt>
+        <dgm:pt modelId="11">
+          <dgm:prSet phldr="1"/>
+        </dgm:pt>
+        <dgm:pt modelId="12">
+          <dgm:prSet phldr="1"/>
+        </dgm:pt>
+        <dgm:pt modelId="13">
+          <dgm:prSet phldr="1"/>
+        </dgm:pt>
+      </dgm:ptLst>
+      <dgm:cxnLst>
+        <dgm:cxn modelId="2" srcId="0" destId="1" srcOrd="0" destOrd="0"/>
+        <dgm:cxn modelId="3" srcId="1" destId="11" srcOrd="0" destOrd="0"/>
+        <dgm:cxn modelId="4" srcId="1" destId="12" srcOrd="1" destOrd="0"/>
+        <dgm:cxn modelId="5" srcId="1" destId="13" srcOrd="2" destOrd="0"/>
+      </dgm:cxnLst>
+      <dgm:bg/>
+      <dgm:whole/>
+    </dgm:dataModel>
+  </dgm:sampData>
+  <dgm:styleData>
+    <dgm:dataModel>
+      <dgm:ptLst>
+        <dgm:pt modelId="0" type="doc"/>
+        <dgm:pt modelId="1">
+          <dgm:prSet phldr="1"/>
+        </dgm:pt>
+        <dgm:pt modelId="11">
+          <dgm:prSet phldr="1"/>
+        </dgm:pt>
+        <dgm:pt modelId="12">
+          <dgm:prSet phldr="1"/>
+        </dgm:pt>
+      </dgm:ptLst>
+      <dgm:cxnLst>
+        <dgm:cxn modelId="2" srcId="0" destId="1" srcOrd="0" destOrd="0"/>
+        <dgm:cxn modelId="3" srcId="1" destId="11" srcOrd="0" destOrd="0"/>
+        <dgm:cxn modelId="4" srcId="1" destId="12" srcOrd="1" destOrd="0"/>
+      </dgm:cxnLst>
+      <dgm:bg/>
+      <dgm:whole/>
+    </dgm:dataModel>
+  </dgm:styleData>
+  <dgm:clrData>
+    <dgm:dataModel>
+      <dgm:ptLst>
+        <dgm:pt modelId="0" type="doc"/>
+        <dgm:pt modelId="1">
+          <dgm:prSet phldr="1"/>
+        </dgm:pt>
+        <dgm:pt modelId="11">
+          <dgm:prSet phldr="1"/>
+        </dgm:pt>
+        <dgm:pt modelId="12">
+          <dgm:prSet phldr="1"/>
+        </dgm:pt>
+      </dgm:ptLst>
+      <dgm:cxnLst>
+        <dgm:cxn modelId="2" srcId="0" destId="1" srcOrd="0" destOrd="0"/>
+        <dgm:cxn modelId="3" srcId="1" destId="11" srcOrd="0" destOrd="0"/>
+        <dgm:cxn modelId="4" srcId="1" destId="12" srcOrd="1" destOrd="0"/>
+      </dgm:cxnLst>
+      <dgm:bg/>
+      <dgm:whole/>
+    </dgm:dataModel>
+  </dgm:clrData>
+  <dgm:layoutNode name="vert0">
+    <dgm:varLst>
+      <dgm:dir/>
+      <dgm:animOne val="branch"/>
+      <dgm:animLvl val="lvl"/>
+    </dgm:varLst>
+    <dgm:choose name="Name0">
+      <dgm:if name="Name1" func="var" arg="dir" op="equ" val="norm">
+        <dgm:alg type="lin">
+          <dgm:param type="linDir" val="fromT"/>
+          <dgm:param type="nodeHorzAlign" val="l"/>
+        </dgm:alg>
+      </dgm:if>
+      <dgm:else name="Name2">
+        <dgm:alg type="lin">
+          <dgm:param type="linDir" val="fromT"/>
+          <dgm:param type="nodeHorzAlign" val="r"/>
+        </dgm:alg>
+      </dgm:else>
+    </dgm:choose>
+    <dgm:shape xmlns:r="http://schemas.openxmlformats.org/officeDocument/2006/relationships" r:blip="">
+      <dgm:adjLst/>
+    </dgm:shape>
+    <dgm:presOf/>
+    <dgm:constrLst>
+      <dgm:constr type="w" for="ch" forName="horz1" refType="w"/>
+      <dgm:constr type="h" for="ch" forName="horz1" refType="h"/>
+      <dgm:constr type="h" for="des" forName="vert1" refType="h"/>
+      <dgm:constr type="h" for="des" forName="tx1" refType="h"/>
+      <dgm:constr type="h" for="des" forName="horz2" refType="h"/>
+      <dgm:constr type="h" for="des" forName="vert2" refType="h"/>
+      <dgm:constr type="h" for="des" forName="horz3" refType="h"/>
+      <dgm:constr type="h" for="des" forName="vert3" refType="h"/>
+      <dgm:constr type="h" for="des" forName="horz4" refType="h"/>
+      <dgm:constr type="h" for="des" ptType="node" refType="h"/>
+      <dgm:constr type="primFontSz" for="des" forName="tx1" op="equ" val="65"/>
+      <dgm:constr type="primFontSz" for="des" forName="tx2" op="equ" val="65"/>
+      <dgm:constr type="primFontSz" for="des" forName="tx3" op="equ" val="65"/>
+      <dgm:constr type="primFontSz" for="des" forName="tx4" op="equ" val="65"/>
+      <dgm:constr type="w" for="des" forName="thickLine" refType="w"/>
+      <dgm:constr type="h" for="des" forName="thickLine"/>
+      <dgm:constr type="h" for="des" forName="thinLine1"/>
+      <dgm:constr type="h" for="des" forName="thinLine2b"/>
+      <dgm:constr type="h" for="des" forName="thinLine3"/>
+      <dgm:constr type="h" for="des" forName="vertSpace2a" refType="h" fact="0.05"/>
+      <dgm:constr type="h" for="des" forName="vertSpace2b" refType="h" refFor="des" refForName="vertSpace2a"/>
+    </dgm:constrLst>
+    <dgm:forEach name="Name3" axis="ch" ptType="node">
+      <dgm:layoutNode name="thickLine" styleLbl="alignNode1">
+        <dgm:alg type="sp"/>
+        <dgm:shape xmlns:r="http://schemas.openxmlformats.org/officeDocument/2006/relationships" type="line" r:blip="">
+          <dgm:adjLst/>
+        </dgm:shape>
+        <dgm:presOf/>
+      </dgm:layoutNode>
+      <dgm:layoutNode name="horz1">
+        <dgm:choose name="Name4">
+          <dgm:if name="Name5" func="var" arg="dir" op="equ" val="norm">
+            <dgm:alg type="lin">
+              <dgm:param type="linDir" val="fromL"/>
+              <dgm:param type="nodeVertAlign" val="t"/>
+            </dgm:alg>
+          </dgm:if>
+          <dgm:else name="Name6">
+            <dgm:alg type="lin">
+              <dgm:param type="linDir" val="fromR"/>
+              <dgm:param type="nodeVertAlign" val="t"/>
+            </dgm:alg>
+          </dgm:else>
+        </dgm:choose>
+        <dgm:shape xmlns:r="http://schemas.openxmlformats.org/officeDocument/2006/relationships" r:blip="">
+          <dgm:adjLst/>
+        </dgm:shape>
+        <dgm:presOf/>
+        <dgm:choose name="Name7">
+          <dgm:if name="Name8" axis="root des" func="maxDepth" op="equ" val="1">
+            <dgm:constrLst>
+              <dgm:constr type="w" for="ch" forName="tx1" refType="w"/>
+            </dgm:constrLst>
+          </dgm:if>
+          <dgm:if name="Name9" axis="root des" func="maxDepth" op="equ" val="2">
+            <dgm:constrLst>
+              <dgm:constr type="w" for="ch" forName="tx1" refType="w" fact="0.2"/>
+              <dgm:constr type="w" for="des" forName="tx2" refType="w" fact="0.785"/>
+              <dgm:constr type="w" for="des" forName="horzSpace2" refType="w" fact="0.015"/>
+              <dgm:constr type="w" for="des" forName="thinLine2b" refType="w" fact="0.8"/>
+            </dgm:constrLst>
+          </dgm:if>
+          <dgm:if name="Name10" axis="root des" func="maxDepth" op="equ" val="3">
+            <dgm:constrLst>
+              <dgm:constr type="w" for="ch" forName="tx1" refType="w" fact="0.2"/>
+              <dgm:constr type="w" for="des" forName="tx2" refType="w" fact="0.385"/>
+              <dgm:constr type="w" for="des" forName="tx3" refType="w" fact="0.385"/>
+              <dgm:constr type="w" for="des" forName="horzSpace2" refType="w" fact="0.015"/>
+              <dgm:constr type="w" for="des" forName="horzSpace3" refType="w" fact="0.015"/>
+              <dgm:constr type="w" for="des" forName="thinLine2b" refType="w" fact="0.8"/>
+              <dgm:constr type="w" for="des" forName="thinLine3" refType="w" fact="0.385"/>
+            </dgm:constrLst>
+          </dgm:if>
+          <dgm:if name="Name11" axis="root des" func="maxDepth" op="gte" val="4">
+            <dgm:constrLst>
+              <dgm:constr type="w" for="ch" forName="tx1" refType="w" fact="0.2"/>
+              <dgm:constr type="w" for="des" forName="tx2" refType="w" fact="0.2516"/>
+              <dgm:constr type="w" for="des" forName="tx3" refType="w" fact="0.2516"/>
+              <dgm:constr type="w" for="des" forName="tx4" refType="w" fact="0.2516"/>
+              <dgm:constr type="w" for="des" forName="horzSpace2" refType="w" fact="0.015"/>
+              <dgm:constr type="w" for="des" forName="horzSpace3" refType="w" fact="0.015"/>
+              <dgm:constr type="w" for="des" forName="horzSpace4" refType="w" fact="0.015"/>
+              <dgm:constr type="w" for="des" forName="thinLine2b" refType="w" fact="0.8"/>
+              <dgm:constr type="w" for="des" forName="thinLine3" refType="w" fact="0.5332"/>
+            </dgm:constrLst>
+          </dgm:if>
+          <dgm:else name="Name12"/>
+        </dgm:choose>
+        <dgm:layoutNode name="tx1" styleLbl="revTx">
+          <dgm:alg type="tx">
+            <dgm:param type="parTxLTRAlign" val="l"/>
+            <dgm:param type="parTxRTLAlign" val="r"/>
+            <dgm:param type="txAnchorVert" val="t"/>
+          </dgm:alg>
+          <dgm:shape xmlns:r="http://schemas.openxmlformats.org/officeDocument/2006/relationships" type="rect" r:blip="">
+            <dgm:adjLst/>
+          </dgm:shape>
+          <dgm:presOf axis="self"/>
+          <dgm:constrLst>
+            <dgm:constr type="tMarg" refType="primFontSz" fact="0.3"/>
+            <dgm:constr type="bMarg" refType="primFontSz" fact="0.3"/>
+            <dgm:constr type="lMarg" refType="primFontSz" fact="0.3"/>
+            <dgm:constr type="rMarg" refType="primFontSz" fact="0.3"/>
+          </dgm:constrLst>
+          <dgm:ruleLst>
+            <dgm:rule type="primFontSz" val="5" fact="NaN" max="NaN"/>
+          </dgm:ruleLst>
+        </dgm:layoutNode>
+        <dgm:layoutNode name="vert1">
+          <dgm:choose name="Name13">
+            <dgm:if name="Name14" func="var" arg="dir" op="equ" val="norm">
+              <dgm:alg type="lin">
+                <dgm:param type="linDir" val="fromT"/>
+                <dgm:param type="nodeHorzAlign" val="l"/>
+              </dgm:alg>
+            </dgm:if>
+            <dgm:else name="Name15">
+              <dgm:alg type="lin">
+                <dgm:param type="linDir" val="fromT"/>
+                <dgm:param type="nodeHorzAlign" val="r"/>
+              </dgm:alg>
+            </dgm:else>
+          </dgm:choose>
+          <dgm:shape xmlns:r="http://schemas.openxmlformats.org/officeDocument/2006/relationships" r:blip="">
+            <dgm:adjLst/>
+          </dgm:shape>
+          <dgm:presOf/>
+          <dgm:forEach name="Name16" axis="ch" ptType="node">
+            <dgm:choose name="Name17">
+              <dgm:if name="Name18" axis="self" ptType="node" func="pos" op="equ" val="1">
+                <dgm:layoutNode name="vertSpace2a">
+                  <dgm:alg type="sp"/>
+                  <dgm:shape xmlns:r="http://schemas.openxmlformats.org/officeDocument/2006/relationships" r:blip="">
+                    <dgm:adjLst/>
+                  </dgm:shape>
+                  <dgm:presOf/>
+                </dgm:layoutNode>
+              </dgm:if>
+              <dgm:else name="Name19"/>
+            </dgm:choose>
+            <dgm:layoutNode name="horz2">
+              <dgm:choose name="Name20">
+                <dgm:if name="Name21" func="var" arg="dir" op="equ" val="norm">
+                  <dgm:alg type="lin">
+                    <dgm:param type="linDir" val="fromL"/>
+                    <dgm:param type="nodeVertAlign" val="t"/>
+                  </dgm:alg>
+                </dgm:if>
+                <dgm:else name="Name22">
+                  <dgm:alg type="lin">
+                    <dgm:param type="linDir" val="fromR"/>
+                    <dgm:param type="nodeVertAlign" val="t"/>
+                  </dgm:alg>
+                </dgm:else>
+              </dgm:choose>
+              <dgm:shape xmlns:r="http://schemas.openxmlformats.org/officeDocument/2006/relationships" r:blip="">
+                <dgm:adjLst/>
+              </dgm:shape>
+              <dgm:presOf/>
+              <dgm:layoutNode name="horzSpace2">
+                <dgm:alg type="sp"/>
+                <dgm:shape xmlns:r="http://schemas.openxmlformats.org/officeDocument/2006/relationships" r:blip="">
+                  <dgm:adjLst/>
+                </dgm:shape>
+                <dgm:presOf/>
+              </dgm:layoutNode>
+              <dgm:layoutNode name="tx2" styleLbl="revTx">
+                <dgm:alg type="tx">
+                  <dgm:param type="parTxLTRAlign" val="l"/>
+                  <dgm:param type="parTxRTLAlign" val="r"/>
+                  <dgm:param type="txAnchorVert" val="t"/>
+                </dgm:alg>
+                <dgm:shape xmlns:r="http://schemas.openxmlformats.org/officeDocument/2006/relationships" type="rect" r:blip="">
+                  <dgm:adjLst/>
+                </dgm:shape>
+                <dgm:presOf axis="self"/>
+                <dgm:constrLst>
+                  <dgm:constr type="tMarg" refType="primFontSz" fact="0.3"/>
+                  <dgm:constr type="bMarg" refType="primFontSz" fact="0.3"/>
+                  <dgm:constr type="lMarg" refType="primFontSz" fact="0.3"/>
+                  <dgm:constr type="rMarg" refType="primFontSz" fact="0.3"/>
+                </dgm:constrLst>
+                <dgm:ruleLst>
+                  <dgm:rule type="primFontSz" val="5" fact="NaN" max="NaN"/>
+                </dgm:ruleLst>
+              </dgm:layoutNode>
+              <dgm:layoutNode name="vert2">
+                <dgm:choose name="Name23">
+                  <dgm:if name="Name24" func="var" arg="dir" op="equ" val="norm">
+                    <dgm:alg type="lin">
+                      <dgm:param type="linDir" val="fromT"/>
+                      <dgm:param type="nodeHorzAlign" val="l"/>
+                    </dgm:alg>
+                  </dgm:if>
+                  <dgm:else name="Name25">
+                    <dgm:alg type="lin">
+                      <dgm:param type="linDir" val="fromT"/>
+                      <dgm:param type="nodeHorzAlign" val="r"/>
+                    </dgm:alg>
+                  </dgm:else>
+                </dgm:choose>
+                <dgm:shape xmlns:r="http://schemas.openxmlformats.org/officeDocument/2006/relationships" r:blip="">
+                  <dgm:adjLst/>
+                </dgm:shape>
+                <dgm:presOf/>
+                <dgm:forEach name="Name26" axis="ch" ptType="node">
+                  <dgm:layoutNode name="horz3">
+                    <dgm:choose name="Name27">
+                      <dgm:if name="Name28" func="var" arg="dir" op="equ" val="norm">
+                        <dgm:alg type="lin">
+                          <dgm:param type="linDir" val="fromL"/>
+                          <dgm:param type="nodeVertAlign" val="t"/>
+                        </dgm:alg>
+                      </dgm:if>
+                      <dgm:else name="Name29">
+                        <dgm:alg type="lin">
+                          <dgm:param type="linDir" val="fromR"/>
+                          <dgm:param type="nodeVertAlign" val="t"/>
+                        </dgm:alg>
+                      </dgm:else>
+                    </dgm:choose>
+                    <dgm:shape xmlns:r="http://schemas.openxmlformats.org/officeDocument/2006/relationships" r:blip="">
+                      <dgm:adjLst/>
+                    </dgm:shape>
+                    <dgm:presOf/>
+                    <dgm:layoutNode name="horzSpace3">
+                      <dgm:alg type="sp"/>
+                      <dgm:shape xmlns:r="http://schemas.openxmlformats.org/officeDocument/2006/relationships" r:blip="">
+                        <dgm:adjLst/>
+                      </dgm:shape>
+                      <dgm:presOf/>
+                    </dgm:layoutNode>
+                    <dgm:layoutNode name="tx3" styleLbl="revTx">
+                      <dgm:alg type="tx">
+                        <dgm:param type="parTxLTRAlign" val="l"/>
+                        <dgm:param type="parTxRTLAlign" val="r"/>
+                        <dgm:param type="txAnchorVert" val="t"/>
+                      </dgm:alg>
+                      <dgm:shape xmlns:r="http://schemas.openxmlformats.org/officeDocument/2006/relationships" type="rect" r:blip="">
+                        <dgm:adjLst/>
+                      </dgm:shape>
+                      <dgm:presOf axis="self"/>
+                      <dgm:constrLst>
+                        <dgm:constr type="tMarg" refType="primFontSz" fact="0.3"/>
+                        <dgm:constr type="bMarg" refType="primFontSz" fact="0.3"/>
+                        <dgm:constr type="lMarg" refType="primFontSz" fact="0.3"/>
+                        <dgm:constr type="rMarg" refType="primFontSz" fact="0.3"/>
+                      </dgm:constrLst>
+                      <dgm:ruleLst>
+                        <dgm:rule type="primFontSz" val="5" fact="NaN" max="NaN"/>
+                      </dgm:ruleLst>
+                    </dgm:layoutNode>
+                    <dgm:layoutNode name="vert3">
+                      <dgm:choose name="Name30">
+                        <dgm:if name="Name31" func="var" arg="dir" op="equ" val="norm">
+                          <dgm:alg type="lin">
+                            <dgm:param type="linDir" val="fromT"/>
+                            <dgm:param type="nodeHorzAlign" val="l"/>
+                          </dgm:alg>
+                        </dgm:if>
+                        <dgm:else name="Name32">
+                          <dgm:alg type="lin">
+                            <dgm:param type="linDir" val="fromT"/>
+                            <dgm:param type="nodeHorzAlign" val="r"/>
+                          </dgm:alg>
+                        </dgm:else>
+                      </dgm:choose>
+                      <dgm:shape xmlns:r="http://schemas.openxmlformats.org/officeDocument/2006/relationships" r:blip="">
+                        <dgm:adjLst/>
+                      </dgm:shape>
+                      <dgm:presOf/>
+                      <dgm:forEach name="Name33" axis="ch" ptType="node">
+                        <dgm:layoutNode name="horz4">
+                          <dgm:choose name="Name34">
+                            <dgm:if name="Name35" func="var" arg="dir" op="equ" val="norm">
+                              <dgm:alg type="lin">
+                                <dgm:param type="linDir" val="fromL"/>
+                                <dgm:param type="nodeVertAlign" val="t"/>
+                              </dgm:alg>
+                            </dgm:if>
+                            <dgm:else name="Name36">
+                              <dgm:alg type="lin">
+                                <dgm:param type="linDir" val="fromR"/>
+                                <dgm:param type="nodeVertAlign" val="t"/>
+                              </dgm:alg>
+                            </dgm:else>
+                          </dgm:choose>
+                          <dgm:shape xmlns:r="http://schemas.openxmlformats.org/officeDocument/2006/relationships" r:blip="">
+                            <dgm:adjLst/>
+                          </dgm:shape>
+                          <dgm:presOf/>
+                          <dgm:layoutNode name="horzSpace4">
+                            <dgm:alg type="sp"/>
+                            <dgm:shape xmlns:r="http://schemas.openxmlformats.org/officeDocument/2006/relationships" r:blip="">
+                              <dgm:adjLst/>
+                            </dgm:shape>
+                            <dgm:presOf/>
+                          </dgm:layoutNode>
+                          <dgm:layoutNode name="tx4" styleLbl="revTx">
+                            <dgm:varLst>
+                              <dgm:bulletEnabled val="1"/>
+                            </dgm:varLst>
+                            <dgm:alg type="tx">
+                              <dgm:param type="parTxLTRAlign" val="l"/>
+                              <dgm:param type="parTxRTLAlign" val="r"/>
+                              <dgm:param type="txAnchorVert" val="t"/>
+                            </dgm:alg>
+                            <dgm:shape xmlns:r="http://schemas.openxmlformats.org/officeDocument/2006/relationships" type="rect" r:blip="">
+                              <dgm:adjLst/>
+                            </dgm:shape>
+                            <dgm:presOf axis="desOrSelf" ptType="node"/>
+                            <dgm:constrLst>
+                              <dgm:constr type="tMarg" refType="primFontSz" fact="0.3"/>
+                              <dgm:constr type="bMarg" refType="primFontSz" fact="0.3"/>
+                              <dgm:constr type="lMarg" refType="primFontSz" fact="0.3"/>
+                              <dgm:constr type="rMarg" refType="primFontSz" fact="0.3"/>
+                            </dgm:constrLst>
+                            <dgm:ruleLst>
+                              <dgm:rule type="primFontSz" val="5" fact="NaN" max="NaN"/>
+                            </dgm:ruleLst>
+                          </dgm:layoutNode>
+                        </dgm:layoutNode>
+                      </dgm:forEach>
+                    </dgm:layoutNode>
+                  </dgm:layoutNode>
+                  <dgm:forEach name="Name37" axis="followSib" ptType="sibTrans" cnt="1">
+                    <dgm:layoutNode name="thinLine3" styleLbl="callout">
+                      <dgm:alg type="sp"/>
+                      <dgm:shape xmlns:r="http://schemas.openxmlformats.org/officeDocument/2006/relationships" type="line" r:blip="">
+                        <dgm:adjLst/>
+                      </dgm:shape>
+                      <dgm:presOf/>
+                    </dgm:layoutNode>
+                  </dgm:forEach>
+                </dgm:forEach>
+              </dgm:layoutNode>
+            </dgm:layoutNode>
+            <dgm:layoutNode name="thinLine2b" styleLbl="callout">
+              <dgm:alg type="sp"/>
+              <dgm:shape xmlns:r="http://schemas.openxmlformats.org/officeDocument/2006/relationships" type="line" r:blip="">
+                <dgm:adjLst/>
+              </dgm:shape>
+              <dgm:presOf/>
+            </dgm:layoutNode>
+            <dgm:layoutNode name="vertSpace2b">
+              <dgm:alg type="sp"/>
+              <dgm:shape xmlns:r="http://schemas.openxmlformats.org/officeDocument/2006/relationships" r:blip="">
+                <dgm:adjLst/>
+              </dgm:shape>
+              <dgm:presOf/>
+            </dgm:layoutNode>
+          </dgm:forEach>
+        </dgm:layoutNode>
+      </dgm:layoutNode>
+    </dgm:forEach>
+  </dgm:layoutNode>
+</dgm:layoutDef>
+</file>
+
+<file path=ppt/diagrams/quickStyle1.xml><?xml version="1.0" encoding="utf-8"?>
+<dgm:styleDef xmlns:dgm="http://schemas.openxmlformats.org/drawingml/2006/diagram" xmlns:a="http://schemas.openxmlformats.org/drawingml/2006/main" uniqueId="urn:microsoft.com/office/officeart/2005/8/quickstyle/simple1">
+  <dgm:title val=""/>
+  <dgm:desc val=""/>
+  <dgm:catLst>
+    <dgm:cat type="simple" pri="10100"/>
+  </dgm:catLst>
+  <dgm:scene3d>
+    <a:camera prst="orthographicFront"/>
+    <a:lightRig rig="threePt" dir="t"/>
+  </dgm:scene3d>
+  <dgm:styleLbl name="node0">
+    <dgm:scene3d>
+      <a:camera prst="orthographicFront"/>
+      <a:lightRig rig="threePt" dir="t"/>
+    </dgm:scene3d>
+    <dgm:sp3d/>
+    <dgm:txPr/>
+    <dgm:style>
+      <a:lnRef idx="2">
+        <a:scrgbClr r="0" g="0" b="0"/>
+      </a:lnRef>
+      <a:fillRef idx="1">
+        <a:scrgbClr r="0" g="0" b="0"/>
+      </a:fillRef>
+      <a:effectRef idx="0">
+        <a:scrgbClr r="0" g="0" b="0"/>
+      </a:effectRef>
+      <a:fontRef idx="minor">
+        <a:schemeClr val="lt1"/>
+      </a:fontRef>
+    </dgm:style>
+  </dgm:styleLbl>
+  <dgm:styleLbl name="lnNode1">
+    <dgm:scene3d>
+      <a:camera prst="orthographicFront"/>
+      <a:lightRig rig="threePt" dir="t"/>
+    </dgm:scene3d>
+    <dgm:sp3d/>
+    <dgm:txPr/>
+    <dgm:style>
+      <a:lnRef idx="2">
+        <a:scrgbClr r="0" g="0" b="0"/>
+      </a:lnRef>
+      <a:fillRef idx="1">
+        <a:scrgbClr r="0" g="0" b="0"/>
+      </a:fillRef>
+      <a:effectRef idx="0">
+        <a:scrgbClr r="0" g="0" b="0"/>
+      </a:effectRef>
+      <a:fontRef idx="minor">
+        <a:schemeClr val="lt1"/>
+      </a:fontRef>
+    </dgm:style>
+  </dgm:styleLbl>
+  <dgm:styleLbl name="vennNode1">
+    <dgm:scene3d>
+      <a:camera prst="orthographicFront"/>
+      <a:lightRig rig="threePt" dir="t"/>
+    </dgm:scene3d>
+    <dgm:sp3d/>
+    <dgm:txPr/>
+    <dgm:style>
+      <a:lnRef idx="2">
+        <a:scrgbClr r="0" g="0" b="0"/>
+      </a:lnRef>
+      <a:fillRef idx="1">
+        <a:scrgbClr r="0" g="0" b="0"/>
+      </a:fillRef>
+      <a:effectRef idx="0">
+        <a:scrgbClr r="0" g="0" b="0"/>
+      </a:effectRef>
+      <a:fontRef idx="minor">
+        <a:schemeClr val="tx1"/>
+      </a:fontRef>
+    </dgm:style>
+  </dgm:styleLbl>
+  <dgm:styleLbl name="alignNode1">
+    <dgm:scene3d>
+      <a:camera prst="orthographicFront"/>
+      <a:lightRig rig="threePt" dir="t"/>
+    </dgm:scene3d>
+    <dgm:sp3d/>
+    <dgm:txPr/>
+    <dgm:style>
+      <a:lnRef idx="2">
+        <a:scrgbClr r="0" g="0" b="0"/>
+      </a:lnRef>
+      <a:fillRef idx="1">
+        <a:scrgbClr r="0" g="0" b="0"/>
+      </a:fillRef>
+      <a:effectRef idx="0">
+        <a:scrgbClr r="0" g="0" b="0"/>
+      </a:effectRef>
+      <a:fontRef idx="minor">
+        <a:schemeClr val="lt1"/>
+      </a:fontRef>
+    </dgm:style>
+  </dgm:styleLbl>
+  <dgm:styleLbl name="node1">
+    <dgm:scene3d>
+      <a:camera prst="orthographicFront"/>
+      <a:lightRig rig="threePt" dir="t"/>
+    </dgm:scene3d>
+    <dgm:sp3d/>
+    <dgm:txPr/>
+    <dgm:style>
+      <a:lnRef idx="2">
+        <a:scrgbClr r="0" g="0" b="0"/>
+      </a:lnRef>
+      <a:fillRef idx="1">
+        <a:scrgbClr r="0" g="0" b="0"/>
+      </a:fillRef>
+      <a:effectRef idx="0">
+        <a:scrgbClr r="0" g="0" b="0"/>
+      </a:effectRef>
+      <a:fontRef idx="minor">
+        <a:schemeClr val="lt1"/>
+      </a:fontRef>
+    </dgm:style>
+  </dgm:styleLbl>
+  <dgm:styleLbl name="node2">
+    <dgm:scene3d>
+      <a:camera prst="orthographicFront"/>
+      <a:lightRig rig="threePt" dir="t"/>
+    </dgm:scene3d>
+    <dgm:sp3d/>
+    <dgm:txPr/>
+    <dgm:style>
+      <a:lnRef idx="2">
+        <a:scrgbClr r="0" g="0" b="0"/>
+      </a:lnRef>
+      <a:fillRef idx="1">
+        <a:scrgbClr r="0" g="0" b="0"/>
+      </a:fillRef>
+      <a:effectRef idx="0">
+        <a:scrgbClr r="0" g="0" b="0"/>
+      </a:effectRef>
+      <a:fontRef idx="minor">
+        <a:schemeClr val="lt1"/>
+      </a:fontRef>
+    </dgm:style>
+  </dgm:styleLbl>
+  <dgm:styleLbl name="node3">
+    <dgm:scene3d>
+      <a:camera prst="orthographicFront"/>
+      <a:lightRig rig="threePt" dir="t"/>
+    </dgm:scene3d>
+    <dgm:sp3d/>
+    <dgm:txPr/>
+    <dgm:style>
+      <a:lnRef idx="2">
+        <a:scrgbClr r="0" g="0" b="0"/>
+      </a:lnRef>
+      <a:fillRef idx="1">
+        <a:scrgbClr r="0" g="0" b="0"/>
+      </a:fillRef>
+      <a:effectRef idx="0">
+        <a:scrgbClr r="0" g="0" b="0"/>
+      </a:effectRef>
+      <a:fontRef idx="minor">
+        <a:schemeClr val="lt1"/>
+      </a:fontRef>
+    </dgm:style>
+  </dgm:styleLbl>
+  <dgm:styleLbl name="node4">
+    <dgm:scene3d>
+      <a:camera prst="orthographicFront"/>
+      <a:lightRig rig="threePt" dir="t"/>
+    </dgm:scene3d>
+    <dgm:sp3d/>
+    <dgm:txPr/>
+    <dgm:style>
+      <a:lnRef idx="2">
+        <a:scrgbClr r="0" g="0" b="0"/>
+      </a:lnRef>
+      <a:fillRef idx="1">
+        <a:scrgbClr r="0" g="0" b="0"/>
+      </a:fillRef>
+      <a:effectRef idx="0">
+        <a:scrgbClr r="0" g="0" b="0"/>
+      </a:effectRef>
+      <a:fontRef idx="minor">
+        <a:schemeClr val="lt1"/>
+      </a:fontRef>
+    </dgm:style>
+  </dgm:styleLbl>
+  <dgm:styleLbl name="fgImgPlace1">
+    <dgm:scene3d>
+      <a:camera prst="orthographicFront"/>
+      <a:lightRig rig="threePt" dir="t"/>
+    </dgm:scene3d>
+    <dgm:sp3d/>
+    <dgm:txPr/>
+    <dgm:style>
+      <a:lnRef idx="2">
+        <a:scrgbClr r="0" g="0" b="0"/>
+      </a:lnRef>
+      <a:fillRef idx="1">
+        <a:scrgbClr r="0" g="0" b="0"/>
+      </a:fillRef>
+      <a:effectRef idx="0">
+        <a:scrgbClr r="0" g="0" b="0"/>
+      </a:effectRef>
+      <a:fontRef idx="minor"/>
+    </dgm:style>
+  </dgm:styleLbl>
+  <dgm:styleLbl name="alignImgPlace1">
+    <dgm:scene3d>
+      <a:camera prst="orthographicFront"/>
+      <a:lightRig rig="threePt" dir="t"/>
+    </dgm:scene3d>
+    <dgm:sp3d/>
+    <dgm:txPr/>
+    <dgm:style>
+      <a:lnRef idx="2">
+        <a:scrgbClr r="0" g="0" b="0"/>
+      </a:lnRef>
+      <a:fillRef idx="1">
+        <a:scrgbClr r="0" g="0" b="0"/>
+      </a:fillRef>
+      <a:effectRef idx="0">
+        <a:scrgbClr r="0" g="0" b="0"/>
+      </a:effectRef>
+      <a:fontRef idx="minor"/>
+    </dgm:style>
+  </dgm:styleLbl>
+  <dgm:styleLbl name="bgImgPlace1">
+    <dgm:scene3d>
+      <a:camera prst="orthographicFront"/>
+      <a:lightRig rig="threePt" dir="t"/>
+    </dgm:scene3d>
+    <dgm:sp3d/>
+    <dgm:txPr/>
+    <dgm:style>
+      <a:lnRef idx="2">
+        <a:scrgbClr r="0" g="0" b="0"/>
+      </a:lnRef>
+      <a:fillRef idx="1">
+        <a:scrgbClr r="0" g="0" b="0"/>
+      </a:fillRef>
+      <a:effectRef idx="0">
+        <a:scrgbClr r="0" g="0" b="0"/>
+      </a:effectRef>
+      <a:fontRef idx="minor"/>
+    </dgm:style>
+  </dgm:styleLbl>
+  <dgm:styleLbl name="sibTrans2D1">
+    <dgm:scene3d>
+      <a:camera prst="orthographicFront"/>
+      <a:lightRig rig="threePt" dir="t"/>
+    </dgm:scene3d>
+    <dgm:sp3d/>
+    <dgm:txPr/>
+    <dgm:style>
+      <a:lnRef idx="0">
+        <a:scrgbClr r="0" g="0" b="0"/>
+      </a:lnRef>
+      <a:fillRef idx="1">
+        <a:scrgbClr r="0" g="0" b="0"/>
+      </a:fillRef>
+      <a:effectRef idx="0">
+        <a:scrgbClr r="0" g="0" b="0"/>
+      </a:effectRef>
+      <a:fontRef idx="minor">
+        <a:schemeClr val="lt1"/>
+      </a:fontRef>
+    </dgm:style>
+  </dgm:styleLbl>
+  <dgm:styleLbl name="fgSibTrans2D1">
+    <dgm:scene3d>
+      <a:camera prst="orthographicFront"/>
+      <a:lightRig rig="threePt" dir="t"/>
+    </dgm:scene3d>
+    <dgm:sp3d/>
+    <dgm:txPr/>
+    <dgm:style>
+      <a:lnRef idx="0">
+        <a:scrgbClr r="0" g="0" b="0"/>
+      </a:lnRef>
+      <a:fillRef idx="1">
+        <a:scrgbClr r="0" g="0" b="0"/>
+      </a:fillRef>
+      <a:effectRef idx="0">
+        <a:scrgbClr r="0" g="0" b="0"/>
+      </a:effectRef>
+      <a:fontRef idx="minor">
+        <a:schemeClr val="lt1"/>
+      </a:fontRef>
+    </dgm:style>
+  </dgm:styleLbl>
+  <dgm:styleLbl name="bgSibTrans2D1">
+    <dgm:scene3d>
+      <a:camera prst="orthographicFront"/>
+      <a:lightRig rig="threePt" dir="t"/>
+    </dgm:scene3d>
+    <dgm:sp3d/>
+    <dgm:txPr/>
+    <dgm:style>
+      <a:lnRef idx="0">
+        <a:scrgbClr r="0" g="0" b="0"/>
+      </a:lnRef>
+      <a:fillRef idx="1">
+        <a:scrgbClr r="0" g="0" b="0"/>
+      </a:fillRef>
+      <a:effectRef idx="0">
+        <a:scrgbClr r="0" g="0" b="0"/>
+      </a:effectRef>
+      <a:fontRef idx="minor">
+        <a:schemeClr val="lt1"/>
+      </a:fontRef>
+    </dgm:style>
+  </dgm:styleLbl>
+  <dgm:styleLbl name="sibTrans1D1">
+    <dgm:scene3d>
+      <a:camera prst="orthographicFront"/>
+      <a:lightRig rig="threePt" dir="t"/>
+    </dgm:scene3d>
+    <dgm:sp3d/>
+    <dgm:txPr/>
+    <dgm:style>
+      <a:lnRef idx="1">
+        <a:scrgbClr r="0" g="0" b="0"/>
+      </a:lnRef>
+      <a:fillRef idx="0">
+        <a:scrgbClr r="0" g="0" b="0"/>
+      </a:fillRef>
+      <a:effectRef idx="0">
+        <a:scrgbClr r="0" g="0" b="0"/>
+      </a:effectRef>
+      <a:fontRef idx="minor"/>
+    </dgm:style>
+  </dgm:styleLbl>
+  <dgm:styleLbl name="callout">
+    <dgm:scene3d>
+      <a:camera prst="orthographicFront"/>
+      <a:lightRig rig="threePt" dir="t"/>
+    </dgm:scene3d>
+    <dgm:sp3d/>
+    <dgm:txPr/>
+    <dgm:style>
+      <a:lnRef idx="2">
+        <a:scrgbClr r="0" g="0" b="0"/>
+      </a:lnRef>
+      <a:fillRef idx="1">
+        <a:scrgbClr r="0" g="0" b="0"/>
+      </a:fillRef>
+      <a:effectRef idx="0">
+        <a:scrgbClr r="0" g="0" b="0"/>
+      </a:effectRef>
+      <a:fontRef idx="minor"/>
+    </dgm:style>
+  </dgm:styleLbl>
+  <dgm:styleLbl name="asst0">
+    <dgm:scene3d>
+      <a:camera prst="orthographicFront"/>
+      <a:lightRig rig="threePt" dir="t"/>
+    </dgm:scene3d>
+    <dgm:sp3d/>
+    <dgm:txPr/>
+    <dgm:style>
+      <a:lnRef idx="2">
+        <a:scrgbClr r="0" g="0" b="0"/>
+      </a:lnRef>
+      <a:fillRef idx="1">
+        <a:scrgbClr r="0" g="0" b="0"/>
+      </a:fillRef>
+      <a:effectRef idx="0">
+        <a:scrgbClr r="0" g="0" b="0"/>
+      </a:effectRef>
+      <a:fontRef idx="minor">
+        <a:schemeClr val="lt1"/>
+      </a:fontRef>
+    </dgm:style>
+  </dgm:styleLbl>
+  <dgm:styleLbl name="asst1">
+    <dgm:scene3d>
+      <a:camera prst="orthographicFront"/>
+      <a:lightRig rig="threePt" dir="t"/>
+    </dgm:scene3d>
+    <dgm:sp3d/>
+    <dgm:txPr/>
+    <dgm:style>
+      <a:lnRef idx="2">
+        <a:scrgbClr r="0" g="0" b="0"/>
+      </a:lnRef>
+      <a:fillRef idx="1">
+        <a:scrgbClr r="0" g="0" b="0"/>
+      </a:fillRef>
+      <a:effectRef idx="0">
+        <a:scrgbClr r="0" g="0" b="0"/>
+      </a:effectRef>
+      <a:fontRef idx="minor">
+        <a:schemeClr val="lt1"/>
+      </a:fontRef>
+    </dgm:style>
+  </dgm:styleLbl>
+  <dgm:styleLbl name="asst2">
+    <dgm:scene3d>
+      <a:camera prst="orthographicFront"/>
+      <a:lightRig rig="threePt" dir="t"/>
+    </dgm:scene3d>
+    <dgm:sp3d/>
+    <dgm:txPr/>
+    <dgm:style>
+      <a:lnRef idx="2">
+        <a:scrgbClr r="0" g="0" b="0"/>
+      </a:lnRef>
+      <a:fillRef idx="1">
+        <a:scrgbClr r="0" g="0" b="0"/>
+      </a:fillRef>
+      <a:effectRef idx="0">
+        <a:scrgbClr r="0" g="0" b="0"/>
+      </a:effectRef>
+      <a:fontRef idx="minor">
+        <a:schemeClr val="lt1"/>
+      </a:fontRef>
+    </dgm:style>
+  </dgm:styleLbl>
+  <dgm:styleLbl name="asst3">
+    <dgm:scene3d>
+      <a:camera prst="orthographicFront"/>
+      <a:lightRig rig="threePt" dir="t"/>
+    </dgm:scene3d>
+    <dgm:sp3d/>
+    <dgm:txPr/>
+    <dgm:style>
+      <a:lnRef idx="2">
+        <a:scrgbClr r="0" g="0" b="0"/>
+      </a:lnRef>
+      <a:fillRef idx="1">
+        <a:scrgbClr r="0" g="0" b="0"/>
+      </a:fillRef>
+      <a:effectRef idx="0">
+        <a:scrgbClr r="0" g="0" b="0"/>
+      </a:effectRef>
+      <a:fontRef idx="minor">
+        <a:schemeClr val="lt1"/>
+      </a:fontRef>
+    </dgm:style>
+  </dgm:styleLbl>
+  <dgm:styleLbl name="asst4">
+    <dgm:scene3d>
+      <a:camera prst="orthographicFront"/>
+      <a:lightRig rig="threePt" dir="t"/>
+    </dgm:scene3d>
+    <dgm:sp3d/>
+    <dgm:txPr/>
+    <dgm:style>
+      <a:lnRef idx="2">
+        <a:scrgbClr r="0" g="0" b="0"/>
+      </a:lnRef>
+      <a:fillRef idx="1">
+        <a:scrgbClr r="0" g="0" b="0"/>
+      </a:fillRef>
+      <a:effectRef idx="0">
+        <a:scrgbClr r="0" g="0" b="0"/>
+      </a:effectRef>
+      <a:fontRef idx="minor">
+        <a:schemeClr val="lt1"/>
+      </a:fontRef>
+    </dgm:style>
+  </dgm:styleLbl>
+  <dgm:styleLbl name="parChTrans2D1">
+    <dgm:scene3d>
+      <a:camera prst="orthographicFront"/>
+      <a:lightRig rig="threePt" dir="t"/>
+    </dgm:scene3d>
+    <dgm:sp3d/>
+    <dgm:txPr/>
+    <dgm:style>
+      <a:lnRef idx="2">
+        <a:scrgbClr r="0" g="0" b="0"/>
+      </a:lnRef>
+      <a:fillRef idx="1">
+        <a:scrgbClr r="0" g="0" b="0"/>
+      </a:fillRef>
+      <a:effectRef idx="0">
+        <a:scrgbClr r="0" g="0" b="0"/>
+      </a:effectRef>
+      <a:fontRef idx="minor">
+        <a:schemeClr val="lt1"/>
+      </a:fontRef>
+    </dgm:style>
+  </dgm:styleLbl>
+  <dgm:styleLbl name="parChTrans2D2">
+    <dgm:scene3d>
+      <a:camera prst="orthographicFront"/>
+      <a:lightRig rig="threePt" dir="t"/>
+    </dgm:scene3d>
+    <dgm:sp3d/>
+    <dgm:txPr/>
+    <dgm:style>
+      <a:lnRef idx="2">
+        <a:scrgbClr r="0" g="0" b="0"/>
+      </a:lnRef>
+      <a:fillRef idx="1">
+        <a:scrgbClr r="0" g="0" b="0"/>
+      </a:fillRef>
+      <a:effectRef idx="0">
+        <a:scrgbClr r="0" g="0" b="0"/>
+      </a:effectRef>
+      <a:fontRef idx="minor">
+        <a:schemeClr val="lt1"/>
+      </a:fontRef>
+    </dgm:style>
+  </dgm:styleLbl>
+  <dgm:styleLbl name="parChTrans2D3">
+    <dgm:scene3d>
+      <a:camera prst="orthographicFront"/>
+      <a:lightRig rig="threePt" dir="t"/>
+    </dgm:scene3d>
+    <dgm:sp3d/>
+    <dgm:txPr/>
+    <dgm:style>
+      <a:lnRef idx="2">
+        <a:scrgbClr r="0" g="0" b="0"/>
+      </a:lnRef>
+      <a:fillRef idx="1">
+        <a:scrgbClr r="0" g="0" b="0"/>
+      </a:fillRef>
+      <a:effectRef idx="0">
+        <a:scrgbClr r="0" g="0" b="0"/>
+      </a:effectRef>
+      <a:fontRef idx="minor">
+        <a:schemeClr val="lt1"/>
+      </a:fontRef>
+    </dgm:style>
+  </dgm:styleLbl>
+  <dgm:styleLbl name="parChTrans2D4">
+    <dgm:scene3d>
+      <a:camera prst="orthographicFront"/>
+      <a:lightRig rig="threePt" dir="t"/>
+    </dgm:scene3d>
+    <dgm:sp3d/>
+    <dgm:txPr/>
+    <dgm:style>
+      <a:lnRef idx="2">
+        <a:scrgbClr r="0" g="0" b="0"/>
+      </a:lnRef>
+      <a:fillRef idx="1">
+        <a:scrgbClr r="0" g="0" b="0"/>
+      </a:fillRef>
+      <a:effectRef idx="0">
+        <a:scrgbClr r="0" g="0" b="0"/>
+      </a:effectRef>
+      <a:fontRef idx="minor">
+        <a:schemeClr val="lt1"/>
+      </a:fontRef>
+    </dgm:style>
+  </dgm:styleLbl>
+  <dgm:styleLbl name="parChTrans1D1">
+    <dgm:scene3d>
+      <a:camera prst="orthographicFront"/>
+      <a:lightRig rig="threePt" dir="t"/>
+    </dgm:scene3d>
+    <dgm:sp3d/>
+    <dgm:txPr/>
+    <dgm:style>
+      <a:lnRef idx="2">
+        <a:scrgbClr r="0" g="0" b="0"/>
+      </a:lnRef>
+      <a:fillRef idx="0">
+        <a:scrgbClr r="0" g="0" b="0"/>
+      </a:fillRef>
+      <a:effectRef idx="0">
+        <a:scrgbClr r="0" g="0" b="0"/>
+      </a:effectRef>
+      <a:fontRef idx="minor"/>
+    </dgm:style>
+  </dgm:styleLbl>
+  <dgm:styleLbl name="parChTrans1D2">
+    <dgm:scene3d>
+      <a:camera prst="orthographicFront"/>
+      <a:lightRig rig="threePt" dir="t"/>
+    </dgm:scene3d>
+    <dgm:sp3d/>
+    <dgm:txPr/>
+    <dgm:style>
+      <a:lnRef idx="2">
+        <a:scrgbClr r="0" g="0" b="0"/>
+      </a:lnRef>
+      <a:fillRef idx="0">
+        <a:scrgbClr r="0" g="0" b="0"/>
+      </a:fillRef>
+      <a:effectRef idx="0">
+        <a:scrgbClr r="0" g="0" b="0"/>
+      </a:effectRef>
+      <a:fontRef idx="minor"/>
+    </dgm:style>
+  </dgm:styleLbl>
+  <dgm:styleLbl name="parChTrans1D3">
+    <dgm:scene3d>
+      <a:camera prst="orthographicFront"/>
+      <a:lightRig rig="threePt" dir="t"/>
+    </dgm:scene3d>
+    <dgm:sp3d/>
+    <dgm:txPr/>
+    <dgm:style>
+      <a:lnRef idx="2">
+        <a:scrgbClr r="0" g="0" b="0"/>
+      </a:lnRef>
+      <a:fillRef idx="0">
+        <a:scrgbClr r="0" g="0" b="0"/>
+      </a:fillRef>
+      <a:effectRef idx="0">
+        <a:scrgbClr r="0" g="0" b="0"/>
+      </a:effectRef>
+      <a:fontRef idx="minor"/>
+    </dgm:style>
+  </dgm:styleLbl>
+  <dgm:styleLbl name="parChTrans1D4">
+    <dgm:scene3d>
+      <a:camera prst="orthographicFront"/>
+      <a:lightRig rig="threePt" dir="t"/>
+    </dgm:scene3d>
+    <dgm:sp3d/>
+    <dgm:txPr/>
+    <dgm:style>
+      <a:lnRef idx="2">
+        <a:scrgbClr r="0" g="0" b="0"/>
+      </a:lnRef>
+      <a:fillRef idx="0">
+        <a:scrgbClr r="0" g="0" b="0"/>
+      </a:fillRef>
+      <a:effectRef idx="0">
+        <a:scrgbClr r="0" g="0" b="0"/>
+      </a:effectRef>
+      <a:fontRef idx="minor"/>
+    </dgm:style>
+  </dgm:styleLbl>
+  <dgm:styleLbl name="fgAcc1">
+    <dgm:scene3d>
+      <a:camera prst="orthographicFront"/>
+      <a:lightRig rig="threePt" dir="t"/>
+    </dgm:scene3d>
+    <dgm:sp3d/>
+    <dgm:txPr/>
+    <dgm:style>
+      <a:lnRef idx="2">
+        <a:scrgbClr r="0" g="0" b="0"/>
+      </a:lnRef>
+      <a:fillRef idx="1">
+        <a:scrgbClr r="0" g="0" b="0"/>
+      </a:fillRef>
+      <a:effectRef idx="0">
+        <a:scrgbClr r="0" g="0" b="0"/>
+      </a:effectRef>
+      <a:fontRef idx="minor"/>
+    </dgm:style>
+  </dgm:styleLbl>
+  <dgm:styleLbl name="conFgAcc1">
+    <dgm:scene3d>
+      <a:camera prst="orthographicFront"/>
+      <a:lightRig rig="threePt" dir="t"/>
+    </dgm:scene3d>
+    <dgm:sp3d/>
+    <dgm:txPr/>
+    <dgm:style>
+      <a:lnRef idx="2">
+        <a:scrgbClr r="0" g="0" b="0"/>
+      </a:lnRef>
+      <a:fillRef idx="1">
+        <a:scrgbClr r="0" g="0" b="0"/>
+      </a:fillRef>
+      <a:effectRef idx="0">
+        <a:scrgbClr r="0" g="0" b="0"/>
+      </a:effectRef>
+      <a:fontRef idx="minor"/>
+    </dgm:style>
+  </dgm:styleLbl>
+  <dgm:styleLbl name="alignAcc1">
+    <dgm:scene3d>
+      <a:camera prst="orthographicFront"/>
+      <a:lightRig rig="threePt" dir="t"/>
+    </dgm:scene3d>
+    <dgm:sp3d/>
+    <dgm:txPr/>
+    <dgm:style>
+      <a:lnRef idx="2">
+        <a:scrgbClr r="0" g="0" b="0"/>
+      </a:lnRef>
+      <a:fillRef idx="1">
+        <a:scrgbClr r="0" g="0" b="0"/>
+      </a:fillRef>
+      <a:effectRef idx="0">
+        <a:scrgbClr r="0" g="0" b="0"/>
+      </a:effectRef>
+      <a:fontRef idx="minor"/>
+    </dgm:style>
+  </dgm:styleLbl>
+  <dgm:styleLbl name="trAlignAcc1">
+    <dgm:scene3d>
+      <a:camera prst="orthographicFront"/>
+      <a:lightRig rig="threePt" dir="t"/>
+    </dgm:scene3d>
+    <dgm:sp3d/>
+    <dgm:txPr/>
+    <dgm:style>
+      <a:lnRef idx="1">
+        <a:scrgbClr r="0" g="0" b="0"/>
+      </a:lnRef>
+      <a:fillRef idx="1">
+        <a:scrgbClr r="0" g="0" b="0"/>
+      </a:fillRef>
+      <a:effectRef idx="0">
+        <a:scrgbClr r="0" g="0" b="0"/>
+      </a:effectRef>
+      <a:fontRef idx="minor"/>
+    </dgm:style>
+  </dgm:styleLbl>
+  <dgm:styleLbl name="bgAcc1">
+    <dgm:scene3d>
+      <a:camera prst="orthographicFront"/>
+      <a:lightRig rig="threePt" dir="t"/>
+    </dgm:scene3d>
+    <dgm:sp3d/>
+    <dgm:txPr/>
+    <dgm:style>
+      <a:lnRef idx="2">
+        <a:scrgbClr r="0" g="0" b="0"/>
+      </a:lnRef>
+      <a:fillRef idx="1">
+        <a:scrgbClr r="0" g="0" b="0"/>
+      </a:fillRef>
+      <a:effectRef idx="0">
+        <a:scrgbClr r="0" g="0" b="0"/>
+      </a:effectRef>
+      <a:fontRef idx="minor"/>
+    </dgm:style>
+  </dgm:styleLbl>
+  <dgm:styleLbl name="solidFgAcc1">
+    <dgm:scene3d>
+      <a:camera prst="orthographicFront"/>
+      <a:lightRig rig="threePt" dir="t"/>
+    </dgm:scene3d>
+    <dgm:sp3d/>
+    <dgm:txPr/>
+    <dgm:style>
+      <a:lnRef idx="2">
+        <a:scrgbClr r="0" g="0" b="0"/>
+      </a:lnRef>
+      <a:fillRef idx="1">
+        <a:scrgbClr r="0" g="0" b="0"/>
+      </a:fillRef>
+      <a:effectRef idx="0">
+        <a:scrgbClr r="0" g="0" b="0"/>
+      </a:effectRef>
+      <a:fontRef idx="minor"/>
+    </dgm:style>
+  </dgm:styleLbl>
+  <dgm:styleLbl name="solidAlignAcc1">
+    <dgm:scene3d>
+      <a:camera prst="orthographicFront"/>
+      <a:lightRig rig="threePt" dir="t"/>
+    </dgm:scene3d>
+    <dgm:sp3d/>
+    <dgm:txPr/>
+    <dgm:style>
+      <a:lnRef idx="2">
+        <a:scrgbClr r="0" g="0" b="0"/>
+      </a:lnRef>
+      <a:fillRef idx="1">
+        <a:scrgbClr r="0" g="0" b="0"/>
+      </a:fillRef>
+      <a:effectRef idx="0">
+        <a:scrgbClr r="0" g="0" b="0"/>
+      </a:effectRef>
+      <a:fontRef idx="minor"/>
+    </dgm:style>
+  </dgm:styleLbl>
+  <dgm:styleLbl name="solidBgAcc1">
+    <dgm:scene3d>
+      <a:camera prst="orthographicFront"/>
+      <a:lightRig rig="threePt" dir="t"/>
+    </dgm:scene3d>
+    <dgm:sp3d/>
+    <dgm:txPr/>
+    <dgm:style>
+      <a:lnRef idx="2">
+        <a:scrgbClr r="0" g="0" b="0"/>
+      </a:lnRef>
+      <a:fillRef idx="1">
+        <a:scrgbClr r="0" g="0" b="0"/>
+      </a:fillRef>
+      <a:effectRef idx="0">
+        <a:scrgbClr r="0" g="0" b="0"/>
+      </a:effectRef>
+      <a:fontRef idx="minor"/>
+    </dgm:style>
+  </dgm:styleLbl>
+  <dgm:styleLbl name="fgAccFollowNode1">
+    <dgm:scene3d>
+      <a:camera prst="orthographicFront"/>
+      <a:lightRig rig="threePt" dir="t"/>
+    </dgm:scene3d>
+    <dgm:sp3d/>
+    <dgm:txPr/>
+    <dgm:style>
+      <a:lnRef idx="2">
+        <a:scrgbClr r="0" g="0" b="0"/>
+      </a:lnRef>
+      <a:fillRef idx="1">
+        <a:scrgbClr r="0" g="0" b="0"/>
+      </a:fillRef>
+      <a:effectRef idx="0">
+        <a:scrgbClr r="0" g="0" b="0"/>
+      </a:effectRef>
+      <a:fontRef idx="minor"/>
+    </dgm:style>
+  </dgm:styleLbl>
+  <dgm:styleLbl name="alignAccFollowNode1">
+    <dgm:scene3d>
+      <a:camera prst="orthographicFront"/>
+      <a:lightRig rig="threePt" dir="t"/>
+    </dgm:scene3d>
+    <dgm:sp3d/>
+    <dgm:txPr/>
+    <dgm:style>
+      <a:lnRef idx="2">
+        <a:scrgbClr r="0" g="0" b="0"/>
+      </a:lnRef>
+      <a:fillRef idx="1">
+        <a:scrgbClr r="0" g="0" b="0"/>
+      </a:fillRef>
+      <a:effectRef idx="0">
+        <a:scrgbClr r="0" g="0" b="0"/>
+      </a:effectRef>
+      <a:fontRef idx="minor"/>
+    </dgm:style>
+  </dgm:styleLbl>
+  <dgm:styleLbl name="bgAccFollowNode1">
+    <dgm:scene3d>
+      <a:camera prst="orthographicFront"/>
+      <a:lightRig rig="threePt" dir="t"/>
+    </dgm:scene3d>
+    <dgm:sp3d/>
+    <dgm:txPr/>
+    <dgm:style>
+      <a:lnRef idx="2">
+        <a:scrgbClr r="0" g="0" b="0"/>
+      </a:lnRef>
+      <a:fillRef idx="1">
+        <a:scrgbClr r="0" g="0" b="0"/>
+      </a:fillRef>
+      <a:effectRef idx="0">
+        <a:scrgbClr r="0" g="0" b="0"/>
+      </a:effectRef>
+      <a:fontRef idx="minor"/>
+    </dgm:style>
+  </dgm:styleLbl>
+  <dgm:styleLbl name="fgAcc0">
+    <dgm:scene3d>
+      <a:camera prst="orthographicFront"/>
+      <a:lightRig rig="threePt" dir="t"/>
+    </dgm:scene3d>
+    <dgm:sp3d/>
+    <dgm:txPr/>
+    <dgm:style>
+      <a:lnRef idx="2">
+        <a:scrgbClr r="0" g="0" b="0"/>
+      </a:lnRef>
+      <a:fillRef idx="1">
+        <a:scrgbClr r="0" g="0" b="0"/>
+      </a:fillRef>
+      <a:effectRef idx="0">
+        <a:scrgbClr r="0" g="0" b="0"/>
+      </a:effectRef>
+      <a:fontRef idx="minor"/>
+    </dgm:style>
+  </dgm:styleLbl>
+  <dgm:styleLbl name="fgAcc2">
+    <dgm:scene3d>
+      <a:camera prst="orthographicFront"/>
+      <a:lightRig rig="threePt" dir="t"/>
+    </dgm:scene3d>
+    <dgm:sp3d/>
+    <dgm:txPr/>
+    <dgm:style>
+      <a:lnRef idx="2">
+        <a:scrgbClr r="0" g="0" b="0"/>
+      </a:lnRef>
+      <a:fillRef idx="1">
+        <a:scrgbClr r="0" g="0" b="0"/>
+      </a:fillRef>
+      <a:effectRef idx="0">
+        <a:scrgbClr r="0" g="0" b="0"/>
+      </a:effectRef>
+      <a:fontRef idx="minor"/>
+    </dgm:style>
+  </dgm:styleLbl>
+  <dgm:styleLbl name="fgAcc3">
+    <dgm:scene3d>
+      <a:camera prst="orthographicFront"/>
+      <a:lightRig rig="threePt" dir="t"/>
+    </dgm:scene3d>
+    <dgm:sp3d/>
+    <dgm:txPr/>
+    <dgm:style>
+      <a:lnRef idx="2">
+        <a:scrgbClr r="0" g="0" b="0"/>
+      </a:lnRef>
+      <a:fillRef idx="1">
+        <a:scrgbClr r="0" g="0" b="0"/>
+      </a:fillRef>
+      <a:effectRef idx="0">
+        <a:scrgbClr r="0" g="0" b="0"/>
+      </a:effectRef>
+      <a:fontRef idx="minor"/>
+    </dgm:style>
+  </dgm:styleLbl>
+  <dgm:styleLbl name="fgAcc4">
+    <dgm:scene3d>
+      <a:camera prst="orthographicFront"/>
+      <a:lightRig rig="threePt" dir="t"/>
+    </dgm:scene3d>
+    <dgm:sp3d/>
+    <dgm:txPr/>
+    <dgm:style>
+      <a:lnRef idx="2">
+        <a:scrgbClr r="0" g="0" b="0"/>
+      </a:lnRef>
+      <a:fillRef idx="1">
+        <a:scrgbClr r="0" g="0" b="0"/>
+      </a:fillRef>
+      <a:effectRef idx="0">
+        <a:scrgbClr r="0" g="0" b="0"/>
+      </a:effectRef>
+      <a:fontRef idx="minor"/>
+    </dgm:style>
+  </dgm:styleLbl>
+  <dgm:styleLbl name="bgShp">
+    <dgm:scene3d>
+      <a:camera prst="orthographicFront"/>
+      <a:lightRig rig="threePt" dir="t"/>
+    </dgm:scene3d>
+    <dgm:sp3d/>
+    <dgm:txPr/>
+    <dgm:style>
+      <a:lnRef idx="0">
+        <a:scrgbClr r="0" g="0" b="0"/>
+      </a:lnRef>
+      <a:fillRef idx="1">
+        <a:scrgbClr r="0" g="0" b="0"/>
+      </a:fillRef>
+      <a:effectRef idx="0">
+        <a:scrgbClr r="0" g="0" b="0"/>
+      </a:effectRef>
+      <a:fontRef idx="minor"/>
+    </dgm:style>
+  </dgm:styleLbl>
+  <dgm:styleLbl name="dkBgShp">
+    <dgm:scene3d>
+      <a:camera prst="orthographicFront"/>
+      <a:lightRig rig="threePt" dir="t"/>
+    </dgm:scene3d>
+    <dgm:sp3d/>
+    <dgm:txPr/>
+    <dgm:style>
+      <a:lnRef idx="0">
+        <a:scrgbClr r="0" g="0" b="0"/>
+      </a:lnRef>
+      <a:fillRef idx="1">
+        <a:scrgbClr r="0" g="0" b="0"/>
+      </a:fillRef>
+      <a:effectRef idx="0">
+        <a:scrgbClr r="0" g="0" b="0"/>
+      </a:effectRef>
+      <a:fontRef idx="minor"/>
+    </dgm:style>
+  </dgm:styleLbl>
+  <dgm:styleLbl name="trBgShp">
+    <dgm:scene3d>
+      <a:camera prst="orthographicFront"/>
+      <a:lightRig rig="threePt" dir="t"/>
+    </dgm:scene3d>
+    <dgm:sp3d/>
+    <dgm:txPr/>
+    <dgm:style>
+      <a:lnRef idx="0">
+        <a:scrgbClr r="0" g="0" b="0"/>
+      </a:lnRef>
+      <a:fillRef idx="1">
+        <a:scrgbClr r="0" g="0" b="0"/>
+      </a:fillRef>
+      <a:effectRef idx="0">
+        <a:scrgbClr r="0" g="0" b="0"/>
+      </a:effectRef>
+      <a:fontRef idx="minor"/>
+    </dgm:style>
+  </dgm:styleLbl>
+  <dgm:styleLbl name="fgShp">
+    <dgm:scene3d>
+      <a:camera prst="orthographicFront"/>
+      <a:lightRig rig="threePt" dir="t"/>
+    </dgm:scene3d>
+    <dgm:sp3d/>
+    <dgm:txPr/>
+    <dgm:style>
+      <a:lnRef idx="2">
+        <a:scrgbClr r="0" g="0" b="0"/>
+      </a:lnRef>
+      <a:fillRef idx="1">
+        <a:scrgbClr r="0" g="0" b="0"/>
+      </a:fillRef>
+      <a:effectRef idx="0">
+        <a:scrgbClr r="0" g="0" b="0"/>
+      </a:effectRef>
+      <a:fontRef idx="minor"/>
+    </dgm:style>
+  </dgm:styleLbl>
+  <dgm:styleLbl name="revTx">
+    <dgm:scene3d>
+      <a:camera prst="orthographicFront"/>
+      <a:lightRig rig="threePt" dir="t"/>
+    </dgm:scene3d>
+    <dgm:sp3d/>
+    <dgm:txPr/>
+    <dgm:style>
+      <a:lnRef idx="0">
+        <a:scrgbClr r="0" g="0" b="0"/>
+      </a:lnRef>
+      <a:fillRef idx="0">
+        <a:scrgbClr r="0" g="0" b="0"/>
+      </a:fillRef>
+      <a:effectRef idx="0">
+        <a:scrgbClr r="0" g="0" b="0"/>
+      </a:effectRef>
+      <a:fontRef idx="minor"/>
+    </dgm:style>
+  </dgm:styleLbl>
+</dgm:styleDef>
+</file>
+
+<file path=ppt/diagrams/quickStyle2.xml><?xml version="1.0" encoding="utf-8"?>
+<dgm:styleDef xmlns:dgm="http://schemas.openxmlformats.org/drawingml/2006/diagram" xmlns:a="http://schemas.openxmlformats.org/drawingml/2006/main" uniqueId="urn:microsoft.com/office/officeart/2005/8/quickstyle/simple2">
+  <dgm:title val=""/>
+  <dgm:desc val=""/>
+  <dgm:catLst>
+    <dgm:cat type="simple" pri="10200"/>
+  </dgm:catLst>
+  <dgm:scene3d>
+    <a:camera prst="orthographicFront"/>
+    <a:lightRig rig="threePt" dir="t"/>
+  </dgm:scene3d>
+  <dgm:styleLbl name="node0">
+    <dgm:scene3d>
+      <a:camera prst="orthographicFront"/>
+      <a:lightRig rig="threePt" dir="t"/>
+    </dgm:scene3d>
+    <dgm:sp3d/>
+    <dgm:txPr/>
+    <dgm:style>
+      <a:lnRef idx="3">
+        <a:scrgbClr r="0" g="0" b="0"/>
+      </a:lnRef>
+      <a:fillRef idx="1">
+        <a:scrgbClr r="0" g="0" b="0"/>
+      </a:fillRef>
+      <a:effectRef idx="1">
+        <a:scrgbClr r="0" g="0" b="0"/>
+      </a:effectRef>
+      <a:fontRef idx="minor">
+        <a:schemeClr val="lt1"/>
+      </a:fontRef>
+    </dgm:style>
+  </dgm:styleLbl>
+  <dgm:styleLbl name="lnNode1">
+    <dgm:scene3d>
+      <a:camera prst="orthographicFront"/>
+      <a:lightRig rig="threePt" dir="t"/>
+    </dgm:scene3d>
+    <dgm:sp3d/>
+    <dgm:txPr/>
+    <dgm:style>
+      <a:lnRef idx="3">
+        <a:scrgbClr r="0" g="0" b="0"/>
+      </a:lnRef>
+      <a:fillRef idx="1">
+        <a:scrgbClr r="0" g="0" b="0"/>
+      </a:fillRef>
+      <a:effectRef idx="1">
+        <a:scrgbClr r="0" g="0" b="0"/>
+      </a:effectRef>
+      <a:fontRef idx="minor">
+        <a:schemeClr val="lt1"/>
+      </a:fontRef>
+    </dgm:style>
+  </dgm:styleLbl>
+  <dgm:styleLbl name="vennNode1">
+    <dgm:scene3d>
+      <a:camera prst="orthographicFront"/>
+      <a:lightRig rig="threePt" dir="t"/>
+    </dgm:scene3d>
+    <dgm:sp3d/>
+    <dgm:txPr/>
+    <dgm:style>
+      <a:lnRef idx="3">
+        <a:scrgbClr r="0" g="0" b="0"/>
+      </a:lnRef>
+      <a:fillRef idx="1">
+        <a:scrgbClr r="0" g="0" b="0"/>
+      </a:fillRef>
+      <a:effectRef idx="0">
+        <a:scrgbClr r="0" g="0" b="0"/>
+      </a:effectRef>
+      <a:fontRef idx="minor">
+        <a:schemeClr val="tx1"/>
+      </a:fontRef>
+    </dgm:style>
+  </dgm:styleLbl>
+  <dgm:styleLbl name="alignNode1">
+    <dgm:scene3d>
+      <a:camera prst="orthographicFront"/>
+      <a:lightRig rig="threePt" dir="t"/>
+    </dgm:scene3d>
+    <dgm:sp3d/>
+    <dgm:txPr/>
+    <dgm:style>
+      <a:lnRef idx="2">
+        <a:scrgbClr r="0" g="0" b="0"/>
+      </a:lnRef>
+      <a:fillRef idx="1">
+        <a:scrgbClr r="0" g="0" b="0"/>
+      </a:fillRef>
+      <a:effectRef idx="1">
+        <a:scrgbClr r="0" g="0" b="0"/>
+      </a:effectRef>
+      <a:fontRef idx="minor">
+        <a:schemeClr val="lt1"/>
+      </a:fontRef>
+    </dgm:style>
+  </dgm:styleLbl>
+  <dgm:styleLbl name="node1">
+    <dgm:scene3d>
+      <a:camera prst="orthographicFront"/>
+      <a:lightRig rig="threePt" dir="t"/>
+    </dgm:scene3d>
+    <dgm:sp3d/>
+    <dgm:txPr/>
+    <dgm:style>
+      <a:lnRef idx="3">
+        <a:scrgbClr r="0" g="0" b="0"/>
+      </a:lnRef>
+      <a:fillRef idx="1">
+        <a:scrgbClr r="0" g="0" b="0"/>
+      </a:fillRef>
+      <a:effectRef idx="1">
+        <a:scrgbClr r="0" g="0" b="0"/>
+      </a:effectRef>
+      <a:fontRef idx="minor">
+        <a:schemeClr val="lt1"/>
+      </a:fontRef>
+    </dgm:style>
+  </dgm:styleLbl>
+  <dgm:styleLbl name="node2">
+    <dgm:scene3d>
+      <a:camera prst="orthographicFront"/>
+      <a:lightRig rig="threePt" dir="t"/>
+    </dgm:scene3d>
+    <dgm:sp3d/>
+    <dgm:txPr/>
+    <dgm:style>
+      <a:lnRef idx="3">
+        <a:scrgbClr r="0" g="0" b="0"/>
+      </a:lnRef>
+      <a:fillRef idx="1">
+        <a:scrgbClr r="0" g="0" b="0"/>
+      </a:fillRef>
+      <a:effectRef idx="1">
+        <a:scrgbClr r="0" g="0" b="0"/>
+      </a:effectRef>
+      <a:fontRef idx="minor">
+        <a:schemeClr val="lt1"/>
+      </a:fontRef>
+    </dgm:style>
+  </dgm:styleLbl>
+  <dgm:styleLbl name="node3">
+    <dgm:scene3d>
+      <a:camera prst="orthographicFront"/>
+      <a:lightRig rig="threePt" dir="t"/>
+    </dgm:scene3d>
+    <dgm:sp3d/>
+    <dgm:txPr/>
+    <dgm:style>
+      <a:lnRef idx="3">
+        <a:scrgbClr r="0" g="0" b="0"/>
+      </a:lnRef>
+      <a:fillRef idx="1">
+        <a:scrgbClr r="0" g="0" b="0"/>
+      </a:fillRef>
+      <a:effectRef idx="1">
+        <a:scrgbClr r="0" g="0" b="0"/>
+      </a:effectRef>
+      <a:fontRef idx="minor">
+        <a:schemeClr val="lt1"/>
+      </a:fontRef>
+    </dgm:style>
+  </dgm:styleLbl>
+  <dgm:styleLbl name="node4">
+    <dgm:scene3d>
+      <a:camera prst="orthographicFront"/>
+      <a:lightRig rig="threePt" dir="t"/>
+    </dgm:scene3d>
+    <dgm:sp3d/>
+    <dgm:txPr/>
+    <dgm:style>
+      <a:lnRef idx="3">
+        <a:scrgbClr r="0" g="0" b="0"/>
+      </a:lnRef>
+      <a:fillRef idx="1">
+        <a:scrgbClr r="0" g="0" b="0"/>
+      </a:fillRef>
+      <a:effectRef idx="1">
+        <a:scrgbClr r="0" g="0" b="0"/>
+      </a:effectRef>
+      <a:fontRef idx="minor">
+        <a:schemeClr val="lt1"/>
+      </a:fontRef>
+    </dgm:style>
+  </dgm:styleLbl>
+  <dgm:styleLbl name="fgImgPlace1">
+    <dgm:scene3d>
+      <a:camera prst="orthographicFront"/>
+      <a:lightRig rig="threePt" dir="t"/>
+    </dgm:scene3d>
+    <dgm:sp3d/>
+    <dgm:txPr/>
+    <dgm:style>
+      <a:lnRef idx="3">
+        <a:scrgbClr r="0" g="0" b="0"/>
+      </a:lnRef>
+      <a:fillRef idx="1">
+        <a:scrgbClr r="0" g="0" b="0"/>
+      </a:fillRef>
+      <a:effectRef idx="1">
+        <a:scrgbClr r="0" g="0" b="0"/>
+      </a:effectRef>
+      <a:fontRef idx="minor"/>
+    </dgm:style>
+  </dgm:styleLbl>
+  <dgm:styleLbl name="alignImgPlace1">
+    <dgm:scene3d>
+      <a:camera prst="orthographicFront"/>
+      <a:lightRig rig="threePt" dir="t"/>
+    </dgm:scene3d>
+    <dgm:sp3d/>
+    <dgm:txPr/>
+    <dgm:style>
+      <a:lnRef idx="3">
+        <a:scrgbClr r="0" g="0" b="0"/>
+      </a:lnRef>
+      <a:fillRef idx="1">
+        <a:scrgbClr r="0" g="0" b="0"/>
+      </a:fillRef>
+      <a:effectRef idx="1">
+        <a:scrgbClr r="0" g="0" b="0"/>
+      </a:effectRef>
+      <a:fontRef idx="minor"/>
+    </dgm:style>
+  </dgm:styleLbl>
+  <dgm:styleLbl name="bgImgPlace1">
+    <dgm:scene3d>
+      <a:camera prst="orthographicFront"/>
+      <a:lightRig rig="threePt" dir="t"/>
+    </dgm:scene3d>
+    <dgm:sp3d/>
+    <dgm:txPr/>
+    <dgm:style>
+      <a:lnRef idx="3">
+        <a:scrgbClr r="0" g="0" b="0"/>
+      </a:lnRef>
+      <a:fillRef idx="1">
+        <a:scrgbClr r="0" g="0" b="0"/>
+      </a:fillRef>
+      <a:effectRef idx="1">
+        <a:scrgbClr r="0" g="0" b="0"/>
+      </a:effectRef>
+      <a:fontRef idx="minor"/>
+    </dgm:style>
+  </dgm:styleLbl>
+  <dgm:styleLbl name="sibTrans2D1">
+    <dgm:scene3d>
+      <a:camera prst="orthographicFront"/>
+      <a:lightRig rig="threePt" dir="t"/>
+    </dgm:scene3d>
+    <dgm:sp3d/>
+    <dgm:txPr/>
+    <dgm:style>
+      <a:lnRef idx="0">
+        <a:scrgbClr r="0" g="0" b="0"/>
+      </a:lnRef>
+      <a:fillRef idx="1">
+        <a:scrgbClr r="0" g="0" b="0"/>
+      </a:fillRef>
+      <a:effectRef idx="1">
+        <a:scrgbClr r="0" g="0" b="0"/>
+      </a:effectRef>
+      <a:fontRef idx="minor">
+        <a:schemeClr val="lt1"/>
+      </a:fontRef>
+    </dgm:style>
+  </dgm:styleLbl>
+  <dgm:styleLbl name="fgSibTrans2D1">
+    <dgm:scene3d>
+      <a:camera prst="orthographicFront"/>
+      <a:lightRig rig="threePt" dir="t"/>
+    </dgm:scene3d>
+    <dgm:sp3d/>
+    <dgm:txPr/>
+    <dgm:style>
+      <a:lnRef idx="0">
+        <a:scrgbClr r="0" g="0" b="0"/>
+      </a:lnRef>
+      <a:fillRef idx="1">
+        <a:scrgbClr r="0" g="0" b="0"/>
+      </a:fillRef>
+      <a:effectRef idx="1">
+        <a:scrgbClr r="0" g="0" b="0"/>
+      </a:effectRef>
+      <a:fontRef idx="minor">
+        <a:schemeClr val="lt1"/>
+      </a:fontRef>
+    </dgm:style>
+  </dgm:styleLbl>
+  <dgm:styleLbl name="bgSibTrans2D1">
+    <dgm:scene3d>
+      <a:camera prst="orthographicFront"/>
+      <a:lightRig rig="threePt" dir="t"/>
+    </dgm:scene3d>
+    <dgm:sp3d/>
+    <dgm:txPr/>
+    <dgm:style>
+      <a:lnRef idx="0">
+        <a:scrgbClr r="0" g="0" b="0"/>
+      </a:lnRef>
+      <a:fillRef idx="1">
+        <a:scrgbClr r="0" g="0" b="0"/>
+      </a:fillRef>
+      <a:effectRef idx="1">
+        <a:scrgbClr r="0" g="0" b="0"/>
+      </a:effectRef>
+      <a:fontRef idx="minor">
+        <a:schemeClr val="lt1"/>
+      </a:fontRef>
+    </dgm:style>
+  </dgm:styleLbl>
+  <dgm:styleLbl name="sibTrans1D1">
+    <dgm:scene3d>
+      <a:camera prst="orthographicFront"/>
+      <a:lightRig rig="threePt" dir="t"/>
+    </dgm:scene3d>
+    <dgm:sp3d/>
+    <dgm:txPr/>
+    <dgm:style>
+      <a:lnRef idx="1">
+        <a:scrgbClr r="0" g="0" b="0"/>
+      </a:lnRef>
+      <a:fillRef idx="0">
+        <a:scrgbClr r="0" g="0" b="0"/>
+      </a:fillRef>
+      <a:effectRef idx="0">
+        <a:scrgbClr r="0" g="0" b="0"/>
+      </a:effectRef>
+      <a:fontRef idx="minor"/>
+    </dgm:style>
+  </dgm:styleLbl>
+  <dgm:styleLbl name="callout">
+    <dgm:scene3d>
+      <a:camera prst="orthographicFront"/>
+      <a:lightRig rig="threePt" dir="t"/>
+    </dgm:scene3d>
+    <dgm:sp3d/>
+    <dgm:txPr/>
+    <dgm:style>
+      <a:lnRef idx="2">
+        <a:scrgbClr r="0" g="0" b="0"/>
+      </a:lnRef>
+      <a:fillRef idx="1">
+        <a:scrgbClr r="0" g="0" b="0"/>
+      </a:fillRef>
+      <a:effectRef idx="1">
+        <a:scrgbClr r="0" g="0" b="0"/>
+      </a:effectRef>
+      <a:fontRef idx="minor"/>
+    </dgm:style>
+  </dgm:styleLbl>
+  <dgm:styleLbl name="asst0">
+    <dgm:scene3d>
+      <a:camera prst="orthographicFront"/>
+      <a:lightRig rig="threePt" dir="t"/>
+    </dgm:scene3d>
+    <dgm:sp3d/>
+    <dgm:txPr/>
+    <dgm:style>
+      <a:lnRef idx="3">
+        <a:scrgbClr r="0" g="0" b="0"/>
+      </a:lnRef>
+      <a:fillRef idx="1">
+        <a:scrgbClr r="0" g="0" b="0"/>
+      </a:fillRef>
+      <a:effectRef idx="1">
+        <a:scrgbClr r="0" g="0" b="0"/>
+      </a:effectRef>
+      <a:fontRef idx="minor">
+        <a:schemeClr val="lt1"/>
+      </a:fontRef>
+    </dgm:style>
+  </dgm:styleLbl>
+  <dgm:styleLbl name="asst1">
+    <dgm:scene3d>
+      <a:camera prst="orthographicFront"/>
+      <a:lightRig rig="threePt" dir="t"/>
+    </dgm:scene3d>
+    <dgm:sp3d/>
+    <dgm:txPr/>
+    <dgm:style>
+      <a:lnRef idx="3">
+        <a:scrgbClr r="0" g="0" b="0"/>
+      </a:lnRef>
+      <a:fillRef idx="1">
+        <a:scrgbClr r="0" g="0" b="0"/>
+      </a:fillRef>
+      <a:effectRef idx="1">
+        <a:scrgbClr r="0" g="0" b="0"/>
+      </a:effectRef>
+      <a:fontRef idx="minor">
+        <a:schemeClr val="lt1"/>
+      </a:fontRef>
+    </dgm:style>
+  </dgm:styleLbl>
+  <dgm:styleLbl name="asst2">
+    <dgm:scene3d>
+      <a:camera prst="orthographicFront"/>
+      <a:lightRig rig="threePt" dir="t"/>
+    </dgm:scene3d>
+    <dgm:sp3d/>
+    <dgm:txPr/>
+    <dgm:style>
+      <a:lnRef idx="3">
+        <a:scrgbClr r="0" g="0" b="0"/>
+      </a:lnRef>
+      <a:fillRef idx="1">
+        <a:scrgbClr r="0" g="0" b="0"/>
+      </a:fillRef>
+      <a:effectRef idx="1">
+        <a:scrgbClr r="0" g="0" b="0"/>
+      </a:effectRef>
+      <a:fontRef idx="minor">
+        <a:schemeClr val="lt1"/>
+      </a:fontRef>
+    </dgm:style>
+  </dgm:styleLbl>
+  <dgm:styleLbl name="asst3">
+    <dgm:scene3d>
+      <a:camera prst="orthographicFront"/>
+      <a:lightRig rig="threePt" dir="t"/>
+    </dgm:scene3d>
+    <dgm:sp3d/>
+    <dgm:txPr/>
+    <dgm:style>
+      <a:lnRef idx="3">
+        <a:scrgbClr r="0" g="0" b="0"/>
+      </a:lnRef>
+      <a:fillRef idx="1">
+        <a:scrgbClr r="0" g="0" b="0"/>
+      </a:fillRef>
+      <a:effectRef idx="1">
+        <a:scrgbClr r="0" g="0" b="0"/>
+      </a:effectRef>
+      <a:fontRef idx="minor">
+        <a:schemeClr val="lt1"/>
+      </a:fontRef>
+    </dgm:style>
+  </dgm:styleLbl>
+  <dgm:styleLbl name="asst4">
+    <dgm:scene3d>
+      <a:camera prst="orthographicFront"/>
+      <a:lightRig rig="threePt" dir="t"/>
+    </dgm:scene3d>
+    <dgm:sp3d/>
+    <dgm:txPr/>
+    <dgm:style>
+      <a:lnRef idx="3">
+        <a:scrgbClr r="0" g="0" b="0"/>
+      </a:lnRef>
+      <a:fillRef idx="1">
+        <a:scrgbClr r="0" g="0" b="0"/>
+      </a:fillRef>
+      <a:effectRef idx="1">
+        <a:scrgbClr r="0" g="0" b="0"/>
+      </a:effectRef>
+      <a:fontRef idx="minor">
+        <a:schemeClr val="lt1"/>
+      </a:fontRef>
+    </dgm:style>
+  </dgm:styleLbl>
+  <dgm:styleLbl name="parChTrans2D1">
+    <dgm:scene3d>
+      <a:camera prst="orthographicFront"/>
+      <a:lightRig rig="threePt" dir="t"/>
+    </dgm:scene3d>
+    <dgm:sp3d/>
+    <dgm:txPr/>
+    <dgm:style>
+      <a:lnRef idx="3">
+        <a:scrgbClr r="0" g="0" b="0"/>
+      </a:lnRef>
+      <a:fillRef idx="1">
+        <a:scrgbClr r="0" g="0" b="0"/>
+      </a:fillRef>
+      <a:effectRef idx="1">
+        <a:scrgbClr r="0" g="0" b="0"/>
+      </a:effectRef>
+      <a:fontRef idx="minor">
+        <a:schemeClr val="lt1"/>
+      </a:fontRef>
+    </dgm:style>
+  </dgm:styleLbl>
+  <dgm:styleLbl name="parChTrans2D2">
+    <dgm:scene3d>
+      <a:camera prst="orthographicFront"/>
+      <a:lightRig rig="threePt" dir="t"/>
+    </dgm:scene3d>
+    <dgm:sp3d/>
+    <dgm:txPr/>
+    <dgm:style>
+      <a:lnRef idx="3">
+        <a:scrgbClr r="0" g="0" b="0"/>
+      </a:lnRef>
+      <a:fillRef idx="1">
+        <a:scrgbClr r="0" g="0" b="0"/>
+      </a:fillRef>
+      <a:effectRef idx="1">
+        <a:scrgbClr r="0" g="0" b="0"/>
+      </a:effectRef>
+      <a:fontRef idx="minor">
+        <a:schemeClr val="lt1"/>
+      </a:fontRef>
+    </dgm:style>
+  </dgm:styleLbl>
+  <dgm:styleLbl name="parChTrans2D3">
+    <dgm:scene3d>
+      <a:camera prst="orthographicFront"/>
+      <a:lightRig rig="threePt" dir="t"/>
+    </dgm:scene3d>
+    <dgm:sp3d/>
+    <dgm:txPr/>
+    <dgm:style>
+      <a:lnRef idx="3">
+        <a:scrgbClr r="0" g="0" b="0"/>
+      </a:lnRef>
+      <a:fillRef idx="1">
+        <a:scrgbClr r="0" g="0" b="0"/>
+      </a:fillRef>
+      <a:effectRef idx="1">
+        <a:scrgbClr r="0" g="0" b="0"/>
+      </a:effectRef>
+      <a:fontRef idx="minor">
+        <a:schemeClr val="lt1"/>
+      </a:fontRef>
+    </dgm:style>
+  </dgm:styleLbl>
+  <dgm:styleLbl name="parChTrans2D4">
+    <dgm:scene3d>
+      <a:camera prst="orthographicFront"/>
+      <a:lightRig rig="threePt" dir="t"/>
+    </dgm:scene3d>
+    <dgm:sp3d/>
+    <dgm:txPr/>
+    <dgm:style>
+      <a:lnRef idx="3">
+        <a:scrgbClr r="0" g="0" b="0"/>
+      </a:lnRef>
+      <a:fillRef idx="1">
+        <a:scrgbClr r="0" g="0" b="0"/>
+      </a:fillRef>
+      <a:effectRef idx="1">
+        <a:scrgbClr r="0" g="0" b="0"/>
+      </a:effectRef>
+      <a:fontRef idx="minor">
+        <a:schemeClr val="lt1"/>
+      </a:fontRef>
+    </dgm:style>
+  </dgm:styleLbl>
+  <dgm:styleLbl name="parChTrans1D1">
+    <dgm:scene3d>
+      <a:camera prst="orthographicFront"/>
+      <a:lightRig rig="threePt" dir="t"/>
+    </dgm:scene3d>
+    <dgm:sp3d/>
+    <dgm:txPr/>
+    <dgm:style>
+      <a:lnRef idx="2">
+        <a:scrgbClr r="0" g="0" b="0"/>
+      </a:lnRef>
+      <a:fillRef idx="0">
+        <a:scrgbClr r="0" g="0" b="0"/>
+      </a:fillRef>
+      <a:effectRef idx="0">
+        <a:scrgbClr r="0" g="0" b="0"/>
+      </a:effectRef>
+      <a:fontRef idx="minor"/>
+    </dgm:style>
+  </dgm:styleLbl>
+  <dgm:styleLbl name="parChTrans1D2">
+    <dgm:scene3d>
+      <a:camera prst="orthographicFront"/>
+      <a:lightRig rig="threePt" dir="t"/>
+    </dgm:scene3d>
+    <dgm:sp3d/>
+    <dgm:txPr/>
+    <dgm:style>
+      <a:lnRef idx="2">
+        <a:scrgbClr r="0" g="0" b="0"/>
+      </a:lnRef>
+      <a:fillRef idx="0">
+        <a:scrgbClr r="0" g="0" b="0"/>
+      </a:fillRef>
+      <a:effectRef idx="0">
+        <a:scrgbClr r="0" g="0" b="0"/>
+      </a:effectRef>
+      <a:fontRef idx="minor"/>
+    </dgm:style>
+  </dgm:styleLbl>
+  <dgm:styleLbl name="parChTrans1D3">
+    <dgm:scene3d>
+      <a:camera prst="orthographicFront"/>
+      <a:lightRig rig="threePt" dir="t"/>
+    </dgm:scene3d>
+    <dgm:sp3d/>
+    <dgm:txPr/>
+    <dgm:style>
+      <a:lnRef idx="2">
+        <a:scrgbClr r="0" g="0" b="0"/>
+      </a:lnRef>
+      <a:fillRef idx="0">
+        <a:scrgbClr r="0" g="0" b="0"/>
+      </a:fillRef>
+      <a:effectRef idx="0">
+        <a:scrgbClr r="0" g="0" b="0"/>
+      </a:effectRef>
+      <a:fontRef idx="minor"/>
+    </dgm:style>
+  </dgm:styleLbl>
+  <dgm:styleLbl name="parChTrans1D4">
+    <dgm:scene3d>
+      <a:camera prst="orthographicFront"/>
+      <a:lightRig rig="threePt" dir="t"/>
+    </dgm:scene3d>
+    <dgm:sp3d/>
+    <dgm:txPr/>
+    <dgm:style>
+      <a:lnRef idx="2">
+        <a:scrgbClr r="0" g="0" b="0"/>
+      </a:lnRef>
+      <a:fillRef idx="0">
+        <a:scrgbClr r="0" g="0" b="0"/>
+      </a:fillRef>
+      <a:effectRef idx="0">
+        <a:scrgbClr r="0" g="0" b="0"/>
+      </a:effectRef>
+      <a:fontRef idx="minor"/>
+    </dgm:style>
+  </dgm:styleLbl>
+  <dgm:styleLbl name="fgAcc1">
+    <dgm:scene3d>
+      <a:camera prst="orthographicFront"/>
+      <a:lightRig rig="threePt" dir="t"/>
+    </dgm:scene3d>
+    <dgm:sp3d/>
+    <dgm:txPr/>
+    <dgm:style>
+      <a:lnRef idx="2">
+        <a:scrgbClr r="0" g="0" b="0"/>
+      </a:lnRef>
+      <a:fillRef idx="1">
+        <a:scrgbClr r="0" g="0" b="0"/>
+      </a:fillRef>
+      <a:effectRef idx="0">
+        <a:scrgbClr r="0" g="0" b="0"/>
+      </a:effectRef>
+      <a:fontRef idx="minor"/>
+    </dgm:style>
+  </dgm:styleLbl>
+  <dgm:styleLbl name="conFgAcc1">
+    <dgm:scene3d>
+      <a:camera prst="orthographicFront"/>
+      <a:lightRig rig="threePt" dir="t"/>
+    </dgm:scene3d>
+    <dgm:sp3d/>
+    <dgm:txPr/>
+    <dgm:style>
+      <a:lnRef idx="2">
+        <a:scrgbClr r="0" g="0" b="0"/>
+      </a:lnRef>
+      <a:fillRef idx="1">
+        <a:scrgbClr r="0" g="0" b="0"/>
+      </a:fillRef>
+      <a:effectRef idx="0">
+        <a:scrgbClr r="0" g="0" b="0"/>
+      </a:effectRef>
+      <a:fontRef idx="minor"/>
+    </dgm:style>
+  </dgm:styleLbl>
+  <dgm:styleLbl name="alignAcc1">
+    <dgm:scene3d>
+      <a:camera prst="orthographicFront"/>
+      <a:lightRig rig="threePt" dir="t"/>
+    </dgm:scene3d>
+    <dgm:sp3d/>
+    <dgm:txPr/>
+    <dgm:style>
+      <a:lnRef idx="2">
+        <a:scrgbClr r="0" g="0" b="0"/>
+      </a:lnRef>
+      <a:fillRef idx="1">
+        <a:scrgbClr r="0" g="0" b="0"/>
+      </a:fillRef>
+      <a:effectRef idx="0">
+        <a:scrgbClr r="0" g="0" b="0"/>
+      </a:effectRef>
+      <a:fontRef idx="minor"/>
+    </dgm:style>
+  </dgm:styleLbl>
+  <dgm:styleLbl name="trAlignAcc1">
+    <dgm:scene3d>
+      <a:camera prst="orthographicFront"/>
+      <a:lightRig rig="threePt" dir="t"/>
+    </dgm:scene3d>
+    <dgm:sp3d/>
+    <dgm:txPr/>
+    <dgm:style>
+      <a:lnRef idx="1">
+        <a:scrgbClr r="0" g="0" b="0"/>
+      </a:lnRef>
+      <a:fillRef idx="1">
+        <a:scrgbClr r="0" g="0" b="0"/>
+      </a:fillRef>
+      <a:effectRef idx="0">
+        <a:scrgbClr r="0" g="0" b="0"/>
+      </a:effectRef>
+      <a:fontRef idx="minor"/>
+    </dgm:style>
+  </dgm:styleLbl>
+  <dgm:styleLbl name="bgAcc1">
+    <dgm:scene3d>
+      <a:camera prst="orthographicFront"/>
+      <a:lightRig rig="threePt" dir="t"/>
+    </dgm:scene3d>
+    <dgm:sp3d/>
+    <dgm:txPr/>
+    <dgm:style>
+      <a:lnRef idx="2">
+        <a:scrgbClr r="0" g="0" b="0"/>
+      </a:lnRef>
+      <a:fillRef idx="1">
+        <a:scrgbClr r="0" g="0" b="0"/>
+      </a:fillRef>
+      <a:effectRef idx="0">
+        <a:scrgbClr r="0" g="0" b="0"/>
+      </a:effectRef>
+      <a:fontRef idx="minor"/>
+    </dgm:style>
+  </dgm:styleLbl>
+  <dgm:styleLbl name="solidFgAcc1">
+    <dgm:scene3d>
+      <a:camera prst="orthographicFront"/>
+      <a:lightRig rig="threePt" dir="t"/>
+    </dgm:scene3d>
+    <dgm:sp3d/>
+    <dgm:txPr/>
+    <dgm:style>
+      <a:lnRef idx="2">
+        <a:scrgbClr r="0" g="0" b="0"/>
+      </a:lnRef>
+      <a:fillRef idx="1">
+        <a:scrgbClr r="0" g="0" b="0"/>
+      </a:fillRef>
+      <a:effectRef idx="0">
+        <a:scrgbClr r="0" g="0" b="0"/>
+      </a:effectRef>
+      <a:fontRef idx="minor"/>
+    </dgm:style>
+  </dgm:styleLbl>
+  <dgm:styleLbl name="solidAlignAcc1">
+    <dgm:scene3d>
+      <a:camera prst="orthographicFront"/>
+      <a:lightRig rig="threePt" dir="t"/>
+    </dgm:scene3d>
+    <dgm:sp3d/>
+    <dgm:txPr/>
+    <dgm:style>
+      <a:lnRef idx="2">
+        <a:scrgbClr r="0" g="0" b="0"/>
+      </a:lnRef>
+      <a:fillRef idx="1">
+        <a:scrgbClr r="0" g="0" b="0"/>
+      </a:fillRef>
+      <a:effectRef idx="0">
+        <a:scrgbClr r="0" g="0" b="0"/>
+      </a:effectRef>
+      <a:fontRef idx="minor"/>
+    </dgm:style>
+  </dgm:styleLbl>
+  <dgm:styleLbl name="solidBgAcc1">
+    <dgm:scene3d>
+      <a:camera prst="orthographicFront"/>
+      <a:lightRig rig="threePt" dir="t"/>
+    </dgm:scene3d>
+    <dgm:sp3d/>
+    <dgm:txPr/>
+    <dgm:style>
+      <a:lnRef idx="2">
+        <a:scrgbClr r="0" g="0" b="0"/>
+      </a:lnRef>
+      <a:fillRef idx="1">
+        <a:scrgbClr r="0" g="0" b="0"/>
+      </a:fillRef>
+      <a:effectRef idx="0">
+        <a:scrgbClr r="0" g="0" b="0"/>
+      </a:effectRef>
+      <a:fontRef idx="minor"/>
+    </dgm:style>
+  </dgm:styleLbl>
+  <dgm:styleLbl name="fgAccFollowNode1">
+    <dgm:scene3d>
+      <a:camera prst="orthographicFront"/>
+      <a:lightRig rig="threePt" dir="t"/>
+    </dgm:scene3d>
+    <dgm:sp3d/>
+    <dgm:txPr/>
+    <dgm:style>
+      <a:lnRef idx="2">
+        <a:scrgbClr r="0" g="0" b="0"/>
+      </a:lnRef>
+      <a:fillRef idx="1">
+        <a:scrgbClr r="0" g="0" b="0"/>
+      </a:fillRef>
+      <a:effectRef idx="0">
+        <a:scrgbClr r="0" g="0" b="0"/>
+      </a:effectRef>
+      <a:fontRef idx="minor"/>
+    </dgm:style>
+  </dgm:styleLbl>
+  <dgm:styleLbl name="alignAccFollowNode1">
+    <dgm:scene3d>
+      <a:camera prst="orthographicFront"/>
+      <a:lightRig rig="threePt" dir="t"/>
+    </dgm:scene3d>
+    <dgm:sp3d/>
+    <dgm:txPr/>
+    <dgm:style>
+      <a:lnRef idx="2">
+        <a:scrgbClr r="0" g="0" b="0"/>
+      </a:lnRef>
+      <a:fillRef idx="1">
+        <a:scrgbClr r="0" g="0" b="0"/>
+      </a:fillRef>
+      <a:effectRef idx="0">
+        <a:scrgbClr r="0" g="0" b="0"/>
+      </a:effectRef>
+      <a:fontRef idx="minor"/>
+    </dgm:style>
+  </dgm:styleLbl>
+  <dgm:styleLbl name="bgAccFollowNode1">
+    <dgm:scene3d>
+      <a:camera prst="orthographicFront"/>
+      <a:lightRig rig="threePt" dir="t"/>
+    </dgm:scene3d>
+    <dgm:sp3d/>
+    <dgm:txPr/>
+    <dgm:style>
+      <a:lnRef idx="2">
+        <a:scrgbClr r="0" g="0" b="0"/>
+      </a:lnRef>
+      <a:fillRef idx="1">
+        <a:scrgbClr r="0" g="0" b="0"/>
+      </a:fillRef>
+      <a:effectRef idx="0">
+        <a:scrgbClr r="0" g="0" b="0"/>
+      </a:effectRef>
+      <a:fontRef idx="minor"/>
+    </dgm:style>
+  </dgm:styleLbl>
+  <dgm:styleLbl name="fgAcc0">
+    <dgm:scene3d>
+      <a:camera prst="orthographicFront"/>
+      <a:lightRig rig="threePt" dir="t"/>
+    </dgm:scene3d>
+    <dgm:sp3d/>
+    <dgm:txPr/>
+    <dgm:style>
+      <a:lnRef idx="2">
+        <a:scrgbClr r="0" g="0" b="0"/>
+      </a:lnRef>
+      <a:fillRef idx="1">
+        <a:scrgbClr r="0" g="0" b="0"/>
+      </a:fillRef>
+      <a:effectRef idx="0">
+        <a:scrgbClr r="0" g="0" b="0"/>
+      </a:effectRef>
+      <a:fontRef idx="minor"/>
+    </dgm:style>
+  </dgm:styleLbl>
+  <dgm:styleLbl name="fgAcc2">
+    <dgm:scene3d>
+      <a:camera prst="orthographicFront"/>
+      <a:lightRig rig="threePt" dir="t"/>
+    </dgm:scene3d>
+    <dgm:sp3d/>
+    <dgm:txPr/>
+    <dgm:style>
+      <a:lnRef idx="2">
+        <a:scrgbClr r="0" g="0" b="0"/>
+      </a:lnRef>
+      <a:fillRef idx="1">
+        <a:scrgbClr r="0" g="0" b="0"/>
+      </a:fillRef>
+      <a:effectRef idx="0">
+        <a:scrgbClr r="0" g="0" b="0"/>
+      </a:effectRef>
+      <a:fontRef idx="minor"/>
+    </dgm:style>
+  </dgm:styleLbl>
+  <dgm:styleLbl name="fgAcc3">
+    <dgm:scene3d>
+      <a:camera prst="orthographicFront"/>
+      <a:lightRig rig="threePt" dir="t"/>
+    </dgm:scene3d>
+    <dgm:sp3d/>
+    <dgm:txPr/>
+    <dgm:style>
+      <a:lnRef idx="2">
+        <a:scrgbClr r="0" g="0" b="0"/>
+      </a:lnRef>
+      <a:fillRef idx="1">
+        <a:scrgbClr r="0" g="0" b="0"/>
+      </a:fillRef>
+      <a:effectRef idx="0">
+        <a:scrgbClr r="0" g="0" b="0"/>
+      </a:effectRef>
+      <a:fontRef idx="minor"/>
+    </dgm:style>
+  </dgm:styleLbl>
+  <dgm:styleLbl name="fgAcc4">
+    <dgm:scene3d>
+      <a:camera prst="orthographicFront"/>
+      <a:lightRig rig="threePt" dir="t"/>
+    </dgm:scene3d>
+    <dgm:sp3d/>
+    <dgm:txPr/>
+    <dgm:style>
+      <a:lnRef idx="2">
+        <a:scrgbClr r="0" g="0" b="0"/>
+      </a:lnRef>
+      <a:fillRef idx="1">
+        <a:scrgbClr r="0" g="0" b="0"/>
+      </a:fillRef>
+      <a:effectRef idx="0">
+        <a:scrgbClr r="0" g="0" b="0"/>
+      </a:effectRef>
+      <a:fontRef idx="minor"/>
+    </dgm:style>
+  </dgm:styleLbl>
+  <dgm:styleLbl name="bgShp">
+    <dgm:scene3d>
+      <a:camera prst="orthographicFront"/>
+      <a:lightRig rig="threePt" dir="t"/>
+    </dgm:scene3d>
+    <dgm:sp3d/>
+    <dgm:txPr/>
+    <dgm:style>
+      <a:lnRef idx="0">
+        <a:scrgbClr r="0" g="0" b="0"/>
+      </a:lnRef>
+      <a:fillRef idx="1">
+        <a:scrgbClr r="0" g="0" b="0"/>
+      </a:fillRef>
+      <a:effectRef idx="0">
+        <a:scrgbClr r="0" g="0" b="0"/>
+      </a:effectRef>
+      <a:fontRef idx="minor"/>
+    </dgm:style>
+  </dgm:styleLbl>
+  <dgm:styleLbl name="dkBgShp">
+    <dgm:scene3d>
+      <a:camera prst="orthographicFront"/>
+      <a:lightRig rig="threePt" dir="t"/>
+    </dgm:scene3d>
+    <dgm:sp3d/>
+    <dgm:txPr/>
+    <dgm:style>
+      <a:lnRef idx="0">
+        <a:scrgbClr r="0" g="0" b="0"/>
+      </a:lnRef>
+      <a:fillRef idx="1">
+        <a:scrgbClr r="0" g="0" b="0"/>
+      </a:fillRef>
+      <a:effectRef idx="0">
+        <a:scrgbClr r="0" g="0" b="0"/>
+      </a:effectRef>
+      <a:fontRef idx="minor"/>
+    </dgm:style>
+  </dgm:styleLbl>
+  <dgm:styleLbl name="trBgShp">
+    <dgm:scene3d>
+      <a:camera prst="orthographicFront"/>
+      <a:lightRig rig="threePt" dir="t"/>
+    </dgm:scene3d>
+    <dgm:sp3d/>
+    <dgm:txPr/>
+    <dgm:style>
+      <a:lnRef idx="0">
+        <a:scrgbClr r="0" g="0" b="0"/>
+      </a:lnRef>
+      <a:fillRef idx="1">
+        <a:scrgbClr r="0" g="0" b="0"/>
+      </a:fillRef>
+      <a:effectRef idx="0">
+        <a:scrgbClr r="0" g="0" b="0"/>
+      </a:effectRef>
+      <a:fontRef idx="minor"/>
+    </dgm:style>
+  </dgm:styleLbl>
+  <dgm:styleLbl name="fgShp">
+    <dgm:scene3d>
+      <a:camera prst="orthographicFront"/>
+      <a:lightRig rig="threePt" dir="t"/>
+    </dgm:scene3d>
+    <dgm:sp3d/>
+    <dgm:txPr/>
+    <dgm:style>
+      <a:lnRef idx="3">
+        <a:scrgbClr r="0" g="0" b="0"/>
+      </a:lnRef>
+      <a:fillRef idx="1">
+        <a:scrgbClr r="0" g="0" b="0"/>
+      </a:fillRef>
+      <a:effectRef idx="1">
+        <a:scrgbClr r="0" g="0" b="0"/>
+      </a:effectRef>
+      <a:fontRef idx="minor"/>
+    </dgm:style>
+  </dgm:styleLbl>
+  <dgm:styleLbl name="revTx">
+    <dgm:scene3d>
+      <a:camera prst="orthographicFront"/>
+      <a:lightRig rig="threePt" dir="t"/>
+    </dgm:scene3d>
+    <dgm:sp3d/>
+    <dgm:txPr/>
+    <dgm:style>
+      <a:lnRef idx="0">
+        <a:scrgbClr r="0" g="0" b="0"/>
+      </a:lnRef>
+      <a:fillRef idx="0">
+        <a:scrgbClr r="0" g="0" b="0"/>
+      </a:fillRef>
+      <a:effectRef idx="0">
+        <a:scrgbClr r="0" g="0" b="0"/>
+      </a:effectRef>
+      <a:fontRef idx="minor"/>
+    </dgm:style>
+  </dgm:styleLbl>
+</dgm:styleDef>
 </file>
 
 <file path=ppt/slideLayouts/slideLayout1.xml><?xml version="1.0" encoding="utf-8"?>
@@ -3906,6 +9164,1074 @@
 <file path=ppt/slides/slide2.xml><?xml version="1.0" encoding="utf-8"?>
 <p:sld xmlns:a="http://schemas.openxmlformats.org/drawingml/2006/main" xmlns:r="http://schemas.openxmlformats.org/officeDocument/2006/relationships" xmlns:p="http://schemas.openxmlformats.org/presentationml/2006/main">
   <p:cSld>
+    <p:bg>
+      <p:bgPr>
+        <a:solidFill>
+          <a:schemeClr val="bg1"/>
+        </a:solidFill>
+        <a:effectLst/>
+      </p:bgPr>
+    </p:bg>
+    <p:spTree>
+      <p:nvGrpSpPr>
+        <p:cNvPr id="1" name=""/>
+        <p:cNvGrpSpPr/>
+        <p:nvPr/>
+      </p:nvGrpSpPr>
+      <p:grpSpPr>
+        <a:xfrm>
+          <a:off x="0" y="0"/>
+          <a:ext cx="0" cy="0"/>
+          <a:chOff x="0" y="0"/>
+          <a:chExt cx="0" cy="0"/>
+        </a:xfrm>
+      </p:grpSpPr>
+      <p:sp>
+        <p:nvSpPr>
+          <p:cNvPr id="24" name="Rectangle 9">
+            <a:extLst>
+              <a:ext uri="{FF2B5EF4-FFF2-40B4-BE49-F238E27FC236}">
+                <a16:creationId xmlns:a16="http://schemas.microsoft.com/office/drawing/2014/main" id="{4E4490D0-3672-446A-AC12-B4830333BDDD}"/>
+              </a:ext>
+              <a:ext uri="{C183D7F6-B498-43B3-948B-1728B52AA6E4}">
+                <adec:decorative xmlns:adec="http://schemas.microsoft.com/office/drawing/2017/decorative" val="1"/>
+              </a:ext>
+            </a:extLst>
+          </p:cNvPr>
+          <p:cNvSpPr>
+            <a:spLocks noGrp="1" noRot="1" noChangeAspect="1" noMove="1" noResize="1" noEditPoints="1" noAdjustHandles="1" noChangeArrowheads="1" noChangeShapeType="1" noTextEdit="1"/>
+          </p:cNvSpPr>
+          <p:nvPr>
+            <p:extLst>
+              <p:ext uri="{386F3935-93C4-4BCD-93E2-E3B085C9AB24}">
+                <p16:designElem xmlns:p16="http://schemas.microsoft.com/office/powerpoint/2015/main" val="1"/>
+              </p:ext>
+            </p:extLst>
+          </p:nvPr>
+        </p:nvSpPr>
+        <p:spPr>
+          <a:xfrm>
+            <a:off x="3175" y="6400800"/>
+            <a:ext cx="12188825" cy="457200"/>
+          </a:xfrm>
+          <a:prstGeom prst="rect">
+            <a:avLst/>
+          </a:prstGeom>
+          <a:solidFill>
+            <a:schemeClr val="accent2"/>
+          </a:solidFill>
+          <a:ln>
+            <a:noFill/>
+          </a:ln>
+        </p:spPr>
+        <p:style>
+          <a:lnRef idx="2">
+            <a:schemeClr val="accent1">
+              <a:shade val="50000"/>
+            </a:schemeClr>
+          </a:lnRef>
+          <a:fillRef idx="1">
+            <a:schemeClr val="accent1"/>
+          </a:fillRef>
+          <a:effectRef idx="0">
+            <a:schemeClr val="accent1"/>
+          </a:effectRef>
+          <a:fontRef idx="minor">
+            <a:schemeClr val="lt1"/>
+          </a:fontRef>
+        </p:style>
+      </p:sp>
+      <p:sp>
+        <p:nvSpPr>
+          <p:cNvPr id="25" name="Rectangle 11">
+            <a:extLst>
+              <a:ext uri="{FF2B5EF4-FFF2-40B4-BE49-F238E27FC236}">
+                <a16:creationId xmlns:a16="http://schemas.microsoft.com/office/drawing/2014/main" id="{39CB82C2-DF65-4EC1-8280-F201D50F570B}"/>
+              </a:ext>
+              <a:ext uri="{C183D7F6-B498-43B3-948B-1728B52AA6E4}">
+                <adec:decorative xmlns:adec="http://schemas.microsoft.com/office/drawing/2017/decorative" val="1"/>
+              </a:ext>
+            </a:extLst>
+          </p:cNvPr>
+          <p:cNvSpPr>
+            <a:spLocks noGrp="1" noRot="1" noChangeAspect="1" noMove="1" noResize="1" noEditPoints="1" noAdjustHandles="1" noChangeArrowheads="1" noChangeShapeType="1" noTextEdit="1"/>
+          </p:cNvSpPr>
+          <p:nvPr>
+            <p:extLst>
+              <p:ext uri="{386F3935-93C4-4BCD-93E2-E3B085C9AB24}">
+                <p16:designElem xmlns:p16="http://schemas.microsoft.com/office/powerpoint/2015/main" val="1"/>
+              </p:ext>
+            </p:extLst>
+          </p:nvPr>
+        </p:nvSpPr>
+        <p:spPr>
+          <a:xfrm>
+            <a:off x="15" y="6334316"/>
+            <a:ext cx="12188825" cy="64008"/>
+          </a:xfrm>
+          <a:prstGeom prst="rect">
+            <a:avLst/>
+          </a:prstGeom>
+          <a:solidFill>
+            <a:schemeClr val="accent1"/>
+          </a:solidFill>
+          <a:ln>
+            <a:noFill/>
+          </a:ln>
+        </p:spPr>
+        <p:style>
+          <a:lnRef idx="2">
+            <a:schemeClr val="accent1">
+              <a:shade val="50000"/>
+            </a:schemeClr>
+          </a:lnRef>
+          <a:fillRef idx="1">
+            <a:schemeClr val="accent1"/>
+          </a:fillRef>
+          <a:effectRef idx="0">
+            <a:schemeClr val="accent1"/>
+          </a:effectRef>
+          <a:fontRef idx="minor">
+            <a:schemeClr val="lt1"/>
+          </a:fontRef>
+        </p:style>
+      </p:sp>
+      <p:cxnSp>
+        <p:nvCxnSpPr>
+          <p:cNvPr id="26" name="Straight Connector 13">
+            <a:extLst>
+              <a:ext uri="{FF2B5EF4-FFF2-40B4-BE49-F238E27FC236}">
+                <a16:creationId xmlns:a16="http://schemas.microsoft.com/office/drawing/2014/main" id="{7E1D4427-852B-4B37-8E76-0E9F1810BA2A}"/>
+              </a:ext>
+              <a:ext uri="{C183D7F6-B498-43B3-948B-1728B52AA6E4}">
+                <adec:decorative xmlns:adec="http://schemas.microsoft.com/office/drawing/2017/decorative" val="1"/>
+              </a:ext>
+            </a:extLst>
+          </p:cNvPr>
+          <p:cNvCxnSpPr>
+            <a:cxnSpLocks noGrp="1" noRot="1" noChangeAspect="1" noMove="1" noResize="1" noEditPoints="1" noAdjustHandles="1" noChangeArrowheads="1" noChangeShapeType="1"/>
+          </p:cNvCxnSpPr>
+          <p:nvPr>
+            <p:extLst>
+              <p:ext uri="{386F3935-93C4-4BCD-93E2-E3B085C9AB24}">
+                <p16:designElem xmlns:p16="http://schemas.microsoft.com/office/powerpoint/2015/main" val="1"/>
+              </p:ext>
+            </p:extLst>
+          </p:nvPr>
+        </p:nvCxnSpPr>
+        <p:spPr>
+          <a:xfrm>
+            <a:off x="1207658" y="4343400"/>
+            <a:ext cx="9875520" cy="0"/>
+          </a:xfrm>
+          <a:prstGeom prst="line">
+            <a:avLst/>
+          </a:prstGeom>
+          <a:ln w="6350">
+            <a:solidFill>
+              <a:schemeClr val="tx1">
+                <a:lumMod val="50000"/>
+                <a:lumOff val="50000"/>
+              </a:schemeClr>
+            </a:solidFill>
+          </a:ln>
+        </p:spPr>
+        <p:style>
+          <a:lnRef idx="1">
+            <a:schemeClr val="accent1"/>
+          </a:lnRef>
+          <a:fillRef idx="0">
+            <a:schemeClr val="accent1"/>
+          </a:fillRef>
+          <a:effectRef idx="0">
+            <a:schemeClr val="accent1"/>
+          </a:effectRef>
+          <a:fontRef idx="minor">
+            <a:schemeClr val="tx1"/>
+          </a:fontRef>
+        </p:style>
+      </p:cxnSp>
+      <p:sp useBgFill="1">
+        <p:nvSpPr>
+          <p:cNvPr id="27" name="Rectangle 15">
+            <a:extLst>
+              <a:ext uri="{FF2B5EF4-FFF2-40B4-BE49-F238E27FC236}">
+                <a16:creationId xmlns:a16="http://schemas.microsoft.com/office/drawing/2014/main" id="{C4AAA502-5435-489E-9538-3A40E6C71461}"/>
+              </a:ext>
+              <a:ext uri="{C183D7F6-B498-43B3-948B-1728B52AA6E4}">
+                <adec:decorative xmlns:adec="http://schemas.microsoft.com/office/drawing/2017/decorative" val="1"/>
+              </a:ext>
+            </a:extLst>
+          </p:cNvPr>
+          <p:cNvSpPr>
+            <a:spLocks noGrp="1" noRot="1" noChangeAspect="1" noMove="1" noResize="1" noEditPoints="1" noAdjustHandles="1" noChangeArrowheads="1" noChangeShapeType="1" noTextEdit="1"/>
+          </p:cNvSpPr>
+          <p:nvPr>
+            <p:extLst>
+              <p:ext uri="{386F3935-93C4-4BCD-93E2-E3B085C9AB24}">
+                <p16:designElem xmlns:p16="http://schemas.microsoft.com/office/powerpoint/2015/main" val="1"/>
+              </p:ext>
+            </p:extLst>
+          </p:nvPr>
+        </p:nvSpPr>
+        <p:spPr>
+          <a:xfrm>
+            <a:off x="0" y="0"/>
+            <a:ext cx="12192001" cy="6334316"/>
+          </a:xfrm>
+          <a:prstGeom prst="rect">
+            <a:avLst/>
+          </a:prstGeom>
+          <a:ln>
+            <a:noFill/>
+          </a:ln>
+        </p:spPr>
+        <p:style>
+          <a:lnRef idx="2">
+            <a:schemeClr val="accent1">
+              <a:shade val="50000"/>
+            </a:schemeClr>
+          </a:lnRef>
+          <a:fillRef idx="1">
+            <a:schemeClr val="accent1"/>
+          </a:fillRef>
+          <a:effectRef idx="0">
+            <a:schemeClr val="accent1"/>
+          </a:effectRef>
+          <a:fontRef idx="minor">
+            <a:schemeClr val="lt1"/>
+          </a:fontRef>
+        </p:style>
+        <p:txBody>
+          <a:bodyPr rtlCol="0" anchor="ctr"/>
+          <a:lstStyle/>
+          <a:p>
+            <a:pPr algn="ctr"/>
+            <a:endParaRPr lang="en-US"/>
+          </a:p>
+        </p:txBody>
+      </p:sp>
+      <p:sp>
+        <p:nvSpPr>
+          <p:cNvPr id="2" name="Title 1">
+            <a:extLst>
+              <a:ext uri="{FF2B5EF4-FFF2-40B4-BE49-F238E27FC236}">
+                <a16:creationId xmlns:a16="http://schemas.microsoft.com/office/drawing/2014/main" id="{54BE61C6-4E1E-347D-D66A-E34971C03509}"/>
+              </a:ext>
+            </a:extLst>
+          </p:cNvPr>
+          <p:cNvSpPr>
+            <a:spLocks noGrp="1"/>
+          </p:cNvSpPr>
+          <p:nvPr>
+            <p:ph type="title"/>
+          </p:nvPr>
+        </p:nvSpPr>
+        <p:spPr>
+          <a:xfrm>
+            <a:off x="633999" y="4550229"/>
+            <a:ext cx="10909073" cy="1057655"/>
+          </a:xfrm>
+        </p:spPr>
+        <p:txBody>
+          <a:bodyPr vert="horz" lIns="91440" tIns="45720" rIns="91440" bIns="45720" rtlCol="0" anchor="b">
+            <a:normAutofit/>
+          </a:bodyPr>
+          <a:lstStyle/>
+          <a:p>
+            <a:r>
+              <a:rPr lang="en-US" sz="6000">
+                <a:solidFill>
+                  <a:schemeClr val="tx1">
+                    <a:lumMod val="85000"/>
+                    <a:lumOff val="15000"/>
+                  </a:schemeClr>
+                </a:solidFill>
+              </a:rPr>
+              <a:t>ECGI Inverse Problem</a:t>
+            </a:r>
+          </a:p>
+        </p:txBody>
+      </p:sp>
+      <p:pic>
+        <p:nvPicPr>
+          <p:cNvPr id="5" name="Content Placeholder 4" descr="Diagram&#10;&#10;Description automatically generated">
+            <a:extLst>
+              <a:ext uri="{FF2B5EF4-FFF2-40B4-BE49-F238E27FC236}">
+                <a16:creationId xmlns:a16="http://schemas.microsoft.com/office/drawing/2014/main" id="{4A2E12F2-5291-8CD2-0E2A-CD5C6DDC2471}"/>
+              </a:ext>
+            </a:extLst>
+          </p:cNvPr>
+          <p:cNvPicPr>
+            <a:picLocks noGrp="1" noChangeAspect="1"/>
+          </p:cNvPicPr>
+          <p:nvPr>
+            <p:ph idx="1"/>
+          </p:nvPr>
+        </p:nvPicPr>
+        <p:blipFill>
+          <a:blip r:embed="rId2">
+            <a:extLst>
+              <a:ext uri="{28A0092B-C50C-407E-A947-70E740481C1C}">
+                <a14:useLocalDpi xmlns:a14="http://schemas.microsoft.com/office/drawing/2010/main" val="0"/>
+              </a:ext>
+            </a:extLst>
+          </a:blip>
+          <a:stretch>
+            <a:fillRect/>
+          </a:stretch>
+        </p:blipFill>
+        <p:spPr>
+          <a:xfrm>
+            <a:off x="635457" y="640080"/>
+            <a:ext cx="7205472" cy="3602736"/>
+          </a:xfrm>
+          <a:prstGeom prst="rect">
+            <a:avLst/>
+          </a:prstGeom>
+        </p:spPr>
+      </p:pic>
+      <p:cxnSp>
+        <p:nvCxnSpPr>
+          <p:cNvPr id="28" name="Straight Connector 17">
+            <a:extLst>
+              <a:ext uri="{FF2B5EF4-FFF2-40B4-BE49-F238E27FC236}">
+                <a16:creationId xmlns:a16="http://schemas.microsoft.com/office/drawing/2014/main" id="{C9AC0290-4702-4519-B0F4-C2A46880997B}"/>
+              </a:ext>
+              <a:ext uri="{C183D7F6-B498-43B3-948B-1728B52AA6E4}">
+                <adec:decorative xmlns:adec="http://schemas.microsoft.com/office/drawing/2017/decorative" val="1"/>
+              </a:ext>
+            </a:extLst>
+          </p:cNvPr>
+          <p:cNvCxnSpPr>
+            <a:cxnSpLocks noGrp="1" noRot="1" noChangeAspect="1" noMove="1" noResize="1" noEditPoints="1" noAdjustHandles="1" noChangeArrowheads="1" noChangeShapeType="1"/>
+          </p:cNvCxnSpPr>
+          <p:nvPr>
+            <p:extLst>
+              <p:ext uri="{386F3935-93C4-4BCD-93E2-E3B085C9AB24}">
+                <p16:designElem xmlns:p16="http://schemas.microsoft.com/office/powerpoint/2015/main" val="1"/>
+              </p:ext>
+            </p:extLst>
+          </p:nvPr>
+        </p:nvCxnSpPr>
+        <p:spPr>
+          <a:xfrm>
+            <a:off x="721086" y="5618770"/>
+            <a:ext cx="10515600" cy="0"/>
+          </a:xfrm>
+          <a:prstGeom prst="line">
+            <a:avLst/>
+          </a:prstGeom>
+          <a:ln w="6350">
+            <a:solidFill>
+              <a:schemeClr val="tx2">
+                <a:alpha val="90000"/>
+              </a:schemeClr>
+            </a:solidFill>
+          </a:ln>
+        </p:spPr>
+        <p:style>
+          <a:lnRef idx="1">
+            <a:schemeClr val="accent1"/>
+          </a:lnRef>
+          <a:fillRef idx="0">
+            <a:schemeClr val="accent1"/>
+          </a:fillRef>
+          <a:effectRef idx="0">
+            <a:schemeClr val="accent1"/>
+          </a:effectRef>
+          <a:fontRef idx="minor">
+            <a:schemeClr val="tx1"/>
+          </a:fontRef>
+        </p:style>
+      </p:cxnSp>
+      <p:sp>
+        <p:nvSpPr>
+          <p:cNvPr id="29" name="Rectangle 19">
+            <a:extLst>
+              <a:ext uri="{FF2B5EF4-FFF2-40B4-BE49-F238E27FC236}">
+                <a16:creationId xmlns:a16="http://schemas.microsoft.com/office/drawing/2014/main" id="{DE42378B-2E28-4810-8421-7A473A40E376}"/>
+              </a:ext>
+              <a:ext uri="{C183D7F6-B498-43B3-948B-1728B52AA6E4}">
+                <adec:decorative xmlns:adec="http://schemas.microsoft.com/office/drawing/2017/decorative" val="1"/>
+              </a:ext>
+            </a:extLst>
+          </p:cNvPr>
+          <p:cNvSpPr>
+            <a:spLocks noGrp="1" noRot="1" noChangeAspect="1" noMove="1" noResize="1" noEditPoints="1" noAdjustHandles="1" noChangeArrowheads="1" noChangeShapeType="1" noTextEdit="1"/>
+          </p:cNvSpPr>
+          <p:nvPr>
+            <p:extLst>
+              <p:ext uri="{386F3935-93C4-4BCD-93E2-E3B085C9AB24}">
+                <p16:designElem xmlns:p16="http://schemas.microsoft.com/office/powerpoint/2015/main" val="1"/>
+              </p:ext>
+            </p:extLst>
+          </p:nvPr>
+        </p:nvSpPr>
+        <p:spPr>
+          <a:xfrm>
+            <a:off x="15" y="6334316"/>
+            <a:ext cx="12191985" cy="66484"/>
+          </a:xfrm>
+          <a:prstGeom prst="rect">
+            <a:avLst/>
+          </a:prstGeom>
+          <a:solidFill>
+            <a:schemeClr val="accent1"/>
+          </a:solidFill>
+          <a:ln>
+            <a:noFill/>
+          </a:ln>
+        </p:spPr>
+        <p:style>
+          <a:lnRef idx="2">
+            <a:schemeClr val="accent1">
+              <a:shade val="50000"/>
+            </a:schemeClr>
+          </a:lnRef>
+          <a:fillRef idx="1">
+            <a:schemeClr val="accent1"/>
+          </a:fillRef>
+          <a:effectRef idx="0">
+            <a:schemeClr val="accent1"/>
+          </a:effectRef>
+          <a:fontRef idx="minor">
+            <a:schemeClr val="lt1"/>
+          </a:fontRef>
+        </p:style>
+      </p:sp>
+      <p:sp>
+        <p:nvSpPr>
+          <p:cNvPr id="30" name="Rectangle 21">
+            <a:extLst>
+              <a:ext uri="{FF2B5EF4-FFF2-40B4-BE49-F238E27FC236}">
+                <a16:creationId xmlns:a16="http://schemas.microsoft.com/office/drawing/2014/main" id="{0D91DD17-237F-4811-BC0E-128EB1BD7CFE}"/>
+              </a:ext>
+              <a:ext uri="{C183D7F6-B498-43B3-948B-1728B52AA6E4}">
+                <adec:decorative xmlns:adec="http://schemas.microsoft.com/office/drawing/2017/decorative" val="1"/>
+              </a:ext>
+            </a:extLst>
+          </p:cNvPr>
+          <p:cNvSpPr>
+            <a:spLocks noGrp="1" noRot="1" noChangeAspect="1" noMove="1" noResize="1" noEditPoints="1" noAdjustHandles="1" noChangeArrowheads="1" noChangeShapeType="1" noTextEdit="1"/>
+          </p:cNvSpPr>
+          <p:nvPr>
+            <p:extLst>
+              <p:ext uri="{386F3935-93C4-4BCD-93E2-E3B085C9AB24}">
+                <p16:designElem xmlns:p16="http://schemas.microsoft.com/office/powerpoint/2015/main" val="1"/>
+              </p:ext>
+            </p:extLst>
+          </p:nvPr>
+        </p:nvSpPr>
+        <p:spPr>
+          <a:xfrm>
+            <a:off x="1" y="6400800"/>
+            <a:ext cx="12192000" cy="457200"/>
+          </a:xfrm>
+          <a:prstGeom prst="rect">
+            <a:avLst/>
+          </a:prstGeom>
+          <a:solidFill>
+            <a:schemeClr val="accent2"/>
+          </a:solidFill>
+          <a:ln>
+            <a:noFill/>
+          </a:ln>
+        </p:spPr>
+        <p:style>
+          <a:lnRef idx="2">
+            <a:schemeClr val="accent1">
+              <a:shade val="50000"/>
+            </a:schemeClr>
+          </a:lnRef>
+          <a:fillRef idx="1">
+            <a:schemeClr val="accent1"/>
+          </a:fillRef>
+          <a:effectRef idx="0">
+            <a:schemeClr val="accent1"/>
+          </a:effectRef>
+          <a:fontRef idx="minor">
+            <a:schemeClr val="lt1"/>
+          </a:fontRef>
+        </p:style>
+      </p:sp>
+    </p:spTree>
+    <p:extLst>
+      <p:ext uri="{BB962C8B-B14F-4D97-AF65-F5344CB8AC3E}">
+        <p14:creationId xmlns:p14="http://schemas.microsoft.com/office/powerpoint/2010/main" val="3310867956"/>
+      </p:ext>
+    </p:extLst>
+  </p:cSld>
+  <p:clrMapOvr>
+    <a:masterClrMapping/>
+  </p:clrMapOvr>
+</p:sld>
+</file>
+
+<file path=ppt/slides/slide3.xml><?xml version="1.0" encoding="utf-8"?>
+<p:sld xmlns:a="http://schemas.openxmlformats.org/drawingml/2006/main" xmlns:r="http://schemas.openxmlformats.org/officeDocument/2006/relationships" xmlns:p="http://schemas.openxmlformats.org/presentationml/2006/main">
+  <p:cSld>
+    <p:bg>
+      <p:bgPr>
+        <a:solidFill>
+          <a:schemeClr val="bg1"/>
+        </a:solidFill>
+        <a:effectLst/>
+      </p:bgPr>
+    </p:bg>
+    <p:spTree>
+      <p:nvGrpSpPr>
+        <p:cNvPr id="1" name=""/>
+        <p:cNvGrpSpPr/>
+        <p:nvPr/>
+      </p:nvGrpSpPr>
+      <p:grpSpPr>
+        <a:xfrm>
+          <a:off x="0" y="0"/>
+          <a:ext cx="0" cy="0"/>
+          <a:chOff x="0" y="0"/>
+          <a:chExt cx="0" cy="0"/>
+        </a:xfrm>
+      </p:grpSpPr>
+      <p:sp useBgFill="1">
+        <p:nvSpPr>
+          <p:cNvPr id="10" name="Rectangle 9">
+            <a:extLst>
+              <a:ext uri="{FF2B5EF4-FFF2-40B4-BE49-F238E27FC236}">
+                <a16:creationId xmlns:a16="http://schemas.microsoft.com/office/drawing/2014/main" id="{284B70D5-875B-433D-BDBD-1522A85D6C1D}"/>
+              </a:ext>
+              <a:ext uri="{C183D7F6-B498-43B3-948B-1728B52AA6E4}">
+                <adec:decorative xmlns:adec="http://schemas.microsoft.com/office/drawing/2017/decorative" val="1"/>
+              </a:ext>
+            </a:extLst>
+          </p:cNvPr>
+          <p:cNvSpPr>
+            <a:spLocks noGrp="1" noRot="1" noChangeAspect="1" noMove="1" noResize="1" noEditPoints="1" noAdjustHandles="1" noChangeArrowheads="1" noChangeShapeType="1" noTextEdit="1"/>
+          </p:cNvSpPr>
+          <p:nvPr>
+            <p:extLst>
+              <p:ext uri="{386F3935-93C4-4BCD-93E2-E3B085C9AB24}">
+                <p16:designElem xmlns:p16="http://schemas.microsoft.com/office/powerpoint/2015/main" val="1"/>
+              </p:ext>
+            </p:extLst>
+          </p:nvPr>
+        </p:nvSpPr>
+        <p:spPr>
+          <a:xfrm>
+            <a:off x="0" y="0"/>
+            <a:ext cx="12192001" cy="6334316"/>
+          </a:xfrm>
+          <a:prstGeom prst="rect">
+            <a:avLst/>
+          </a:prstGeom>
+          <a:ln>
+            <a:noFill/>
+          </a:ln>
+        </p:spPr>
+        <p:style>
+          <a:lnRef idx="2">
+            <a:schemeClr val="accent1">
+              <a:shade val="50000"/>
+            </a:schemeClr>
+          </a:lnRef>
+          <a:fillRef idx="1">
+            <a:schemeClr val="accent1"/>
+          </a:fillRef>
+          <a:effectRef idx="0">
+            <a:schemeClr val="accent1"/>
+          </a:effectRef>
+          <a:fontRef idx="minor">
+            <a:schemeClr val="lt1"/>
+          </a:fontRef>
+        </p:style>
+        <p:txBody>
+          <a:bodyPr rtlCol="0" anchor="ctr"/>
+          <a:lstStyle/>
+          <a:p>
+            <a:pPr algn="ctr"/>
+            <a:endParaRPr lang="en-US"/>
+          </a:p>
+        </p:txBody>
+      </p:sp>
+      <p:sp>
+        <p:nvSpPr>
+          <p:cNvPr id="2" name="Title 1">
+            <a:extLst>
+              <a:ext uri="{FF2B5EF4-FFF2-40B4-BE49-F238E27FC236}">
+                <a16:creationId xmlns:a16="http://schemas.microsoft.com/office/drawing/2014/main" id="{2A96BEE7-6BCF-7DED-FC28-B33E83D9770F}"/>
+              </a:ext>
+            </a:extLst>
+          </p:cNvPr>
+          <p:cNvSpPr>
+            <a:spLocks noGrp="1"/>
+          </p:cNvSpPr>
+          <p:nvPr>
+            <p:ph type="title"/>
+          </p:nvPr>
+        </p:nvSpPr>
+        <p:spPr>
+          <a:xfrm>
+            <a:off x="7859485" y="634946"/>
+            <a:ext cx="3690257" cy="1450757"/>
+          </a:xfrm>
+        </p:spPr>
+        <p:txBody>
+          <a:bodyPr>
+            <a:normAutofit/>
+          </a:bodyPr>
+          <a:lstStyle/>
+          <a:p>
+            <a:r>
+              <a:rPr lang="en-US" dirty="0"/>
+              <a:t>Formulation</a:t>
+            </a:r>
+          </a:p>
+        </p:txBody>
+      </p:sp>
+      <p:pic>
+        <p:nvPicPr>
+          <p:cNvPr id="5" name="Picture 4" descr="Diagram&#10;&#10;Description automatically generated">
+            <a:extLst>
+              <a:ext uri="{FF2B5EF4-FFF2-40B4-BE49-F238E27FC236}">
+                <a16:creationId xmlns:a16="http://schemas.microsoft.com/office/drawing/2014/main" id="{AA8BBAAE-CD99-1540-3FE4-F1A4631A1BD9}"/>
+              </a:ext>
+            </a:extLst>
+          </p:cNvPr>
+          <p:cNvPicPr>
+            <a:picLocks noChangeAspect="1"/>
+          </p:cNvPicPr>
+          <p:nvPr/>
+        </p:nvPicPr>
+        <p:blipFill>
+          <a:blip r:embed="rId2">
+            <a:extLst>
+              <a:ext uri="{28A0092B-C50C-407E-A947-70E740481C1C}">
+                <a14:useLocalDpi xmlns:a14="http://schemas.microsoft.com/office/drawing/2010/main" val="0"/>
+              </a:ext>
+            </a:extLst>
+          </a:blip>
+          <a:stretch>
+            <a:fillRect/>
+          </a:stretch>
+        </p:blipFill>
+        <p:spPr>
+          <a:xfrm>
+            <a:off x="1269586" y="640081"/>
+            <a:ext cx="5638627" cy="5314406"/>
+          </a:xfrm>
+          <a:prstGeom prst="rect">
+            <a:avLst/>
+          </a:prstGeom>
+        </p:spPr>
+      </p:pic>
+      <p:cxnSp>
+        <p:nvCxnSpPr>
+          <p:cNvPr id="12" name="Straight Connector 11">
+            <a:extLst>
+              <a:ext uri="{FF2B5EF4-FFF2-40B4-BE49-F238E27FC236}">
+                <a16:creationId xmlns:a16="http://schemas.microsoft.com/office/drawing/2014/main" id="{C947DF4A-614C-4B4C-8B80-E5B9D8E8CFED}"/>
+              </a:ext>
+              <a:ext uri="{C183D7F6-B498-43B3-948B-1728B52AA6E4}">
+                <adec:decorative xmlns:adec="http://schemas.microsoft.com/office/drawing/2017/decorative" val="1"/>
+              </a:ext>
+            </a:extLst>
+          </p:cNvPr>
+          <p:cNvCxnSpPr>
+            <a:cxnSpLocks noGrp="1" noRot="1" noChangeAspect="1" noMove="1" noResize="1" noEditPoints="1" noAdjustHandles="1" noChangeArrowheads="1" noChangeShapeType="1"/>
+          </p:cNvCxnSpPr>
+          <p:nvPr>
+            <p:extLst>
+              <p:ext uri="{386F3935-93C4-4BCD-93E2-E3B085C9AB24}">
+                <p16:designElem xmlns:p16="http://schemas.microsoft.com/office/powerpoint/2015/main" val="1"/>
+              </p:ext>
+            </p:extLst>
+          </p:nvPr>
+        </p:nvCxnSpPr>
+        <p:spPr>
+          <a:xfrm>
+            <a:off x="7892143" y="2085703"/>
+            <a:ext cx="3566160" cy="0"/>
+          </a:xfrm>
+          <a:prstGeom prst="line">
+            <a:avLst/>
+          </a:prstGeom>
+          <a:ln w="6350">
+            <a:solidFill>
+              <a:schemeClr val="tx1">
+                <a:lumMod val="50000"/>
+                <a:lumOff val="50000"/>
+                <a:alpha val="90000"/>
+              </a:schemeClr>
+            </a:solidFill>
+          </a:ln>
+        </p:spPr>
+        <p:style>
+          <a:lnRef idx="1">
+            <a:schemeClr val="accent1"/>
+          </a:lnRef>
+          <a:fillRef idx="0">
+            <a:schemeClr val="accent1"/>
+          </a:fillRef>
+          <a:effectRef idx="0">
+            <a:schemeClr val="accent1"/>
+          </a:effectRef>
+          <a:fontRef idx="minor">
+            <a:schemeClr val="tx1"/>
+          </a:fontRef>
+        </p:style>
+      </p:cxnSp>
+      <mc:AlternateContent xmlns:mc="http://schemas.openxmlformats.org/markup-compatibility/2006">
+        <mc:Choice xmlns:a14="http://schemas.microsoft.com/office/drawing/2010/main" Requires="a14">
+          <p:sp>
+            <p:nvSpPr>
+              <p:cNvPr id="3" name="Content Placeholder 2">
+                <a:extLst>
+                  <a:ext uri="{FF2B5EF4-FFF2-40B4-BE49-F238E27FC236}">
+                    <a16:creationId xmlns:a16="http://schemas.microsoft.com/office/drawing/2014/main" id="{2222C3FA-D123-C9FC-77E3-F15675876566}"/>
+                  </a:ext>
+                </a:extLst>
+              </p:cNvPr>
+              <p:cNvSpPr>
+                <a:spLocks noGrp="1"/>
+              </p:cNvSpPr>
+              <p:nvPr>
+                <p:ph idx="1"/>
+              </p:nvPr>
+            </p:nvSpPr>
+            <p:spPr>
+              <a:xfrm>
+                <a:off x="7859485" y="2198914"/>
+                <a:ext cx="3690257" cy="3670180"/>
+              </a:xfrm>
+            </p:spPr>
+            <p:txBody>
+              <a:bodyPr>
+                <a:normAutofit/>
+              </a:bodyPr>
+              <a:lstStyle/>
+              <a:p>
+                <a:pPr/>
+                <a14:m>
+                  <m:oMath xmlns:m="http://schemas.openxmlformats.org/officeDocument/2006/math">
+                    <m:r>
+                      <a:rPr lang="en-US" b="0" i="0" smtClean="0">
+                        <a:latin typeface="Cambria Math" panose="02040503050406030204" pitchFamily="18" charset="0"/>
+                      </a:rPr>
+                      <m:t> </m:t>
+                    </m:r>
+                    <m:acc>
+                      <m:accPr>
+                        <m:chr m:val="̃"/>
+                        <m:ctrlPr>
+                          <a:rPr lang="en-US" b="0" i="1" smtClean="0">
+                            <a:latin typeface="Cambria Math" panose="02040503050406030204" pitchFamily="18" charset="0"/>
+                          </a:rPr>
+                        </m:ctrlPr>
+                      </m:accPr>
+                      <m:e>
+                        <m:r>
+                          <a:rPr lang="en-US" b="0" i="1" smtClean="0">
+                            <a:latin typeface="Cambria Math" panose="02040503050406030204" pitchFamily="18" charset="0"/>
+                          </a:rPr>
+                          <m:t>𝑦</m:t>
+                        </m:r>
+                      </m:e>
+                    </m:acc>
+                    <m:r>
+                      <a:rPr lang="en-US" b="0" i="0" smtClean="0">
+                        <a:latin typeface="Cambria Math" panose="02040503050406030204" pitchFamily="18" charset="0"/>
+                      </a:rPr>
+                      <m:t> </m:t>
+                    </m:r>
+                    <m:r>
+                      <a:rPr lang="en-US" b="0" i="1" smtClean="0">
+                        <a:latin typeface="Cambria Math" panose="02040503050406030204" pitchFamily="18" charset="0"/>
+                      </a:rPr>
+                      <m:t>=</m:t>
+                    </m:r>
+                    <m:r>
+                      <a:rPr lang="en-US" b="0" i="1" smtClean="0">
+                        <a:latin typeface="Cambria Math" panose="02040503050406030204" pitchFamily="18" charset="0"/>
+                      </a:rPr>
+                      <m:t>𝐴𝑥</m:t>
+                    </m:r>
+                    <m:r>
+                      <a:rPr lang="en-US" b="0" i="1" smtClean="0">
+                        <a:latin typeface="Cambria Math" panose="02040503050406030204" pitchFamily="18" charset="0"/>
+                      </a:rPr>
+                      <m:t>+</m:t>
+                    </m:r>
+                    <m:acc>
+                      <m:accPr>
+                        <m:chr m:val="̃"/>
+                        <m:ctrlPr>
+                          <a:rPr lang="en-US" b="0" i="1" smtClean="0">
+                            <a:latin typeface="Cambria Math" panose="02040503050406030204" pitchFamily="18" charset="0"/>
+                          </a:rPr>
+                        </m:ctrlPr>
+                      </m:accPr>
+                      <m:e>
+                        <m:r>
+                          <a:rPr lang="en-US" b="0" i="1" smtClean="0">
+                            <a:latin typeface="Cambria Math" panose="02040503050406030204" pitchFamily="18" charset="0"/>
+                          </a:rPr>
+                          <m:t>𝑛</m:t>
+                        </m:r>
+                      </m:e>
+                    </m:acc>
+                  </m:oMath>
+                </a14:m>
+                <a:endParaRPr lang="en-US" b="0"/>
+              </a:p>
+              <a:p>
+                <a:pPr marL="0" indent="0">
+                  <a:buNone/>
+                </a:pPr>
+                <a:endParaRPr lang="en-US"/>
+              </a:p>
+              <a:p>
+                <a:pPr/>
+                <a14:m>
+                  <m:oMath xmlns:m="http://schemas.openxmlformats.org/officeDocument/2006/math">
+                    <m:acc>
+                      <m:accPr>
+                        <m:chr m:val="̃"/>
+                        <m:ctrlPr>
+                          <a:rPr lang="en-US" b="0" i="1" smtClean="0">
+                            <a:latin typeface="Cambria Math" panose="02040503050406030204" pitchFamily="18" charset="0"/>
+                          </a:rPr>
+                        </m:ctrlPr>
+                      </m:accPr>
+                      <m:e>
+                        <m:r>
+                          <a:rPr lang="en-US" b="0" i="1" smtClean="0">
+                            <a:latin typeface="Cambria Math" panose="02040503050406030204" pitchFamily="18" charset="0"/>
+                          </a:rPr>
+                          <m:t>𝑌</m:t>
+                        </m:r>
+                      </m:e>
+                    </m:acc>
+                    <m:r>
+                      <a:rPr lang="en-US" b="0" i="1" smtClean="0">
+                        <a:latin typeface="Cambria Math" panose="02040503050406030204" pitchFamily="18" charset="0"/>
+                      </a:rPr>
+                      <m:t>=</m:t>
+                    </m:r>
+                    <m:r>
+                      <a:rPr lang="en-US" b="0" i="1" smtClean="0">
+                        <a:latin typeface="Cambria Math" panose="02040503050406030204" pitchFamily="18" charset="0"/>
+                      </a:rPr>
+                      <m:t>𝐴𝑋</m:t>
+                    </m:r>
+                    <m:r>
+                      <a:rPr lang="en-US" b="0" i="1" smtClean="0">
+                        <a:latin typeface="Cambria Math" panose="02040503050406030204" pitchFamily="18" charset="0"/>
+                      </a:rPr>
+                      <m:t>+</m:t>
+                    </m:r>
+                    <m:acc>
+                      <m:accPr>
+                        <m:chr m:val="̃"/>
+                        <m:ctrlPr>
+                          <a:rPr lang="en-US" b="0" i="1" smtClean="0">
+                            <a:latin typeface="Cambria Math" panose="02040503050406030204" pitchFamily="18" charset="0"/>
+                          </a:rPr>
+                        </m:ctrlPr>
+                      </m:accPr>
+                      <m:e>
+                        <m:r>
+                          <a:rPr lang="en-US" b="0" i="1" smtClean="0">
+                            <a:latin typeface="Cambria Math" panose="02040503050406030204" pitchFamily="18" charset="0"/>
+                          </a:rPr>
+                          <m:t>𝑁</m:t>
+                        </m:r>
+                      </m:e>
+                    </m:acc>
+                  </m:oMath>
+                </a14:m>
+                <a:endParaRPr lang="en-US"/>
+              </a:p>
+            </p:txBody>
+          </p:sp>
+        </mc:Choice>
+        <mc:Fallback>
+          <p:sp>
+            <p:nvSpPr>
+              <p:cNvPr id="3" name="Content Placeholder 2">
+                <a:extLst>
+                  <a:ext uri="{FF2B5EF4-FFF2-40B4-BE49-F238E27FC236}">
+                    <a16:creationId xmlns:a16="http://schemas.microsoft.com/office/drawing/2014/main" id="{2222C3FA-D123-C9FC-77E3-F15675876566}"/>
+                  </a:ext>
+                </a:extLst>
+              </p:cNvPr>
+              <p:cNvSpPr>
+                <a:spLocks noGrp="1" noRot="1" noChangeAspect="1" noMove="1" noResize="1" noEditPoints="1" noAdjustHandles="1" noChangeArrowheads="1" noChangeShapeType="1" noTextEdit="1"/>
+              </p:cNvSpPr>
+              <p:nvPr>
+                <p:ph idx="1"/>
+              </p:nvPr>
+            </p:nvSpPr>
+            <p:spPr>
+              <a:xfrm>
+                <a:off x="7859485" y="2198914"/>
+                <a:ext cx="3690257" cy="3670180"/>
+              </a:xfrm>
+              <a:blipFill>
+                <a:blip r:embed="rId3"/>
+                <a:stretch>
+                  <a:fillRect l="-4125" t="-2159"/>
+                </a:stretch>
+              </a:blipFill>
+            </p:spPr>
+            <p:txBody>
+              <a:bodyPr/>
+              <a:lstStyle/>
+              <a:p>
+                <a:r>
+                  <a:rPr lang="en-US">
+                    <a:noFill/>
+                  </a:rPr>
+                  <a:t> </a:t>
+                </a:r>
+              </a:p>
+            </p:txBody>
+          </p:sp>
+        </mc:Fallback>
+      </mc:AlternateContent>
+      <p:sp>
+        <p:nvSpPr>
+          <p:cNvPr id="14" name="Rectangle 13">
+            <a:extLst>
+              <a:ext uri="{FF2B5EF4-FFF2-40B4-BE49-F238E27FC236}">
+                <a16:creationId xmlns:a16="http://schemas.microsoft.com/office/drawing/2014/main" id="{1E299956-A9E7-4FC1-A0B1-D590CA9730E8}"/>
+              </a:ext>
+              <a:ext uri="{C183D7F6-B498-43B3-948B-1728B52AA6E4}">
+                <adec:decorative xmlns:adec="http://schemas.microsoft.com/office/drawing/2017/decorative" val="1"/>
+              </a:ext>
+            </a:extLst>
+          </p:cNvPr>
+          <p:cNvSpPr>
+            <a:spLocks noGrp="1" noRot="1" noChangeAspect="1" noMove="1" noResize="1" noEditPoints="1" noAdjustHandles="1" noChangeArrowheads="1" noChangeShapeType="1" noTextEdit="1"/>
+          </p:cNvSpPr>
+          <p:nvPr>
+            <p:extLst>
+              <p:ext uri="{386F3935-93C4-4BCD-93E2-E3B085C9AB24}">
+                <p16:designElem xmlns:p16="http://schemas.microsoft.com/office/powerpoint/2015/main" val="1"/>
+              </p:ext>
+            </p:extLst>
+          </p:nvPr>
+        </p:nvSpPr>
+        <p:spPr>
+          <a:xfrm>
+            <a:off x="15" y="6334316"/>
+            <a:ext cx="12191985" cy="66484"/>
+          </a:xfrm>
+          <a:prstGeom prst="rect">
+            <a:avLst/>
+          </a:prstGeom>
+          <a:solidFill>
+            <a:schemeClr val="accent1"/>
+          </a:solidFill>
+          <a:ln>
+            <a:noFill/>
+          </a:ln>
+        </p:spPr>
+        <p:style>
+          <a:lnRef idx="2">
+            <a:schemeClr val="accent1">
+              <a:shade val="50000"/>
+            </a:schemeClr>
+          </a:lnRef>
+          <a:fillRef idx="1">
+            <a:schemeClr val="accent1"/>
+          </a:fillRef>
+          <a:effectRef idx="0">
+            <a:schemeClr val="accent1"/>
+          </a:effectRef>
+          <a:fontRef idx="minor">
+            <a:schemeClr val="lt1"/>
+          </a:fontRef>
+        </p:style>
+      </p:sp>
+      <p:sp>
+        <p:nvSpPr>
+          <p:cNvPr id="16" name="Rectangle 15">
+            <a:extLst>
+              <a:ext uri="{FF2B5EF4-FFF2-40B4-BE49-F238E27FC236}">
+                <a16:creationId xmlns:a16="http://schemas.microsoft.com/office/drawing/2014/main" id="{17FC539C-B783-4B03-9F9E-D13430F3F64F}"/>
+              </a:ext>
+              <a:ext uri="{C183D7F6-B498-43B3-948B-1728B52AA6E4}">
+                <adec:decorative xmlns:adec="http://schemas.microsoft.com/office/drawing/2017/decorative" val="1"/>
+              </a:ext>
+            </a:extLst>
+          </p:cNvPr>
+          <p:cNvSpPr>
+            <a:spLocks noGrp="1" noRot="1" noChangeAspect="1" noMove="1" noResize="1" noEditPoints="1" noAdjustHandles="1" noChangeArrowheads="1" noChangeShapeType="1" noTextEdit="1"/>
+          </p:cNvSpPr>
+          <p:nvPr>
+            <p:extLst>
+              <p:ext uri="{386F3935-93C4-4BCD-93E2-E3B085C9AB24}">
+                <p16:designElem xmlns:p16="http://schemas.microsoft.com/office/powerpoint/2015/main" val="1"/>
+              </p:ext>
+            </p:extLst>
+          </p:nvPr>
+        </p:nvSpPr>
+        <p:spPr>
+          <a:xfrm>
+            <a:off x="1" y="6400800"/>
+            <a:ext cx="12192000" cy="457200"/>
+          </a:xfrm>
+          <a:prstGeom prst="rect">
+            <a:avLst/>
+          </a:prstGeom>
+          <a:solidFill>
+            <a:schemeClr val="accent2"/>
+          </a:solidFill>
+          <a:ln>
+            <a:noFill/>
+          </a:ln>
+        </p:spPr>
+        <p:style>
+          <a:lnRef idx="2">
+            <a:schemeClr val="accent1">
+              <a:shade val="50000"/>
+            </a:schemeClr>
+          </a:lnRef>
+          <a:fillRef idx="1">
+            <a:schemeClr val="accent1"/>
+          </a:fillRef>
+          <a:effectRef idx="0">
+            <a:schemeClr val="accent1"/>
+          </a:effectRef>
+          <a:fontRef idx="minor">
+            <a:schemeClr val="lt1"/>
+          </a:fontRef>
+        </p:style>
+      </p:sp>
+    </p:spTree>
+    <p:extLst>
+      <p:ext uri="{BB962C8B-B14F-4D97-AF65-F5344CB8AC3E}">
+        <p14:creationId xmlns:p14="http://schemas.microsoft.com/office/powerpoint/2010/main" val="2484597030"/>
+      </p:ext>
+    </p:extLst>
+  </p:cSld>
+  <p:clrMapOvr>
+    <a:masterClrMapping/>
+  </p:clrMapOvr>
+</p:sld>
+</file>
+
+<file path=ppt/slides/slide4.xml><?xml version="1.0" encoding="utf-8"?>
+<p:sld xmlns:a="http://schemas.openxmlformats.org/drawingml/2006/main" xmlns:r="http://schemas.openxmlformats.org/officeDocument/2006/relationships" xmlns:p="http://schemas.openxmlformats.org/presentationml/2006/main">
+  <p:cSld>
+    <p:bg>
+      <p:bgPr>
+        <a:solidFill>
+          <a:schemeClr val="bg1"/>
+        </a:solidFill>
+        <a:effectLst/>
+      </p:bgPr>
+    </p:bg>
     <p:spTree>
       <p:nvGrpSpPr>
         <p:cNvPr id="1" name=""/>
@@ -3925,7 +10251,103 @@
           <p:cNvPr id="2" name="Title 1">
             <a:extLst>
               <a:ext uri="{FF2B5EF4-FFF2-40B4-BE49-F238E27FC236}">
-                <a16:creationId xmlns:a16="http://schemas.microsoft.com/office/drawing/2014/main" id="{54BE61C6-4E1E-347D-D66A-E34971C03509}"/>
+                <a16:creationId xmlns:a16="http://schemas.microsoft.com/office/drawing/2014/main" id="{DFD8D03E-866E-5CAA-3E50-17E309BEE918}"/>
+              </a:ext>
+            </a:extLst>
+          </p:cNvPr>
+          <p:cNvSpPr>
+            <a:spLocks noGrp="1"/>
+          </p:cNvSpPr>
+          <p:nvPr>
+            <p:ph type="title"/>
+          </p:nvPr>
+        </p:nvSpPr>
+        <p:spPr>
+          <a:xfrm>
+            <a:off x="1097280" y="286603"/>
+            <a:ext cx="10058400" cy="1450757"/>
+          </a:xfrm>
+        </p:spPr>
+        <p:txBody>
+          <a:bodyPr>
+            <a:normAutofit/>
+          </a:bodyPr>
+          <a:lstStyle/>
+          <a:p>
+            <a:r>
+              <a:rPr lang="en-US" dirty="0"/>
+              <a:t>Methods</a:t>
+            </a:r>
+          </a:p>
+        </p:txBody>
+      </p:sp>
+      <p:graphicFrame>
+        <p:nvGraphicFramePr>
+          <p:cNvPr id="5" name="Content Placeholder 2">
+            <a:extLst>
+              <a:ext uri="{FF2B5EF4-FFF2-40B4-BE49-F238E27FC236}">
+                <a16:creationId xmlns:a16="http://schemas.microsoft.com/office/drawing/2014/main" id="{D6DD49E1-65C7-9E37-F8DA-25739F4821CB}"/>
+              </a:ext>
+            </a:extLst>
+          </p:cNvPr>
+          <p:cNvGraphicFramePr>
+            <a:graphicFrameLocks noGrp="1"/>
+          </p:cNvGraphicFramePr>
+          <p:nvPr>
+            <p:ph idx="1"/>
+            <p:extLst>
+              <p:ext uri="{D42A27DB-BD31-4B8C-83A1-F6EECF244321}">
+                <p14:modId xmlns:p14="http://schemas.microsoft.com/office/powerpoint/2010/main" val="1614184612"/>
+              </p:ext>
+            </p:extLst>
+          </p:nvPr>
+        </p:nvGraphicFramePr>
+        <p:xfrm>
+          <a:off x="1096963" y="2098515"/>
+          <a:ext cx="10058400" cy="3786080"/>
+        </p:xfrm>
+        <a:graphic>
+          <a:graphicData uri="http://schemas.openxmlformats.org/drawingml/2006/diagram">
+            <dgm:relIds xmlns:dgm="http://schemas.openxmlformats.org/drawingml/2006/diagram" xmlns:r="http://schemas.openxmlformats.org/officeDocument/2006/relationships" r:dm="rId2" r:lo="rId3" r:qs="rId4" r:cs="rId5"/>
+          </a:graphicData>
+        </a:graphic>
+      </p:graphicFrame>
+    </p:spTree>
+    <p:extLst>
+      <p:ext uri="{BB962C8B-B14F-4D97-AF65-F5344CB8AC3E}">
+        <p14:creationId xmlns:p14="http://schemas.microsoft.com/office/powerpoint/2010/main" val="1469070445"/>
+      </p:ext>
+    </p:extLst>
+  </p:cSld>
+  <p:clrMapOvr>
+    <a:masterClrMapping/>
+  </p:clrMapOvr>
+</p:sld>
+</file>
+
+<file path=ppt/slides/slide5.xml><?xml version="1.0" encoding="utf-8"?>
+<p:sld xmlns:a="http://schemas.openxmlformats.org/drawingml/2006/main" xmlns:r="http://schemas.openxmlformats.org/officeDocument/2006/relationships" xmlns:p="http://schemas.openxmlformats.org/presentationml/2006/main">
+  <p:cSld>
+    <p:spTree>
+      <p:nvGrpSpPr>
+        <p:cNvPr id="1" name=""/>
+        <p:cNvGrpSpPr/>
+        <p:nvPr/>
+      </p:nvGrpSpPr>
+      <p:grpSpPr>
+        <a:xfrm>
+          <a:off x="0" y="0"/>
+          <a:ext cx="0" cy="0"/>
+          <a:chOff x="0" y="0"/>
+          <a:chExt cx="0" cy="0"/>
+        </a:xfrm>
+      </p:grpSpPr>
+      <p:sp>
+        <p:nvSpPr>
+          <p:cNvPr id="2" name="Title 1">
+            <a:extLst>
+              <a:ext uri="{FF2B5EF4-FFF2-40B4-BE49-F238E27FC236}">
+                <a16:creationId xmlns:a16="http://schemas.microsoft.com/office/drawing/2014/main" id="{621E1413-D563-8726-30B1-63309F0B0830}"/>
               </a:ext>
             </a:extLst>
           </p:cNvPr>
@@ -3941,7 +10363,758 @@
           <a:bodyPr/>
           <a:lstStyle/>
           <a:p>
+            <a:r>
+              <a:rPr lang="en-US"/>
+              <a:t>Method of Fundamental Solutions</a:t>
+            </a:r>
+            <a:endParaRPr lang="en-US" dirty="0"/>
+          </a:p>
+        </p:txBody>
+      </p:sp>
+      <p:pic>
+        <p:nvPicPr>
+          <p:cNvPr id="7" name="Content Placeholder 6">
+            <a:extLst>
+              <a:ext uri="{FF2B5EF4-FFF2-40B4-BE49-F238E27FC236}">
+                <a16:creationId xmlns:a16="http://schemas.microsoft.com/office/drawing/2014/main" id="{441D0986-F745-362D-02F8-DC8C1CC41B87}"/>
+              </a:ext>
+            </a:extLst>
+          </p:cNvPr>
+          <p:cNvPicPr>
+            <a:picLocks noGrp="1" noChangeAspect="1"/>
+          </p:cNvPicPr>
+          <p:nvPr>
+            <p:ph idx="1"/>
+          </p:nvPr>
+        </p:nvPicPr>
+        <p:blipFill>
+          <a:blip r:embed="rId2"/>
+          <a:stretch>
+            <a:fillRect/>
+          </a:stretch>
+        </p:blipFill>
+        <p:spPr>
+          <a:xfrm>
+            <a:off x="7156268" y="1975022"/>
+            <a:ext cx="1619476" cy="581106"/>
+          </a:xfrm>
+        </p:spPr>
+      </p:pic>
+      <p:pic>
+        <p:nvPicPr>
+          <p:cNvPr id="5" name="Picture 4">
+            <a:extLst>
+              <a:ext uri="{FF2B5EF4-FFF2-40B4-BE49-F238E27FC236}">
+                <a16:creationId xmlns:a16="http://schemas.microsoft.com/office/drawing/2014/main" id="{885E3095-AED6-2AFE-6E34-EABA6FE3ED25}"/>
+              </a:ext>
+            </a:extLst>
+          </p:cNvPr>
+          <p:cNvPicPr>
+            <a:picLocks noChangeAspect="1"/>
+          </p:cNvPicPr>
+          <p:nvPr/>
+        </p:nvPicPr>
+        <p:blipFill>
+          <a:blip r:embed="rId3"/>
+          <a:stretch>
+            <a:fillRect/>
+          </a:stretch>
+        </p:blipFill>
+        <p:spPr>
+          <a:xfrm>
+            <a:off x="1874461" y="1846417"/>
+            <a:ext cx="4391638" cy="838317"/>
+          </a:xfrm>
+          <a:prstGeom prst="rect">
+            <a:avLst/>
+          </a:prstGeom>
+        </p:spPr>
+      </p:pic>
+      <p:pic>
+        <p:nvPicPr>
+          <p:cNvPr id="9" name="Picture 8">
+            <a:extLst>
+              <a:ext uri="{FF2B5EF4-FFF2-40B4-BE49-F238E27FC236}">
+                <a16:creationId xmlns:a16="http://schemas.microsoft.com/office/drawing/2014/main" id="{59BB38E8-7DDD-6E0D-540D-AA85166B7A82}"/>
+              </a:ext>
+            </a:extLst>
+          </p:cNvPr>
+          <p:cNvPicPr>
+            <a:picLocks noChangeAspect="1"/>
+          </p:cNvPicPr>
+          <p:nvPr/>
+        </p:nvPicPr>
+        <p:blipFill>
+          <a:blip r:embed="rId4"/>
+          <a:stretch>
+            <a:fillRect/>
+          </a:stretch>
+        </p:blipFill>
+        <p:spPr>
+          <a:xfrm>
+            <a:off x="2895504" y="2922396"/>
+            <a:ext cx="5763429" cy="2553056"/>
+          </a:xfrm>
+          <a:prstGeom prst="rect">
+            <a:avLst/>
+          </a:prstGeom>
+        </p:spPr>
+      </p:pic>
+    </p:spTree>
+    <p:extLst>
+      <p:ext uri="{BB962C8B-B14F-4D97-AF65-F5344CB8AC3E}">
+        <p14:creationId xmlns:p14="http://schemas.microsoft.com/office/powerpoint/2010/main" val="2041713766"/>
+      </p:ext>
+    </p:extLst>
+  </p:cSld>
+  <p:clrMapOvr>
+    <a:masterClrMapping/>
+  </p:clrMapOvr>
+</p:sld>
+</file>
+
+<file path=ppt/slides/slide6.xml><?xml version="1.0" encoding="utf-8"?>
+<p:sld xmlns:a="http://schemas.openxmlformats.org/drawingml/2006/main" xmlns:r="http://schemas.openxmlformats.org/officeDocument/2006/relationships" xmlns:p="http://schemas.openxmlformats.org/presentationml/2006/main">
+  <p:cSld>
+    <p:spTree>
+      <p:nvGrpSpPr>
+        <p:cNvPr id="1" name=""/>
+        <p:cNvGrpSpPr/>
+        <p:nvPr/>
+      </p:nvGrpSpPr>
+      <p:grpSpPr>
+        <a:xfrm>
+          <a:off x="0" y="0"/>
+          <a:ext cx="0" cy="0"/>
+          <a:chOff x="0" y="0"/>
+          <a:chExt cx="0" cy="0"/>
+        </a:xfrm>
+      </p:grpSpPr>
+      <p:sp>
+        <p:nvSpPr>
+          <p:cNvPr id="2" name="Title 1">
+            <a:extLst>
+              <a:ext uri="{FF2B5EF4-FFF2-40B4-BE49-F238E27FC236}">
+                <a16:creationId xmlns:a16="http://schemas.microsoft.com/office/drawing/2014/main" id="{D9EE32D0-10D6-92E9-2140-181BE019DE73}"/>
+              </a:ext>
+            </a:extLst>
+          </p:cNvPr>
+          <p:cNvSpPr>
+            <a:spLocks noGrp="1"/>
+          </p:cNvSpPr>
+          <p:nvPr>
+            <p:ph type="title"/>
+          </p:nvPr>
+        </p:nvSpPr>
+        <p:spPr>
+          <a:xfrm>
+            <a:off x="1097280" y="286603"/>
+            <a:ext cx="10058400" cy="1450757"/>
+          </a:xfrm>
+        </p:spPr>
+        <p:txBody>
+          <a:bodyPr/>
+          <a:lstStyle/>
+          <a:p>
+            <a:r>
+              <a:rPr lang="en-US" dirty="0"/>
+              <a:t>Tikhonov Regularization Formulation</a:t>
+            </a:r>
+          </a:p>
+        </p:txBody>
+      </p:sp>
+      <p:pic>
+        <p:nvPicPr>
+          <p:cNvPr id="7" name="Content Placeholder 6">
+            <a:extLst>
+              <a:ext uri="{FF2B5EF4-FFF2-40B4-BE49-F238E27FC236}">
+                <a16:creationId xmlns:a16="http://schemas.microsoft.com/office/drawing/2014/main" id="{9D3E4E40-4805-8BC7-4FFB-3819E0D4854D}"/>
+              </a:ext>
+            </a:extLst>
+          </p:cNvPr>
+          <p:cNvPicPr>
+            <a:picLocks noGrp="1" noChangeAspect="1"/>
+          </p:cNvPicPr>
+          <p:nvPr>
+            <p:ph idx="1"/>
+          </p:nvPr>
+        </p:nvPicPr>
+        <p:blipFill>
+          <a:blip r:embed="rId2"/>
+          <a:stretch>
+            <a:fillRect/>
+          </a:stretch>
+        </p:blipFill>
+        <p:spPr>
+          <a:xfrm>
+            <a:off x="7238320" y="2315004"/>
+            <a:ext cx="1276528" cy="714475"/>
+          </a:xfrm>
+        </p:spPr>
+      </p:pic>
+      <p:pic>
+        <p:nvPicPr>
+          <p:cNvPr id="5" name="Picture 4">
+            <a:extLst>
+              <a:ext uri="{FF2B5EF4-FFF2-40B4-BE49-F238E27FC236}">
+                <a16:creationId xmlns:a16="http://schemas.microsoft.com/office/drawing/2014/main" id="{537E047B-88C1-511E-D9D7-0A3D14540021}"/>
+              </a:ext>
+            </a:extLst>
+          </p:cNvPr>
+          <p:cNvPicPr>
+            <a:picLocks noChangeAspect="1"/>
+          </p:cNvPicPr>
+          <p:nvPr/>
+        </p:nvPicPr>
+        <p:blipFill rotWithShape="1">
+          <a:blip r:embed="rId3"/>
+          <a:srcRect t="10069"/>
+          <a:stretch/>
+        </p:blipFill>
+        <p:spPr>
+          <a:xfrm>
+            <a:off x="3092620" y="2472613"/>
+            <a:ext cx="3620005" cy="556866"/>
+          </a:xfrm>
+          <a:prstGeom prst="rect">
+            <a:avLst/>
+          </a:prstGeom>
+        </p:spPr>
+      </p:pic>
+      <p:pic>
+        <p:nvPicPr>
+          <p:cNvPr id="9" name="Picture 8">
+            <a:extLst>
+              <a:ext uri="{FF2B5EF4-FFF2-40B4-BE49-F238E27FC236}">
+                <a16:creationId xmlns:a16="http://schemas.microsoft.com/office/drawing/2014/main" id="{998C5072-3C10-E51C-19AD-696DCAFDCE08}"/>
+              </a:ext>
+            </a:extLst>
+          </p:cNvPr>
+          <p:cNvPicPr>
+            <a:picLocks noChangeAspect="1"/>
+          </p:cNvPicPr>
+          <p:nvPr/>
+        </p:nvPicPr>
+        <p:blipFill>
+          <a:blip r:embed="rId4"/>
+          <a:stretch>
+            <a:fillRect/>
+          </a:stretch>
+        </p:blipFill>
+        <p:spPr>
+          <a:xfrm>
+            <a:off x="3868740" y="3156787"/>
+            <a:ext cx="4515480" cy="876422"/>
+          </a:xfrm>
+          <a:prstGeom prst="rect">
+            <a:avLst/>
+          </a:prstGeom>
+        </p:spPr>
+      </p:pic>
+      <p:pic>
+        <p:nvPicPr>
+          <p:cNvPr id="11" name="Picture 10">
+            <a:extLst>
+              <a:ext uri="{FF2B5EF4-FFF2-40B4-BE49-F238E27FC236}">
+                <a16:creationId xmlns:a16="http://schemas.microsoft.com/office/drawing/2014/main" id="{F5DDF40D-1E1D-6724-7B6F-5C4174FB142E}"/>
+              </a:ext>
+            </a:extLst>
+          </p:cNvPr>
+          <p:cNvPicPr>
+            <a:picLocks noChangeAspect="1"/>
+          </p:cNvPicPr>
+          <p:nvPr/>
+        </p:nvPicPr>
+        <p:blipFill rotWithShape="1">
+          <a:blip r:embed="rId5"/>
+          <a:srcRect t="11749"/>
+          <a:stretch/>
+        </p:blipFill>
+        <p:spPr>
+          <a:xfrm>
+            <a:off x="4325473" y="4205288"/>
+            <a:ext cx="3410426" cy="336284"/>
+          </a:xfrm>
+          <a:prstGeom prst="rect">
+            <a:avLst/>
+          </a:prstGeom>
+        </p:spPr>
+      </p:pic>
+    </p:spTree>
+    <p:extLst>
+      <p:ext uri="{BB962C8B-B14F-4D97-AF65-F5344CB8AC3E}">
+        <p14:creationId xmlns:p14="http://schemas.microsoft.com/office/powerpoint/2010/main" val="1346561966"/>
+      </p:ext>
+    </p:extLst>
+  </p:cSld>
+  <p:clrMapOvr>
+    <a:masterClrMapping/>
+  </p:clrMapOvr>
+</p:sld>
+</file>
+
+<file path=ppt/slides/slide7.xml><?xml version="1.0" encoding="utf-8"?>
+<p:sld xmlns:a="http://schemas.openxmlformats.org/drawingml/2006/main" xmlns:r="http://schemas.openxmlformats.org/officeDocument/2006/relationships" xmlns:p="http://schemas.openxmlformats.org/presentationml/2006/main">
+  <p:cSld>
+    <p:bg>
+      <p:bgPr>
+        <a:solidFill>
+          <a:schemeClr val="bg1"/>
+        </a:solidFill>
+        <a:effectLst/>
+      </p:bgPr>
+    </p:bg>
+    <p:spTree>
+      <p:nvGrpSpPr>
+        <p:cNvPr id="1" name=""/>
+        <p:cNvGrpSpPr/>
+        <p:nvPr/>
+      </p:nvGrpSpPr>
+      <p:grpSpPr>
+        <a:xfrm>
+          <a:off x="0" y="0"/>
+          <a:ext cx="0" cy="0"/>
+          <a:chOff x="0" y="0"/>
+          <a:chExt cx="0" cy="0"/>
+        </a:xfrm>
+      </p:grpSpPr>
+      <p:sp useBgFill="1">
+        <p:nvSpPr>
+          <p:cNvPr id="43" name="Rectangle 32">
+            <a:extLst>
+              <a:ext uri="{FF2B5EF4-FFF2-40B4-BE49-F238E27FC236}">
+                <a16:creationId xmlns:a16="http://schemas.microsoft.com/office/drawing/2014/main" id="{699373FF-C78A-430B-A246-6048999CE98D}"/>
+              </a:ext>
+              <a:ext uri="{C183D7F6-B498-43B3-948B-1728B52AA6E4}">
+                <adec:decorative xmlns:adec="http://schemas.microsoft.com/office/drawing/2017/decorative" val="1"/>
+              </a:ext>
+            </a:extLst>
+          </p:cNvPr>
+          <p:cNvSpPr>
+            <a:spLocks noGrp="1" noRot="1" noChangeAspect="1" noMove="1" noResize="1" noEditPoints="1" noAdjustHandles="1" noChangeArrowheads="1" noChangeShapeType="1" noTextEdit="1"/>
+          </p:cNvSpPr>
+          <p:nvPr>
+            <p:extLst>
+              <p:ext uri="{386F3935-93C4-4BCD-93E2-E3B085C9AB24}">
+                <p16:designElem xmlns:p16="http://schemas.microsoft.com/office/powerpoint/2015/main" val="1"/>
+              </p:ext>
+            </p:extLst>
+          </p:nvPr>
+        </p:nvSpPr>
+        <p:spPr>
+          <a:xfrm>
+            <a:off x="0" y="0"/>
+            <a:ext cx="12192001" cy="6334316"/>
+          </a:xfrm>
+          <a:prstGeom prst="rect">
+            <a:avLst/>
+          </a:prstGeom>
+          <a:ln>
+            <a:noFill/>
+          </a:ln>
+        </p:spPr>
+        <p:style>
+          <a:lnRef idx="2">
+            <a:schemeClr val="accent1">
+              <a:shade val="50000"/>
+            </a:schemeClr>
+          </a:lnRef>
+          <a:fillRef idx="1">
+            <a:schemeClr val="accent1"/>
+          </a:fillRef>
+          <a:effectRef idx="0">
+            <a:schemeClr val="accent1"/>
+          </a:effectRef>
+          <a:fontRef idx="minor">
+            <a:schemeClr val="lt1"/>
+          </a:fontRef>
+        </p:style>
+        <p:txBody>
+          <a:bodyPr rtlCol="0" anchor="ctr"/>
+          <a:lstStyle/>
+          <a:p>
+            <a:pPr algn="ctr"/>
             <a:endParaRPr lang="en-US"/>
+          </a:p>
+        </p:txBody>
+      </p:sp>
+      <p:sp>
+        <p:nvSpPr>
+          <p:cNvPr id="2" name="Title 1">
+            <a:extLst>
+              <a:ext uri="{FF2B5EF4-FFF2-40B4-BE49-F238E27FC236}">
+                <a16:creationId xmlns:a16="http://schemas.microsoft.com/office/drawing/2014/main" id="{0EC0AD1F-7750-A7DE-2F7C-B61FBE7C4A10}"/>
+              </a:ext>
+            </a:extLst>
+          </p:cNvPr>
+          <p:cNvSpPr>
+            <a:spLocks noGrp="1"/>
+          </p:cNvSpPr>
+          <p:nvPr>
+            <p:ph type="title"/>
+          </p:nvPr>
+        </p:nvSpPr>
+        <p:spPr>
+          <a:xfrm>
+            <a:off x="4703577" y="634946"/>
+            <a:ext cx="6846166" cy="1450757"/>
+          </a:xfrm>
+        </p:spPr>
+        <p:txBody>
+          <a:bodyPr>
+            <a:normAutofit/>
+          </a:bodyPr>
+          <a:lstStyle/>
+          <a:p>
+            <a:r>
+              <a:rPr lang="en-US"/>
+              <a:t>Choice of Regularization Parameter α</a:t>
+            </a:r>
+          </a:p>
+        </p:txBody>
+      </p:sp>
+      <p:pic>
+        <p:nvPicPr>
+          <p:cNvPr id="6" name="Picture 5">
+            <a:extLst>
+              <a:ext uri="{FF2B5EF4-FFF2-40B4-BE49-F238E27FC236}">
+                <a16:creationId xmlns:a16="http://schemas.microsoft.com/office/drawing/2014/main" id="{7D8DA063-D08B-4F7B-73D2-8AA72D351104}"/>
+              </a:ext>
+            </a:extLst>
+          </p:cNvPr>
+          <p:cNvPicPr>
+            <a:picLocks noChangeAspect="1"/>
+          </p:cNvPicPr>
+          <p:nvPr/>
+        </p:nvPicPr>
+        <p:blipFill>
+          <a:blip r:embed="rId2"/>
+          <a:stretch>
+            <a:fillRect/>
+          </a:stretch>
+        </p:blipFill>
+        <p:spPr>
+          <a:xfrm>
+            <a:off x="634000" y="1800967"/>
+            <a:ext cx="3435576" cy="403679"/>
+          </a:xfrm>
+          <a:prstGeom prst="rect">
+            <a:avLst/>
+          </a:prstGeom>
+        </p:spPr>
+      </p:pic>
+      <p:cxnSp>
+        <p:nvCxnSpPr>
+          <p:cNvPr id="44" name="Straight Connector 34">
+            <a:extLst>
+              <a:ext uri="{FF2B5EF4-FFF2-40B4-BE49-F238E27FC236}">
+                <a16:creationId xmlns:a16="http://schemas.microsoft.com/office/drawing/2014/main" id="{03EBB925-FEC3-4CD5-9271-3D75EBB53262}"/>
+              </a:ext>
+              <a:ext uri="{C183D7F6-B498-43B3-948B-1728B52AA6E4}">
+                <adec:decorative xmlns:adec="http://schemas.microsoft.com/office/drawing/2017/decorative" val="1"/>
+              </a:ext>
+            </a:extLst>
+          </p:cNvPr>
+          <p:cNvCxnSpPr>
+            <a:cxnSpLocks noGrp="1" noRot="1" noChangeAspect="1" noMove="1" noResize="1" noEditPoints="1" noAdjustHandles="1" noChangeArrowheads="1" noChangeShapeType="1"/>
+          </p:cNvCxnSpPr>
+          <p:nvPr>
+            <p:extLst>
+              <p:ext uri="{386F3935-93C4-4BCD-93E2-E3B085C9AB24}">
+                <p16:designElem xmlns:p16="http://schemas.microsoft.com/office/powerpoint/2015/main" val="1"/>
+              </p:ext>
+            </p:extLst>
+          </p:nvPr>
+        </p:nvCxnSpPr>
+        <p:spPr>
+          <a:xfrm>
+            <a:off x="4809772" y="2086188"/>
+            <a:ext cx="5852160" cy="0"/>
+          </a:xfrm>
+          <a:prstGeom prst="line">
+            <a:avLst/>
+          </a:prstGeom>
+          <a:ln w="6350">
+            <a:solidFill>
+              <a:schemeClr val="tx1">
+                <a:lumMod val="50000"/>
+                <a:lumOff val="50000"/>
+                <a:alpha val="90000"/>
+              </a:schemeClr>
+            </a:solidFill>
+          </a:ln>
+        </p:spPr>
+        <p:style>
+          <a:lnRef idx="1">
+            <a:schemeClr val="accent1"/>
+          </a:lnRef>
+          <a:fillRef idx="0">
+            <a:schemeClr val="accent1"/>
+          </a:fillRef>
+          <a:effectRef idx="0">
+            <a:schemeClr val="accent1"/>
+          </a:effectRef>
+          <a:fontRef idx="minor">
+            <a:schemeClr val="tx1"/>
+          </a:fontRef>
+        </p:style>
+      </p:cxnSp>
+      <p:pic>
+        <p:nvPicPr>
+          <p:cNvPr id="12" name="Picture 11">
+            <a:extLst>
+              <a:ext uri="{FF2B5EF4-FFF2-40B4-BE49-F238E27FC236}">
+                <a16:creationId xmlns:a16="http://schemas.microsoft.com/office/drawing/2014/main" id="{E71F3D2B-C28B-66C1-7A5E-D093524FCA51}"/>
+              </a:ext>
+            </a:extLst>
+          </p:cNvPr>
+          <p:cNvPicPr>
+            <a:picLocks noChangeAspect="1"/>
+          </p:cNvPicPr>
+          <p:nvPr/>
+        </p:nvPicPr>
+        <p:blipFill>
+          <a:blip r:embed="rId3"/>
+          <a:stretch>
+            <a:fillRect/>
+          </a:stretch>
+        </p:blipFill>
+        <p:spPr>
+          <a:xfrm>
+            <a:off x="621064" y="2830661"/>
+            <a:ext cx="3446682" cy="637635"/>
+          </a:xfrm>
+          <a:prstGeom prst="rect">
+            <a:avLst/>
+          </a:prstGeom>
+        </p:spPr>
+      </p:pic>
+      <p:pic>
+        <p:nvPicPr>
+          <p:cNvPr id="8" name="Picture 7">
+            <a:extLst>
+              <a:ext uri="{FF2B5EF4-FFF2-40B4-BE49-F238E27FC236}">
+                <a16:creationId xmlns:a16="http://schemas.microsoft.com/office/drawing/2014/main" id="{9E1696EB-DDB4-DDD0-6F59-E9BC9BA3AD71}"/>
+              </a:ext>
+            </a:extLst>
+          </p:cNvPr>
+          <p:cNvPicPr>
+            <a:picLocks noChangeAspect="1"/>
+          </p:cNvPicPr>
+          <p:nvPr/>
+        </p:nvPicPr>
+        <p:blipFill>
+          <a:blip r:embed="rId4"/>
+          <a:stretch>
+            <a:fillRect/>
+          </a:stretch>
+        </p:blipFill>
+        <p:spPr>
+          <a:xfrm>
+            <a:off x="621064" y="4110309"/>
+            <a:ext cx="3446682" cy="370518"/>
+          </a:xfrm>
+          <a:prstGeom prst="rect">
+            <a:avLst/>
+          </a:prstGeom>
+        </p:spPr>
+      </p:pic>
+      <p:sp>
+        <p:nvSpPr>
+          <p:cNvPr id="45" name="Rectangle 36">
+            <a:extLst>
+              <a:ext uri="{FF2B5EF4-FFF2-40B4-BE49-F238E27FC236}">
+                <a16:creationId xmlns:a16="http://schemas.microsoft.com/office/drawing/2014/main" id="{109B2863-A1A5-4050-8DE8-9BC0AD47F40B}"/>
+              </a:ext>
+              <a:ext uri="{C183D7F6-B498-43B3-948B-1728B52AA6E4}">
+                <adec:decorative xmlns:adec="http://schemas.microsoft.com/office/drawing/2017/decorative" val="1"/>
+              </a:ext>
+            </a:extLst>
+          </p:cNvPr>
+          <p:cNvSpPr>
+            <a:spLocks noGrp="1" noRot="1" noChangeAspect="1" noMove="1" noResize="1" noEditPoints="1" noAdjustHandles="1" noChangeArrowheads="1" noChangeShapeType="1" noTextEdit="1"/>
+          </p:cNvSpPr>
+          <p:nvPr>
+            <p:extLst>
+              <p:ext uri="{386F3935-93C4-4BCD-93E2-E3B085C9AB24}">
+                <p16:designElem xmlns:p16="http://schemas.microsoft.com/office/powerpoint/2015/main" val="1"/>
+              </p:ext>
+            </p:extLst>
+          </p:nvPr>
+        </p:nvSpPr>
+        <p:spPr>
+          <a:xfrm>
+            <a:off x="15" y="6334316"/>
+            <a:ext cx="12191985" cy="66484"/>
+          </a:xfrm>
+          <a:prstGeom prst="rect">
+            <a:avLst/>
+          </a:prstGeom>
+          <a:solidFill>
+            <a:schemeClr val="accent1"/>
+          </a:solidFill>
+          <a:ln>
+            <a:noFill/>
+          </a:ln>
+        </p:spPr>
+        <p:style>
+          <a:lnRef idx="2">
+            <a:schemeClr val="accent1">
+              <a:shade val="50000"/>
+            </a:schemeClr>
+          </a:lnRef>
+          <a:fillRef idx="1">
+            <a:schemeClr val="accent1"/>
+          </a:fillRef>
+          <a:effectRef idx="0">
+            <a:schemeClr val="accent1"/>
+          </a:effectRef>
+          <a:fontRef idx="minor">
+            <a:schemeClr val="lt1"/>
+          </a:fontRef>
+        </p:style>
+      </p:sp>
+      <p:sp>
+        <p:nvSpPr>
+          <p:cNvPr id="46" name="Rectangle 38">
+            <a:extLst>
+              <a:ext uri="{FF2B5EF4-FFF2-40B4-BE49-F238E27FC236}">
+                <a16:creationId xmlns:a16="http://schemas.microsoft.com/office/drawing/2014/main" id="{F1F76955-21E0-4116-A6AA-19DB89B503F7}"/>
+              </a:ext>
+              <a:ext uri="{C183D7F6-B498-43B3-948B-1728B52AA6E4}">
+                <adec:decorative xmlns:adec="http://schemas.microsoft.com/office/drawing/2017/decorative" val="1"/>
+              </a:ext>
+            </a:extLst>
+          </p:cNvPr>
+          <p:cNvSpPr>
+            <a:spLocks noGrp="1" noRot="1" noChangeAspect="1" noMove="1" noResize="1" noEditPoints="1" noAdjustHandles="1" noChangeArrowheads="1" noChangeShapeType="1" noTextEdit="1"/>
+          </p:cNvSpPr>
+          <p:nvPr>
+            <p:extLst>
+              <p:ext uri="{386F3935-93C4-4BCD-93E2-E3B085C9AB24}">
+                <p16:designElem xmlns:p16="http://schemas.microsoft.com/office/powerpoint/2015/main" val="1"/>
+              </p:ext>
+            </p:extLst>
+          </p:nvPr>
+        </p:nvSpPr>
+        <p:spPr>
+          <a:xfrm>
+            <a:off x="1" y="6400800"/>
+            <a:ext cx="12192000" cy="457200"/>
+          </a:xfrm>
+          <a:prstGeom prst="rect">
+            <a:avLst/>
+          </a:prstGeom>
+          <a:solidFill>
+            <a:schemeClr val="accent2"/>
+          </a:solidFill>
+          <a:ln>
+            <a:noFill/>
+          </a:ln>
+        </p:spPr>
+        <p:style>
+          <a:lnRef idx="2">
+            <a:schemeClr val="accent1">
+              <a:shade val="50000"/>
+            </a:schemeClr>
+          </a:lnRef>
+          <a:fillRef idx="1">
+            <a:schemeClr val="accent1"/>
+          </a:fillRef>
+          <a:effectRef idx="0">
+            <a:schemeClr val="accent1"/>
+          </a:effectRef>
+          <a:fontRef idx="minor">
+            <a:schemeClr val="lt1"/>
+          </a:fontRef>
+        </p:style>
+      </p:sp>
+      <p:graphicFrame>
+        <p:nvGraphicFramePr>
+          <p:cNvPr id="15" name="Content Placeholder 2">
+            <a:extLst>
+              <a:ext uri="{FF2B5EF4-FFF2-40B4-BE49-F238E27FC236}">
+                <a16:creationId xmlns:a16="http://schemas.microsoft.com/office/drawing/2014/main" id="{BFDB29CA-0A0F-2509-A78C-5D9F473E1A72}"/>
+              </a:ext>
+            </a:extLst>
+          </p:cNvPr>
+          <p:cNvGraphicFramePr>
+            <a:graphicFrameLocks noGrp="1"/>
+          </p:cNvGraphicFramePr>
+          <p:nvPr>
+            <p:ph idx="1"/>
+            <p:extLst>
+              <p:ext uri="{D42A27DB-BD31-4B8C-83A1-F6EECF244321}">
+                <p14:modId xmlns:p14="http://schemas.microsoft.com/office/powerpoint/2010/main" val="3139368903"/>
+              </p:ext>
+            </p:extLst>
+          </p:nvPr>
+        </p:nvGraphicFramePr>
+        <p:xfrm>
+          <a:off x="4701747" y="2198914"/>
+          <a:ext cx="6847996" cy="3670180"/>
+        </p:xfrm>
+        <a:graphic>
+          <a:graphicData uri="http://schemas.openxmlformats.org/drawingml/2006/diagram">
+            <dgm:relIds xmlns:dgm="http://schemas.openxmlformats.org/drawingml/2006/diagram" xmlns:r="http://schemas.openxmlformats.org/officeDocument/2006/relationships" r:dm="rId5" r:lo="rId6" r:qs="rId7" r:cs="rId8"/>
+          </a:graphicData>
+        </a:graphic>
+      </p:graphicFrame>
+    </p:spTree>
+    <p:extLst>
+      <p:ext uri="{BB962C8B-B14F-4D97-AF65-F5344CB8AC3E}">
+        <p14:creationId xmlns:p14="http://schemas.microsoft.com/office/powerpoint/2010/main" val="67694725"/>
+      </p:ext>
+    </p:extLst>
+  </p:cSld>
+  <p:clrMapOvr>
+    <a:masterClrMapping/>
+  </p:clrMapOvr>
+</p:sld>
+</file>
+
+<file path=ppt/slides/slide8.xml><?xml version="1.0" encoding="utf-8"?>
+<p:sld xmlns:a="http://schemas.openxmlformats.org/drawingml/2006/main" xmlns:r="http://schemas.openxmlformats.org/officeDocument/2006/relationships" xmlns:p="http://schemas.openxmlformats.org/presentationml/2006/main">
+  <p:cSld>
+    <p:spTree>
+      <p:nvGrpSpPr>
+        <p:cNvPr id="1" name=""/>
+        <p:cNvGrpSpPr/>
+        <p:nvPr/>
+      </p:nvGrpSpPr>
+      <p:grpSpPr>
+        <a:xfrm>
+          <a:off x="0" y="0"/>
+          <a:ext cx="0" cy="0"/>
+          <a:chOff x="0" y="0"/>
+          <a:chExt cx="0" cy="0"/>
+        </a:xfrm>
+      </p:grpSpPr>
+      <p:sp>
+        <p:nvSpPr>
+          <p:cNvPr id="2" name="Title 1">
+            <a:extLst>
+              <a:ext uri="{FF2B5EF4-FFF2-40B4-BE49-F238E27FC236}">
+                <a16:creationId xmlns:a16="http://schemas.microsoft.com/office/drawing/2014/main" id="{3B1DBD4F-34B2-FA4C-8104-771715E2A02F}"/>
+              </a:ext>
+            </a:extLst>
+          </p:cNvPr>
+          <p:cNvSpPr>
+            <a:spLocks noGrp="1"/>
+          </p:cNvSpPr>
+          <p:nvPr>
+            <p:ph type="title"/>
+          </p:nvPr>
+        </p:nvSpPr>
+        <p:spPr/>
+        <p:txBody>
+          <a:bodyPr/>
+          <a:lstStyle/>
+          <a:p>
+            <a:r>
+              <a:rPr lang="en-US" dirty="0"/>
+              <a:t>Discrete Picard Condition </a:t>
+            </a:r>
           </a:p>
         </p:txBody>
       </p:sp>
@@ -3950,7 +11123,7 @@
           <p:cNvPr id="3" name="Content Placeholder 2">
             <a:extLst>
               <a:ext uri="{FF2B5EF4-FFF2-40B4-BE49-F238E27FC236}">
-                <a16:creationId xmlns:a16="http://schemas.microsoft.com/office/drawing/2014/main" id="{88841F76-D0EF-D7EC-2BA3-88F67264DB5B}"/>
+                <a16:creationId xmlns:a16="http://schemas.microsoft.com/office/drawing/2014/main" id="{290BA35B-59BA-7623-2E75-4EEC65F9FD5E}"/>
               </a:ext>
             </a:extLst>
           </p:cNvPr>
@@ -3973,7 +11146,7 @@
     </p:spTree>
     <p:extLst>
       <p:ext uri="{BB962C8B-B14F-4D97-AF65-F5344CB8AC3E}">
-        <p14:creationId xmlns:p14="http://schemas.microsoft.com/office/powerpoint/2010/main" val="3310867956"/>
+        <p14:creationId xmlns:p14="http://schemas.microsoft.com/office/powerpoint/2010/main" val="3867651857"/>
       </p:ext>
     </p:extLst>
   </p:cSld>

--- a/Presentation.pptx
+++ b/Presentation.pptx
@@ -4,15 +4,22 @@
   <p:sldMasterIdLst>
     <p:sldMasterId id="2147483713" r:id="rId1"/>
   </p:sldMasterIdLst>
+  <p:notesMasterIdLst>
+    <p:notesMasterId r:id="rId14"/>
+  </p:notesMasterIdLst>
   <p:sldIdLst>
     <p:sldId id="256" r:id="rId2"/>
     <p:sldId id="257" r:id="rId3"/>
-    <p:sldId id="258" r:id="rId4"/>
-    <p:sldId id="259" r:id="rId5"/>
-    <p:sldId id="260" r:id="rId6"/>
-    <p:sldId id="261" r:id="rId7"/>
-    <p:sldId id="262" r:id="rId8"/>
-    <p:sldId id="263" r:id="rId9"/>
+    <p:sldId id="266" r:id="rId4"/>
+    <p:sldId id="258" r:id="rId5"/>
+    <p:sldId id="259" r:id="rId6"/>
+    <p:sldId id="260" r:id="rId7"/>
+    <p:sldId id="261" r:id="rId8"/>
+    <p:sldId id="262" r:id="rId9"/>
+    <p:sldId id="263" r:id="rId10"/>
+    <p:sldId id="267" r:id="rId11"/>
+    <p:sldId id="264" r:id="rId12"/>
+    <p:sldId id="265" r:id="rId13"/>
   </p:sldIdLst>
   <p:sldSz cx="12192000" cy="6858000"/>
   <p:notesSz cx="6858000" cy="9144000"/>
@@ -111,6 +118,11 @@
       </a:defRPr>
     </a:lvl9pPr>
   </p:defaultTextStyle>
+  <p:extLst>
+    <p:ext uri="{EFAFB233-063F-42B5-8137-9DF3F51BA10A}">
+      <p15:sldGuideLst xmlns:p15="http://schemas.microsoft.com/office/powerpoint/2012/main"/>
+    </p:ext>
+  </p:extLst>
 </p:presentation>
 </file>
 
@@ -1839,7 +1851,7 @@
         <a:lstStyle/>
         <a:p>
           <a:r>
-            <a:rPr lang="en-US"/>
+            <a:rPr lang="en-US" dirty="0"/>
             <a:t>L-Curve </a:t>
           </a:r>
         </a:p>
@@ -2433,7 +2445,7 @@
             <a:buNone/>
           </a:pPr>
           <a:r>
-            <a:rPr lang="en-US" sz="3200" kern="1200"/>
+            <a:rPr lang="en-US" sz="3200" kern="1200" dirty="0"/>
             <a:t>L-Curve </a:t>
           </a:r>
         </a:p>
@@ -5366,6 +5378,590 @@
 </dgm:styleDef>
 </file>
 
+<file path=ppt/notesMasters/notesMaster1.xml><?xml version="1.0" encoding="utf-8"?>
+<p:notesMaster xmlns:a="http://schemas.openxmlformats.org/drawingml/2006/main" xmlns:r="http://schemas.openxmlformats.org/officeDocument/2006/relationships" xmlns:p="http://schemas.openxmlformats.org/presentationml/2006/main">
+  <p:cSld>
+    <p:bg>
+      <p:bgRef idx="1001">
+        <a:schemeClr val="bg1"/>
+      </p:bgRef>
+    </p:bg>
+    <p:spTree>
+      <p:nvGrpSpPr>
+        <p:cNvPr id="1" name=""/>
+        <p:cNvGrpSpPr/>
+        <p:nvPr/>
+      </p:nvGrpSpPr>
+      <p:grpSpPr>
+        <a:xfrm>
+          <a:off x="0" y="0"/>
+          <a:ext cx="0" cy="0"/>
+          <a:chOff x="0" y="0"/>
+          <a:chExt cx="0" cy="0"/>
+        </a:xfrm>
+      </p:grpSpPr>
+      <p:sp>
+        <p:nvSpPr>
+          <p:cNvPr id="2" name="Header Placeholder 1"/>
+          <p:cNvSpPr>
+            <a:spLocks noGrp="1"/>
+          </p:cNvSpPr>
+          <p:nvPr>
+            <p:ph type="hdr" sz="quarter"/>
+          </p:nvPr>
+        </p:nvSpPr>
+        <p:spPr>
+          <a:xfrm>
+            <a:off x="0" y="0"/>
+            <a:ext cx="2971800" cy="458788"/>
+          </a:xfrm>
+          <a:prstGeom prst="rect">
+            <a:avLst/>
+          </a:prstGeom>
+        </p:spPr>
+        <p:txBody>
+          <a:bodyPr vert="horz" lIns="91440" tIns="45720" rIns="91440" bIns="45720" rtlCol="0"/>
+          <a:lstStyle>
+            <a:lvl1pPr algn="l">
+              <a:defRPr sz="1200"/>
+            </a:lvl1pPr>
+          </a:lstStyle>
+          <a:p>
+            <a:endParaRPr lang="en-US"/>
+          </a:p>
+        </p:txBody>
+      </p:sp>
+      <p:sp>
+        <p:nvSpPr>
+          <p:cNvPr id="3" name="Date Placeholder 2"/>
+          <p:cNvSpPr>
+            <a:spLocks noGrp="1"/>
+          </p:cNvSpPr>
+          <p:nvPr>
+            <p:ph type="dt" idx="1"/>
+          </p:nvPr>
+        </p:nvSpPr>
+        <p:spPr>
+          <a:xfrm>
+            <a:off x="3884613" y="0"/>
+            <a:ext cx="2971800" cy="458788"/>
+          </a:xfrm>
+          <a:prstGeom prst="rect">
+            <a:avLst/>
+          </a:prstGeom>
+        </p:spPr>
+        <p:txBody>
+          <a:bodyPr vert="horz" lIns="91440" tIns="45720" rIns="91440" bIns="45720" rtlCol="0"/>
+          <a:lstStyle>
+            <a:lvl1pPr algn="r">
+              <a:defRPr sz="1200"/>
+            </a:lvl1pPr>
+          </a:lstStyle>
+          <a:p>
+            <a:fld id="{660527F8-82CA-4C19-BFDC-3C94CAD97332}" type="datetimeFigureOut">
+              <a:rPr lang="en-US" smtClean="0"/>
+              <a:t>6/26/2022</a:t>
+            </a:fld>
+            <a:endParaRPr lang="en-US"/>
+          </a:p>
+        </p:txBody>
+      </p:sp>
+      <p:sp>
+        <p:nvSpPr>
+          <p:cNvPr id="4" name="Slide Image Placeholder 3"/>
+          <p:cNvSpPr>
+            <a:spLocks noGrp="1" noRot="1" noChangeAspect="1"/>
+          </p:cNvSpPr>
+          <p:nvPr>
+            <p:ph type="sldImg" idx="2"/>
+          </p:nvPr>
+        </p:nvSpPr>
+        <p:spPr>
+          <a:xfrm>
+            <a:off x="685800" y="1143000"/>
+            <a:ext cx="5486400" cy="3086100"/>
+          </a:xfrm>
+          <a:prstGeom prst="rect">
+            <a:avLst/>
+          </a:prstGeom>
+          <a:noFill/>
+          <a:ln w="12700">
+            <a:solidFill>
+              <a:prstClr val="black"/>
+            </a:solidFill>
+          </a:ln>
+        </p:spPr>
+        <p:txBody>
+          <a:bodyPr vert="horz" lIns="91440" tIns="45720" rIns="91440" bIns="45720" rtlCol="0" anchor="ctr"/>
+          <a:lstStyle/>
+          <a:p>
+            <a:endParaRPr lang="en-US"/>
+          </a:p>
+        </p:txBody>
+      </p:sp>
+      <p:sp>
+        <p:nvSpPr>
+          <p:cNvPr id="5" name="Notes Placeholder 4"/>
+          <p:cNvSpPr>
+            <a:spLocks noGrp="1"/>
+          </p:cNvSpPr>
+          <p:nvPr>
+            <p:ph type="body" sz="quarter" idx="3"/>
+          </p:nvPr>
+        </p:nvSpPr>
+        <p:spPr>
+          <a:xfrm>
+            <a:off x="685800" y="4400550"/>
+            <a:ext cx="5486400" cy="3600450"/>
+          </a:xfrm>
+          <a:prstGeom prst="rect">
+            <a:avLst/>
+          </a:prstGeom>
+        </p:spPr>
+        <p:txBody>
+          <a:bodyPr vert="horz" lIns="91440" tIns="45720" rIns="91440" bIns="45720" rtlCol="0"/>
+          <a:lstStyle/>
+          <a:p>
+            <a:pPr lvl="0"/>
+            <a:r>
+              <a:rPr lang="en-US"/>
+              <a:t>Click to edit Master text styles</a:t>
+            </a:r>
+          </a:p>
+          <a:p>
+            <a:pPr lvl="1"/>
+            <a:r>
+              <a:rPr lang="en-US"/>
+              <a:t>Second level</a:t>
+            </a:r>
+          </a:p>
+          <a:p>
+            <a:pPr lvl="2"/>
+            <a:r>
+              <a:rPr lang="en-US"/>
+              <a:t>Third level</a:t>
+            </a:r>
+          </a:p>
+          <a:p>
+            <a:pPr lvl="3"/>
+            <a:r>
+              <a:rPr lang="en-US"/>
+              <a:t>Fourth level</a:t>
+            </a:r>
+          </a:p>
+          <a:p>
+            <a:pPr lvl="4"/>
+            <a:r>
+              <a:rPr lang="en-US"/>
+              <a:t>Fifth level</a:t>
+            </a:r>
+          </a:p>
+        </p:txBody>
+      </p:sp>
+      <p:sp>
+        <p:nvSpPr>
+          <p:cNvPr id="6" name="Footer Placeholder 5"/>
+          <p:cNvSpPr>
+            <a:spLocks noGrp="1"/>
+          </p:cNvSpPr>
+          <p:nvPr>
+            <p:ph type="ftr" sz="quarter" idx="4"/>
+          </p:nvPr>
+        </p:nvSpPr>
+        <p:spPr>
+          <a:xfrm>
+            <a:off x="0" y="8685213"/>
+            <a:ext cx="2971800" cy="458787"/>
+          </a:xfrm>
+          <a:prstGeom prst="rect">
+            <a:avLst/>
+          </a:prstGeom>
+        </p:spPr>
+        <p:txBody>
+          <a:bodyPr vert="horz" lIns="91440" tIns="45720" rIns="91440" bIns="45720" rtlCol="0" anchor="b"/>
+          <a:lstStyle>
+            <a:lvl1pPr algn="l">
+              <a:defRPr sz="1200"/>
+            </a:lvl1pPr>
+          </a:lstStyle>
+          <a:p>
+            <a:endParaRPr lang="en-US"/>
+          </a:p>
+        </p:txBody>
+      </p:sp>
+      <p:sp>
+        <p:nvSpPr>
+          <p:cNvPr id="7" name="Slide Number Placeholder 6"/>
+          <p:cNvSpPr>
+            <a:spLocks noGrp="1"/>
+          </p:cNvSpPr>
+          <p:nvPr>
+            <p:ph type="sldNum" sz="quarter" idx="5"/>
+          </p:nvPr>
+        </p:nvSpPr>
+        <p:spPr>
+          <a:xfrm>
+            <a:off x="3884613" y="8685213"/>
+            <a:ext cx="2971800" cy="458787"/>
+          </a:xfrm>
+          <a:prstGeom prst="rect">
+            <a:avLst/>
+          </a:prstGeom>
+        </p:spPr>
+        <p:txBody>
+          <a:bodyPr vert="horz" lIns="91440" tIns="45720" rIns="91440" bIns="45720" rtlCol="0" anchor="b"/>
+          <a:lstStyle>
+            <a:lvl1pPr algn="r">
+              <a:defRPr sz="1200"/>
+            </a:lvl1pPr>
+          </a:lstStyle>
+          <a:p>
+            <a:fld id="{30A64351-8D3F-401D-8388-B4EEF30818F6}" type="slidenum">
+              <a:rPr lang="en-US" smtClean="0"/>
+              <a:t>‹#›</a:t>
+            </a:fld>
+            <a:endParaRPr lang="en-US"/>
+          </a:p>
+        </p:txBody>
+      </p:sp>
+    </p:spTree>
+    <p:extLst>
+      <p:ext uri="{BB962C8B-B14F-4D97-AF65-F5344CB8AC3E}">
+        <p14:creationId xmlns:p14="http://schemas.microsoft.com/office/powerpoint/2010/main" val="197545151"/>
+      </p:ext>
+    </p:extLst>
+  </p:cSld>
+  <p:clrMap bg1="lt1" tx1="dk1" bg2="lt2" tx2="dk2" accent1="accent1" accent2="accent2" accent3="accent3" accent4="accent4" accent5="accent5" accent6="accent6" hlink="hlink" folHlink="folHlink"/>
+  <p:notesStyle>
+    <a:lvl1pPr marL="0" algn="l" defTabSz="914400" rtl="0" eaLnBrk="1" latinLnBrk="0" hangingPunct="1">
+      <a:defRPr sz="1200" kern="1200">
+        <a:solidFill>
+          <a:schemeClr val="tx1"/>
+        </a:solidFill>
+        <a:latin typeface="+mn-lt"/>
+        <a:ea typeface="+mn-ea"/>
+        <a:cs typeface="+mn-cs"/>
+      </a:defRPr>
+    </a:lvl1pPr>
+    <a:lvl2pPr marL="457200" algn="l" defTabSz="914400" rtl="0" eaLnBrk="1" latinLnBrk="0" hangingPunct="1">
+      <a:defRPr sz="1200" kern="1200">
+        <a:solidFill>
+          <a:schemeClr val="tx1"/>
+        </a:solidFill>
+        <a:latin typeface="+mn-lt"/>
+        <a:ea typeface="+mn-ea"/>
+        <a:cs typeface="+mn-cs"/>
+      </a:defRPr>
+    </a:lvl2pPr>
+    <a:lvl3pPr marL="914400" algn="l" defTabSz="914400" rtl="0" eaLnBrk="1" latinLnBrk="0" hangingPunct="1">
+      <a:defRPr sz="1200" kern="1200">
+        <a:solidFill>
+          <a:schemeClr val="tx1"/>
+        </a:solidFill>
+        <a:latin typeface="+mn-lt"/>
+        <a:ea typeface="+mn-ea"/>
+        <a:cs typeface="+mn-cs"/>
+      </a:defRPr>
+    </a:lvl3pPr>
+    <a:lvl4pPr marL="1371600" algn="l" defTabSz="914400" rtl="0" eaLnBrk="1" latinLnBrk="0" hangingPunct="1">
+      <a:defRPr sz="1200" kern="1200">
+        <a:solidFill>
+          <a:schemeClr val="tx1"/>
+        </a:solidFill>
+        <a:latin typeface="+mn-lt"/>
+        <a:ea typeface="+mn-ea"/>
+        <a:cs typeface="+mn-cs"/>
+      </a:defRPr>
+    </a:lvl4pPr>
+    <a:lvl5pPr marL="1828800" algn="l" defTabSz="914400" rtl="0" eaLnBrk="1" latinLnBrk="0" hangingPunct="1">
+      <a:defRPr sz="1200" kern="1200">
+        <a:solidFill>
+          <a:schemeClr val="tx1"/>
+        </a:solidFill>
+        <a:latin typeface="+mn-lt"/>
+        <a:ea typeface="+mn-ea"/>
+        <a:cs typeface="+mn-cs"/>
+      </a:defRPr>
+    </a:lvl5pPr>
+    <a:lvl6pPr marL="2286000" algn="l" defTabSz="914400" rtl="0" eaLnBrk="1" latinLnBrk="0" hangingPunct="1">
+      <a:defRPr sz="1200" kern="1200">
+        <a:solidFill>
+          <a:schemeClr val="tx1"/>
+        </a:solidFill>
+        <a:latin typeface="+mn-lt"/>
+        <a:ea typeface="+mn-ea"/>
+        <a:cs typeface="+mn-cs"/>
+      </a:defRPr>
+    </a:lvl6pPr>
+    <a:lvl7pPr marL="2743200" algn="l" defTabSz="914400" rtl="0" eaLnBrk="1" latinLnBrk="0" hangingPunct="1">
+      <a:defRPr sz="1200" kern="1200">
+        <a:solidFill>
+          <a:schemeClr val="tx1"/>
+        </a:solidFill>
+        <a:latin typeface="+mn-lt"/>
+        <a:ea typeface="+mn-ea"/>
+        <a:cs typeface="+mn-cs"/>
+      </a:defRPr>
+    </a:lvl7pPr>
+    <a:lvl8pPr marL="3200400" algn="l" defTabSz="914400" rtl="0" eaLnBrk="1" latinLnBrk="0" hangingPunct="1">
+      <a:defRPr sz="1200" kern="1200">
+        <a:solidFill>
+          <a:schemeClr val="tx1"/>
+        </a:solidFill>
+        <a:latin typeface="+mn-lt"/>
+        <a:ea typeface="+mn-ea"/>
+        <a:cs typeface="+mn-cs"/>
+      </a:defRPr>
+    </a:lvl8pPr>
+    <a:lvl9pPr marL="3657600" algn="l" defTabSz="914400" rtl="0" eaLnBrk="1" latinLnBrk="0" hangingPunct="1">
+      <a:defRPr sz="1200" kern="1200">
+        <a:solidFill>
+          <a:schemeClr val="tx1"/>
+        </a:solidFill>
+        <a:latin typeface="+mn-lt"/>
+        <a:ea typeface="+mn-ea"/>
+        <a:cs typeface="+mn-cs"/>
+      </a:defRPr>
+    </a:lvl9pPr>
+  </p:notesStyle>
+</p:notesMaster>
+</file>
+
+<file path=ppt/notesSlides/notesSlide1.xml><?xml version="1.0" encoding="utf-8"?>
+<p:notes xmlns:a="http://schemas.openxmlformats.org/drawingml/2006/main" xmlns:r="http://schemas.openxmlformats.org/officeDocument/2006/relationships" xmlns:p="http://schemas.openxmlformats.org/presentationml/2006/main">
+  <p:cSld>
+    <p:spTree>
+      <p:nvGrpSpPr>
+        <p:cNvPr id="1" name=""/>
+        <p:cNvGrpSpPr/>
+        <p:nvPr/>
+      </p:nvGrpSpPr>
+      <p:grpSpPr>
+        <a:xfrm>
+          <a:off x="0" y="0"/>
+          <a:ext cx="0" cy="0"/>
+          <a:chOff x="0" y="0"/>
+          <a:chExt cx="0" cy="0"/>
+        </a:xfrm>
+      </p:grpSpPr>
+      <p:sp>
+        <p:nvSpPr>
+          <p:cNvPr id="2" name="Slide Image Placeholder 1"/>
+          <p:cNvSpPr>
+            <a:spLocks noGrp="1" noRot="1" noChangeAspect="1"/>
+          </p:cNvSpPr>
+          <p:nvPr>
+            <p:ph type="sldImg"/>
+          </p:nvPr>
+        </p:nvSpPr>
+        <p:spPr/>
+      </p:sp>
+      <p:sp>
+        <p:nvSpPr>
+          <p:cNvPr id="3" name="Notes Placeholder 2"/>
+          <p:cNvSpPr>
+            <a:spLocks noGrp="1"/>
+          </p:cNvSpPr>
+          <p:nvPr>
+            <p:ph type="body" idx="1"/>
+          </p:nvPr>
+        </p:nvSpPr>
+        <p:spPr/>
+        <p:txBody>
+          <a:bodyPr/>
+          <a:lstStyle/>
+          <a:p>
+            <a:r>
+              <a:rPr lang="en-US" sz="1800" b="0" i="0" dirty="0">
+                <a:solidFill>
+                  <a:srgbClr val="000000"/>
+                </a:solidFill>
+                <a:effectLst/>
+                <a:latin typeface="TimesNewRomanPSMT"/>
+              </a:rPr>
+              <a:t>That is, the </a:t>
+            </a:r>
+            <a:r>
+              <a:rPr lang="en-US" sz="1800" b="0" i="0" dirty="0">
+                <a:solidFill>
+                  <a:srgbClr val="000000"/>
+                </a:solidFill>
+                <a:effectLst/>
+                <a:latin typeface="CambriaMath"/>
+              </a:rPr>
+              <a:t>𝜎𝜎𝑖𝑖 </a:t>
+            </a:r>
+            <a:r>
+              <a:rPr lang="en-US" sz="1800" b="0" i="0" dirty="0">
+                <a:solidFill>
+                  <a:srgbClr val="000000"/>
+                </a:solidFill>
+                <a:effectLst/>
+                <a:latin typeface="TimesNewRomanPSMT"/>
+              </a:rPr>
+              <a:t>above the regularization parameter </a:t>
+            </a:r>
+            <a:r>
+              <a:rPr lang="en-US" sz="1800" b="0" i="0" dirty="0">
+                <a:solidFill>
+                  <a:srgbClr val="000000"/>
+                </a:solidFill>
+                <a:effectLst/>
+                <a:latin typeface="CambriaMath"/>
+              </a:rPr>
+              <a:t>𝛼𝛼 </a:t>
+            </a:r>
+            <a:r>
+              <a:rPr lang="en-US" sz="1800" b="0" i="0" dirty="0">
+                <a:solidFill>
+                  <a:srgbClr val="000000"/>
+                </a:solidFill>
+                <a:effectLst/>
+                <a:latin typeface="TimesNewRomanPSMT"/>
+              </a:rPr>
+              <a:t>(useful SVs) must decay to zero slower than the corresponding right hand side coefficients, </a:t>
+            </a:r>
+            <a:r>
+              <a:rPr lang="en-US" sz="1800" b="0" i="0" dirty="0">
+                <a:solidFill>
+                  <a:srgbClr val="000000"/>
+                </a:solidFill>
+                <a:effectLst/>
+                <a:latin typeface="CambriaMath"/>
+              </a:rPr>
+              <a:t>| 𝑢𝑢𝑖𝑖𝑇𝑇𝑏𝑏|</a:t>
+            </a:r>
+            <a:r>
+              <a:rPr lang="en-US" dirty="0"/>
+              <a:t> </a:t>
+            </a:r>
+            <a:br>
+              <a:rPr lang="en-US" dirty="0"/>
+            </a:br>
+            <a:endParaRPr lang="en-US" dirty="0"/>
+          </a:p>
+        </p:txBody>
+      </p:sp>
+      <p:sp>
+        <p:nvSpPr>
+          <p:cNvPr id="4" name="Slide Number Placeholder 3"/>
+          <p:cNvSpPr>
+            <a:spLocks noGrp="1"/>
+          </p:cNvSpPr>
+          <p:nvPr>
+            <p:ph type="sldNum" sz="quarter" idx="5"/>
+          </p:nvPr>
+        </p:nvSpPr>
+        <p:spPr/>
+        <p:txBody>
+          <a:bodyPr/>
+          <a:lstStyle/>
+          <a:p>
+            <a:fld id="{30A64351-8D3F-401D-8388-B4EEF30818F6}" type="slidenum">
+              <a:rPr lang="en-US" smtClean="0"/>
+              <a:t>9</a:t>
+            </a:fld>
+            <a:endParaRPr lang="en-US"/>
+          </a:p>
+        </p:txBody>
+      </p:sp>
+    </p:spTree>
+    <p:extLst>
+      <p:ext uri="{BB962C8B-B14F-4D97-AF65-F5344CB8AC3E}">
+        <p14:creationId xmlns:p14="http://schemas.microsoft.com/office/powerpoint/2010/main" val="2087107375"/>
+      </p:ext>
+    </p:extLst>
+  </p:cSld>
+  <p:clrMapOvr>
+    <a:masterClrMapping/>
+  </p:clrMapOvr>
+</p:notes>
+</file>
+
+<file path=ppt/notesSlides/notesSlide2.xml><?xml version="1.0" encoding="utf-8"?>
+<p:notes xmlns:a="http://schemas.openxmlformats.org/drawingml/2006/main" xmlns:r="http://schemas.openxmlformats.org/officeDocument/2006/relationships" xmlns:p="http://schemas.openxmlformats.org/presentationml/2006/main">
+  <p:cSld>
+    <p:spTree>
+      <p:nvGrpSpPr>
+        <p:cNvPr id="1" name=""/>
+        <p:cNvGrpSpPr/>
+        <p:nvPr/>
+      </p:nvGrpSpPr>
+      <p:grpSpPr>
+        <a:xfrm>
+          <a:off x="0" y="0"/>
+          <a:ext cx="0" cy="0"/>
+          <a:chOff x="0" y="0"/>
+          <a:chExt cx="0" cy="0"/>
+        </a:xfrm>
+      </p:grpSpPr>
+      <p:sp>
+        <p:nvSpPr>
+          <p:cNvPr id="2" name="Slide Image Placeholder 1"/>
+          <p:cNvSpPr>
+            <a:spLocks noGrp="1" noRot="1" noChangeAspect="1"/>
+          </p:cNvSpPr>
+          <p:nvPr>
+            <p:ph type="sldImg"/>
+          </p:nvPr>
+        </p:nvSpPr>
+        <p:spPr/>
+      </p:sp>
+      <p:sp>
+        <p:nvSpPr>
+          <p:cNvPr id="3" name="Notes Placeholder 2"/>
+          <p:cNvSpPr>
+            <a:spLocks noGrp="1"/>
+          </p:cNvSpPr>
+          <p:nvPr>
+            <p:ph type="body" idx="1"/>
+          </p:nvPr>
+        </p:nvSpPr>
+        <p:spPr/>
+        <p:txBody>
+          <a:bodyPr/>
+          <a:lstStyle/>
+          <a:p>
+            <a:endParaRPr lang="en-US" dirty="0"/>
+          </a:p>
+        </p:txBody>
+      </p:sp>
+      <p:sp>
+        <p:nvSpPr>
+          <p:cNvPr id="4" name="Slide Number Placeholder 3"/>
+          <p:cNvSpPr>
+            <a:spLocks noGrp="1"/>
+          </p:cNvSpPr>
+          <p:nvPr>
+            <p:ph type="sldNum" sz="quarter" idx="5"/>
+          </p:nvPr>
+        </p:nvSpPr>
+        <p:spPr/>
+        <p:txBody>
+          <a:bodyPr/>
+          <a:lstStyle/>
+          <a:p>
+            <a:fld id="{30A64351-8D3F-401D-8388-B4EEF30818F6}" type="slidenum">
+              <a:rPr lang="en-US" smtClean="0"/>
+              <a:t>10</a:t>
+            </a:fld>
+            <a:endParaRPr lang="en-US"/>
+          </a:p>
+        </p:txBody>
+      </p:sp>
+    </p:spTree>
+    <p:extLst>
+      <p:ext uri="{BB962C8B-B14F-4D97-AF65-F5344CB8AC3E}">
+        <p14:creationId xmlns:p14="http://schemas.microsoft.com/office/powerpoint/2010/main" val="3431216507"/>
+      </p:ext>
+    </p:extLst>
+  </p:cSld>
+  <p:clrMapOvr>
+    <a:masterClrMapping/>
+  </p:clrMapOvr>
+</p:notes>
+</file>
+
 <file path=ppt/slideLayouts/slideLayout1.xml><?xml version="1.0" encoding="utf-8"?>
 <p:sldLayout xmlns:a="http://schemas.openxmlformats.org/drawingml/2006/main" xmlns:r="http://schemas.openxmlformats.org/officeDocument/2006/relationships" xmlns:p="http://schemas.openxmlformats.org/presentationml/2006/main" showMasterSp="0" type="title" preserve="1">
   <p:cSld name="Title Slide">
@@ -5592,7 +6188,7 @@
           <a:p>
             <a:fld id="{95E9AC2A-7B6E-4714-AECB-538E4F67511C}" type="datetimeFigureOut">
               <a:rPr lang="en-US" smtClean="0"/>
-              <a:t>6/22/2022</a:t>
+              <a:t>6/26/2022</a:t>
             </a:fld>
             <a:endParaRPr lang="en-US"/>
           </a:p>
@@ -5800,7 +6396,7 @@
           <a:p>
             <a:fld id="{95E9AC2A-7B6E-4714-AECB-538E4F67511C}" type="datetimeFigureOut">
               <a:rPr lang="en-US" smtClean="0"/>
-              <a:t>6/22/2022</a:t>
+              <a:t>6/26/2022</a:t>
             </a:fld>
             <a:endParaRPr lang="en-US"/>
           </a:p>
@@ -6056,7 +6652,7 @@
           <a:p>
             <a:fld id="{95E9AC2A-7B6E-4714-AECB-538E4F67511C}" type="datetimeFigureOut">
               <a:rPr lang="en-US" smtClean="0"/>
-              <a:t>6/22/2022</a:t>
+              <a:t>6/26/2022</a:t>
             </a:fld>
             <a:endParaRPr lang="en-US"/>
           </a:p>
@@ -6230,7 +6826,7 @@
           <a:p>
             <a:fld id="{95E9AC2A-7B6E-4714-AECB-538E4F67511C}" type="datetimeFigureOut">
               <a:rPr lang="en-US" smtClean="0"/>
-              <a:t>6/22/2022</a:t>
+              <a:t>6/26/2022</a:t>
             </a:fld>
             <a:endParaRPr lang="en-US"/>
           </a:p>
@@ -6573,7 +7169,7 @@
           <a:p>
             <a:fld id="{95E9AC2A-7B6E-4714-AECB-538E4F67511C}" type="datetimeFigureOut">
               <a:rPr lang="en-US" smtClean="0"/>
-              <a:t>6/22/2022</a:t>
+              <a:t>6/26/2022</a:t>
             </a:fld>
             <a:endParaRPr lang="en-US"/>
           </a:p>
@@ -6848,7 +7444,7 @@
           <a:p>
             <a:fld id="{95E9AC2A-7B6E-4714-AECB-538E4F67511C}" type="datetimeFigureOut">
               <a:rPr lang="en-US" smtClean="0"/>
-              <a:t>6/22/2022</a:t>
+              <a:t>6/26/2022</a:t>
             </a:fld>
             <a:endParaRPr lang="en-US"/>
           </a:p>
@@ -7227,7 +7823,7 @@
           <a:p>
             <a:fld id="{95E9AC2A-7B6E-4714-AECB-538E4F67511C}" type="datetimeFigureOut">
               <a:rPr lang="en-US" smtClean="0"/>
-              <a:t>6/22/2022</a:t>
+              <a:t>6/26/2022</a:t>
             </a:fld>
             <a:endParaRPr lang="en-US"/>
           </a:p>
@@ -7345,7 +7941,7 @@
           <a:p>
             <a:fld id="{95E9AC2A-7B6E-4714-AECB-538E4F67511C}" type="datetimeFigureOut">
               <a:rPr lang="en-US" smtClean="0"/>
-              <a:t>6/22/2022</a:t>
+              <a:t>6/26/2022</a:t>
             </a:fld>
             <a:endParaRPr lang="en-US"/>
           </a:p>
@@ -7516,7 +8112,7 @@
           <a:p>
             <a:fld id="{95E9AC2A-7B6E-4714-AECB-538E4F67511C}" type="datetimeFigureOut">
               <a:rPr lang="en-US" smtClean="0"/>
-              <a:t>6/22/2022</a:t>
+              <a:t>6/26/2022</a:t>
             </a:fld>
             <a:endParaRPr lang="en-US"/>
           </a:p>
@@ -7870,7 +8466,7 @@
           <a:p>
             <a:fld id="{95E9AC2A-7B6E-4714-AECB-538E4F67511C}" type="datetimeFigureOut">
               <a:rPr lang="en-US" smtClean="0"/>
-              <a:t>6/22/2022</a:t>
+              <a:t>6/26/2022</a:t>
             </a:fld>
             <a:endParaRPr lang="en-US"/>
           </a:p>
@@ -8252,7 +8848,7 @@
           <a:p>
             <a:fld id="{95E9AC2A-7B6E-4714-AECB-538E4F67511C}" type="datetimeFigureOut">
               <a:rPr lang="en-US" smtClean="0"/>
-              <a:t>6/22/2022</a:t>
+              <a:t>6/26/2022</a:t>
             </a:fld>
             <a:endParaRPr lang="en-US"/>
           </a:p>
@@ -8539,7 +9135,7 @@
           <a:p>
             <a:fld id="{95E9AC2A-7B6E-4714-AECB-538E4F67511C}" type="datetimeFigureOut">
               <a:rPr lang="en-US" smtClean="0"/>
-              <a:t>6/22/2022</a:t>
+              <a:t>6/26/2022</a:t>
             </a:fld>
             <a:endParaRPr lang="en-US"/>
           </a:p>
@@ -9161,6 +9757,1047 @@
 </p:sld>
 </file>
 
+<file path=ppt/slides/slide10.xml><?xml version="1.0" encoding="utf-8"?>
+<p:sld xmlns:a="http://schemas.openxmlformats.org/drawingml/2006/main" xmlns:r="http://schemas.openxmlformats.org/officeDocument/2006/relationships" xmlns:p="http://schemas.openxmlformats.org/presentationml/2006/main">
+  <p:cSld>
+    <p:spTree>
+      <p:nvGrpSpPr>
+        <p:cNvPr id="1" name=""/>
+        <p:cNvGrpSpPr/>
+        <p:nvPr/>
+      </p:nvGrpSpPr>
+      <p:grpSpPr>
+        <a:xfrm>
+          <a:off x="0" y="0"/>
+          <a:ext cx="0" cy="0"/>
+          <a:chOff x="0" y="0"/>
+          <a:chExt cx="0" cy="0"/>
+        </a:xfrm>
+      </p:grpSpPr>
+      <p:sp>
+        <p:nvSpPr>
+          <p:cNvPr id="2" name="Title 1">
+            <a:extLst>
+              <a:ext uri="{FF2B5EF4-FFF2-40B4-BE49-F238E27FC236}">
+                <a16:creationId xmlns:a16="http://schemas.microsoft.com/office/drawing/2014/main" id="{50384ADC-025A-76BE-CBF5-C2EDC1ED4B6A}"/>
+              </a:ext>
+            </a:extLst>
+          </p:cNvPr>
+          <p:cNvSpPr>
+            <a:spLocks noGrp="1"/>
+          </p:cNvSpPr>
+          <p:nvPr>
+            <p:ph type="title"/>
+          </p:nvPr>
+        </p:nvSpPr>
+        <p:spPr/>
+        <p:txBody>
+          <a:bodyPr>
+            <a:normAutofit/>
+          </a:bodyPr>
+          <a:lstStyle/>
+          <a:p>
+            <a:r>
+              <a:rPr lang="en-US" dirty="0"/>
+              <a:t>Automated Discrete Picard </a:t>
+            </a:r>
+            <a:br>
+              <a:rPr lang="en-US" dirty="0"/>
+            </a:br>
+            <a:r>
+              <a:rPr lang="en-US" dirty="0"/>
+              <a:t>Condition (ADPC)</a:t>
+            </a:r>
+          </a:p>
+        </p:txBody>
+      </p:sp>
+      <mc:AlternateContent xmlns:mc="http://schemas.openxmlformats.org/markup-compatibility/2006">
+        <mc:Choice xmlns:a14="http://schemas.microsoft.com/office/drawing/2010/main" Requires="a14">
+          <p:sp>
+            <p:nvSpPr>
+              <p:cNvPr id="3" name="Content Placeholder 2">
+                <a:extLst>
+                  <a:ext uri="{FF2B5EF4-FFF2-40B4-BE49-F238E27FC236}">
+                    <a16:creationId xmlns:a16="http://schemas.microsoft.com/office/drawing/2014/main" id="{C83A749D-B96B-F901-C147-41226AA41EA0}"/>
+                  </a:ext>
+                </a:extLst>
+              </p:cNvPr>
+              <p:cNvSpPr>
+                <a:spLocks noGrp="1"/>
+              </p:cNvSpPr>
+              <p:nvPr>
+                <p:ph idx="1"/>
+              </p:nvPr>
+            </p:nvSpPr>
+            <p:spPr/>
+            <p:txBody>
+              <a:bodyPr/>
+              <a:lstStyle/>
+              <a:p>
+                <a:pPr>
+                  <a:buFont typeface="Arial" panose="020B0604020202020204" pitchFamily="34" charset="0"/>
+                  <a:buChar char="•"/>
+                </a:pPr>
+                <a:r>
+                  <a:rPr lang="en-US" dirty="0"/>
+                  <a:t> Calculate Singular Value Decomposition of the system matrix.</a:t>
+                </a:r>
+              </a:p>
+              <a:p>
+                <a:pPr>
+                  <a:buFont typeface="Arial" panose="020B0604020202020204" pitchFamily="34" charset="0"/>
+                  <a:buChar char="•"/>
+                </a:pPr>
+                <a:r>
+                  <a:rPr lang="en-US" dirty="0"/>
+                  <a:t> For each time instant </a:t>
+                </a:r>
+                <a14:m>
+                  <m:oMath xmlns:m="http://schemas.openxmlformats.org/officeDocument/2006/math">
+                    <m:sSub>
+                      <m:sSubPr>
+                        <m:ctrlPr>
+                          <a:rPr lang="en-US" b="0" i="1" dirty="0" smtClean="0">
+                            <a:latin typeface="Cambria Math" panose="02040503050406030204" pitchFamily="18" charset="0"/>
+                          </a:rPr>
+                        </m:ctrlPr>
+                      </m:sSubPr>
+                      <m:e>
+                        <m:r>
+                          <a:rPr lang="en-US" i="1" dirty="0" smtClean="0">
+                            <a:latin typeface="Cambria Math" panose="02040503050406030204" pitchFamily="18" charset="0"/>
+                          </a:rPr>
+                          <m:t>𝑡</m:t>
+                        </m:r>
+                      </m:e>
+                      <m:sub>
+                        <m:r>
+                          <a:rPr lang="en-US" i="1" dirty="0" smtClean="0">
+                            <a:latin typeface="Cambria Math" panose="02040503050406030204" pitchFamily="18" charset="0"/>
+                          </a:rPr>
+                          <m:t>𝑘</m:t>
+                        </m:r>
+                      </m:sub>
+                    </m:sSub>
+                  </m:oMath>
+                </a14:m>
+                <a:r>
+                  <a:rPr lang="en-US" dirty="0"/>
+                  <a:t>, compute </a:t>
+                </a:r>
+                <a14:m>
+                  <m:oMath xmlns:m="http://schemas.openxmlformats.org/officeDocument/2006/math">
+                    <m:d>
+                      <m:dPr>
+                        <m:begChr m:val="|"/>
+                        <m:endChr m:val="|"/>
+                        <m:ctrlPr>
+                          <a:rPr lang="en-US" b="0" i="1" smtClean="0">
+                            <a:latin typeface="Cambria Math" panose="02040503050406030204" pitchFamily="18" charset="0"/>
+                          </a:rPr>
+                        </m:ctrlPr>
+                      </m:dPr>
+                      <m:e>
+                        <m:sSubSup>
+                          <m:sSubSupPr>
+                            <m:ctrlPr>
+                              <a:rPr lang="en-US" b="0" i="1" smtClean="0">
+                                <a:latin typeface="Cambria Math" panose="02040503050406030204" pitchFamily="18" charset="0"/>
+                              </a:rPr>
+                            </m:ctrlPr>
+                          </m:sSubSupPr>
+                          <m:e>
+                            <m:r>
+                              <a:rPr lang="en-US" b="0" i="1" smtClean="0">
+                                <a:latin typeface="Cambria Math" panose="02040503050406030204" pitchFamily="18" charset="0"/>
+                              </a:rPr>
+                              <m:t>𝑢</m:t>
+                            </m:r>
+                          </m:e>
+                          <m:sub>
+                            <m:r>
+                              <a:rPr lang="en-US" b="0" i="1" smtClean="0">
+                                <a:latin typeface="Cambria Math" panose="02040503050406030204" pitchFamily="18" charset="0"/>
+                              </a:rPr>
+                              <m:t>𝑖</m:t>
+                            </m:r>
+                          </m:sub>
+                          <m:sup>
+                            <m:r>
+                              <a:rPr lang="en-US" b="0" i="1" smtClean="0">
+                                <a:latin typeface="Cambria Math" panose="02040503050406030204" pitchFamily="18" charset="0"/>
+                              </a:rPr>
+                              <m:t>𝑇</m:t>
+                            </m:r>
+                          </m:sup>
+                        </m:sSubSup>
+                        <m:sSub>
+                          <m:sSubPr>
+                            <m:ctrlPr>
+                              <a:rPr lang="en-US" b="0" i="1" smtClean="0">
+                                <a:latin typeface="Cambria Math" panose="02040503050406030204" pitchFamily="18" charset="0"/>
+                              </a:rPr>
+                            </m:ctrlPr>
+                          </m:sSubPr>
+                          <m:e>
+                            <m:r>
+                              <a:rPr lang="en-US" b="0" i="1" smtClean="0">
+                                <a:latin typeface="Cambria Math" panose="02040503050406030204" pitchFamily="18" charset="0"/>
+                              </a:rPr>
+                              <m:t>𝑏</m:t>
+                            </m:r>
+                          </m:e>
+                          <m:sub>
+                            <m:sSub>
+                              <m:sSubPr>
+                                <m:ctrlPr>
+                                  <a:rPr lang="en-US" b="0" i="1" smtClean="0">
+                                    <a:latin typeface="Cambria Math" panose="02040503050406030204" pitchFamily="18" charset="0"/>
+                                  </a:rPr>
+                                </m:ctrlPr>
+                              </m:sSubPr>
+                              <m:e>
+                                <m:r>
+                                  <a:rPr lang="en-US" b="0" i="1" smtClean="0">
+                                    <a:latin typeface="Cambria Math" panose="02040503050406030204" pitchFamily="18" charset="0"/>
+                                  </a:rPr>
+                                  <m:t>𝑡</m:t>
+                                </m:r>
+                              </m:e>
+                              <m:sub>
+                                <m:r>
+                                  <a:rPr lang="en-US" b="0" i="1" smtClean="0">
+                                    <a:latin typeface="Cambria Math" panose="02040503050406030204" pitchFamily="18" charset="0"/>
+                                  </a:rPr>
+                                  <m:t>𝑘</m:t>
+                                </m:r>
+                              </m:sub>
+                            </m:sSub>
+                          </m:sub>
+                        </m:sSub>
+                      </m:e>
+                    </m:d>
+                  </m:oMath>
+                </a14:m>
+                <a:r>
+                  <a:rPr lang="en-US" dirty="0"/>
+                  <a:t>, fit a polynomial </a:t>
+                </a:r>
+                <a14:m>
+                  <m:oMath xmlns:m="http://schemas.openxmlformats.org/officeDocument/2006/math">
+                    <m:sSub>
+                      <m:sSubPr>
+                        <m:ctrlPr>
+                          <a:rPr lang="en-US" b="0" i="1" smtClean="0">
+                            <a:latin typeface="Cambria Math" panose="02040503050406030204" pitchFamily="18" charset="0"/>
+                          </a:rPr>
+                        </m:ctrlPr>
+                      </m:sSubPr>
+                      <m:e>
+                        <m:r>
+                          <a:rPr lang="en-US" b="0" i="1" smtClean="0">
+                            <a:latin typeface="Cambria Math" panose="02040503050406030204" pitchFamily="18" charset="0"/>
+                          </a:rPr>
+                          <m:t>𝑝</m:t>
+                        </m:r>
+                      </m:e>
+                      <m:sub>
+                        <m:d>
+                          <m:dPr>
+                            <m:begChr m:val="{"/>
+                            <m:endChr m:val="}"/>
+                            <m:ctrlPr>
+                              <a:rPr lang="en-US" b="0" i="1" smtClean="0">
+                                <a:latin typeface="Cambria Math" panose="02040503050406030204" pitchFamily="18" charset="0"/>
+                              </a:rPr>
+                            </m:ctrlPr>
+                          </m:dPr>
+                          <m:e>
+                            <m:r>
+                              <a:rPr lang="en-US" b="0" i="1" smtClean="0">
+                                <a:latin typeface="Cambria Math" panose="02040503050406030204" pitchFamily="18" charset="0"/>
+                              </a:rPr>
+                              <m:t>𝑡</m:t>
+                            </m:r>
+                            <m:r>
+                              <a:rPr lang="en-US" b="0" i="1" smtClean="0">
+                                <a:latin typeface="Cambria Math" panose="02040503050406030204" pitchFamily="18" charset="0"/>
+                              </a:rPr>
+                              <m:t>_</m:t>
+                            </m:r>
+                            <m:r>
+                              <a:rPr lang="en-US" b="0" i="1" smtClean="0">
+                                <a:latin typeface="Cambria Math" panose="02040503050406030204" pitchFamily="18" charset="0"/>
+                              </a:rPr>
+                              <m:t>𝑘</m:t>
+                            </m:r>
+                          </m:e>
+                        </m:d>
+                      </m:sub>
+                    </m:sSub>
+                    <m:r>
+                      <a:rPr lang="en-US" b="0" i="1" smtClean="0">
+                        <a:latin typeface="Cambria Math" panose="02040503050406030204" pitchFamily="18" charset="0"/>
+                      </a:rPr>
+                      <m:t>=</m:t>
+                    </m:r>
+                    <m:sSub>
+                      <m:sSubPr>
+                        <m:ctrlPr>
+                          <a:rPr lang="en-US" b="0" i="1" smtClean="0">
+                            <a:latin typeface="Cambria Math" panose="02040503050406030204" pitchFamily="18" charset="0"/>
+                          </a:rPr>
+                        </m:ctrlPr>
+                      </m:sSubPr>
+                      <m:e>
+                        <m:r>
+                          <a:rPr lang="en-US" b="0" i="1" smtClean="0">
+                            <a:latin typeface="Cambria Math" panose="02040503050406030204" pitchFamily="18" charset="0"/>
+                          </a:rPr>
+                          <m:t>𝑝</m:t>
+                        </m:r>
+                      </m:e>
+                      <m:sub>
+                        <m:sSub>
+                          <m:sSubPr>
+                            <m:ctrlPr>
+                              <a:rPr lang="en-US" b="0" i="1" smtClean="0">
+                                <a:latin typeface="Cambria Math" panose="02040503050406030204" pitchFamily="18" charset="0"/>
+                              </a:rPr>
+                            </m:ctrlPr>
+                          </m:sSubPr>
+                          <m:e>
+                            <m:r>
+                              <a:rPr lang="en-US" b="0" i="1" smtClean="0">
+                                <a:latin typeface="Cambria Math" panose="02040503050406030204" pitchFamily="18" charset="0"/>
+                              </a:rPr>
+                              <m:t>𝑡</m:t>
+                            </m:r>
+                          </m:e>
+                          <m:sub>
+                            <m:r>
+                              <a:rPr lang="en-US" b="0" i="1" smtClean="0">
+                                <a:latin typeface="Cambria Math" panose="02040503050406030204" pitchFamily="18" charset="0"/>
+                              </a:rPr>
+                              <m:t>𝑘</m:t>
+                            </m:r>
+                          </m:sub>
+                        </m:sSub>
+                      </m:sub>
+                    </m:sSub>
+                    <m:r>
+                      <a:rPr lang="en-US" b="0" i="1" smtClean="0">
+                        <a:latin typeface="Cambria Math" panose="02040503050406030204" pitchFamily="18" charset="0"/>
+                      </a:rPr>
+                      <m:t>(</m:t>
+                    </m:r>
+                    <m:r>
+                      <a:rPr lang="en-US" b="0" i="1" smtClean="0">
+                        <a:latin typeface="Cambria Math" panose="02040503050406030204" pitchFamily="18" charset="0"/>
+                      </a:rPr>
+                      <m:t>𝑖</m:t>
+                    </m:r>
+                    <m:r>
+                      <a:rPr lang="en-US" b="0" i="1" smtClean="0">
+                        <a:latin typeface="Cambria Math" panose="02040503050406030204" pitchFamily="18" charset="0"/>
+                      </a:rPr>
+                      <m:t>,</m:t>
+                    </m:r>
+                    <m:r>
+                      <m:rPr>
+                        <m:sty m:val="p"/>
+                      </m:rPr>
+                      <a:rPr lang="en-US" b="0" i="0" smtClean="0">
+                        <a:latin typeface="Cambria Math" panose="02040503050406030204" pitchFamily="18" charset="0"/>
+                      </a:rPr>
+                      <m:t>log</m:t>
+                    </m:r>
+                    <m:r>
+                      <a:rPr lang="en-US" b="0" i="1" smtClean="0">
+                        <a:latin typeface="Cambria Math" panose="02040503050406030204" pitchFamily="18" charset="0"/>
+                      </a:rPr>
+                      <m:t>⁡(|</m:t>
+                    </m:r>
+                    <m:sSubSup>
+                      <m:sSubSupPr>
+                        <m:ctrlPr>
+                          <a:rPr lang="en-US" b="0" i="1" smtClean="0">
+                            <a:latin typeface="Cambria Math" panose="02040503050406030204" pitchFamily="18" charset="0"/>
+                          </a:rPr>
+                        </m:ctrlPr>
+                      </m:sSubSupPr>
+                      <m:e>
+                        <m:r>
+                          <a:rPr lang="en-US" b="0" i="1" smtClean="0">
+                            <a:latin typeface="Cambria Math" panose="02040503050406030204" pitchFamily="18" charset="0"/>
+                          </a:rPr>
+                          <m:t>𝑢</m:t>
+                        </m:r>
+                      </m:e>
+                      <m:sub>
+                        <m:r>
+                          <a:rPr lang="en-US" b="0" i="1" smtClean="0">
+                            <a:latin typeface="Cambria Math" panose="02040503050406030204" pitchFamily="18" charset="0"/>
+                          </a:rPr>
+                          <m:t>𝑖</m:t>
+                        </m:r>
+                      </m:sub>
+                      <m:sup>
+                        <m:r>
+                          <a:rPr lang="en-US" b="0" i="1" smtClean="0">
+                            <a:latin typeface="Cambria Math" panose="02040503050406030204" pitchFamily="18" charset="0"/>
+                          </a:rPr>
+                          <m:t>𝑇</m:t>
+                        </m:r>
+                      </m:sup>
+                    </m:sSubSup>
+                    <m:sSub>
+                      <m:sSubPr>
+                        <m:ctrlPr>
+                          <a:rPr lang="en-US" b="0" i="1" smtClean="0">
+                            <a:latin typeface="Cambria Math" panose="02040503050406030204" pitchFamily="18" charset="0"/>
+                          </a:rPr>
+                        </m:ctrlPr>
+                      </m:sSubPr>
+                      <m:e>
+                        <m:r>
+                          <a:rPr lang="en-US" b="0" i="1" smtClean="0">
+                            <a:latin typeface="Cambria Math" panose="02040503050406030204" pitchFamily="18" charset="0"/>
+                          </a:rPr>
+                          <m:t>𝑏</m:t>
+                        </m:r>
+                      </m:e>
+                      <m:sub>
+                        <m:sSub>
+                          <m:sSubPr>
+                            <m:ctrlPr>
+                              <a:rPr lang="en-US" b="0" i="1" smtClean="0">
+                                <a:latin typeface="Cambria Math" panose="02040503050406030204" pitchFamily="18" charset="0"/>
+                              </a:rPr>
+                            </m:ctrlPr>
+                          </m:sSubPr>
+                          <m:e>
+                            <m:r>
+                              <a:rPr lang="en-US" b="0" i="1" smtClean="0">
+                                <a:latin typeface="Cambria Math" panose="02040503050406030204" pitchFamily="18" charset="0"/>
+                              </a:rPr>
+                              <m:t>𝑡</m:t>
+                            </m:r>
+                          </m:e>
+                          <m:sub>
+                            <m:r>
+                              <a:rPr lang="en-US" b="0" i="1" smtClean="0">
+                                <a:latin typeface="Cambria Math" panose="02040503050406030204" pitchFamily="18" charset="0"/>
+                              </a:rPr>
+                              <m:t>𝑘</m:t>
+                            </m:r>
+                          </m:sub>
+                        </m:sSub>
+                      </m:sub>
+                    </m:sSub>
+                    <m:r>
+                      <a:rPr lang="en-US" b="0" i="1" smtClean="0">
+                        <a:latin typeface="Cambria Math" panose="02040503050406030204" pitchFamily="18" charset="0"/>
+                      </a:rPr>
+                      <m:t>|))</m:t>
+                    </m:r>
+                  </m:oMath>
+                </a14:m>
+                <a:r>
+                  <a:rPr lang="en-US" dirty="0"/>
+                  <a:t> of degree 5 to 7.</a:t>
+                </a:r>
+              </a:p>
+              <a:p>
+                <a:pPr>
+                  <a:buFont typeface="Arial" panose="020B0604020202020204" pitchFamily="34" charset="0"/>
+                  <a:buChar char="•"/>
+                </a:pPr>
+                <a:r>
+                  <a:rPr lang="en-US" dirty="0"/>
+                  <a:t> For each </a:t>
+                </a:r>
+                <a14:m>
+                  <m:oMath xmlns:m="http://schemas.openxmlformats.org/officeDocument/2006/math">
+                    <m:sSub>
+                      <m:sSubPr>
+                        <m:ctrlPr>
+                          <a:rPr lang="en-US" b="0" i="1" smtClean="0">
+                            <a:latin typeface="Cambria Math" panose="02040503050406030204" pitchFamily="18" charset="0"/>
+                          </a:rPr>
+                        </m:ctrlPr>
+                      </m:sSubPr>
+                      <m:e>
+                        <m:r>
+                          <a:rPr lang="en-US" b="0" i="1" smtClean="0">
+                            <a:latin typeface="Cambria Math" panose="02040503050406030204" pitchFamily="18" charset="0"/>
+                          </a:rPr>
+                          <m:t>𝑝</m:t>
+                        </m:r>
+                      </m:e>
+                      <m:sub>
+                        <m:sSub>
+                          <m:sSubPr>
+                            <m:ctrlPr>
+                              <a:rPr lang="en-US" b="0" i="1" smtClean="0">
+                                <a:latin typeface="Cambria Math" panose="02040503050406030204" pitchFamily="18" charset="0"/>
+                              </a:rPr>
+                            </m:ctrlPr>
+                          </m:sSubPr>
+                          <m:e>
+                            <m:r>
+                              <a:rPr lang="en-US" b="0" i="1" smtClean="0">
+                                <a:latin typeface="Cambria Math" panose="02040503050406030204" pitchFamily="18" charset="0"/>
+                              </a:rPr>
+                              <m:t>𝑡</m:t>
+                            </m:r>
+                          </m:e>
+                          <m:sub>
+                            <m:r>
+                              <a:rPr lang="en-US" b="0" i="1" smtClean="0">
+                                <a:latin typeface="Cambria Math" panose="02040503050406030204" pitchFamily="18" charset="0"/>
+                              </a:rPr>
+                              <m:t>𝑘</m:t>
+                            </m:r>
+                          </m:sub>
+                        </m:sSub>
+                      </m:sub>
+                    </m:sSub>
+                  </m:oMath>
+                </a14:m>
+                <a:r>
+                  <a:rPr lang="en-US" dirty="0"/>
+                  <a:t>, find the maximum singular value index </a:t>
+                </a:r>
+                <a14:m>
+                  <m:oMath xmlns:m="http://schemas.openxmlformats.org/officeDocument/2006/math">
+                    <m:r>
+                      <a:rPr lang="en-US" b="0" i="1" smtClean="0">
+                        <a:latin typeface="Cambria Math" panose="02040503050406030204" pitchFamily="18" charset="0"/>
+                      </a:rPr>
+                      <m:t>𝑖</m:t>
+                    </m:r>
+                  </m:oMath>
+                </a14:m>
+                <a:r>
+                  <a:rPr lang="en-US" dirty="0"/>
+                  <a:t> such that </a:t>
+                </a:r>
+                <a14:m>
+                  <m:oMath xmlns:m="http://schemas.openxmlformats.org/officeDocument/2006/math">
+                    <m:func>
+                      <m:funcPr>
+                        <m:ctrlPr>
+                          <a:rPr lang="en-US" b="0" i="1" smtClean="0">
+                            <a:latin typeface="Cambria Math" panose="02040503050406030204" pitchFamily="18" charset="0"/>
+                          </a:rPr>
+                        </m:ctrlPr>
+                      </m:funcPr>
+                      <m:fName>
+                        <m:r>
+                          <m:rPr>
+                            <m:sty m:val="p"/>
+                          </m:rPr>
+                          <a:rPr lang="en-US" b="0" i="0" smtClean="0">
+                            <a:latin typeface="Cambria Math" panose="02040503050406030204" pitchFamily="18" charset="0"/>
+                          </a:rPr>
+                          <m:t>log</m:t>
+                        </m:r>
+                      </m:fName>
+                      <m:e>
+                        <m:d>
+                          <m:dPr>
+                            <m:ctrlPr>
+                              <a:rPr lang="en-US" b="0" i="1" smtClean="0">
+                                <a:latin typeface="Cambria Math" panose="02040503050406030204" pitchFamily="18" charset="0"/>
+                              </a:rPr>
+                            </m:ctrlPr>
+                          </m:dPr>
+                          <m:e>
+                            <m:sSub>
+                              <m:sSubPr>
+                                <m:ctrlPr>
+                                  <a:rPr lang="en-US" b="0" i="1" smtClean="0">
+                                    <a:latin typeface="Cambria Math" panose="02040503050406030204" pitchFamily="18" charset="0"/>
+                                  </a:rPr>
+                                </m:ctrlPr>
+                              </m:sSubPr>
+                              <m:e>
+                                <m:r>
+                                  <a:rPr lang="en-US" b="0" i="1" smtClean="0">
+                                    <a:latin typeface="Cambria Math" panose="02040503050406030204" pitchFamily="18" charset="0"/>
+                                  </a:rPr>
+                                  <m:t>𝜎</m:t>
+                                </m:r>
+                              </m:e>
+                              <m:sub>
+                                <m:r>
+                                  <a:rPr lang="en-US" b="0" i="1" smtClean="0">
+                                    <a:latin typeface="Cambria Math" panose="02040503050406030204" pitchFamily="18" charset="0"/>
+                                  </a:rPr>
+                                  <m:t>𝑖</m:t>
+                                </m:r>
+                              </m:sub>
+                            </m:sSub>
+                          </m:e>
+                        </m:d>
+                      </m:e>
+                    </m:func>
+                    <m:r>
+                      <a:rPr lang="en-US" b="0" i="1" smtClean="0">
+                        <a:latin typeface="Cambria Math" panose="02040503050406030204" pitchFamily="18" charset="0"/>
+                        <a:ea typeface="Cambria Math" panose="02040503050406030204" pitchFamily="18" charset="0"/>
+                      </a:rPr>
+                      <m:t>≥</m:t>
+                    </m:r>
+                    <m:sSub>
+                      <m:sSubPr>
+                        <m:ctrlPr>
+                          <a:rPr lang="en-US" b="0" i="1" smtClean="0">
+                            <a:latin typeface="Cambria Math" panose="02040503050406030204" pitchFamily="18" charset="0"/>
+                            <a:ea typeface="Cambria Math" panose="02040503050406030204" pitchFamily="18" charset="0"/>
+                          </a:rPr>
+                        </m:ctrlPr>
+                      </m:sSubPr>
+                      <m:e>
+                        <m:r>
+                          <a:rPr lang="en-US" b="0" i="1" smtClean="0">
+                            <a:latin typeface="Cambria Math" panose="02040503050406030204" pitchFamily="18" charset="0"/>
+                            <a:ea typeface="Cambria Math" panose="02040503050406030204" pitchFamily="18" charset="0"/>
+                          </a:rPr>
+                          <m:t>𝑝</m:t>
+                        </m:r>
+                      </m:e>
+                      <m:sub>
+                        <m:sSub>
+                          <m:sSubPr>
+                            <m:ctrlPr>
+                              <a:rPr lang="en-US" b="0" i="1" smtClean="0">
+                                <a:latin typeface="Cambria Math" panose="02040503050406030204" pitchFamily="18" charset="0"/>
+                                <a:ea typeface="Cambria Math" panose="02040503050406030204" pitchFamily="18" charset="0"/>
+                              </a:rPr>
+                            </m:ctrlPr>
+                          </m:sSubPr>
+                          <m:e>
+                            <m:r>
+                              <a:rPr lang="en-US" b="0" i="1" smtClean="0">
+                                <a:latin typeface="Cambria Math" panose="02040503050406030204" pitchFamily="18" charset="0"/>
+                                <a:ea typeface="Cambria Math" panose="02040503050406030204" pitchFamily="18" charset="0"/>
+                              </a:rPr>
+                              <m:t>𝑡</m:t>
+                            </m:r>
+                          </m:e>
+                          <m:sub>
+                            <m:r>
+                              <a:rPr lang="en-US" b="0" i="1" smtClean="0">
+                                <a:latin typeface="Cambria Math" panose="02040503050406030204" pitchFamily="18" charset="0"/>
+                                <a:ea typeface="Cambria Math" panose="02040503050406030204" pitchFamily="18" charset="0"/>
+                              </a:rPr>
+                              <m:t>𝑘</m:t>
+                            </m:r>
+                          </m:sub>
+                        </m:sSub>
+                      </m:sub>
+                    </m:sSub>
+                  </m:oMath>
+                </a14:m>
+                <a:r>
+                  <a:rPr lang="en-US" dirty="0"/>
+                  <a:t>and equate it to the regularization parameter</a:t>
+                </a:r>
+                <a14:m>
+                  <m:oMath xmlns:m="http://schemas.openxmlformats.org/officeDocument/2006/math">
+                    <m:r>
+                      <a:rPr lang="en-US" b="0" i="0" smtClean="0">
+                        <a:latin typeface="Cambria Math" panose="02040503050406030204" pitchFamily="18" charset="0"/>
+                      </a:rPr>
+                      <m:t> </m:t>
+                    </m:r>
+                    <m:sSub>
+                      <m:sSubPr>
+                        <m:ctrlPr>
+                          <a:rPr lang="en-US" b="0" i="1" smtClean="0">
+                            <a:latin typeface="Cambria Math" panose="02040503050406030204" pitchFamily="18" charset="0"/>
+                          </a:rPr>
+                        </m:ctrlPr>
+                      </m:sSubPr>
+                      <m:e>
+                        <m:r>
+                          <a:rPr lang="en-US" b="0" i="1" smtClean="0">
+                            <a:latin typeface="Cambria Math" panose="02040503050406030204" pitchFamily="18" charset="0"/>
+                          </a:rPr>
+                          <m:t>𝛼</m:t>
+                        </m:r>
+                      </m:e>
+                      <m:sub>
+                        <m:sSub>
+                          <m:sSubPr>
+                            <m:ctrlPr>
+                              <a:rPr lang="en-US" b="0" i="1" smtClean="0">
+                                <a:latin typeface="Cambria Math" panose="02040503050406030204" pitchFamily="18" charset="0"/>
+                              </a:rPr>
+                            </m:ctrlPr>
+                          </m:sSubPr>
+                          <m:e>
+                            <m:r>
+                              <a:rPr lang="en-US" b="0" i="1" smtClean="0">
+                                <a:latin typeface="Cambria Math" panose="02040503050406030204" pitchFamily="18" charset="0"/>
+                              </a:rPr>
+                              <m:t>𝑡</m:t>
+                            </m:r>
+                          </m:e>
+                          <m:sub>
+                            <m:r>
+                              <a:rPr lang="en-US" b="0" i="1" smtClean="0">
+                                <a:latin typeface="Cambria Math" panose="02040503050406030204" pitchFamily="18" charset="0"/>
+                              </a:rPr>
+                              <m:t>𝑘</m:t>
+                            </m:r>
+                          </m:sub>
+                        </m:sSub>
+                      </m:sub>
+                    </m:sSub>
+                  </m:oMath>
+                </a14:m>
+                <a:endParaRPr lang="en-US" dirty="0"/>
+              </a:p>
+              <a:p>
+                <a:pPr>
+                  <a:buFont typeface="Arial" panose="020B0604020202020204" pitchFamily="34" charset="0"/>
+                  <a:buChar char="•"/>
+                </a:pPr>
+                <a14:m>
+                  <m:oMath xmlns:m="http://schemas.openxmlformats.org/officeDocument/2006/math">
+                    <m:r>
+                      <a:rPr lang="en-US" b="0" i="1" smtClean="0">
+                        <a:latin typeface="Cambria Math" panose="02040503050406030204" pitchFamily="18" charset="0"/>
+                      </a:rPr>
+                      <m:t>𝛼</m:t>
+                    </m:r>
+                    <m:r>
+                      <a:rPr lang="en-US" b="0" i="1" smtClean="0">
+                        <a:latin typeface="Cambria Math" panose="02040503050406030204" pitchFamily="18" charset="0"/>
+                      </a:rPr>
+                      <m:t>=</m:t>
+                    </m:r>
+                    <m:r>
+                      <a:rPr lang="en-US" b="0" i="1" smtClean="0">
+                        <a:latin typeface="Cambria Math" panose="02040503050406030204" pitchFamily="18" charset="0"/>
+                      </a:rPr>
+                      <m:t>𝑚𝑒𝑑𝑖𝑎𝑛</m:t>
+                    </m:r>
+                    <m:r>
+                      <a:rPr lang="en-US" b="0" i="1" smtClean="0">
+                        <a:latin typeface="Cambria Math" panose="02040503050406030204" pitchFamily="18" charset="0"/>
+                      </a:rPr>
+                      <m:t>(</m:t>
+                    </m:r>
+                    <m:sSub>
+                      <m:sSubPr>
+                        <m:ctrlPr>
+                          <a:rPr lang="en-US" b="0" i="1" smtClean="0">
+                            <a:latin typeface="Cambria Math" panose="02040503050406030204" pitchFamily="18" charset="0"/>
+                          </a:rPr>
+                        </m:ctrlPr>
+                      </m:sSubPr>
+                      <m:e>
+                        <m:r>
+                          <a:rPr lang="en-US" b="0" i="1" smtClean="0">
+                            <a:latin typeface="Cambria Math" panose="02040503050406030204" pitchFamily="18" charset="0"/>
+                          </a:rPr>
+                          <m:t>𝛼</m:t>
+                        </m:r>
+                      </m:e>
+                      <m:sub>
+                        <m:sSub>
+                          <m:sSubPr>
+                            <m:ctrlPr>
+                              <a:rPr lang="en-US" b="0" i="1" smtClean="0">
+                                <a:latin typeface="Cambria Math" panose="02040503050406030204" pitchFamily="18" charset="0"/>
+                              </a:rPr>
+                            </m:ctrlPr>
+                          </m:sSubPr>
+                          <m:e>
+                            <m:r>
+                              <a:rPr lang="en-US" b="0" i="1" smtClean="0">
+                                <a:latin typeface="Cambria Math" panose="02040503050406030204" pitchFamily="18" charset="0"/>
+                              </a:rPr>
+                              <m:t>𝑡</m:t>
+                            </m:r>
+                          </m:e>
+                          <m:sub>
+                            <m:r>
+                              <a:rPr lang="en-US" b="0" i="1" smtClean="0">
+                                <a:latin typeface="Cambria Math" panose="02040503050406030204" pitchFamily="18" charset="0"/>
+                              </a:rPr>
+                              <m:t>𝑘</m:t>
+                            </m:r>
+                          </m:sub>
+                        </m:sSub>
+                      </m:sub>
+                    </m:sSub>
+                    <m:r>
+                      <a:rPr lang="en-US" b="0" i="1" smtClean="0">
+                        <a:latin typeface="Cambria Math" panose="02040503050406030204" pitchFamily="18" charset="0"/>
+                      </a:rPr>
+                      <m:t>)</m:t>
+                    </m:r>
+                  </m:oMath>
+                </a14:m>
+                <a:endParaRPr lang="en-US" dirty="0"/>
+              </a:p>
+              <a:p>
+                <a:pPr>
+                  <a:buFont typeface="Arial" panose="020B0604020202020204" pitchFamily="34" charset="0"/>
+                  <a:buChar char="•"/>
+                </a:pPr>
+                <a:endParaRPr lang="en-US" dirty="0"/>
+              </a:p>
+              <a:p>
+                <a:pPr>
+                  <a:buFont typeface="Arial" panose="020B0604020202020204" pitchFamily="34" charset="0"/>
+                  <a:buChar char="•"/>
+                </a:pPr>
+                <a:endParaRPr lang="en-US" dirty="0"/>
+              </a:p>
+            </p:txBody>
+          </p:sp>
+        </mc:Choice>
+        <mc:Fallback>
+          <p:sp>
+            <p:nvSpPr>
+              <p:cNvPr id="3" name="Content Placeholder 2">
+                <a:extLst>
+                  <a:ext uri="{FF2B5EF4-FFF2-40B4-BE49-F238E27FC236}">
+                    <a16:creationId xmlns:a16="http://schemas.microsoft.com/office/drawing/2014/main" id="{C83A749D-B96B-F901-C147-41226AA41EA0}"/>
+                  </a:ext>
+                </a:extLst>
+              </p:cNvPr>
+              <p:cNvSpPr>
+                <a:spLocks noGrp="1" noRot="1" noChangeAspect="1" noMove="1" noResize="1" noEditPoints="1" noAdjustHandles="1" noChangeArrowheads="1" noChangeShapeType="1" noTextEdit="1"/>
+              </p:cNvSpPr>
+              <p:nvPr>
+                <p:ph idx="1"/>
+              </p:nvPr>
+            </p:nvSpPr>
+            <p:spPr>
+              <a:blipFill>
+                <a:blip r:embed="rId3"/>
+                <a:stretch>
+                  <a:fillRect l="-1455" t="-1667"/>
+                </a:stretch>
+              </a:blipFill>
+            </p:spPr>
+            <p:txBody>
+              <a:bodyPr/>
+              <a:lstStyle/>
+              <a:p>
+                <a:r>
+                  <a:rPr lang="en-US">
+                    <a:noFill/>
+                  </a:rPr>
+                  <a:t> </a:t>
+                </a:r>
+              </a:p>
+            </p:txBody>
+          </p:sp>
+        </mc:Fallback>
+      </mc:AlternateContent>
+    </p:spTree>
+    <p:extLst>
+      <p:ext uri="{BB962C8B-B14F-4D97-AF65-F5344CB8AC3E}">
+        <p14:creationId xmlns:p14="http://schemas.microsoft.com/office/powerpoint/2010/main" val="2980406486"/>
+      </p:ext>
+    </p:extLst>
+  </p:cSld>
+  <p:clrMapOvr>
+    <a:masterClrMapping/>
+  </p:clrMapOvr>
+</p:sld>
+</file>
+
+<file path=ppt/slides/slide11.xml><?xml version="1.0" encoding="utf-8"?>
+<p:sld xmlns:a="http://schemas.openxmlformats.org/drawingml/2006/main" xmlns:r="http://schemas.openxmlformats.org/officeDocument/2006/relationships" xmlns:p="http://schemas.openxmlformats.org/presentationml/2006/main">
+  <p:cSld>
+    <p:spTree>
+      <p:nvGrpSpPr>
+        <p:cNvPr id="1" name=""/>
+        <p:cNvGrpSpPr/>
+        <p:nvPr/>
+      </p:nvGrpSpPr>
+      <p:grpSpPr>
+        <a:xfrm>
+          <a:off x="0" y="0"/>
+          <a:ext cx="0" cy="0"/>
+          <a:chOff x="0" y="0"/>
+          <a:chExt cx="0" cy="0"/>
+        </a:xfrm>
+      </p:grpSpPr>
+      <p:sp>
+        <p:nvSpPr>
+          <p:cNvPr id="2" name="Title 1">
+            <a:extLst>
+              <a:ext uri="{FF2B5EF4-FFF2-40B4-BE49-F238E27FC236}">
+                <a16:creationId xmlns:a16="http://schemas.microsoft.com/office/drawing/2014/main" id="{75B7C740-AC60-09D2-EFDB-41B7947A0C21}"/>
+              </a:ext>
+            </a:extLst>
+          </p:cNvPr>
+          <p:cNvSpPr>
+            <a:spLocks noGrp="1"/>
+          </p:cNvSpPr>
+          <p:nvPr>
+            <p:ph type="title"/>
+          </p:nvPr>
+        </p:nvSpPr>
+        <p:spPr/>
+        <p:txBody>
+          <a:bodyPr/>
+          <a:lstStyle/>
+          <a:p>
+            <a:r>
+              <a:rPr lang="tr-TR" dirty="0" err="1"/>
+              <a:t>Implementation</a:t>
+            </a:r>
+            <a:r>
+              <a:rPr lang="tr-TR" dirty="0"/>
+              <a:t> </a:t>
+            </a:r>
+            <a:endParaRPr lang="en-US" dirty="0"/>
+          </a:p>
+        </p:txBody>
+      </p:sp>
+      <p:sp>
+        <p:nvSpPr>
+          <p:cNvPr id="3" name="Content Placeholder 2">
+            <a:extLst>
+              <a:ext uri="{FF2B5EF4-FFF2-40B4-BE49-F238E27FC236}">
+                <a16:creationId xmlns:a16="http://schemas.microsoft.com/office/drawing/2014/main" id="{664A598C-A29A-FE43-E8E3-CC7B633312C3}"/>
+              </a:ext>
+            </a:extLst>
+          </p:cNvPr>
+          <p:cNvSpPr>
+            <a:spLocks noGrp="1"/>
+          </p:cNvSpPr>
+          <p:nvPr>
+            <p:ph idx="1"/>
+          </p:nvPr>
+        </p:nvSpPr>
+        <p:spPr/>
+        <p:txBody>
+          <a:bodyPr/>
+          <a:lstStyle/>
+          <a:p>
+            <a:endParaRPr lang="en-US"/>
+          </a:p>
+        </p:txBody>
+      </p:sp>
+    </p:spTree>
+    <p:extLst>
+      <p:ext uri="{BB962C8B-B14F-4D97-AF65-F5344CB8AC3E}">
+        <p14:creationId xmlns:p14="http://schemas.microsoft.com/office/powerpoint/2010/main" val="1032917283"/>
+      </p:ext>
+    </p:extLst>
+  </p:cSld>
+  <p:clrMapOvr>
+    <a:masterClrMapping/>
+  </p:clrMapOvr>
+</p:sld>
+</file>
+
+<file path=ppt/slides/slide12.xml><?xml version="1.0" encoding="utf-8"?>
+<p:sld xmlns:a="http://schemas.openxmlformats.org/drawingml/2006/main" xmlns:r="http://schemas.openxmlformats.org/officeDocument/2006/relationships" xmlns:p="http://schemas.openxmlformats.org/presentationml/2006/main">
+  <p:cSld>
+    <p:spTree>
+      <p:nvGrpSpPr>
+        <p:cNvPr id="1" name=""/>
+        <p:cNvGrpSpPr/>
+        <p:nvPr/>
+      </p:nvGrpSpPr>
+      <p:grpSpPr>
+        <a:xfrm>
+          <a:off x="0" y="0"/>
+          <a:ext cx="0" cy="0"/>
+          <a:chOff x="0" y="0"/>
+          <a:chExt cx="0" cy="0"/>
+        </a:xfrm>
+      </p:grpSpPr>
+      <p:sp>
+        <p:nvSpPr>
+          <p:cNvPr id="2" name="Title 1">
+            <a:extLst>
+              <a:ext uri="{FF2B5EF4-FFF2-40B4-BE49-F238E27FC236}">
+                <a16:creationId xmlns:a16="http://schemas.microsoft.com/office/drawing/2014/main" id="{A67BDFEB-046F-3E62-CC01-08CA0B2AA109}"/>
+              </a:ext>
+            </a:extLst>
+          </p:cNvPr>
+          <p:cNvSpPr>
+            <a:spLocks noGrp="1"/>
+          </p:cNvSpPr>
+          <p:nvPr>
+            <p:ph type="title"/>
+          </p:nvPr>
+        </p:nvSpPr>
+        <p:spPr/>
+        <p:txBody>
+          <a:bodyPr/>
+          <a:lstStyle/>
+          <a:p>
+            <a:r>
+              <a:rPr lang="tr-TR" dirty="0" err="1"/>
+              <a:t>Modifications</a:t>
+            </a:r>
+            <a:endParaRPr lang="en-US" dirty="0"/>
+          </a:p>
+        </p:txBody>
+      </p:sp>
+      <p:pic>
+        <p:nvPicPr>
+          <p:cNvPr id="5" name="Content Placeholder 4" descr="Chart, line chart&#10;&#10;Description automatically generated">
+            <a:extLst>
+              <a:ext uri="{FF2B5EF4-FFF2-40B4-BE49-F238E27FC236}">
+                <a16:creationId xmlns:a16="http://schemas.microsoft.com/office/drawing/2014/main" id="{D1444E6A-517C-D8A1-98E5-9FC2D15E0D03}"/>
+              </a:ext>
+            </a:extLst>
+          </p:cNvPr>
+          <p:cNvPicPr>
+            <a:picLocks noGrp="1" noChangeAspect="1"/>
+          </p:cNvPicPr>
+          <p:nvPr>
+            <p:ph idx="1"/>
+          </p:nvPr>
+        </p:nvPicPr>
+        <p:blipFill>
+          <a:blip r:embed="rId2">
+            <a:extLst>
+              <a:ext uri="{28A0092B-C50C-407E-A947-70E740481C1C}">
+                <a14:useLocalDpi xmlns:a14="http://schemas.microsoft.com/office/drawing/2010/main" val="0"/>
+              </a:ext>
+            </a:extLst>
+          </a:blip>
+          <a:stretch>
+            <a:fillRect/>
+          </a:stretch>
+        </p:blipFill>
+        <p:spPr>
+          <a:xfrm>
+            <a:off x="3459163" y="1857375"/>
+            <a:ext cx="5334000" cy="4000500"/>
+          </a:xfrm>
+        </p:spPr>
+      </p:pic>
+    </p:spTree>
+    <p:extLst>
+      <p:ext uri="{BB962C8B-B14F-4D97-AF65-F5344CB8AC3E}">
+        <p14:creationId xmlns:p14="http://schemas.microsoft.com/office/powerpoint/2010/main" val="2722848472"/>
+      </p:ext>
+    </p:extLst>
+  </p:cSld>
+  <p:clrMapOvr>
+    <a:masterClrMapping/>
+  </p:clrMapOvr>
+</p:sld>
+</file>
+
 <file path=ppt/slides/slide2.xml><?xml version="1.0" encoding="utf-8"?>
 <p:sld xmlns:a="http://schemas.openxmlformats.org/drawingml/2006/main" xmlns:r="http://schemas.openxmlformats.org/officeDocument/2006/relationships" xmlns:p="http://schemas.openxmlformats.org/presentationml/2006/main">
   <p:cSld>
@@ -9407,7 +11044,7 @@
           <a:lstStyle/>
           <a:p>
             <a:pPr algn="ctr"/>
-            <a:endParaRPr lang="en-US"/>
+            <a:endParaRPr lang="en-US" dirty="0"/>
           </a:p>
         </p:txBody>
       </p:sp>
@@ -9440,7 +11077,7 @@
           <a:lstStyle/>
           <a:p>
             <a:r>
-              <a:rPr lang="en-US" sz="6000">
+              <a:rPr lang="en-US" sz="6000" dirty="0">
                 <a:solidFill>
                   <a:schemeClr val="tx1">
                     <a:lumMod val="85000"/>
@@ -9693,6 +11330,215 @@
           <a:chExt cx="0" cy="0"/>
         </a:xfrm>
       </p:grpSpPr>
+      <p:sp>
+        <p:nvSpPr>
+          <p:cNvPr id="2" name="Title 1">
+            <a:extLst>
+              <a:ext uri="{FF2B5EF4-FFF2-40B4-BE49-F238E27FC236}">
+                <a16:creationId xmlns:a16="http://schemas.microsoft.com/office/drawing/2014/main" id="{AF0A8304-1EEE-DC17-7025-3917290E96C7}"/>
+              </a:ext>
+            </a:extLst>
+          </p:cNvPr>
+          <p:cNvSpPr>
+            <a:spLocks noGrp="1"/>
+          </p:cNvSpPr>
+          <p:nvPr>
+            <p:ph type="title"/>
+          </p:nvPr>
+        </p:nvSpPr>
+        <p:spPr>
+          <a:xfrm>
+            <a:off x="1097280" y="286603"/>
+            <a:ext cx="10058400" cy="1450757"/>
+          </a:xfrm>
+        </p:spPr>
+        <p:txBody>
+          <a:bodyPr>
+            <a:normAutofit/>
+          </a:bodyPr>
+          <a:lstStyle/>
+          <a:p>
+            <a:r>
+              <a:rPr lang="en-US" dirty="0"/>
+              <a:t>Ill-</a:t>
+            </a:r>
+            <a:r>
+              <a:rPr lang="en-US" dirty="0" err="1"/>
+              <a:t>posedness</a:t>
+            </a:r>
+            <a:endParaRPr lang="en-US" dirty="0"/>
+          </a:p>
+        </p:txBody>
+      </p:sp>
+      <p:pic>
+        <p:nvPicPr>
+          <p:cNvPr id="5" name="Picture 4">
+            <a:extLst>
+              <a:ext uri="{FF2B5EF4-FFF2-40B4-BE49-F238E27FC236}">
+                <a16:creationId xmlns:a16="http://schemas.microsoft.com/office/drawing/2014/main" id="{B62D2673-B829-077D-4C92-67E9A087367F}"/>
+              </a:ext>
+            </a:extLst>
+          </p:cNvPr>
+          <p:cNvPicPr>
+            <a:picLocks noChangeAspect="1"/>
+          </p:cNvPicPr>
+          <p:nvPr/>
+        </p:nvPicPr>
+        <p:blipFill>
+          <a:blip r:embed="rId2">
+            <a:extLst>
+              <a:ext uri="{28A0092B-C50C-407E-A947-70E740481C1C}">
+                <a14:useLocalDpi xmlns:a14="http://schemas.microsoft.com/office/drawing/2010/main" val="0"/>
+              </a:ext>
+            </a:extLst>
+          </a:blip>
+          <a:stretch>
+            <a:fillRect/>
+          </a:stretch>
+        </p:blipFill>
+        <p:spPr>
+          <a:xfrm>
+            <a:off x="1076432" y="2800700"/>
+            <a:ext cx="3094997" cy="1702248"/>
+          </a:xfrm>
+          <a:prstGeom prst="rect">
+            <a:avLst/>
+          </a:prstGeom>
+        </p:spPr>
+      </p:pic>
+      <p:sp>
+        <p:nvSpPr>
+          <p:cNvPr id="3" name="Content Placeholder 2">
+            <a:extLst>
+              <a:ext uri="{FF2B5EF4-FFF2-40B4-BE49-F238E27FC236}">
+                <a16:creationId xmlns:a16="http://schemas.microsoft.com/office/drawing/2014/main" id="{90422C9C-DC48-B6E6-EDC1-5756321D6455}"/>
+              </a:ext>
+            </a:extLst>
+          </p:cNvPr>
+          <p:cNvSpPr>
+            <a:spLocks noGrp="1"/>
+          </p:cNvSpPr>
+          <p:nvPr>
+            <p:ph idx="1"/>
+          </p:nvPr>
+        </p:nvSpPr>
+        <p:spPr>
+          <a:xfrm>
+            <a:off x="4639733" y="1845734"/>
+            <a:ext cx="6515947" cy="4023360"/>
+          </a:xfrm>
+        </p:spPr>
+        <p:txBody>
+          <a:bodyPr>
+            <a:normAutofit/>
+          </a:bodyPr>
+          <a:lstStyle/>
+          <a:p>
+            <a:pPr>
+              <a:buFont typeface="Wingdings" panose="05000000000000000000" pitchFamily="2" charset="2"/>
+              <a:buChar char="Ø"/>
+            </a:pPr>
+            <a:r>
+              <a:rPr lang="en-US" dirty="0"/>
+              <a:t>Noise on the measured torso potentials</a:t>
+            </a:r>
+          </a:p>
+          <a:p>
+            <a:pPr>
+              <a:buFont typeface="Wingdings" panose="05000000000000000000" pitchFamily="2" charset="2"/>
+              <a:buChar char="Ø"/>
+            </a:pPr>
+            <a:r>
+              <a:rPr lang="en-US" dirty="0"/>
+              <a:t>Uncertainty in the location of measurement sites with respect to the source locations</a:t>
+            </a:r>
+            <a:endParaRPr lang="tr-TR" dirty="0"/>
+          </a:p>
+          <a:p>
+            <a:pPr>
+              <a:buFont typeface="Wingdings" panose="05000000000000000000" pitchFamily="2" charset="2"/>
+              <a:buChar char="Ø"/>
+            </a:pPr>
+            <a:r>
+              <a:rPr lang="en-US" dirty="0"/>
+              <a:t>Errors</a:t>
+            </a:r>
+            <a:r>
+              <a:rPr lang="tr-TR" dirty="0"/>
+              <a:t> of </a:t>
+            </a:r>
+            <a:r>
+              <a:rPr lang="tr-TR" dirty="0" err="1"/>
+              <a:t>segmentation</a:t>
+            </a:r>
+            <a:r>
+              <a:rPr lang="tr-TR" dirty="0"/>
+              <a:t> of </a:t>
+            </a:r>
+            <a:r>
+              <a:rPr lang="tr-TR" dirty="0" err="1"/>
+              <a:t>the</a:t>
+            </a:r>
+            <a:r>
+              <a:rPr lang="tr-TR" dirty="0"/>
+              <a:t> </a:t>
+            </a:r>
+            <a:r>
+              <a:rPr lang="tr-TR" dirty="0" err="1"/>
+              <a:t>geometry</a:t>
+            </a:r>
+            <a:endParaRPr lang="en-US" dirty="0"/>
+          </a:p>
+          <a:p>
+            <a:pPr>
+              <a:buFont typeface="Wingdings" panose="05000000000000000000" pitchFamily="2" charset="2"/>
+              <a:buChar char="Ø"/>
+            </a:pPr>
+            <a:r>
+              <a:rPr lang="en-US" dirty="0"/>
+              <a:t>Influence of the cardiac motion</a:t>
+            </a:r>
+          </a:p>
+        </p:txBody>
+      </p:sp>
+    </p:spTree>
+    <p:extLst>
+      <p:ext uri="{BB962C8B-B14F-4D97-AF65-F5344CB8AC3E}">
+        <p14:creationId xmlns:p14="http://schemas.microsoft.com/office/powerpoint/2010/main" val="3508455803"/>
+      </p:ext>
+    </p:extLst>
+  </p:cSld>
+  <p:clrMapOvr>
+    <a:masterClrMapping/>
+  </p:clrMapOvr>
+</p:sld>
+</file>
+
+<file path=ppt/slides/slide4.xml><?xml version="1.0" encoding="utf-8"?>
+<p:sld xmlns:a="http://schemas.openxmlformats.org/drawingml/2006/main" xmlns:r="http://schemas.openxmlformats.org/officeDocument/2006/relationships" xmlns:p="http://schemas.openxmlformats.org/presentationml/2006/main">
+  <p:cSld>
+    <p:bg>
+      <p:bgPr>
+        <a:solidFill>
+          <a:schemeClr val="bg1"/>
+        </a:solidFill>
+        <a:effectLst/>
+      </p:bgPr>
+    </p:bg>
+    <p:spTree>
+      <p:nvGrpSpPr>
+        <p:cNvPr id="1" name=""/>
+        <p:cNvGrpSpPr/>
+        <p:nvPr/>
+      </p:nvGrpSpPr>
+      <p:grpSpPr>
+        <a:xfrm>
+          <a:off x="0" y="0"/>
+          <a:ext cx="0" cy="0"/>
+          <a:chOff x="0" y="0"/>
+          <a:chExt cx="0" cy="0"/>
+        </a:xfrm>
+      </p:grpSpPr>
       <p:sp useBgFill="1">
         <p:nvSpPr>
           <p:cNvPr id="10" name="Rectangle 9">
@@ -9880,8 +11726,8 @@
           </a:fontRef>
         </p:style>
       </p:cxnSp>
-      <mc:AlternateContent xmlns:mc="http://schemas.openxmlformats.org/markup-compatibility/2006">
-        <mc:Choice xmlns:a14="http://schemas.microsoft.com/office/drawing/2010/main" Requires="a14">
+      <mc:AlternateContent xmlns:mc="http://schemas.openxmlformats.org/markup-compatibility/2006" xmlns:a14="http://schemas.microsoft.com/office/drawing/2010/main">
+        <mc:Choice Requires="a14">
           <p:sp>
             <p:nvSpPr>
               <p:cNvPr id="3" name="Content Placeholder 2">
@@ -9910,7 +11756,6 @@
               </a:bodyPr>
               <a:lstStyle/>
               <a:p>
-                <a:pPr/>
                 <a14:m>
                   <m:oMath xmlns:m="http://schemas.openxmlformats.org/officeDocument/2006/math">
                     <m:r>
@@ -9990,7 +11835,6 @@
                 <a:endParaRPr lang="en-US"/>
               </a:p>
               <a:p>
-                <a:pPr/>
                 <a14:m>
                   <m:oMath xmlns:m="http://schemas.openxmlformats.org/officeDocument/2006/math">
                     <m:acc>
@@ -10054,7 +11898,7 @@
             </p:txBody>
           </p:sp>
         </mc:Choice>
-        <mc:Fallback>
+        <mc:Fallback xmlns="">
           <p:sp>
             <p:nvSpPr>
               <p:cNvPr id="3" name="Content Placeholder 2">
@@ -10221,7 +12065,7 @@
 </p:sld>
 </file>
 
-<file path=ppt/slides/slide4.xml><?xml version="1.0" encoding="utf-8"?>
+<file path=ppt/slides/slide5.xml><?xml version="1.0" encoding="utf-8"?>
 <p:sld xmlns:a="http://schemas.openxmlformats.org/drawingml/2006/main" xmlns:r="http://schemas.openxmlformats.org/officeDocument/2006/relationships" xmlns:p="http://schemas.openxmlformats.org/presentationml/2006/main">
   <p:cSld>
     <p:bg>
@@ -10325,7 +12169,7 @@
 </p:sld>
 </file>
 
-<file path=ppt/slides/slide5.xml><?xml version="1.0" encoding="utf-8"?>
+<file path=ppt/slides/slide6.xml><?xml version="1.0" encoding="utf-8"?>
 <p:sld xmlns:a="http://schemas.openxmlformats.org/drawingml/2006/main" xmlns:r="http://schemas.openxmlformats.org/officeDocument/2006/relationships" xmlns:p="http://schemas.openxmlformats.org/presentationml/2006/main">
   <p:cSld>
     <p:spTree>
@@ -10460,6 +12304,214 @@
           </a:prstGeom>
         </p:spPr>
       </p:pic>
+      <p:sp>
+        <p:nvSpPr>
+          <p:cNvPr id="8" name="Right Brace 7">
+            <a:extLst>
+              <a:ext uri="{FF2B5EF4-FFF2-40B4-BE49-F238E27FC236}">
+                <a16:creationId xmlns:a16="http://schemas.microsoft.com/office/drawing/2014/main" id="{C2562B33-B0C8-108B-6B5A-E276F824EF75}"/>
+              </a:ext>
+            </a:extLst>
+          </p:cNvPr>
+          <p:cNvSpPr/>
+          <p:nvPr/>
+        </p:nvSpPr>
+        <p:spPr>
+          <a:xfrm>
+            <a:off x="8934275" y="4198924"/>
+            <a:ext cx="302004" cy="1112709"/>
+          </a:xfrm>
+          <a:prstGeom prst="rightBrace">
+            <a:avLst/>
+          </a:prstGeom>
+        </p:spPr>
+        <p:style>
+          <a:lnRef idx="1">
+            <a:schemeClr val="dk1"/>
+          </a:lnRef>
+          <a:fillRef idx="0">
+            <a:schemeClr val="dk1"/>
+          </a:fillRef>
+          <a:effectRef idx="0">
+            <a:schemeClr val="dk1"/>
+          </a:effectRef>
+          <a:fontRef idx="minor">
+            <a:schemeClr val="tx1"/>
+          </a:fontRef>
+        </p:style>
+        <p:txBody>
+          <a:bodyPr rtlCol="0" anchor="ctr"/>
+          <a:lstStyle/>
+          <a:p>
+            <a:pPr algn="ctr"/>
+            <a:endParaRPr lang="en-US"/>
+          </a:p>
+        </p:txBody>
+      </p:sp>
+      <mc:AlternateContent xmlns:mc="http://schemas.openxmlformats.org/markup-compatibility/2006" xmlns:a14="http://schemas.microsoft.com/office/drawing/2010/main">
+        <mc:Choice Requires="a14">
+          <p:sp>
+            <p:nvSpPr>
+              <p:cNvPr id="11" name="TextBox 10">
+                <a:extLst>
+                  <a:ext uri="{FF2B5EF4-FFF2-40B4-BE49-F238E27FC236}">
+                    <a16:creationId xmlns:a16="http://schemas.microsoft.com/office/drawing/2014/main" id="{D57F55DB-1C49-487F-96BA-DF29B1B22E8C}"/>
+                  </a:ext>
+                </a:extLst>
+              </p:cNvPr>
+              <p:cNvSpPr txBox="1"/>
+              <p:nvPr/>
+            </p:nvSpPr>
+            <p:spPr>
+              <a:xfrm>
+                <a:off x="9296496" y="4293613"/>
+                <a:ext cx="2766205" cy="923330"/>
+              </a:xfrm>
+              <a:prstGeom prst="rect">
+                <a:avLst/>
+              </a:prstGeom>
+              <a:noFill/>
+            </p:spPr>
+            <p:txBody>
+              <a:bodyPr wrap="square">
+                <a:spAutoFit/>
+              </a:bodyPr>
+              <a:lstStyle/>
+              <a:p>
+                <a:pPr algn="ctr"/>
+                <a14:m>
+                  <m:oMathPara xmlns:m="http://schemas.openxmlformats.org/officeDocument/2006/math">
+                    <m:oMathParaPr>
+                      <m:jc m:val="centerGroup"/>
+                    </m:oMathParaPr>
+                    <m:oMath xmlns:m="http://schemas.openxmlformats.org/officeDocument/2006/math">
+                      <m:sSub>
+                        <m:sSubPr>
+                          <m:ctrlPr>
+                            <a:rPr lang="en-US" b="0" i="1" smtClean="0">
+                              <a:latin typeface="Cambria Math" panose="02040503050406030204" pitchFamily="18" charset="0"/>
+                            </a:rPr>
+                          </m:ctrlPr>
+                        </m:sSubPr>
+                        <m:e>
+                          <m:r>
+                            <a:rPr lang="en-US" i="1" smtClean="0">
+                              <a:latin typeface="Cambria Math" panose="02040503050406030204" pitchFamily="18" charset="0"/>
+                            </a:rPr>
+                            <m:t>𝜕</m:t>
+                          </m:r>
+                        </m:e>
+                        <m:sub>
+                          <m:r>
+                            <a:rPr lang="en-US" b="0" i="1" smtClean="0">
+                              <a:latin typeface="Cambria Math" panose="02040503050406030204" pitchFamily="18" charset="0"/>
+                            </a:rPr>
+                            <m:t>𝑛</m:t>
+                          </m:r>
+                        </m:sub>
+                      </m:sSub>
+                      <m:r>
+                        <m:rPr>
+                          <m:sty m:val="p"/>
+                        </m:rPr>
+                        <a:rPr lang="en-US" b="0" i="0" smtClean="0">
+                          <a:latin typeface="Cambria Math" panose="02040503050406030204" pitchFamily="18" charset="0"/>
+                        </a:rPr>
+                        <m:t>Φ</m:t>
+                      </m:r>
+                      <m:r>
+                        <a:rPr lang="en-US" b="0" i="1" smtClean="0">
+                          <a:latin typeface="Cambria Math" panose="02040503050406030204" pitchFamily="18" charset="0"/>
+                        </a:rPr>
+                        <m:t>=0</m:t>
+                      </m:r>
+                    </m:oMath>
+                    <m:oMath xmlns:m="http://schemas.openxmlformats.org/officeDocument/2006/math">
+                      <m:r>
+                        <a:rPr lang="en-US" b="0" i="1" smtClean="0">
+                          <a:latin typeface="Cambria Math" panose="02040503050406030204" pitchFamily="18" charset="0"/>
+                        </a:rPr>
+                        <m:t>𝐻𝑜𝑚𝑜𝑔𝑒𝑛𝑜𝑢𝑠</m:t>
+                      </m:r>
+                      <m:r>
+                        <a:rPr lang="en-US" b="0" i="1" smtClean="0">
+                          <a:latin typeface="Cambria Math" panose="02040503050406030204" pitchFamily="18" charset="0"/>
+                        </a:rPr>
+                        <m:t> </m:t>
+                      </m:r>
+                      <m:r>
+                        <a:rPr lang="en-US" b="0" i="1" smtClean="0">
+                          <a:latin typeface="Cambria Math" panose="02040503050406030204" pitchFamily="18" charset="0"/>
+                        </a:rPr>
+                        <m:t>𝑁𝑒𝑢𝑚𝑎𝑛𝑛</m:t>
+                      </m:r>
+                    </m:oMath>
+                    <m:oMath xmlns:m="http://schemas.openxmlformats.org/officeDocument/2006/math">
+                      <m:r>
+                        <a:rPr lang="en-US" b="0" i="1" smtClean="0">
+                          <a:latin typeface="Cambria Math" panose="02040503050406030204" pitchFamily="18" charset="0"/>
+                        </a:rPr>
+                        <m:t> </m:t>
+                      </m:r>
+                      <m:r>
+                        <a:rPr lang="en-US" b="0" i="1" smtClean="0">
+                          <a:latin typeface="Cambria Math" panose="02040503050406030204" pitchFamily="18" charset="0"/>
+                        </a:rPr>
+                        <m:t>𝐶𝑜𝑛𝑑𝑖𝑡𝑖𝑜𝑛</m:t>
+                      </m:r>
+                    </m:oMath>
+                  </m:oMathPara>
+                </a14:m>
+                <a:endParaRPr lang="en-US" dirty="0"/>
+              </a:p>
+            </p:txBody>
+          </p:sp>
+        </mc:Choice>
+        <mc:Fallback xmlns="">
+          <p:sp>
+            <p:nvSpPr>
+              <p:cNvPr id="11" name="TextBox 10">
+                <a:extLst>
+                  <a:ext uri="{FF2B5EF4-FFF2-40B4-BE49-F238E27FC236}">
+                    <a16:creationId xmlns:a16="http://schemas.microsoft.com/office/drawing/2014/main" id="{D57F55DB-1C49-487F-96BA-DF29B1B22E8C}"/>
+                  </a:ext>
+                </a:extLst>
+              </p:cNvPr>
+              <p:cNvSpPr txBox="1">
+                <a:spLocks noRot="1" noChangeAspect="1" noMove="1" noResize="1" noEditPoints="1" noAdjustHandles="1" noChangeArrowheads="1" noChangeShapeType="1" noTextEdit="1"/>
+              </p:cNvSpPr>
+              <p:nvPr/>
+            </p:nvSpPr>
+            <p:spPr>
+              <a:xfrm>
+                <a:off x="9296496" y="4293613"/>
+                <a:ext cx="2766205" cy="923330"/>
+              </a:xfrm>
+              <a:prstGeom prst="rect">
+                <a:avLst/>
+              </a:prstGeom>
+              <a:blipFill>
+                <a:blip r:embed="rId5"/>
+                <a:stretch>
+                  <a:fillRect/>
+                </a:stretch>
+              </a:blipFill>
+            </p:spPr>
+            <p:txBody>
+              <a:bodyPr/>
+              <a:lstStyle/>
+              <a:p>
+                <a:r>
+                  <a:rPr lang="en-US">
+                    <a:noFill/>
+                  </a:rPr>
+                  <a:t> </a:t>
+                </a:r>
+              </a:p>
+            </p:txBody>
+          </p:sp>
+        </mc:Fallback>
+      </mc:AlternateContent>
     </p:spTree>
     <p:extLst>
       <p:ext uri="{BB962C8B-B14F-4D97-AF65-F5344CB8AC3E}">
@@ -10473,7 +12525,7 @@
 </p:sld>
 </file>
 
-<file path=ppt/slides/slide6.xml><?xml version="1.0" encoding="utf-8"?>
+<file path=ppt/slides/slide7.xml><?xml version="1.0" encoding="utf-8"?>
 <p:sld xmlns:a="http://schemas.openxmlformats.org/drawingml/2006/main" xmlns:r="http://schemas.openxmlformats.org/officeDocument/2006/relationships" xmlns:p="http://schemas.openxmlformats.org/presentationml/2006/main">
   <p:cSld>
     <p:spTree>
@@ -10653,7 +12705,7 @@
 </p:sld>
 </file>
 
-<file path=ppt/slides/slide7.xml><?xml version="1.0" encoding="utf-8"?>
+<file path=ppt/slides/slide8.xml><?xml version="1.0" encoding="utf-8"?>
 <p:sld xmlns:a="http://schemas.openxmlformats.org/drawingml/2006/main" xmlns:r="http://schemas.openxmlformats.org/officeDocument/2006/relationships" xmlns:p="http://schemas.openxmlformats.org/presentationml/2006/main">
   <p:cSld>
     <p:bg>
@@ -11073,7 +13125,7 @@
 </p:sld>
 </file>
 
-<file path=ppt/slides/slide8.xml><?xml version="1.0" encoding="utf-8"?>
+<file path=ppt/slides/slide9.xml><?xml version="1.0" encoding="utf-8"?>
 <p:sld xmlns:a="http://schemas.openxmlformats.org/drawingml/2006/main" xmlns:r="http://schemas.openxmlformats.org/officeDocument/2006/relationships" xmlns:p="http://schemas.openxmlformats.org/presentationml/2006/main">
   <p:cSld>
     <p:spTree>
@@ -11112,37 +13164,270 @@
           <a:lstStyle/>
           <a:p>
             <a:r>
-              <a:rPr lang="en-US" dirty="0"/>
+              <a:rPr lang="en-US"/>
               <a:t>Discrete Picard Condition </a:t>
             </a:r>
+            <a:endParaRPr lang="en-US" dirty="0"/>
           </a:p>
         </p:txBody>
       </p:sp>
-      <p:sp>
-        <p:nvSpPr>
-          <p:cNvPr id="3" name="Content Placeholder 2">
+      <p:pic>
+        <p:nvPicPr>
+          <p:cNvPr id="5" name="Picture 4">
             <a:extLst>
               <a:ext uri="{FF2B5EF4-FFF2-40B4-BE49-F238E27FC236}">
-                <a16:creationId xmlns:a16="http://schemas.microsoft.com/office/drawing/2014/main" id="{290BA35B-59BA-7623-2E75-4EEC65F9FD5E}"/>
+                <a16:creationId xmlns:a16="http://schemas.microsoft.com/office/drawing/2014/main" id="{B1381DE7-3716-F334-06A1-E70F19C78165}"/>
               </a:ext>
             </a:extLst>
           </p:cNvPr>
-          <p:cNvSpPr>
-            <a:spLocks noGrp="1"/>
-          </p:cNvSpPr>
-          <p:nvPr>
-            <p:ph idx="1"/>
-          </p:nvPr>
-        </p:nvSpPr>
-        <p:spPr/>
-        <p:txBody>
-          <a:bodyPr/>
-          <a:lstStyle/>
-          <a:p>
-            <a:endParaRPr lang="en-US"/>
-          </a:p>
-        </p:txBody>
-      </p:sp>
+          <p:cNvPicPr>
+            <a:picLocks noChangeAspect="1"/>
+          </p:cNvPicPr>
+          <p:nvPr/>
+        </p:nvPicPr>
+        <p:blipFill>
+          <a:blip r:embed="rId3"/>
+          <a:stretch>
+            <a:fillRect/>
+          </a:stretch>
+        </p:blipFill>
+        <p:spPr>
+          <a:xfrm>
+            <a:off x="1097280" y="1971947"/>
+            <a:ext cx="8459381" cy="1105054"/>
+          </a:xfrm>
+          <a:prstGeom prst="rect">
+            <a:avLst/>
+          </a:prstGeom>
+        </p:spPr>
+      </p:pic>
+      <mc:AlternateContent xmlns:mc="http://schemas.openxmlformats.org/markup-compatibility/2006">
+        <mc:Choice xmlns:a14="http://schemas.microsoft.com/office/drawing/2010/main" Requires="a14">
+          <p:sp>
+            <p:nvSpPr>
+              <p:cNvPr id="8" name="TextBox 7">
+                <a:extLst>
+                  <a:ext uri="{FF2B5EF4-FFF2-40B4-BE49-F238E27FC236}">
+                    <a16:creationId xmlns:a16="http://schemas.microsoft.com/office/drawing/2014/main" id="{F69A9F6C-3F66-AD2D-2041-08591F4BA1E3}"/>
+                  </a:ext>
+                </a:extLst>
+              </p:cNvPr>
+              <p:cNvSpPr txBox="1"/>
+              <p:nvPr/>
+            </p:nvSpPr>
+            <p:spPr>
+              <a:xfrm>
+                <a:off x="1497330" y="3836152"/>
+                <a:ext cx="5122545" cy="855171"/>
+              </a:xfrm>
+              <a:prstGeom prst="rect">
+                <a:avLst/>
+              </a:prstGeom>
+              <a:noFill/>
+            </p:spPr>
+            <p:txBody>
+              <a:bodyPr wrap="square" rtlCol="0">
+                <a:spAutoFit/>
+              </a:bodyPr>
+              <a:lstStyle/>
+              <a:p>
+                <a:r>
+                  <a:rPr lang="en-US" dirty="0"/>
+                  <a:t>DPC starts to fail when </a:t>
+                </a:r>
+                <a14:m>
+                  <m:oMath xmlns:m="http://schemas.openxmlformats.org/officeDocument/2006/math">
+                    <m:f>
+                      <m:fPr>
+                        <m:ctrlPr>
+                          <a:rPr lang="en-US" b="1" i="1" smtClean="0">
+                            <a:latin typeface="Cambria Math" panose="02040503050406030204" pitchFamily="18" charset="0"/>
+                          </a:rPr>
+                        </m:ctrlPr>
+                      </m:fPr>
+                      <m:num>
+                        <m:r>
+                          <a:rPr lang="en-US" b="1" i="1" smtClean="0">
+                            <a:latin typeface="Cambria Math" panose="02040503050406030204" pitchFamily="18" charset="0"/>
+                          </a:rPr>
+                          <m:t>|</m:t>
+                        </m:r>
+                        <m:sSubSup>
+                          <m:sSubSupPr>
+                            <m:ctrlPr>
+                              <a:rPr lang="en-US" b="1" i="1" smtClean="0">
+                                <a:latin typeface="Cambria Math" panose="02040503050406030204" pitchFamily="18" charset="0"/>
+                              </a:rPr>
+                            </m:ctrlPr>
+                          </m:sSubSupPr>
+                          <m:e>
+                            <m:r>
+                              <a:rPr lang="en-US" b="1" i="1" smtClean="0">
+                                <a:latin typeface="Cambria Math" panose="02040503050406030204" pitchFamily="18" charset="0"/>
+                              </a:rPr>
+                              <m:t>𝒖</m:t>
+                            </m:r>
+                          </m:e>
+                          <m:sub>
+                            <m:r>
+                              <a:rPr lang="en-US" b="1" i="1" smtClean="0">
+                                <a:latin typeface="Cambria Math" panose="02040503050406030204" pitchFamily="18" charset="0"/>
+                              </a:rPr>
+                              <m:t>𝒊</m:t>
+                            </m:r>
+                          </m:sub>
+                          <m:sup>
+                            <m:r>
+                              <a:rPr lang="en-US" b="1" i="1" smtClean="0">
+                                <a:latin typeface="Cambria Math" panose="02040503050406030204" pitchFamily="18" charset="0"/>
+                              </a:rPr>
+                              <m:t>𝑻</m:t>
+                            </m:r>
+                          </m:sup>
+                        </m:sSubSup>
+                        <m:r>
+                          <a:rPr lang="en-US" b="1" i="1" smtClean="0">
+                            <a:latin typeface="Cambria Math" panose="02040503050406030204" pitchFamily="18" charset="0"/>
+                          </a:rPr>
+                          <m:t>𝒃</m:t>
+                        </m:r>
+                        <m:r>
+                          <a:rPr lang="en-US" b="1" i="1" smtClean="0">
+                            <a:latin typeface="Cambria Math" panose="02040503050406030204" pitchFamily="18" charset="0"/>
+                          </a:rPr>
+                          <m:t>|</m:t>
+                        </m:r>
+                      </m:num>
+                      <m:den>
+                        <m:sSub>
+                          <m:sSubPr>
+                            <m:ctrlPr>
+                              <a:rPr lang="en-US" b="1" i="1" smtClean="0">
+                                <a:latin typeface="Cambria Math" panose="02040503050406030204" pitchFamily="18" charset="0"/>
+                              </a:rPr>
+                            </m:ctrlPr>
+                          </m:sSubPr>
+                          <m:e>
+                            <m:r>
+                              <a:rPr lang="en-US" b="1" i="1" smtClean="0">
+                                <a:latin typeface="Cambria Math" panose="02040503050406030204" pitchFamily="18" charset="0"/>
+                              </a:rPr>
+                              <m:t>𝝈</m:t>
+                            </m:r>
+                          </m:e>
+                          <m:sub>
+                            <m:r>
+                              <a:rPr lang="en-US" b="1" i="1" smtClean="0">
+                                <a:latin typeface="Cambria Math" panose="02040503050406030204" pitchFamily="18" charset="0"/>
+                              </a:rPr>
+                              <m:t>𝒊</m:t>
+                            </m:r>
+                          </m:sub>
+                        </m:sSub>
+                      </m:den>
+                    </m:f>
+                  </m:oMath>
+                </a14:m>
+                <a:r>
+                  <a:rPr lang="en-US" b="1" dirty="0"/>
+                  <a:t> </a:t>
+                </a:r>
+                <a:r>
+                  <a:rPr lang="en-US" dirty="0"/>
+                  <a:t>starts to increase and </a:t>
+                </a:r>
+                <a:br>
+                  <a:rPr lang="en-US" dirty="0"/>
+                </a:br>
+                <a:r>
+                  <a:rPr lang="en-US" dirty="0"/>
+                  <a:t>the solution is completely dominated by smaller SVs. </a:t>
+                </a:r>
+              </a:p>
+            </p:txBody>
+          </p:sp>
+        </mc:Choice>
+        <mc:Fallback>
+          <p:sp>
+            <p:nvSpPr>
+              <p:cNvPr id="8" name="TextBox 7">
+                <a:extLst>
+                  <a:ext uri="{FF2B5EF4-FFF2-40B4-BE49-F238E27FC236}">
+                    <a16:creationId xmlns:a16="http://schemas.microsoft.com/office/drawing/2014/main" id="{F69A9F6C-3F66-AD2D-2041-08591F4BA1E3}"/>
+                  </a:ext>
+                </a:extLst>
+              </p:cNvPr>
+              <p:cNvSpPr txBox="1">
+                <a:spLocks noRot="1" noChangeAspect="1" noMove="1" noResize="1" noEditPoints="1" noAdjustHandles="1" noChangeArrowheads="1" noChangeShapeType="1" noTextEdit="1"/>
+              </p:cNvSpPr>
+              <p:nvPr/>
+            </p:nvSpPr>
+            <p:spPr>
+              <a:xfrm>
+                <a:off x="1497330" y="3836152"/>
+                <a:ext cx="5122545" cy="855171"/>
+              </a:xfrm>
+              <a:prstGeom prst="rect">
+                <a:avLst/>
+              </a:prstGeom>
+              <a:blipFill>
+                <a:blip r:embed="rId4"/>
+                <a:stretch>
+                  <a:fillRect l="-1071" r="-952" b="-9929"/>
+                </a:stretch>
+              </a:blipFill>
+            </p:spPr>
+            <p:txBody>
+              <a:bodyPr/>
+              <a:lstStyle/>
+              <a:p>
+                <a:r>
+                  <a:rPr lang="en-US">
+                    <a:noFill/>
+                  </a:rPr>
+                  <a:t> </a:t>
+                </a:r>
+              </a:p>
+            </p:txBody>
+          </p:sp>
+        </mc:Fallback>
+      </mc:AlternateContent>
+      <p:pic>
+        <p:nvPicPr>
+          <p:cNvPr id="10" name="Picture 9" descr="Chart&#10;&#10;Description automatically generated">
+            <a:extLst>
+              <a:ext uri="{FF2B5EF4-FFF2-40B4-BE49-F238E27FC236}">
+                <a16:creationId xmlns:a16="http://schemas.microsoft.com/office/drawing/2014/main" id="{93DCBF9D-6309-6264-4682-E4D625CEAB73}"/>
+              </a:ext>
+            </a:extLst>
+          </p:cNvPr>
+          <p:cNvPicPr>
+            <a:picLocks noChangeAspect="1"/>
+          </p:cNvPicPr>
+          <p:nvPr/>
+        </p:nvPicPr>
+        <p:blipFill>
+          <a:blip r:embed="rId5">
+            <a:extLst>
+              <a:ext uri="{28A0092B-C50C-407E-A947-70E740481C1C}">
+                <a14:useLocalDpi xmlns:a14="http://schemas.microsoft.com/office/drawing/2010/main" val="0"/>
+              </a:ext>
+            </a:extLst>
+          </a:blip>
+          <a:stretch>
+            <a:fillRect/>
+          </a:stretch>
+        </p:blipFill>
+        <p:spPr>
+          <a:xfrm>
+            <a:off x="6762750" y="3077001"/>
+            <a:ext cx="4309475" cy="3232107"/>
+          </a:xfrm>
+          <a:prstGeom prst="rect">
+            <a:avLst/>
+          </a:prstGeom>
+        </p:spPr>
+      </p:pic>
     </p:spTree>
     <p:extLst>
       <p:ext uri="{BB962C8B-B14F-4D97-AF65-F5344CB8AC3E}">
@@ -11437,4 +13722,299 @@
     </a:ext>
   </a:extLst>
 </a:theme>
+</file>
+
+<file path=ppt/theme/theme2.xml><?xml version="1.0" encoding="utf-8"?>
+<a:theme xmlns:a="http://schemas.openxmlformats.org/drawingml/2006/main" name="Office Theme">
+  <a:themeElements>
+    <a:clrScheme name="Office">
+      <a:dk1>
+        <a:sysClr val="windowText" lastClr="000000"/>
+      </a:dk1>
+      <a:lt1>
+        <a:sysClr val="window" lastClr="FFFFFF"/>
+      </a:lt1>
+      <a:dk2>
+        <a:srgbClr val="44546A"/>
+      </a:dk2>
+      <a:lt2>
+        <a:srgbClr val="E7E6E6"/>
+      </a:lt2>
+      <a:accent1>
+        <a:srgbClr val="4472C4"/>
+      </a:accent1>
+      <a:accent2>
+        <a:srgbClr val="ED7D31"/>
+      </a:accent2>
+      <a:accent3>
+        <a:srgbClr val="A5A5A5"/>
+      </a:accent3>
+      <a:accent4>
+        <a:srgbClr val="FFC000"/>
+      </a:accent4>
+      <a:accent5>
+        <a:srgbClr val="5B9BD5"/>
+      </a:accent5>
+      <a:accent6>
+        <a:srgbClr val="70AD47"/>
+      </a:accent6>
+      <a:hlink>
+        <a:srgbClr val="0563C1"/>
+      </a:hlink>
+      <a:folHlink>
+        <a:srgbClr val="954F72"/>
+      </a:folHlink>
+    </a:clrScheme>
+    <a:fontScheme name="Office">
+      <a:majorFont>
+        <a:latin typeface="Calibri Light" panose="020F0302020204030204"/>
+        <a:ea typeface=""/>
+        <a:cs typeface=""/>
+        <a:font script="Jpan" typeface="游ゴシック Light"/>
+        <a:font script="Hang" typeface="맑은 고딕"/>
+        <a:font script="Hans" typeface="等线 Light"/>
+        <a:font script="Hant" typeface="新細明體"/>
+        <a:font script="Arab" typeface="Times New Roman"/>
+        <a:font script="Hebr" typeface="Times New Roman"/>
+        <a:font script="Thai" typeface="Angsana New"/>
+        <a:font script="Ethi" typeface="Nyala"/>
+        <a:font script="Beng" typeface="Vrinda"/>
+        <a:font script="Gujr" typeface="Shruti"/>
+        <a:font script="Khmr" typeface="MoolBoran"/>
+        <a:font script="Knda" typeface="Tunga"/>
+        <a:font script="Guru" typeface="Raavi"/>
+        <a:font script="Cans" typeface="Euphemia"/>
+        <a:font script="Cher" typeface="Plantagenet Cherokee"/>
+        <a:font script="Yiii" typeface="Microsoft Yi Baiti"/>
+        <a:font script="Tibt" typeface="Microsoft Himalaya"/>
+        <a:font script="Thaa" typeface="MV Boli"/>
+        <a:font script="Deva" typeface="Mangal"/>
+        <a:font script="Telu" typeface="Gautami"/>
+        <a:font script="Taml" typeface="Latha"/>
+        <a:font script="Syrc" typeface="Estrangelo Edessa"/>
+        <a:font script="Orya" typeface="Kalinga"/>
+        <a:font script="Mlym" typeface="Kartika"/>
+        <a:font script="Laoo" typeface="DokChampa"/>
+        <a:font script="Sinh" typeface="Iskoola Pota"/>
+        <a:font script="Mong" typeface="Mongolian Baiti"/>
+        <a:font script="Viet" typeface="Times New Roman"/>
+        <a:font script="Uigh" typeface="Microsoft Uighur"/>
+        <a:font script="Geor" typeface="Sylfaen"/>
+        <a:font script="Armn" typeface="Arial"/>
+        <a:font script="Bugi" typeface="Leelawadee UI"/>
+        <a:font script="Bopo" typeface="Microsoft JhengHei"/>
+        <a:font script="Java" typeface="Javanese Text"/>
+        <a:font script="Lisu" typeface="Segoe UI"/>
+        <a:font script="Mymr" typeface="Myanmar Text"/>
+        <a:font script="Nkoo" typeface="Ebrima"/>
+        <a:font script="Olck" typeface="Nirmala UI"/>
+        <a:font script="Osma" typeface="Ebrima"/>
+        <a:font script="Phag" typeface="Phagspa"/>
+        <a:font script="Syrn" typeface="Estrangelo Edessa"/>
+        <a:font script="Syrj" typeface="Estrangelo Edessa"/>
+        <a:font script="Syre" typeface="Estrangelo Edessa"/>
+        <a:font script="Sora" typeface="Nirmala UI"/>
+        <a:font script="Tale" typeface="Microsoft Tai Le"/>
+        <a:font script="Talu" typeface="Microsoft New Tai Lue"/>
+        <a:font script="Tfng" typeface="Ebrima"/>
+      </a:majorFont>
+      <a:minorFont>
+        <a:latin typeface="Calibri" panose="020F0502020204030204"/>
+        <a:ea typeface=""/>
+        <a:cs typeface=""/>
+        <a:font script="Jpan" typeface="游ゴシック"/>
+        <a:font script="Hang" typeface="맑은 고딕"/>
+        <a:font script="Hans" typeface="等线"/>
+        <a:font script="Hant" typeface="新細明體"/>
+        <a:font script="Arab" typeface="Arial"/>
+        <a:font script="Hebr" typeface="Arial"/>
+        <a:font script="Thai" typeface="Cordia New"/>
+        <a:font script="Ethi" typeface="Nyala"/>
+        <a:font script="Beng" typeface="Vrinda"/>
+        <a:font script="Gujr" typeface="Shruti"/>
+        <a:font script="Khmr" typeface="DaunPenh"/>
+        <a:font script="Knda" typeface="Tunga"/>
+        <a:font script="Guru" typeface="Raavi"/>
+        <a:font script="Cans" typeface="Euphemia"/>
+        <a:font script="Cher" typeface="Plantagenet Cherokee"/>
+        <a:font script="Yiii" typeface="Microsoft Yi Baiti"/>
+        <a:font script="Tibt" typeface="Microsoft Himalaya"/>
+        <a:font script="Thaa" typeface="MV Boli"/>
+        <a:font script="Deva" typeface="Mangal"/>
+        <a:font script="Telu" typeface="Gautami"/>
+        <a:font script="Taml" typeface="Latha"/>
+        <a:font script="Syrc" typeface="Estrangelo Edessa"/>
+        <a:font script="Orya" typeface="Kalinga"/>
+        <a:font script="Mlym" typeface="Kartika"/>
+        <a:font script="Laoo" typeface="DokChampa"/>
+        <a:font script="Sinh" typeface="Iskoola Pota"/>
+        <a:font script="Mong" typeface="Mongolian Baiti"/>
+        <a:font script="Viet" typeface="Arial"/>
+        <a:font script="Uigh" typeface="Microsoft Uighur"/>
+        <a:font script="Geor" typeface="Sylfaen"/>
+        <a:font script="Armn" typeface="Arial"/>
+        <a:font script="Bugi" typeface="Leelawadee UI"/>
+        <a:font script="Bopo" typeface="Microsoft JhengHei"/>
+        <a:font script="Java" typeface="Javanese Text"/>
+        <a:font script="Lisu" typeface="Segoe UI"/>
+        <a:font script="Mymr" typeface="Myanmar Text"/>
+        <a:font script="Nkoo" typeface="Ebrima"/>
+        <a:font script="Olck" typeface="Nirmala UI"/>
+        <a:font script="Osma" typeface="Ebrima"/>
+        <a:font script="Phag" typeface="Phagspa"/>
+        <a:font script="Syrn" typeface="Estrangelo Edessa"/>
+        <a:font script="Syrj" typeface="Estrangelo Edessa"/>
+        <a:font script="Syre" typeface="Estrangelo Edessa"/>
+        <a:font script="Sora" typeface="Nirmala UI"/>
+        <a:font script="Tale" typeface="Microsoft Tai Le"/>
+        <a:font script="Talu" typeface="Microsoft New Tai Lue"/>
+        <a:font script="Tfng" typeface="Ebrima"/>
+      </a:minorFont>
+    </a:fontScheme>
+    <a:fmtScheme name="Office">
+      <a:fillStyleLst>
+        <a:solidFill>
+          <a:schemeClr val="phClr"/>
+        </a:solidFill>
+        <a:gradFill rotWithShape="1">
+          <a:gsLst>
+            <a:gs pos="0">
+              <a:schemeClr val="phClr">
+                <a:lumMod val="110000"/>
+                <a:satMod val="105000"/>
+                <a:tint val="67000"/>
+              </a:schemeClr>
+            </a:gs>
+            <a:gs pos="50000">
+              <a:schemeClr val="phClr">
+                <a:lumMod val="105000"/>
+                <a:satMod val="103000"/>
+                <a:tint val="73000"/>
+              </a:schemeClr>
+            </a:gs>
+            <a:gs pos="100000">
+              <a:schemeClr val="phClr">
+                <a:lumMod val="105000"/>
+                <a:satMod val="109000"/>
+                <a:tint val="81000"/>
+              </a:schemeClr>
+            </a:gs>
+          </a:gsLst>
+          <a:lin ang="5400000" scaled="0"/>
+        </a:gradFill>
+        <a:gradFill rotWithShape="1">
+          <a:gsLst>
+            <a:gs pos="0">
+              <a:schemeClr val="phClr">
+                <a:satMod val="103000"/>
+                <a:lumMod val="102000"/>
+                <a:tint val="94000"/>
+              </a:schemeClr>
+            </a:gs>
+            <a:gs pos="50000">
+              <a:schemeClr val="phClr">
+                <a:satMod val="110000"/>
+                <a:lumMod val="100000"/>
+                <a:shade val="100000"/>
+              </a:schemeClr>
+            </a:gs>
+            <a:gs pos="100000">
+              <a:schemeClr val="phClr">
+                <a:lumMod val="99000"/>
+                <a:satMod val="120000"/>
+                <a:shade val="78000"/>
+              </a:schemeClr>
+            </a:gs>
+          </a:gsLst>
+          <a:lin ang="5400000" scaled="0"/>
+        </a:gradFill>
+      </a:fillStyleLst>
+      <a:lnStyleLst>
+        <a:ln w="6350" cap="flat" cmpd="sng" algn="ctr">
+          <a:solidFill>
+            <a:schemeClr val="phClr"/>
+          </a:solidFill>
+          <a:prstDash val="solid"/>
+          <a:miter lim="800000"/>
+        </a:ln>
+        <a:ln w="12700" cap="flat" cmpd="sng" algn="ctr">
+          <a:solidFill>
+            <a:schemeClr val="phClr"/>
+          </a:solidFill>
+          <a:prstDash val="solid"/>
+          <a:miter lim="800000"/>
+        </a:ln>
+        <a:ln w="19050" cap="flat" cmpd="sng" algn="ctr">
+          <a:solidFill>
+            <a:schemeClr val="phClr"/>
+          </a:solidFill>
+          <a:prstDash val="solid"/>
+          <a:miter lim="800000"/>
+        </a:ln>
+      </a:lnStyleLst>
+      <a:effectStyleLst>
+        <a:effectStyle>
+          <a:effectLst/>
+        </a:effectStyle>
+        <a:effectStyle>
+          <a:effectLst/>
+        </a:effectStyle>
+        <a:effectStyle>
+          <a:effectLst>
+            <a:outerShdw blurRad="57150" dist="19050" dir="5400000" algn="ctr" rotWithShape="0">
+              <a:srgbClr val="000000">
+                <a:alpha val="63000"/>
+              </a:srgbClr>
+            </a:outerShdw>
+          </a:effectLst>
+        </a:effectStyle>
+      </a:effectStyleLst>
+      <a:bgFillStyleLst>
+        <a:solidFill>
+          <a:schemeClr val="phClr"/>
+        </a:solidFill>
+        <a:solidFill>
+          <a:schemeClr val="phClr">
+            <a:tint val="95000"/>
+            <a:satMod val="170000"/>
+          </a:schemeClr>
+        </a:solidFill>
+        <a:gradFill rotWithShape="1">
+          <a:gsLst>
+            <a:gs pos="0">
+              <a:schemeClr val="phClr">
+                <a:tint val="93000"/>
+                <a:satMod val="150000"/>
+                <a:shade val="98000"/>
+                <a:lumMod val="102000"/>
+              </a:schemeClr>
+            </a:gs>
+            <a:gs pos="50000">
+              <a:schemeClr val="phClr">
+                <a:tint val="98000"/>
+                <a:satMod val="130000"/>
+                <a:shade val="90000"/>
+                <a:lumMod val="103000"/>
+              </a:schemeClr>
+            </a:gs>
+            <a:gs pos="100000">
+              <a:schemeClr val="phClr">
+                <a:shade val="63000"/>
+                <a:satMod val="120000"/>
+              </a:schemeClr>
+            </a:gs>
+          </a:gsLst>
+          <a:lin ang="5400000" scaled="0"/>
+        </a:gradFill>
+      </a:bgFillStyleLst>
+    </a:fmtScheme>
+  </a:themeElements>
+  <a:objectDefaults/>
+  <a:extraClrSchemeLst/>
+  <a:extLst>
+    <a:ext uri="{05A4C25C-085E-4340-85A3-A5531E510DB2}">
+      <thm15:themeFamily xmlns:thm15="http://schemas.microsoft.com/office/thememl/2012/main" name="Office Theme" id="{62F939B6-93AF-4DB8-9C6B-D6C7DFDC589F}" vid="{4A3C46E8-61CC-4603-A589-7422A47A8E4A}"/>
+    </a:ext>
+  </a:extLst>
+</a:theme>
 </file>